--- a/sdms/images/org_chart.pptx
+++ b/sdms/images/org_chart.pptx
@@ -7,6 +7,7 @@
   <p:sldIdLst>
     <p:sldId id="257" r:id="rId2"/>
     <p:sldId id="258" r:id="rId3"/>
+    <p:sldId id="259" r:id="rId4"/>
   </p:sldIdLst>
   <p:sldSz cx="12192000" cy="6858000"/>
   <p:notesSz cx="6858000" cy="9144000"/>
@@ -260,7 +261,7 @@
           <a:p>
             <a:fld id="{F9348AF6-6B39-4FE1-9903-1DAEF177AE5D}" type="datetimeFigureOut">
               <a:rPr lang="zh-TW" altLang="en-US" smtClean="0"/>
-              <a:t>2022/7/1</a:t>
+              <a:t>2023/2/1</a:t>
             </a:fld>
             <a:endParaRPr lang="zh-TW" altLang="en-US"/>
           </a:p>
@@ -458,7 +459,7 @@
           <a:p>
             <a:fld id="{F9348AF6-6B39-4FE1-9903-1DAEF177AE5D}" type="datetimeFigureOut">
               <a:rPr lang="zh-TW" altLang="en-US" smtClean="0"/>
-              <a:t>2022/7/1</a:t>
+              <a:t>2023/2/1</a:t>
             </a:fld>
             <a:endParaRPr lang="zh-TW" altLang="en-US"/>
           </a:p>
@@ -666,7 +667,7 @@
           <a:p>
             <a:fld id="{F9348AF6-6B39-4FE1-9903-1DAEF177AE5D}" type="datetimeFigureOut">
               <a:rPr lang="zh-TW" altLang="en-US" smtClean="0"/>
-              <a:t>2022/7/1</a:t>
+              <a:t>2023/2/1</a:t>
             </a:fld>
             <a:endParaRPr lang="zh-TW" altLang="en-US"/>
           </a:p>
@@ -864,7 +865,7 @@
           <a:p>
             <a:fld id="{F9348AF6-6B39-4FE1-9903-1DAEF177AE5D}" type="datetimeFigureOut">
               <a:rPr lang="zh-TW" altLang="en-US" smtClean="0"/>
-              <a:t>2022/7/1</a:t>
+              <a:t>2023/2/1</a:t>
             </a:fld>
             <a:endParaRPr lang="zh-TW" altLang="en-US"/>
           </a:p>
@@ -1139,7 +1140,7 @@
           <a:p>
             <a:fld id="{F9348AF6-6B39-4FE1-9903-1DAEF177AE5D}" type="datetimeFigureOut">
               <a:rPr lang="zh-TW" altLang="en-US" smtClean="0"/>
-              <a:t>2022/7/1</a:t>
+              <a:t>2023/2/1</a:t>
             </a:fld>
             <a:endParaRPr lang="zh-TW" altLang="en-US"/>
           </a:p>
@@ -1404,7 +1405,7 @@
           <a:p>
             <a:fld id="{F9348AF6-6B39-4FE1-9903-1DAEF177AE5D}" type="datetimeFigureOut">
               <a:rPr lang="zh-TW" altLang="en-US" smtClean="0"/>
-              <a:t>2022/7/1</a:t>
+              <a:t>2023/2/1</a:t>
             </a:fld>
             <a:endParaRPr lang="zh-TW" altLang="en-US"/>
           </a:p>
@@ -1816,7 +1817,7 @@
           <a:p>
             <a:fld id="{F9348AF6-6B39-4FE1-9903-1DAEF177AE5D}" type="datetimeFigureOut">
               <a:rPr lang="zh-TW" altLang="en-US" smtClean="0"/>
-              <a:t>2022/7/1</a:t>
+              <a:t>2023/2/1</a:t>
             </a:fld>
             <a:endParaRPr lang="zh-TW" altLang="en-US"/>
           </a:p>
@@ -1957,7 +1958,7 @@
           <a:p>
             <a:fld id="{F9348AF6-6B39-4FE1-9903-1DAEF177AE5D}" type="datetimeFigureOut">
               <a:rPr lang="zh-TW" altLang="en-US" smtClean="0"/>
-              <a:t>2022/7/1</a:t>
+              <a:t>2023/2/1</a:t>
             </a:fld>
             <a:endParaRPr lang="zh-TW" altLang="en-US"/>
           </a:p>
@@ -2070,7 +2071,7 @@
           <a:p>
             <a:fld id="{F9348AF6-6B39-4FE1-9903-1DAEF177AE5D}" type="datetimeFigureOut">
               <a:rPr lang="zh-TW" altLang="en-US" smtClean="0"/>
-              <a:t>2022/7/1</a:t>
+              <a:t>2023/2/1</a:t>
             </a:fld>
             <a:endParaRPr lang="zh-TW" altLang="en-US"/>
           </a:p>
@@ -2381,7 +2382,7 @@
           <a:p>
             <a:fld id="{F9348AF6-6B39-4FE1-9903-1DAEF177AE5D}" type="datetimeFigureOut">
               <a:rPr lang="zh-TW" altLang="en-US" smtClean="0"/>
-              <a:t>2022/7/1</a:t>
+              <a:t>2023/2/1</a:t>
             </a:fld>
             <a:endParaRPr lang="zh-TW" altLang="en-US"/>
           </a:p>
@@ -2669,7 +2670,7 @@
           <a:p>
             <a:fld id="{F9348AF6-6B39-4FE1-9903-1DAEF177AE5D}" type="datetimeFigureOut">
               <a:rPr lang="zh-TW" altLang="en-US" smtClean="0"/>
-              <a:t>2022/7/1</a:t>
+              <a:t>2023/2/1</a:t>
             </a:fld>
             <a:endParaRPr lang="zh-TW" altLang="en-US"/>
           </a:p>
@@ -2910,7 +2911,7 @@
           <a:p>
             <a:fld id="{F9348AF6-6B39-4FE1-9903-1DAEF177AE5D}" type="datetimeFigureOut">
               <a:rPr lang="zh-TW" altLang="en-US" smtClean="0"/>
-              <a:t>2022/7/1</a:t>
+              <a:t>2023/2/1</a:t>
             </a:fld>
             <a:endParaRPr lang="zh-TW" altLang="en-US"/>
           </a:p>
@@ -10402,6 +10403,826 @@
 </p:sld>
 </file>
 
+<file path=ppt/slides/slide3.xml><?xml version="1.0" encoding="utf-8"?>
+<p:sld xmlns:a="http://schemas.openxmlformats.org/drawingml/2006/main" xmlns:r="http://schemas.openxmlformats.org/officeDocument/2006/relationships" xmlns:p="http://schemas.openxmlformats.org/presentationml/2006/main">
+  <p:cSld>
+    <p:spTree>
+      <p:nvGrpSpPr>
+        <p:cNvPr id="1" name=""/>
+        <p:cNvGrpSpPr/>
+        <p:nvPr/>
+      </p:nvGrpSpPr>
+      <p:grpSpPr>
+        <a:xfrm>
+          <a:off x="0" y="0"/>
+          <a:ext cx="0" cy="0"/>
+          <a:chOff x="0" y="0"/>
+          <a:chExt cx="0" cy="0"/>
+        </a:xfrm>
+      </p:grpSpPr>
+      <p:grpSp>
+        <p:nvGrpSpPr>
+          <p:cNvPr id="2" name="群組 1">
+            <a:extLst>
+              <a:ext uri="{FF2B5EF4-FFF2-40B4-BE49-F238E27FC236}">
+                <a16:creationId xmlns:a16="http://schemas.microsoft.com/office/drawing/2014/main" id="{7E7B0847-47CC-4A0E-8BD4-B7C93743222F}"/>
+              </a:ext>
+            </a:extLst>
+          </p:cNvPr>
+          <p:cNvGrpSpPr/>
+          <p:nvPr/>
+        </p:nvGrpSpPr>
+        <p:grpSpPr>
+          <a:xfrm>
+            <a:off x="2286000" y="228600"/>
+            <a:ext cx="7620000" cy="6400800"/>
+            <a:chOff x="2286000" y="228600"/>
+            <a:chExt cx="7620000" cy="6400800"/>
+          </a:xfrm>
+        </p:grpSpPr>
+        <p:grpSp>
+          <p:nvGrpSpPr>
+            <p:cNvPr id="9" name="群組 8">
+              <a:extLst>
+                <a:ext uri="{FF2B5EF4-FFF2-40B4-BE49-F238E27FC236}">
+                  <a16:creationId xmlns:a16="http://schemas.microsoft.com/office/drawing/2014/main" id="{707877C9-E475-4EC8-B7F2-0B72D2FA59CF}"/>
+                </a:ext>
+              </a:extLst>
+            </p:cNvPr>
+            <p:cNvGrpSpPr/>
+            <p:nvPr/>
+          </p:nvGrpSpPr>
+          <p:grpSpPr>
+            <a:xfrm>
+              <a:off x="2286000" y="228600"/>
+              <a:ext cx="7620000" cy="6400800"/>
+              <a:chOff x="2286000" y="228600"/>
+              <a:chExt cx="7620000" cy="6400800"/>
+            </a:xfrm>
+          </p:grpSpPr>
+          <p:pic>
+            <p:nvPicPr>
+              <p:cNvPr id="5" name="圖片 4">
+                <a:extLst>
+                  <a:ext uri="{FF2B5EF4-FFF2-40B4-BE49-F238E27FC236}">
+                    <a16:creationId xmlns:a16="http://schemas.microsoft.com/office/drawing/2014/main" id="{EB6D7919-6B45-4209-AB89-8A8CD4FE35D0}"/>
+                  </a:ext>
+                </a:extLst>
+              </p:cNvPr>
+              <p:cNvPicPr>
+                <a:picLocks noChangeAspect="1"/>
+              </p:cNvPicPr>
+              <p:nvPr/>
+            </p:nvPicPr>
+            <p:blipFill>
+              <a:blip r:embed="rId2">
+                <a:extLst>
+                  <a:ext uri="{28A0092B-C50C-407E-A947-70E740481C1C}">
+                    <a14:useLocalDpi xmlns:a14="http://schemas.microsoft.com/office/drawing/2010/main" val="0"/>
+                  </a:ext>
+                </a:extLst>
+              </a:blip>
+              <a:stretch>
+                <a:fillRect/>
+              </a:stretch>
+            </p:blipFill>
+            <p:spPr>
+              <a:xfrm>
+                <a:off x="2286000" y="228600"/>
+                <a:ext cx="7620000" cy="6400800"/>
+              </a:xfrm>
+              <a:prstGeom prst="rect">
+                <a:avLst/>
+              </a:prstGeom>
+            </p:spPr>
+          </p:pic>
+          <p:sp>
+            <p:nvSpPr>
+              <p:cNvPr id="6" name="矩形 5">
+                <a:extLst>
+                  <a:ext uri="{FF2B5EF4-FFF2-40B4-BE49-F238E27FC236}">
+                    <a16:creationId xmlns:a16="http://schemas.microsoft.com/office/drawing/2014/main" id="{41290578-B83F-43D6-B633-9BC609FBC6F4}"/>
+                  </a:ext>
+                </a:extLst>
+              </p:cNvPr>
+              <p:cNvSpPr/>
+              <p:nvPr/>
+            </p:nvSpPr>
+            <p:spPr>
+              <a:xfrm>
+                <a:off x="2430999" y="866957"/>
+                <a:ext cx="1963270" cy="2124635"/>
+              </a:xfrm>
+              <a:prstGeom prst="rect">
+                <a:avLst/>
+              </a:prstGeom>
+              <a:solidFill>
+                <a:schemeClr val="bg1"/>
+              </a:solidFill>
+              <a:ln>
+                <a:noFill/>
+              </a:ln>
+            </p:spPr>
+            <p:style>
+              <a:lnRef idx="2">
+                <a:schemeClr val="accent1">
+                  <a:shade val="50000"/>
+                </a:schemeClr>
+              </a:lnRef>
+              <a:fillRef idx="1">
+                <a:schemeClr val="accent1"/>
+              </a:fillRef>
+              <a:effectRef idx="0">
+                <a:schemeClr val="accent1"/>
+              </a:effectRef>
+              <a:fontRef idx="minor">
+                <a:schemeClr val="lt1"/>
+              </a:fontRef>
+            </p:style>
+            <p:txBody>
+              <a:bodyPr rtlCol="0" anchor="ctr"/>
+              <a:lstStyle/>
+              <a:p>
+                <a:pPr algn="ctr"/>
+                <a:endParaRPr lang="zh-TW" altLang="en-US" dirty="0"/>
+              </a:p>
+            </p:txBody>
+          </p:sp>
+          <p:sp>
+            <p:nvSpPr>
+              <p:cNvPr id="7" name="矩形 6">
+                <a:extLst>
+                  <a:ext uri="{FF2B5EF4-FFF2-40B4-BE49-F238E27FC236}">
+                    <a16:creationId xmlns:a16="http://schemas.microsoft.com/office/drawing/2014/main" id="{5DBA2633-5121-44E7-95D4-10BA437F190E}"/>
+                  </a:ext>
+                </a:extLst>
+              </p:cNvPr>
+              <p:cNvSpPr/>
+              <p:nvPr/>
+            </p:nvSpPr>
+            <p:spPr>
+              <a:xfrm>
+                <a:off x="5114365" y="968188"/>
+                <a:ext cx="1963270" cy="1102659"/>
+              </a:xfrm>
+              <a:prstGeom prst="rect">
+                <a:avLst/>
+              </a:prstGeom>
+              <a:solidFill>
+                <a:schemeClr val="bg1"/>
+              </a:solidFill>
+              <a:ln>
+                <a:noFill/>
+              </a:ln>
+            </p:spPr>
+            <p:style>
+              <a:lnRef idx="2">
+                <a:schemeClr val="accent1">
+                  <a:shade val="50000"/>
+                </a:schemeClr>
+              </a:lnRef>
+              <a:fillRef idx="1">
+                <a:schemeClr val="accent1"/>
+              </a:fillRef>
+              <a:effectRef idx="0">
+                <a:schemeClr val="accent1"/>
+              </a:effectRef>
+              <a:fontRef idx="minor">
+                <a:schemeClr val="lt1"/>
+              </a:fontRef>
+            </p:style>
+            <p:txBody>
+              <a:bodyPr rtlCol="0" anchor="ctr"/>
+              <a:lstStyle/>
+              <a:p>
+                <a:pPr algn="ctr"/>
+                <a:endParaRPr lang="zh-TW" altLang="en-US"/>
+              </a:p>
+            </p:txBody>
+          </p:sp>
+          <p:sp>
+            <p:nvSpPr>
+              <p:cNvPr id="8" name="矩形 7">
+                <a:extLst>
+                  <a:ext uri="{FF2B5EF4-FFF2-40B4-BE49-F238E27FC236}">
+                    <a16:creationId xmlns:a16="http://schemas.microsoft.com/office/drawing/2014/main" id="{AB8F7624-718A-4508-B377-A170D9B5F603}"/>
+                  </a:ext>
+                </a:extLst>
+              </p:cNvPr>
+              <p:cNvSpPr/>
+              <p:nvPr/>
+            </p:nvSpPr>
+            <p:spPr>
+              <a:xfrm>
+                <a:off x="7669306" y="968188"/>
+                <a:ext cx="1963270" cy="1102659"/>
+              </a:xfrm>
+              <a:prstGeom prst="rect">
+                <a:avLst/>
+              </a:prstGeom>
+              <a:solidFill>
+                <a:schemeClr val="bg1"/>
+              </a:solidFill>
+              <a:ln>
+                <a:noFill/>
+              </a:ln>
+            </p:spPr>
+            <p:style>
+              <a:lnRef idx="2">
+                <a:schemeClr val="accent1">
+                  <a:shade val="50000"/>
+                </a:schemeClr>
+              </a:lnRef>
+              <a:fillRef idx="1">
+                <a:schemeClr val="accent1"/>
+              </a:fillRef>
+              <a:effectRef idx="0">
+                <a:schemeClr val="accent1"/>
+              </a:effectRef>
+              <a:fontRef idx="minor">
+                <a:schemeClr val="lt1"/>
+              </a:fontRef>
+            </p:style>
+            <p:txBody>
+              <a:bodyPr rtlCol="0" anchor="ctr"/>
+              <a:lstStyle/>
+              <a:p>
+                <a:pPr algn="ctr"/>
+                <a:endParaRPr lang="zh-TW" altLang="en-US"/>
+              </a:p>
+            </p:txBody>
+          </p:sp>
+        </p:grpSp>
+        <p:sp>
+          <p:nvSpPr>
+            <p:cNvPr id="10" name="文字方塊 9">
+              <a:extLst>
+                <a:ext uri="{FF2B5EF4-FFF2-40B4-BE49-F238E27FC236}">
+                  <a16:creationId xmlns:a16="http://schemas.microsoft.com/office/drawing/2014/main" id="{7995D3D4-B503-4A9C-922D-F768323A21B3}"/>
+                </a:ext>
+              </a:extLst>
+            </p:cNvPr>
+            <p:cNvSpPr txBox="1"/>
+            <p:nvPr/>
+          </p:nvSpPr>
+          <p:spPr>
+            <a:xfrm>
+              <a:off x="2370877" y="968188"/>
+              <a:ext cx="2219778" cy="1892826"/>
+            </a:xfrm>
+            <a:prstGeom prst="rect">
+              <a:avLst/>
+            </a:prstGeom>
+            <a:noFill/>
+          </p:spPr>
+          <p:txBody>
+            <a:bodyPr wrap="square" rtlCol="0">
+              <a:spAutoFit/>
+            </a:bodyPr>
+            <a:lstStyle/>
+            <a:p>
+              <a:pPr lvl="0"/>
+              <a:r>
+                <a:rPr lang="zh-TW" altLang="zh-TW" sz="1300" dirty="0">
+                  <a:solidFill>
+                    <a:srgbClr val="515151"/>
+                  </a:solidFill>
+                  <a:latin typeface="微軟正黑體 Light" panose="020B0304030504040204" pitchFamily="34" charset="-120"/>
+                  <a:ea typeface="微軟正黑體 Light" panose="020B0304030504040204" pitchFamily="34" charset="-120"/>
+                </a:rPr>
+                <a:t>童工</a:t>
+              </a:r>
+              <a:r>
+                <a:rPr lang="zh-TW" altLang="en-US" sz="1300" dirty="0">
+                  <a:solidFill>
+                    <a:srgbClr val="515151"/>
+                  </a:solidFill>
+                  <a:latin typeface="微軟正黑體 Light" panose="020B0304030504040204" pitchFamily="34" charset="-120"/>
+                  <a:ea typeface="微軟正黑體 Light" panose="020B0304030504040204" pitchFamily="34" charset="-120"/>
+                </a:rPr>
+                <a:t>。</a:t>
+              </a:r>
+              <a:endParaRPr lang="zh-TW" altLang="zh-TW" sz="1300" dirty="0">
+                <a:solidFill>
+                  <a:srgbClr val="515151"/>
+                </a:solidFill>
+                <a:latin typeface="微軟正黑體 Light" panose="020B0304030504040204" pitchFamily="34" charset="-120"/>
+                <a:ea typeface="微軟正黑體 Light" panose="020B0304030504040204" pitchFamily="34" charset="-120"/>
+              </a:endParaRPr>
+            </a:p>
+            <a:p>
+              <a:pPr lvl="0"/>
+              <a:r>
+                <a:rPr lang="zh-TW" altLang="zh-TW" sz="1300" dirty="0">
+                  <a:solidFill>
+                    <a:srgbClr val="515151"/>
+                  </a:solidFill>
+                  <a:latin typeface="微軟正黑體 Light" panose="020B0304030504040204" pitchFamily="34" charset="-120"/>
+                  <a:ea typeface="微軟正黑體 Light" panose="020B0304030504040204" pitchFamily="34" charset="-120"/>
+                </a:rPr>
+                <a:t>社區關係</a:t>
+              </a:r>
+              <a:r>
+                <a:rPr lang="zh-TW" altLang="en-US" sz="1300" dirty="0">
+                  <a:solidFill>
+                    <a:srgbClr val="515151"/>
+                  </a:solidFill>
+                  <a:latin typeface="微軟正黑體 Light" panose="020B0304030504040204" pitchFamily="34" charset="-120"/>
+                  <a:ea typeface="微軟正黑體 Light" panose="020B0304030504040204" pitchFamily="34" charset="-120"/>
+                </a:rPr>
+                <a:t>。</a:t>
+              </a:r>
+              <a:endParaRPr lang="zh-TW" altLang="zh-TW" sz="1300" dirty="0">
+                <a:solidFill>
+                  <a:srgbClr val="515151"/>
+                </a:solidFill>
+                <a:latin typeface="微軟正黑體 Light" panose="020B0304030504040204" pitchFamily="34" charset="-120"/>
+                <a:ea typeface="微軟正黑體 Light" panose="020B0304030504040204" pitchFamily="34" charset="-120"/>
+              </a:endParaRPr>
+            </a:p>
+            <a:p>
+              <a:pPr lvl="0"/>
+              <a:r>
+                <a:rPr lang="zh-TW" altLang="zh-TW" sz="1300" dirty="0">
+                  <a:solidFill>
+                    <a:srgbClr val="515151"/>
+                  </a:solidFill>
+                  <a:latin typeface="微軟正黑體 Light" panose="020B0304030504040204" pitchFamily="34" charset="-120"/>
+                  <a:ea typeface="微軟正黑體 Light" panose="020B0304030504040204" pitchFamily="34" charset="-120"/>
+                </a:rPr>
+                <a:t>歧視</a:t>
+              </a:r>
+              <a:r>
+                <a:rPr lang="zh-TW" altLang="en-US" sz="1300" dirty="0">
+                  <a:solidFill>
+                    <a:srgbClr val="515151"/>
+                  </a:solidFill>
+                  <a:latin typeface="微軟正黑體 Light" panose="020B0304030504040204" pitchFamily="34" charset="-120"/>
+                  <a:ea typeface="微軟正黑體 Light" panose="020B0304030504040204" pitchFamily="34" charset="-120"/>
+                </a:rPr>
+                <a:t>。</a:t>
+              </a:r>
+              <a:endParaRPr lang="zh-TW" altLang="zh-TW" sz="1300" dirty="0">
+                <a:solidFill>
+                  <a:srgbClr val="515151"/>
+                </a:solidFill>
+                <a:latin typeface="微軟正黑體 Light" panose="020B0304030504040204" pitchFamily="34" charset="-120"/>
+                <a:ea typeface="微軟正黑體 Light" panose="020B0304030504040204" pitchFamily="34" charset="-120"/>
+              </a:endParaRPr>
+            </a:p>
+            <a:p>
+              <a:pPr lvl="0"/>
+              <a:r>
+                <a:rPr lang="zh-TW" altLang="zh-TW" sz="1300" dirty="0">
+                  <a:solidFill>
+                    <a:srgbClr val="515151"/>
+                  </a:solidFill>
+                  <a:latin typeface="微軟正黑體 Light" panose="020B0304030504040204" pitchFamily="34" charset="-120"/>
+                  <a:ea typeface="微軟正黑體 Light" panose="020B0304030504040204" pitchFamily="34" charset="-120"/>
+                </a:rPr>
+                <a:t>結社自由和集體談判權</a:t>
+              </a:r>
+              <a:r>
+                <a:rPr lang="zh-TW" altLang="en-US" sz="1300" dirty="0">
+                  <a:solidFill>
+                    <a:srgbClr val="515151"/>
+                  </a:solidFill>
+                  <a:latin typeface="微軟正黑體 Light" panose="020B0304030504040204" pitchFamily="34" charset="-120"/>
+                  <a:ea typeface="微軟正黑體 Light" panose="020B0304030504040204" pitchFamily="34" charset="-120"/>
+                </a:rPr>
+                <a:t>。</a:t>
+              </a:r>
+              <a:endParaRPr lang="zh-TW" altLang="zh-TW" sz="1300" dirty="0">
+                <a:solidFill>
+                  <a:srgbClr val="515151"/>
+                </a:solidFill>
+                <a:latin typeface="微軟正黑體 Light" panose="020B0304030504040204" pitchFamily="34" charset="-120"/>
+                <a:ea typeface="微軟正黑體 Light" panose="020B0304030504040204" pitchFamily="34" charset="-120"/>
+              </a:endParaRPr>
+            </a:p>
+            <a:p>
+              <a:pPr lvl="0"/>
+              <a:r>
+                <a:rPr lang="zh-TW" altLang="zh-TW" sz="1300" dirty="0">
+                  <a:solidFill>
+                    <a:srgbClr val="515151"/>
+                  </a:solidFill>
+                  <a:latin typeface="微軟正黑體 Light" panose="020B0304030504040204" pitchFamily="34" charset="-120"/>
+                  <a:ea typeface="微軟正黑體 Light" panose="020B0304030504040204" pitchFamily="34" charset="-120"/>
+                </a:rPr>
+                <a:t>騷擾、虐待和懲戒措施</a:t>
+              </a:r>
+              <a:r>
+                <a:rPr lang="zh-TW" altLang="en-US" sz="1300" dirty="0">
+                  <a:solidFill>
+                    <a:srgbClr val="515151"/>
+                  </a:solidFill>
+                  <a:latin typeface="微軟正黑體 Light" panose="020B0304030504040204" pitchFamily="34" charset="-120"/>
+                  <a:ea typeface="微軟正黑體 Light" panose="020B0304030504040204" pitchFamily="34" charset="-120"/>
+                </a:rPr>
+                <a:t>。</a:t>
+              </a:r>
+              <a:endParaRPr lang="zh-TW" altLang="zh-TW" sz="1300" dirty="0">
+                <a:solidFill>
+                  <a:srgbClr val="515151"/>
+                </a:solidFill>
+                <a:latin typeface="微軟正黑體 Light" panose="020B0304030504040204" pitchFamily="34" charset="-120"/>
+                <a:ea typeface="微軟正黑體 Light" panose="020B0304030504040204" pitchFamily="34" charset="-120"/>
+              </a:endParaRPr>
+            </a:p>
+            <a:p>
+              <a:pPr lvl="0"/>
+              <a:r>
+                <a:rPr lang="zh-TW" altLang="zh-TW" sz="1300" dirty="0">
+                  <a:solidFill>
+                    <a:srgbClr val="515151"/>
+                  </a:solidFill>
+                  <a:latin typeface="微軟正黑體 Light" panose="020B0304030504040204" pitchFamily="34" charset="-120"/>
+                  <a:ea typeface="微軟正黑體 Light" panose="020B0304030504040204" pitchFamily="34" charset="-120"/>
+                </a:rPr>
+                <a:t>健康和安全</a:t>
+              </a:r>
+              <a:r>
+                <a:rPr lang="zh-TW" altLang="en-US" sz="1300" dirty="0">
+                  <a:solidFill>
+                    <a:srgbClr val="515151"/>
+                  </a:solidFill>
+                  <a:latin typeface="微軟正黑體 Light" panose="020B0304030504040204" pitchFamily="34" charset="-120"/>
+                  <a:ea typeface="微軟正黑體 Light" panose="020B0304030504040204" pitchFamily="34" charset="-120"/>
+                </a:rPr>
+                <a:t>。</a:t>
+              </a:r>
+              <a:endParaRPr lang="zh-TW" altLang="zh-TW" sz="1300" dirty="0">
+                <a:solidFill>
+                  <a:srgbClr val="515151"/>
+                </a:solidFill>
+                <a:latin typeface="微軟正黑體 Light" panose="020B0304030504040204" pitchFamily="34" charset="-120"/>
+                <a:ea typeface="微軟正黑體 Light" panose="020B0304030504040204" pitchFamily="34" charset="-120"/>
+              </a:endParaRPr>
+            </a:p>
+            <a:p>
+              <a:pPr lvl="0"/>
+              <a:r>
+                <a:rPr lang="zh-TW" altLang="zh-TW" sz="1300" dirty="0">
+                  <a:solidFill>
+                    <a:srgbClr val="515151"/>
+                  </a:solidFill>
+                  <a:latin typeface="微軟正黑體 Light" panose="020B0304030504040204" pitchFamily="34" charset="-120"/>
+                  <a:ea typeface="微軟正黑體 Light" panose="020B0304030504040204" pitchFamily="34" charset="-120"/>
+                </a:rPr>
+                <a:t>聘僱措施和強迫勞動</a:t>
+              </a:r>
+              <a:r>
+                <a:rPr lang="zh-TW" altLang="en-US" sz="1300" dirty="0">
+                  <a:solidFill>
+                    <a:srgbClr val="515151"/>
+                  </a:solidFill>
+                  <a:latin typeface="微軟正黑體 Light" panose="020B0304030504040204" pitchFamily="34" charset="-120"/>
+                  <a:ea typeface="微軟正黑體 Light" panose="020B0304030504040204" pitchFamily="34" charset="-120"/>
+                </a:rPr>
+                <a:t>。</a:t>
+              </a:r>
+              <a:endParaRPr lang="zh-TW" altLang="zh-TW" sz="1300" dirty="0">
+                <a:solidFill>
+                  <a:srgbClr val="515151"/>
+                </a:solidFill>
+                <a:latin typeface="微軟正黑體 Light" panose="020B0304030504040204" pitchFamily="34" charset="-120"/>
+                <a:ea typeface="微軟正黑體 Light" panose="020B0304030504040204" pitchFamily="34" charset="-120"/>
+              </a:endParaRPr>
+            </a:p>
+            <a:p>
+              <a:pPr lvl="0"/>
+              <a:r>
+                <a:rPr lang="zh-TW" altLang="zh-TW" sz="1300" dirty="0">
+                  <a:solidFill>
+                    <a:srgbClr val="515151"/>
+                  </a:solidFill>
+                  <a:latin typeface="微軟正黑體 Light" panose="020B0304030504040204" pitchFamily="34" charset="-120"/>
+                  <a:ea typeface="微軟正黑體 Light" panose="020B0304030504040204" pitchFamily="34" charset="-120"/>
+                </a:rPr>
+                <a:t>薪酬</a:t>
+              </a:r>
+              <a:r>
+                <a:rPr lang="zh-TW" altLang="en-US" sz="1300" dirty="0">
+                  <a:solidFill>
+                    <a:srgbClr val="515151"/>
+                  </a:solidFill>
+                  <a:latin typeface="微軟正黑體 Light" panose="020B0304030504040204" pitchFamily="34" charset="-120"/>
+                  <a:ea typeface="微軟正黑體 Light" panose="020B0304030504040204" pitchFamily="34" charset="-120"/>
+                </a:rPr>
+                <a:t>。</a:t>
+              </a:r>
+              <a:endParaRPr lang="zh-TW" altLang="zh-TW" sz="1300" dirty="0">
+                <a:solidFill>
+                  <a:srgbClr val="515151"/>
+                </a:solidFill>
+                <a:latin typeface="微軟正黑體 Light" panose="020B0304030504040204" pitchFamily="34" charset="-120"/>
+                <a:ea typeface="微軟正黑體 Light" panose="020B0304030504040204" pitchFamily="34" charset="-120"/>
+              </a:endParaRPr>
+            </a:p>
+            <a:p>
+              <a:r>
+                <a:rPr lang="zh-TW" altLang="zh-TW" sz="1300" dirty="0">
+                  <a:solidFill>
+                    <a:srgbClr val="515151"/>
+                  </a:solidFill>
+                  <a:latin typeface="微軟正黑體 Light" panose="020B0304030504040204" pitchFamily="34" charset="-120"/>
+                  <a:ea typeface="微軟正黑體 Light" panose="020B0304030504040204" pitchFamily="34" charset="-120"/>
+                </a:rPr>
+                <a:t>安全措施</a:t>
+              </a:r>
+              <a:r>
+                <a:rPr lang="zh-TW" altLang="en-US" sz="1300" dirty="0">
+                  <a:solidFill>
+                    <a:srgbClr val="515151"/>
+                  </a:solidFill>
+                  <a:latin typeface="微軟正黑體 Light" panose="020B0304030504040204" pitchFamily="34" charset="-120"/>
+                  <a:ea typeface="微軟正黑體 Light" panose="020B0304030504040204" pitchFamily="34" charset="-120"/>
+                </a:rPr>
+                <a:t>。</a:t>
+              </a:r>
+            </a:p>
+          </p:txBody>
+        </p:sp>
+        <p:sp>
+          <p:nvSpPr>
+            <p:cNvPr id="17" name="文字方塊 16">
+              <a:extLst>
+                <a:ext uri="{FF2B5EF4-FFF2-40B4-BE49-F238E27FC236}">
+                  <a16:creationId xmlns:a16="http://schemas.microsoft.com/office/drawing/2014/main" id="{0586C28D-A9E9-45BA-8F7C-65B0149D9089}"/>
+                </a:ext>
+              </a:extLst>
+            </p:cNvPr>
+            <p:cNvSpPr txBox="1"/>
+            <p:nvPr/>
+          </p:nvSpPr>
+          <p:spPr>
+            <a:xfrm>
+              <a:off x="4943023" y="1402558"/>
+              <a:ext cx="2219778" cy="1692771"/>
+            </a:xfrm>
+            <a:prstGeom prst="rect">
+              <a:avLst/>
+            </a:prstGeom>
+            <a:noFill/>
+          </p:spPr>
+          <p:txBody>
+            <a:bodyPr wrap="square" rtlCol="0">
+              <a:spAutoFit/>
+            </a:bodyPr>
+            <a:lstStyle>
+              <a:defPPr>
+                <a:defRPr lang="zh-TW"/>
+              </a:defPPr>
+              <a:lvl1pPr lvl="0">
+                <a:defRPr sz="1500">
+                  <a:solidFill>
+                    <a:srgbClr val="515151"/>
+                  </a:solidFill>
+                  <a:latin typeface="微軟正黑體 Light" panose="020B0304030504040204" pitchFamily="34" charset="-120"/>
+                  <a:ea typeface="微軟正黑體 Light" panose="020B0304030504040204" pitchFamily="34" charset="-120"/>
+                </a:defRPr>
+              </a:lvl1pPr>
+            </a:lstStyle>
+            <a:p>
+              <a:r>
+                <a:rPr lang="zh-TW" altLang="zh-TW" sz="1300" dirty="0"/>
+                <a:t>遵守環境、安全、衛生相關法規</a:t>
+              </a:r>
+              <a:r>
+                <a:rPr lang="zh-TW" altLang="en-US" sz="1300" dirty="0"/>
+                <a:t>。</a:t>
+              </a:r>
+              <a:endParaRPr lang="zh-TW" altLang="zh-TW" sz="1300" dirty="0"/>
+            </a:p>
+            <a:p>
+              <a:r>
+                <a:rPr lang="zh-TW" altLang="zh-TW" sz="1300" dirty="0"/>
+                <a:t>取得相關許可認證</a:t>
+              </a:r>
+              <a:r>
+                <a:rPr lang="zh-TW" altLang="en-US" sz="1300" dirty="0"/>
+                <a:t>。</a:t>
+              </a:r>
+              <a:endParaRPr lang="zh-TW" altLang="zh-TW" sz="1300" dirty="0"/>
+            </a:p>
+            <a:p>
+              <a:r>
+                <a:rPr lang="zh-TW" altLang="zh-TW" sz="1300" dirty="0"/>
+                <a:t>預防有害物質及汙染</a:t>
+              </a:r>
+              <a:r>
+                <a:rPr lang="zh-TW" altLang="en-US" sz="1300" dirty="0"/>
+                <a:t>。</a:t>
+              </a:r>
+              <a:endParaRPr lang="zh-TW" altLang="zh-TW" sz="1300" dirty="0"/>
+            </a:p>
+            <a:p>
+              <a:r>
+                <a:rPr lang="zh-TW" altLang="zh-TW" sz="1300" dirty="0"/>
+                <a:t>尋找環境友善之替代品</a:t>
+              </a:r>
+              <a:r>
+                <a:rPr lang="zh-TW" altLang="en-US" sz="1300" dirty="0"/>
+                <a:t>。</a:t>
+              </a:r>
+              <a:endParaRPr lang="zh-TW" altLang="zh-TW" sz="1300" dirty="0"/>
+            </a:p>
+            <a:p>
+              <a:r>
+                <a:rPr lang="zh-TW" altLang="zh-TW" sz="1300" dirty="0"/>
+                <a:t>資源和能源之永續及有效利用</a:t>
+              </a:r>
+              <a:r>
+                <a:rPr lang="zh-TW" altLang="en-US" sz="1300" dirty="0"/>
+                <a:t>。</a:t>
+              </a:r>
+              <a:endParaRPr lang="zh-TW" altLang="zh-TW" sz="1300" dirty="0"/>
+            </a:p>
+            <a:p>
+              <a:r>
+                <a:rPr lang="zh-TW" altLang="zh-TW" sz="1300" dirty="0"/>
+                <a:t>保護健康和環境的立即措施</a:t>
+              </a:r>
+              <a:r>
+                <a:rPr lang="zh-TW" altLang="en-US" sz="1300" dirty="0"/>
+                <a:t>。</a:t>
+              </a:r>
+            </a:p>
+          </p:txBody>
+        </p:sp>
+        <p:sp>
+          <p:nvSpPr>
+            <p:cNvPr id="18" name="文字方塊 17">
+              <a:extLst>
+                <a:ext uri="{FF2B5EF4-FFF2-40B4-BE49-F238E27FC236}">
+                  <a16:creationId xmlns:a16="http://schemas.microsoft.com/office/drawing/2014/main" id="{82D63517-F88F-42E4-B61C-171CB34F4EEB}"/>
+                </a:ext>
+              </a:extLst>
+            </p:cNvPr>
+            <p:cNvSpPr txBox="1"/>
+            <p:nvPr/>
+          </p:nvSpPr>
+          <p:spPr>
+            <a:xfrm>
+              <a:off x="7560273" y="968188"/>
+              <a:ext cx="2219778" cy="1092607"/>
+            </a:xfrm>
+            <a:prstGeom prst="rect">
+              <a:avLst/>
+            </a:prstGeom>
+            <a:noFill/>
+          </p:spPr>
+          <p:txBody>
+            <a:bodyPr wrap="square" rtlCol="0">
+              <a:spAutoFit/>
+            </a:bodyPr>
+            <a:lstStyle>
+              <a:defPPr>
+                <a:defRPr lang="zh-TW"/>
+              </a:defPPr>
+              <a:lvl1pPr lvl="0">
+                <a:defRPr sz="1500">
+                  <a:solidFill>
+                    <a:srgbClr val="515151"/>
+                  </a:solidFill>
+                  <a:latin typeface="微軟正黑體 Light" panose="020B0304030504040204" pitchFamily="34" charset="-120"/>
+                  <a:ea typeface="微軟正黑體 Light" panose="020B0304030504040204" pitchFamily="34" charset="-120"/>
+                </a:defRPr>
+              </a:lvl1pPr>
+            </a:lstStyle>
+            <a:p>
+              <a:r>
+                <a:rPr lang="zh-TW" altLang="zh-TW" sz="1300" dirty="0"/>
+                <a:t>提倡誠信正直和道德</a:t>
+              </a:r>
+              <a:r>
+                <a:rPr lang="zh-TW" altLang="en-US" sz="1300" dirty="0"/>
+                <a:t>。</a:t>
+              </a:r>
+              <a:endParaRPr lang="zh-TW" altLang="zh-TW" sz="1300" dirty="0"/>
+            </a:p>
+            <a:p>
+              <a:r>
+                <a:rPr lang="zh-TW" altLang="zh-TW" sz="1300" dirty="0"/>
+                <a:t>對貪腐採零容忍政策</a:t>
+              </a:r>
+              <a:r>
+                <a:rPr lang="zh-TW" altLang="en-US" sz="1300" dirty="0"/>
+                <a:t>。</a:t>
+              </a:r>
+              <a:endParaRPr lang="zh-TW" altLang="zh-TW" sz="1300" dirty="0"/>
+            </a:p>
+            <a:p>
+              <a:r>
+                <a:rPr lang="zh-TW" altLang="zh-TW" sz="1300" dirty="0"/>
+                <a:t>採取預防措施管控風險</a:t>
+              </a:r>
+              <a:r>
+                <a:rPr lang="zh-TW" altLang="en-US" sz="1300" dirty="0"/>
+                <a:t>。</a:t>
+              </a:r>
+              <a:endParaRPr lang="zh-TW" altLang="zh-TW" sz="1300" dirty="0"/>
+            </a:p>
+            <a:p>
+              <a:r>
+                <a:rPr lang="zh-TW" altLang="zh-TW" sz="1300" dirty="0"/>
+                <a:t>提供檢舉機制</a:t>
+              </a:r>
+              <a:r>
+                <a:rPr lang="zh-TW" altLang="en-US" sz="1300" dirty="0"/>
+                <a:t>。</a:t>
+              </a:r>
+              <a:endParaRPr lang="zh-TW" altLang="zh-TW" sz="1300" dirty="0"/>
+            </a:p>
+            <a:p>
+              <a:r>
+                <a:rPr lang="zh-TW" altLang="zh-TW" sz="1300" dirty="0"/>
+                <a:t>不違反貿易制裁</a:t>
+              </a:r>
+              <a:r>
+                <a:rPr lang="zh-TW" altLang="en-US" sz="1300" dirty="0"/>
+                <a:t>。</a:t>
+              </a:r>
+            </a:p>
+          </p:txBody>
+        </p:sp>
+        <p:sp>
+          <p:nvSpPr>
+            <p:cNvPr id="19" name="矩形 18">
+              <a:extLst>
+                <a:ext uri="{FF2B5EF4-FFF2-40B4-BE49-F238E27FC236}">
+                  <a16:creationId xmlns:a16="http://schemas.microsoft.com/office/drawing/2014/main" id="{33196755-7C25-404A-8131-FBDB597926DB}"/>
+                </a:ext>
+              </a:extLst>
+            </p:cNvPr>
+            <p:cNvSpPr/>
+            <p:nvPr/>
+          </p:nvSpPr>
+          <p:spPr>
+            <a:xfrm>
+              <a:off x="5114365" y="923675"/>
+              <a:ext cx="1853561" cy="461665"/>
+            </a:xfrm>
+            <a:prstGeom prst="rect">
+              <a:avLst/>
+            </a:prstGeom>
+          </p:spPr>
+          <p:txBody>
+            <a:bodyPr wrap="square">
+              <a:spAutoFit/>
+            </a:bodyPr>
+            <a:lstStyle/>
+            <a:p>
+              <a:pPr algn="ctr">
+                <a:spcAft>
+                  <a:spcPts val="0"/>
+                </a:spcAft>
+              </a:pPr>
+              <a:r>
+                <a:rPr lang="zh-TW" altLang="zh-TW" sz="1200" b="1" dirty="0">
+                  <a:solidFill>
+                    <a:srgbClr val="515151"/>
+                  </a:solidFill>
+                  <a:latin typeface="微軟正黑體 Light" panose="020B0304030504040204" pitchFamily="34" charset="-120"/>
+                  <a:ea typeface="微軟正黑體 Light" panose="020B0304030504040204" pitchFamily="34" charset="-120"/>
+                </a:rPr>
+                <a:t>減少對環境、人類健康</a:t>
+              </a:r>
+            </a:p>
+            <a:p>
+              <a:pPr algn="ctr">
+                <a:spcAft>
+                  <a:spcPts val="0"/>
+                </a:spcAft>
+              </a:pPr>
+              <a:r>
+                <a:rPr lang="zh-TW" altLang="zh-TW" sz="1200" b="1" dirty="0">
+                  <a:solidFill>
+                    <a:srgbClr val="515151"/>
+                  </a:solidFill>
+                  <a:latin typeface="微軟正黑體 Light" panose="020B0304030504040204" pitchFamily="34" charset="-120"/>
+                  <a:ea typeface="微軟正黑體 Light" panose="020B0304030504040204" pitchFamily="34" charset="-120"/>
+                </a:rPr>
+                <a:t>和生活帶來之不利影響</a:t>
+              </a:r>
+            </a:p>
+          </p:txBody>
+        </p:sp>
+      </p:grpSp>
+    </p:spTree>
+    <p:extLst>
+      <p:ext uri="{BB962C8B-B14F-4D97-AF65-F5344CB8AC3E}">
+        <p14:creationId xmlns:p14="http://schemas.microsoft.com/office/powerpoint/2010/main" val="1719725781"/>
+      </p:ext>
+    </p:extLst>
+  </p:cSld>
+  <p:clrMapOvr>
+    <a:masterClrMapping/>
+  </p:clrMapOvr>
+</p:sld>
+</file>
+
 <file path=ppt/theme/theme1.xml><?xml version="1.0" encoding="utf-8"?>
 <a:theme xmlns:a="http://schemas.openxmlformats.org/drawingml/2006/main" name="Office 佈景主題">
   <a:themeElements>

--- a/sdms/images/org_chart.pptx
+++ b/sdms/images/org_chart.pptx
@@ -261,7 +261,7 @@
           <a:p>
             <a:fld id="{F9348AF6-6B39-4FE1-9903-1DAEF177AE5D}" type="datetimeFigureOut">
               <a:rPr lang="zh-TW" altLang="en-US" smtClean="0"/>
-              <a:t>2023/2/1</a:t>
+              <a:t>2023/2/2</a:t>
             </a:fld>
             <a:endParaRPr lang="zh-TW" altLang="en-US"/>
           </a:p>
@@ -459,7 +459,7 @@
           <a:p>
             <a:fld id="{F9348AF6-6B39-4FE1-9903-1DAEF177AE5D}" type="datetimeFigureOut">
               <a:rPr lang="zh-TW" altLang="en-US" smtClean="0"/>
-              <a:t>2023/2/1</a:t>
+              <a:t>2023/2/2</a:t>
             </a:fld>
             <a:endParaRPr lang="zh-TW" altLang="en-US"/>
           </a:p>
@@ -667,7 +667,7 @@
           <a:p>
             <a:fld id="{F9348AF6-6B39-4FE1-9903-1DAEF177AE5D}" type="datetimeFigureOut">
               <a:rPr lang="zh-TW" altLang="en-US" smtClean="0"/>
-              <a:t>2023/2/1</a:t>
+              <a:t>2023/2/2</a:t>
             </a:fld>
             <a:endParaRPr lang="zh-TW" altLang="en-US"/>
           </a:p>
@@ -865,7 +865,7 @@
           <a:p>
             <a:fld id="{F9348AF6-6B39-4FE1-9903-1DAEF177AE5D}" type="datetimeFigureOut">
               <a:rPr lang="zh-TW" altLang="en-US" smtClean="0"/>
-              <a:t>2023/2/1</a:t>
+              <a:t>2023/2/2</a:t>
             </a:fld>
             <a:endParaRPr lang="zh-TW" altLang="en-US"/>
           </a:p>
@@ -1140,7 +1140,7 @@
           <a:p>
             <a:fld id="{F9348AF6-6B39-4FE1-9903-1DAEF177AE5D}" type="datetimeFigureOut">
               <a:rPr lang="zh-TW" altLang="en-US" smtClean="0"/>
-              <a:t>2023/2/1</a:t>
+              <a:t>2023/2/2</a:t>
             </a:fld>
             <a:endParaRPr lang="zh-TW" altLang="en-US"/>
           </a:p>
@@ -1405,7 +1405,7 @@
           <a:p>
             <a:fld id="{F9348AF6-6B39-4FE1-9903-1DAEF177AE5D}" type="datetimeFigureOut">
               <a:rPr lang="zh-TW" altLang="en-US" smtClean="0"/>
-              <a:t>2023/2/1</a:t>
+              <a:t>2023/2/2</a:t>
             </a:fld>
             <a:endParaRPr lang="zh-TW" altLang="en-US"/>
           </a:p>
@@ -1817,7 +1817,7 @@
           <a:p>
             <a:fld id="{F9348AF6-6B39-4FE1-9903-1DAEF177AE5D}" type="datetimeFigureOut">
               <a:rPr lang="zh-TW" altLang="en-US" smtClean="0"/>
-              <a:t>2023/2/1</a:t>
+              <a:t>2023/2/2</a:t>
             </a:fld>
             <a:endParaRPr lang="zh-TW" altLang="en-US"/>
           </a:p>
@@ -1958,7 +1958,7 @@
           <a:p>
             <a:fld id="{F9348AF6-6B39-4FE1-9903-1DAEF177AE5D}" type="datetimeFigureOut">
               <a:rPr lang="zh-TW" altLang="en-US" smtClean="0"/>
-              <a:t>2023/2/1</a:t>
+              <a:t>2023/2/2</a:t>
             </a:fld>
             <a:endParaRPr lang="zh-TW" altLang="en-US"/>
           </a:p>
@@ -2071,7 +2071,7 @@
           <a:p>
             <a:fld id="{F9348AF6-6B39-4FE1-9903-1DAEF177AE5D}" type="datetimeFigureOut">
               <a:rPr lang="zh-TW" altLang="en-US" smtClean="0"/>
-              <a:t>2023/2/1</a:t>
+              <a:t>2023/2/2</a:t>
             </a:fld>
             <a:endParaRPr lang="zh-TW" altLang="en-US"/>
           </a:p>
@@ -2382,7 +2382,7 @@
           <a:p>
             <a:fld id="{F9348AF6-6B39-4FE1-9903-1DAEF177AE5D}" type="datetimeFigureOut">
               <a:rPr lang="zh-TW" altLang="en-US" smtClean="0"/>
-              <a:t>2023/2/1</a:t>
+              <a:t>2023/2/2</a:t>
             </a:fld>
             <a:endParaRPr lang="zh-TW" altLang="en-US"/>
           </a:p>
@@ -2670,7 +2670,7 @@
           <a:p>
             <a:fld id="{F9348AF6-6B39-4FE1-9903-1DAEF177AE5D}" type="datetimeFigureOut">
               <a:rPr lang="zh-TW" altLang="en-US" smtClean="0"/>
-              <a:t>2023/2/1</a:t>
+              <a:t>2023/2/2</a:t>
             </a:fld>
             <a:endParaRPr lang="zh-TW" altLang="en-US"/>
           </a:p>
@@ -2911,7 +2911,7 @@
           <a:p>
             <a:fld id="{F9348AF6-6B39-4FE1-9903-1DAEF177AE5D}" type="datetimeFigureOut">
               <a:rPr lang="zh-TW" altLang="en-US" smtClean="0"/>
-              <a:t>2023/2/1</a:t>
+              <a:t>2023/2/2</a:t>
             </a:fld>
             <a:endParaRPr lang="zh-TW" altLang="en-US"/>
           </a:p>
@@ -10422,10 +10422,10 @@
       </p:grpSpPr>
       <p:grpSp>
         <p:nvGrpSpPr>
-          <p:cNvPr id="2" name="群組 1">
-            <a:extLst>
-              <a:ext uri="{FF2B5EF4-FFF2-40B4-BE49-F238E27FC236}">
-                <a16:creationId xmlns:a16="http://schemas.microsoft.com/office/drawing/2014/main" id="{7E7B0847-47CC-4A0E-8BD4-B7C93743222F}"/>
+          <p:cNvPr id="15" name="群組 14">
+            <a:extLst>
+              <a:ext uri="{FF2B5EF4-FFF2-40B4-BE49-F238E27FC236}">
+                <a16:creationId xmlns:a16="http://schemas.microsoft.com/office/drawing/2014/main" id="{0E8FDF46-D602-4D70-AA73-29ED712436A5}"/>
               </a:ext>
             </a:extLst>
           </p:cNvPr>
@@ -10434,18 +10434,18 @@
         </p:nvGrpSpPr>
         <p:grpSpPr>
           <a:xfrm>
-            <a:off x="2286000" y="228600"/>
-            <a:ext cx="7620000" cy="6400800"/>
-            <a:chOff x="2286000" y="228600"/>
-            <a:chExt cx="7620000" cy="6400800"/>
+            <a:off x="2285999" y="-455967"/>
+            <a:ext cx="7620000" cy="9893519"/>
+            <a:chOff x="2285999" y="-455967"/>
+            <a:chExt cx="7620000" cy="9893519"/>
           </a:xfrm>
         </p:grpSpPr>
         <p:grpSp>
           <p:nvGrpSpPr>
-            <p:cNvPr id="9" name="群組 8">
+            <p:cNvPr id="2" name="群組 1">
               <a:extLst>
                 <a:ext uri="{FF2B5EF4-FFF2-40B4-BE49-F238E27FC236}">
-                  <a16:creationId xmlns:a16="http://schemas.microsoft.com/office/drawing/2014/main" id="{707877C9-E475-4EC8-B7F2-0B72D2FA59CF}"/>
+                  <a16:creationId xmlns:a16="http://schemas.microsoft.com/office/drawing/2014/main" id="{7E7B0847-47CC-4A0E-8BD4-B7C93743222F}"/>
                 </a:ext>
               </a:extLst>
             </p:cNvPr>
@@ -10454,18 +10454,808 @@
           </p:nvGrpSpPr>
           <p:grpSpPr>
             <a:xfrm>
-              <a:off x="2286000" y="228600"/>
+              <a:off x="2285999" y="3036752"/>
               <a:ext cx="7620000" cy="6400800"/>
               <a:chOff x="2286000" y="228600"/>
               <a:chExt cx="7620000" cy="6400800"/>
             </a:xfrm>
           </p:grpSpPr>
+          <p:grpSp>
+            <p:nvGrpSpPr>
+              <p:cNvPr id="9" name="群組 8">
+                <a:extLst>
+                  <a:ext uri="{FF2B5EF4-FFF2-40B4-BE49-F238E27FC236}">
+                    <a16:creationId xmlns:a16="http://schemas.microsoft.com/office/drawing/2014/main" id="{707877C9-E475-4EC8-B7F2-0B72D2FA59CF}"/>
+                  </a:ext>
+                </a:extLst>
+              </p:cNvPr>
+              <p:cNvGrpSpPr/>
+              <p:nvPr/>
+            </p:nvGrpSpPr>
+            <p:grpSpPr>
+              <a:xfrm>
+                <a:off x="2286000" y="228600"/>
+                <a:ext cx="7620000" cy="6400800"/>
+                <a:chOff x="2286000" y="228600"/>
+                <a:chExt cx="7620000" cy="6400800"/>
+              </a:xfrm>
+            </p:grpSpPr>
+            <p:pic>
+              <p:nvPicPr>
+                <p:cNvPr id="5" name="圖片 4">
+                  <a:extLst>
+                    <a:ext uri="{FF2B5EF4-FFF2-40B4-BE49-F238E27FC236}">
+                      <a16:creationId xmlns:a16="http://schemas.microsoft.com/office/drawing/2014/main" id="{EB6D7919-6B45-4209-AB89-8A8CD4FE35D0}"/>
+                    </a:ext>
+                  </a:extLst>
+                </p:cNvPr>
+                <p:cNvPicPr>
+                  <a:picLocks noChangeAspect="1"/>
+                </p:cNvPicPr>
+                <p:nvPr/>
+              </p:nvPicPr>
+              <p:blipFill>
+                <a:blip r:embed="rId2">
+                  <a:extLst>
+                    <a:ext uri="{28A0092B-C50C-407E-A947-70E740481C1C}">
+                      <a14:useLocalDpi xmlns:a14="http://schemas.microsoft.com/office/drawing/2010/main" val="0"/>
+                    </a:ext>
+                  </a:extLst>
+                </a:blip>
+                <a:stretch>
+                  <a:fillRect/>
+                </a:stretch>
+              </p:blipFill>
+              <p:spPr>
+                <a:xfrm>
+                  <a:off x="2286000" y="228600"/>
+                  <a:ext cx="7620000" cy="6400800"/>
+                </a:xfrm>
+                <a:prstGeom prst="rect">
+                  <a:avLst/>
+                </a:prstGeom>
+              </p:spPr>
+            </p:pic>
+            <p:sp>
+              <p:nvSpPr>
+                <p:cNvPr id="6" name="矩形 5">
+                  <a:extLst>
+                    <a:ext uri="{FF2B5EF4-FFF2-40B4-BE49-F238E27FC236}">
+                      <a16:creationId xmlns:a16="http://schemas.microsoft.com/office/drawing/2014/main" id="{41290578-B83F-43D6-B633-9BC609FBC6F4}"/>
+                    </a:ext>
+                  </a:extLst>
+                </p:cNvPr>
+                <p:cNvSpPr/>
+                <p:nvPr/>
+              </p:nvSpPr>
+              <p:spPr>
+                <a:xfrm>
+                  <a:off x="2430999" y="866957"/>
+                  <a:ext cx="1963270" cy="2124635"/>
+                </a:xfrm>
+                <a:prstGeom prst="rect">
+                  <a:avLst/>
+                </a:prstGeom>
+                <a:solidFill>
+                  <a:schemeClr val="bg1"/>
+                </a:solidFill>
+                <a:ln>
+                  <a:noFill/>
+                </a:ln>
+              </p:spPr>
+              <p:style>
+                <a:lnRef idx="2">
+                  <a:schemeClr val="accent1">
+                    <a:shade val="50000"/>
+                  </a:schemeClr>
+                </a:lnRef>
+                <a:fillRef idx="1">
+                  <a:schemeClr val="accent1"/>
+                </a:fillRef>
+                <a:effectRef idx="0">
+                  <a:schemeClr val="accent1"/>
+                </a:effectRef>
+                <a:fontRef idx="minor">
+                  <a:schemeClr val="lt1"/>
+                </a:fontRef>
+              </p:style>
+              <p:txBody>
+                <a:bodyPr rtlCol="0" anchor="ctr"/>
+                <a:lstStyle/>
+                <a:p>
+                  <a:pPr algn="ctr"/>
+                  <a:endParaRPr lang="zh-TW" altLang="en-US" dirty="0"/>
+                </a:p>
+              </p:txBody>
+            </p:sp>
+            <p:sp>
+              <p:nvSpPr>
+                <p:cNvPr id="7" name="矩形 6">
+                  <a:extLst>
+                    <a:ext uri="{FF2B5EF4-FFF2-40B4-BE49-F238E27FC236}">
+                      <a16:creationId xmlns:a16="http://schemas.microsoft.com/office/drawing/2014/main" id="{5DBA2633-5121-44E7-95D4-10BA437F190E}"/>
+                    </a:ext>
+                  </a:extLst>
+                </p:cNvPr>
+                <p:cNvSpPr/>
+                <p:nvPr/>
+              </p:nvSpPr>
+              <p:spPr>
+                <a:xfrm>
+                  <a:off x="5114365" y="968188"/>
+                  <a:ext cx="1963270" cy="1102659"/>
+                </a:xfrm>
+                <a:prstGeom prst="rect">
+                  <a:avLst/>
+                </a:prstGeom>
+                <a:solidFill>
+                  <a:schemeClr val="bg1"/>
+                </a:solidFill>
+                <a:ln>
+                  <a:noFill/>
+                </a:ln>
+              </p:spPr>
+              <p:style>
+                <a:lnRef idx="2">
+                  <a:schemeClr val="accent1">
+                    <a:shade val="50000"/>
+                  </a:schemeClr>
+                </a:lnRef>
+                <a:fillRef idx="1">
+                  <a:schemeClr val="accent1"/>
+                </a:fillRef>
+                <a:effectRef idx="0">
+                  <a:schemeClr val="accent1"/>
+                </a:effectRef>
+                <a:fontRef idx="minor">
+                  <a:schemeClr val="lt1"/>
+                </a:fontRef>
+              </p:style>
+              <p:txBody>
+                <a:bodyPr rtlCol="0" anchor="ctr"/>
+                <a:lstStyle/>
+                <a:p>
+                  <a:pPr algn="ctr"/>
+                  <a:endParaRPr lang="zh-TW" altLang="en-US"/>
+                </a:p>
+              </p:txBody>
+            </p:sp>
+            <p:sp>
+              <p:nvSpPr>
+                <p:cNvPr id="8" name="矩形 7">
+                  <a:extLst>
+                    <a:ext uri="{FF2B5EF4-FFF2-40B4-BE49-F238E27FC236}">
+                      <a16:creationId xmlns:a16="http://schemas.microsoft.com/office/drawing/2014/main" id="{AB8F7624-718A-4508-B377-A170D9B5F603}"/>
+                    </a:ext>
+                  </a:extLst>
+                </p:cNvPr>
+                <p:cNvSpPr/>
+                <p:nvPr/>
+              </p:nvSpPr>
+              <p:spPr>
+                <a:xfrm>
+                  <a:off x="7669306" y="968188"/>
+                  <a:ext cx="1963270" cy="1102659"/>
+                </a:xfrm>
+                <a:prstGeom prst="rect">
+                  <a:avLst/>
+                </a:prstGeom>
+                <a:solidFill>
+                  <a:schemeClr val="bg1"/>
+                </a:solidFill>
+                <a:ln>
+                  <a:noFill/>
+                </a:ln>
+              </p:spPr>
+              <p:style>
+                <a:lnRef idx="2">
+                  <a:schemeClr val="accent1">
+                    <a:shade val="50000"/>
+                  </a:schemeClr>
+                </a:lnRef>
+                <a:fillRef idx="1">
+                  <a:schemeClr val="accent1"/>
+                </a:fillRef>
+                <a:effectRef idx="0">
+                  <a:schemeClr val="accent1"/>
+                </a:effectRef>
+                <a:fontRef idx="minor">
+                  <a:schemeClr val="lt1"/>
+                </a:fontRef>
+              </p:style>
+              <p:txBody>
+                <a:bodyPr rtlCol="0" anchor="ctr"/>
+                <a:lstStyle/>
+                <a:p>
+                  <a:pPr algn="ctr"/>
+                  <a:endParaRPr lang="zh-TW" altLang="en-US"/>
+                </a:p>
+              </p:txBody>
+            </p:sp>
+          </p:grpSp>
+          <p:sp>
+            <p:nvSpPr>
+              <p:cNvPr id="10" name="文字方塊 9">
+                <a:extLst>
+                  <a:ext uri="{FF2B5EF4-FFF2-40B4-BE49-F238E27FC236}">
+                    <a16:creationId xmlns:a16="http://schemas.microsoft.com/office/drawing/2014/main" id="{7995D3D4-B503-4A9C-922D-F768323A21B3}"/>
+                  </a:ext>
+                </a:extLst>
+              </p:cNvPr>
+              <p:cNvSpPr txBox="1"/>
+              <p:nvPr/>
+            </p:nvSpPr>
+            <p:spPr>
+              <a:xfrm>
+                <a:off x="2469993" y="968188"/>
+                <a:ext cx="2219778" cy="1892826"/>
+              </a:xfrm>
+              <a:prstGeom prst="rect">
+                <a:avLst/>
+              </a:prstGeom>
+              <a:noFill/>
+            </p:spPr>
+            <p:txBody>
+              <a:bodyPr wrap="square" rtlCol="0">
+                <a:spAutoFit/>
+              </a:bodyPr>
+              <a:lstStyle/>
+              <a:p>
+                <a:pPr lvl="0"/>
+                <a:r>
+                  <a:rPr lang="zh-TW" altLang="zh-TW" sz="1300" dirty="0">
+                    <a:solidFill>
+                      <a:srgbClr val="515151"/>
+                    </a:solidFill>
+                    <a:latin typeface="微軟正黑體 Light" panose="020B0304030504040204" pitchFamily="34" charset="-120"/>
+                    <a:ea typeface="微軟正黑體 Light" panose="020B0304030504040204" pitchFamily="34" charset="-120"/>
+                  </a:rPr>
+                  <a:t>童工</a:t>
+                </a:r>
+                <a:r>
+                  <a:rPr lang="zh-TW" altLang="en-US" sz="1300" dirty="0">
+                    <a:solidFill>
+                      <a:srgbClr val="515151"/>
+                    </a:solidFill>
+                    <a:latin typeface="微軟正黑體 Light" panose="020B0304030504040204" pitchFamily="34" charset="-120"/>
+                    <a:ea typeface="微軟正黑體 Light" panose="020B0304030504040204" pitchFamily="34" charset="-120"/>
+                  </a:rPr>
+                  <a:t>。</a:t>
+                </a:r>
+                <a:endParaRPr lang="zh-TW" altLang="zh-TW" sz="1300" dirty="0">
+                  <a:solidFill>
+                    <a:srgbClr val="515151"/>
+                  </a:solidFill>
+                  <a:latin typeface="微軟正黑體 Light" panose="020B0304030504040204" pitchFamily="34" charset="-120"/>
+                  <a:ea typeface="微軟正黑體 Light" panose="020B0304030504040204" pitchFamily="34" charset="-120"/>
+                </a:endParaRPr>
+              </a:p>
+              <a:p>
+                <a:pPr lvl="0"/>
+                <a:r>
+                  <a:rPr lang="zh-TW" altLang="zh-TW" sz="1300" dirty="0">
+                    <a:solidFill>
+                      <a:srgbClr val="515151"/>
+                    </a:solidFill>
+                    <a:latin typeface="微軟正黑體 Light" panose="020B0304030504040204" pitchFamily="34" charset="-120"/>
+                    <a:ea typeface="微軟正黑體 Light" panose="020B0304030504040204" pitchFamily="34" charset="-120"/>
+                  </a:rPr>
+                  <a:t>社區關係</a:t>
+                </a:r>
+                <a:r>
+                  <a:rPr lang="zh-TW" altLang="en-US" sz="1300" dirty="0">
+                    <a:solidFill>
+                      <a:srgbClr val="515151"/>
+                    </a:solidFill>
+                    <a:latin typeface="微軟正黑體 Light" panose="020B0304030504040204" pitchFamily="34" charset="-120"/>
+                    <a:ea typeface="微軟正黑體 Light" panose="020B0304030504040204" pitchFamily="34" charset="-120"/>
+                  </a:rPr>
+                  <a:t>。</a:t>
+                </a:r>
+                <a:endParaRPr lang="zh-TW" altLang="zh-TW" sz="1300" dirty="0">
+                  <a:solidFill>
+                    <a:srgbClr val="515151"/>
+                  </a:solidFill>
+                  <a:latin typeface="微軟正黑體 Light" panose="020B0304030504040204" pitchFamily="34" charset="-120"/>
+                  <a:ea typeface="微軟正黑體 Light" panose="020B0304030504040204" pitchFamily="34" charset="-120"/>
+                </a:endParaRPr>
+              </a:p>
+              <a:p>
+                <a:pPr lvl="0"/>
+                <a:r>
+                  <a:rPr lang="zh-TW" altLang="zh-TW" sz="1300" dirty="0">
+                    <a:solidFill>
+                      <a:srgbClr val="515151"/>
+                    </a:solidFill>
+                    <a:latin typeface="微軟正黑體 Light" panose="020B0304030504040204" pitchFamily="34" charset="-120"/>
+                    <a:ea typeface="微軟正黑體 Light" panose="020B0304030504040204" pitchFamily="34" charset="-120"/>
+                  </a:rPr>
+                  <a:t>歧視</a:t>
+                </a:r>
+                <a:r>
+                  <a:rPr lang="zh-TW" altLang="en-US" sz="1300" dirty="0">
+                    <a:solidFill>
+                      <a:srgbClr val="515151"/>
+                    </a:solidFill>
+                    <a:latin typeface="微軟正黑體 Light" panose="020B0304030504040204" pitchFamily="34" charset="-120"/>
+                    <a:ea typeface="微軟正黑體 Light" panose="020B0304030504040204" pitchFamily="34" charset="-120"/>
+                  </a:rPr>
+                  <a:t>。</a:t>
+                </a:r>
+                <a:endParaRPr lang="zh-TW" altLang="zh-TW" sz="1300" dirty="0">
+                  <a:solidFill>
+                    <a:srgbClr val="515151"/>
+                  </a:solidFill>
+                  <a:latin typeface="微軟正黑體 Light" panose="020B0304030504040204" pitchFamily="34" charset="-120"/>
+                  <a:ea typeface="微軟正黑體 Light" panose="020B0304030504040204" pitchFamily="34" charset="-120"/>
+                </a:endParaRPr>
+              </a:p>
+              <a:p>
+                <a:pPr lvl="0"/>
+                <a:r>
+                  <a:rPr lang="zh-TW" altLang="zh-TW" sz="1300" dirty="0">
+                    <a:solidFill>
+                      <a:srgbClr val="515151"/>
+                    </a:solidFill>
+                    <a:latin typeface="微軟正黑體 Light" panose="020B0304030504040204" pitchFamily="34" charset="-120"/>
+                    <a:ea typeface="微軟正黑體 Light" panose="020B0304030504040204" pitchFamily="34" charset="-120"/>
+                  </a:rPr>
+                  <a:t>結社自由和集體談判權</a:t>
+                </a:r>
+                <a:r>
+                  <a:rPr lang="zh-TW" altLang="en-US" sz="1300" dirty="0">
+                    <a:solidFill>
+                      <a:srgbClr val="515151"/>
+                    </a:solidFill>
+                    <a:latin typeface="微軟正黑體 Light" panose="020B0304030504040204" pitchFamily="34" charset="-120"/>
+                    <a:ea typeface="微軟正黑體 Light" panose="020B0304030504040204" pitchFamily="34" charset="-120"/>
+                  </a:rPr>
+                  <a:t>。</a:t>
+                </a:r>
+                <a:endParaRPr lang="zh-TW" altLang="zh-TW" sz="1300" dirty="0">
+                  <a:solidFill>
+                    <a:srgbClr val="515151"/>
+                  </a:solidFill>
+                  <a:latin typeface="微軟正黑體 Light" panose="020B0304030504040204" pitchFamily="34" charset="-120"/>
+                  <a:ea typeface="微軟正黑體 Light" panose="020B0304030504040204" pitchFamily="34" charset="-120"/>
+                </a:endParaRPr>
+              </a:p>
+              <a:p>
+                <a:pPr lvl="0"/>
+                <a:r>
+                  <a:rPr lang="zh-TW" altLang="zh-TW" sz="1300" dirty="0">
+                    <a:solidFill>
+                      <a:srgbClr val="515151"/>
+                    </a:solidFill>
+                    <a:latin typeface="微軟正黑體 Light" panose="020B0304030504040204" pitchFamily="34" charset="-120"/>
+                    <a:ea typeface="微軟正黑體 Light" panose="020B0304030504040204" pitchFamily="34" charset="-120"/>
+                  </a:rPr>
+                  <a:t>騷擾、虐待和懲戒措施</a:t>
+                </a:r>
+                <a:r>
+                  <a:rPr lang="zh-TW" altLang="en-US" sz="1300" dirty="0">
+                    <a:solidFill>
+                      <a:srgbClr val="515151"/>
+                    </a:solidFill>
+                    <a:latin typeface="微軟正黑體 Light" panose="020B0304030504040204" pitchFamily="34" charset="-120"/>
+                    <a:ea typeface="微軟正黑體 Light" panose="020B0304030504040204" pitchFamily="34" charset="-120"/>
+                  </a:rPr>
+                  <a:t>。</a:t>
+                </a:r>
+                <a:endParaRPr lang="zh-TW" altLang="zh-TW" sz="1300" dirty="0">
+                  <a:solidFill>
+                    <a:srgbClr val="515151"/>
+                  </a:solidFill>
+                  <a:latin typeface="微軟正黑體 Light" panose="020B0304030504040204" pitchFamily="34" charset="-120"/>
+                  <a:ea typeface="微軟正黑體 Light" panose="020B0304030504040204" pitchFamily="34" charset="-120"/>
+                </a:endParaRPr>
+              </a:p>
+              <a:p>
+                <a:pPr lvl="0"/>
+                <a:r>
+                  <a:rPr lang="zh-TW" altLang="zh-TW" sz="1300" dirty="0">
+                    <a:solidFill>
+                      <a:srgbClr val="515151"/>
+                    </a:solidFill>
+                    <a:latin typeface="微軟正黑體 Light" panose="020B0304030504040204" pitchFamily="34" charset="-120"/>
+                    <a:ea typeface="微軟正黑體 Light" panose="020B0304030504040204" pitchFamily="34" charset="-120"/>
+                  </a:rPr>
+                  <a:t>健康和安全</a:t>
+                </a:r>
+                <a:r>
+                  <a:rPr lang="zh-TW" altLang="en-US" sz="1300" dirty="0">
+                    <a:solidFill>
+                      <a:srgbClr val="515151"/>
+                    </a:solidFill>
+                    <a:latin typeface="微軟正黑體 Light" panose="020B0304030504040204" pitchFamily="34" charset="-120"/>
+                    <a:ea typeface="微軟正黑體 Light" panose="020B0304030504040204" pitchFamily="34" charset="-120"/>
+                  </a:rPr>
+                  <a:t>。</a:t>
+                </a:r>
+                <a:endParaRPr lang="zh-TW" altLang="zh-TW" sz="1300" dirty="0">
+                  <a:solidFill>
+                    <a:srgbClr val="515151"/>
+                  </a:solidFill>
+                  <a:latin typeface="微軟正黑體 Light" panose="020B0304030504040204" pitchFamily="34" charset="-120"/>
+                  <a:ea typeface="微軟正黑體 Light" panose="020B0304030504040204" pitchFamily="34" charset="-120"/>
+                </a:endParaRPr>
+              </a:p>
+              <a:p>
+                <a:pPr lvl="0"/>
+                <a:r>
+                  <a:rPr lang="zh-TW" altLang="zh-TW" sz="1300" dirty="0">
+                    <a:solidFill>
+                      <a:srgbClr val="515151"/>
+                    </a:solidFill>
+                    <a:latin typeface="微軟正黑體 Light" panose="020B0304030504040204" pitchFamily="34" charset="-120"/>
+                    <a:ea typeface="微軟正黑體 Light" panose="020B0304030504040204" pitchFamily="34" charset="-120"/>
+                  </a:rPr>
+                  <a:t>聘僱措施和強迫勞動</a:t>
+                </a:r>
+                <a:r>
+                  <a:rPr lang="zh-TW" altLang="en-US" sz="1300" dirty="0">
+                    <a:solidFill>
+                      <a:srgbClr val="515151"/>
+                    </a:solidFill>
+                    <a:latin typeface="微軟正黑體 Light" panose="020B0304030504040204" pitchFamily="34" charset="-120"/>
+                    <a:ea typeface="微軟正黑體 Light" panose="020B0304030504040204" pitchFamily="34" charset="-120"/>
+                  </a:rPr>
+                  <a:t>。</a:t>
+                </a:r>
+                <a:endParaRPr lang="zh-TW" altLang="zh-TW" sz="1300" dirty="0">
+                  <a:solidFill>
+                    <a:srgbClr val="515151"/>
+                  </a:solidFill>
+                  <a:latin typeface="微軟正黑體 Light" panose="020B0304030504040204" pitchFamily="34" charset="-120"/>
+                  <a:ea typeface="微軟正黑體 Light" panose="020B0304030504040204" pitchFamily="34" charset="-120"/>
+                </a:endParaRPr>
+              </a:p>
+              <a:p>
+                <a:pPr lvl="0"/>
+                <a:r>
+                  <a:rPr lang="zh-TW" altLang="zh-TW" sz="1300" dirty="0">
+                    <a:solidFill>
+                      <a:srgbClr val="515151"/>
+                    </a:solidFill>
+                    <a:latin typeface="微軟正黑體 Light" panose="020B0304030504040204" pitchFamily="34" charset="-120"/>
+                    <a:ea typeface="微軟正黑體 Light" panose="020B0304030504040204" pitchFamily="34" charset="-120"/>
+                  </a:rPr>
+                  <a:t>薪酬</a:t>
+                </a:r>
+                <a:r>
+                  <a:rPr lang="zh-TW" altLang="en-US" sz="1300" dirty="0">
+                    <a:solidFill>
+                      <a:srgbClr val="515151"/>
+                    </a:solidFill>
+                    <a:latin typeface="微軟正黑體 Light" panose="020B0304030504040204" pitchFamily="34" charset="-120"/>
+                    <a:ea typeface="微軟正黑體 Light" panose="020B0304030504040204" pitchFamily="34" charset="-120"/>
+                  </a:rPr>
+                  <a:t>。</a:t>
+                </a:r>
+                <a:endParaRPr lang="zh-TW" altLang="zh-TW" sz="1300" dirty="0">
+                  <a:solidFill>
+                    <a:srgbClr val="515151"/>
+                  </a:solidFill>
+                  <a:latin typeface="微軟正黑體 Light" panose="020B0304030504040204" pitchFamily="34" charset="-120"/>
+                  <a:ea typeface="微軟正黑體 Light" panose="020B0304030504040204" pitchFamily="34" charset="-120"/>
+                </a:endParaRPr>
+              </a:p>
+              <a:p>
+                <a:r>
+                  <a:rPr lang="zh-TW" altLang="zh-TW" sz="1300" dirty="0">
+                    <a:solidFill>
+                      <a:srgbClr val="515151"/>
+                    </a:solidFill>
+                    <a:latin typeface="微軟正黑體 Light" panose="020B0304030504040204" pitchFamily="34" charset="-120"/>
+                    <a:ea typeface="微軟正黑體 Light" panose="020B0304030504040204" pitchFamily="34" charset="-120"/>
+                  </a:rPr>
+                  <a:t>安全措施</a:t>
+                </a:r>
+                <a:r>
+                  <a:rPr lang="zh-TW" altLang="en-US" sz="1300" dirty="0">
+                    <a:solidFill>
+                      <a:srgbClr val="515151"/>
+                    </a:solidFill>
+                    <a:latin typeface="微軟正黑體 Light" panose="020B0304030504040204" pitchFamily="34" charset="-120"/>
+                    <a:ea typeface="微軟正黑體 Light" panose="020B0304030504040204" pitchFamily="34" charset="-120"/>
+                  </a:rPr>
+                  <a:t>。</a:t>
+                </a:r>
+              </a:p>
+            </p:txBody>
+          </p:sp>
+          <p:sp>
+            <p:nvSpPr>
+              <p:cNvPr id="17" name="文字方塊 16">
+                <a:extLst>
+                  <a:ext uri="{FF2B5EF4-FFF2-40B4-BE49-F238E27FC236}">
+                    <a16:creationId xmlns:a16="http://schemas.microsoft.com/office/drawing/2014/main" id="{0586C28D-A9E9-45BA-8F7C-65B0149D9089}"/>
+                  </a:ext>
+                </a:extLst>
+              </p:cNvPr>
+              <p:cNvSpPr txBox="1"/>
+              <p:nvPr/>
+            </p:nvSpPr>
+            <p:spPr>
+              <a:xfrm>
+                <a:off x="4943023" y="1402558"/>
+                <a:ext cx="2219778" cy="1692771"/>
+              </a:xfrm>
+              <a:prstGeom prst="rect">
+                <a:avLst/>
+              </a:prstGeom>
+              <a:noFill/>
+            </p:spPr>
+            <p:txBody>
+              <a:bodyPr wrap="square" rtlCol="0">
+                <a:spAutoFit/>
+              </a:bodyPr>
+              <a:lstStyle>
+                <a:defPPr>
+                  <a:defRPr lang="zh-TW"/>
+                </a:defPPr>
+                <a:lvl1pPr lvl="0">
+                  <a:defRPr sz="1500">
+                    <a:solidFill>
+                      <a:srgbClr val="515151"/>
+                    </a:solidFill>
+                    <a:latin typeface="微軟正黑體 Light" panose="020B0304030504040204" pitchFamily="34" charset="-120"/>
+                    <a:ea typeface="微軟正黑體 Light" panose="020B0304030504040204" pitchFamily="34" charset="-120"/>
+                  </a:defRPr>
+                </a:lvl1pPr>
+              </a:lstStyle>
+              <a:p>
+                <a:r>
+                  <a:rPr lang="zh-TW" altLang="zh-TW" sz="1300" dirty="0"/>
+                  <a:t>遵守環境、安全、衛生相關法規</a:t>
+                </a:r>
+                <a:r>
+                  <a:rPr lang="zh-TW" altLang="en-US" sz="1300" dirty="0"/>
+                  <a:t>。</a:t>
+                </a:r>
+                <a:endParaRPr lang="zh-TW" altLang="zh-TW" sz="1300" dirty="0"/>
+              </a:p>
+              <a:p>
+                <a:r>
+                  <a:rPr lang="zh-TW" altLang="zh-TW" sz="1300" dirty="0"/>
+                  <a:t>取得相關許可認證</a:t>
+                </a:r>
+                <a:r>
+                  <a:rPr lang="zh-TW" altLang="en-US" sz="1300" dirty="0"/>
+                  <a:t>。</a:t>
+                </a:r>
+                <a:endParaRPr lang="zh-TW" altLang="zh-TW" sz="1300" dirty="0"/>
+              </a:p>
+              <a:p>
+                <a:r>
+                  <a:rPr lang="zh-TW" altLang="zh-TW" sz="1300" dirty="0"/>
+                  <a:t>預防有害物質及汙染</a:t>
+                </a:r>
+                <a:r>
+                  <a:rPr lang="zh-TW" altLang="en-US" sz="1300" dirty="0"/>
+                  <a:t>。</a:t>
+                </a:r>
+                <a:endParaRPr lang="zh-TW" altLang="zh-TW" sz="1300" dirty="0"/>
+              </a:p>
+              <a:p>
+                <a:r>
+                  <a:rPr lang="zh-TW" altLang="zh-TW" sz="1300" dirty="0"/>
+                  <a:t>尋找環境友善之替代品</a:t>
+                </a:r>
+                <a:r>
+                  <a:rPr lang="zh-TW" altLang="en-US" sz="1300" dirty="0"/>
+                  <a:t>。</a:t>
+                </a:r>
+                <a:endParaRPr lang="zh-TW" altLang="zh-TW" sz="1300" dirty="0"/>
+              </a:p>
+              <a:p>
+                <a:r>
+                  <a:rPr lang="zh-TW" altLang="zh-TW" sz="1300" dirty="0"/>
+                  <a:t>資源和能源之永續及有效利用</a:t>
+                </a:r>
+                <a:r>
+                  <a:rPr lang="zh-TW" altLang="en-US" sz="1300" dirty="0"/>
+                  <a:t>。</a:t>
+                </a:r>
+                <a:endParaRPr lang="zh-TW" altLang="zh-TW" sz="1300" dirty="0"/>
+              </a:p>
+              <a:p>
+                <a:r>
+                  <a:rPr lang="zh-TW" altLang="zh-TW" sz="1300" dirty="0"/>
+                  <a:t>保護健康和環境的立即措施</a:t>
+                </a:r>
+                <a:r>
+                  <a:rPr lang="zh-TW" altLang="en-US" sz="1300" dirty="0"/>
+                  <a:t>。</a:t>
+                </a:r>
+              </a:p>
+            </p:txBody>
+          </p:sp>
+          <p:sp>
+            <p:nvSpPr>
+              <p:cNvPr id="18" name="文字方塊 17">
+                <a:extLst>
+                  <a:ext uri="{FF2B5EF4-FFF2-40B4-BE49-F238E27FC236}">
+                    <a16:creationId xmlns:a16="http://schemas.microsoft.com/office/drawing/2014/main" id="{82D63517-F88F-42E4-B61C-171CB34F4EEB}"/>
+                  </a:ext>
+                </a:extLst>
+              </p:cNvPr>
+              <p:cNvSpPr txBox="1"/>
+              <p:nvPr/>
+            </p:nvSpPr>
+            <p:spPr>
+              <a:xfrm>
+                <a:off x="7669306" y="968188"/>
+                <a:ext cx="2219778" cy="1092607"/>
+              </a:xfrm>
+              <a:prstGeom prst="rect">
+                <a:avLst/>
+              </a:prstGeom>
+              <a:noFill/>
+            </p:spPr>
+            <p:txBody>
+              <a:bodyPr wrap="square" rtlCol="0">
+                <a:spAutoFit/>
+              </a:bodyPr>
+              <a:lstStyle>
+                <a:defPPr>
+                  <a:defRPr lang="zh-TW"/>
+                </a:defPPr>
+                <a:lvl1pPr lvl="0">
+                  <a:defRPr sz="1500">
+                    <a:solidFill>
+                      <a:srgbClr val="515151"/>
+                    </a:solidFill>
+                    <a:latin typeface="微軟正黑體 Light" panose="020B0304030504040204" pitchFamily="34" charset="-120"/>
+                    <a:ea typeface="微軟正黑體 Light" panose="020B0304030504040204" pitchFamily="34" charset="-120"/>
+                  </a:defRPr>
+                </a:lvl1pPr>
+              </a:lstStyle>
+              <a:p>
+                <a:r>
+                  <a:rPr lang="zh-TW" altLang="zh-TW" sz="1300" dirty="0"/>
+                  <a:t>提倡誠信正直和道德</a:t>
+                </a:r>
+                <a:r>
+                  <a:rPr lang="zh-TW" altLang="en-US" sz="1300" dirty="0"/>
+                  <a:t>。</a:t>
+                </a:r>
+                <a:endParaRPr lang="zh-TW" altLang="zh-TW" sz="1300" dirty="0"/>
+              </a:p>
+              <a:p>
+                <a:r>
+                  <a:rPr lang="zh-TW" altLang="zh-TW" sz="1300" dirty="0"/>
+                  <a:t>對貪腐採零容忍政策</a:t>
+                </a:r>
+                <a:r>
+                  <a:rPr lang="zh-TW" altLang="en-US" sz="1300" dirty="0"/>
+                  <a:t>。</a:t>
+                </a:r>
+                <a:endParaRPr lang="zh-TW" altLang="zh-TW" sz="1300" dirty="0"/>
+              </a:p>
+              <a:p>
+                <a:r>
+                  <a:rPr lang="zh-TW" altLang="zh-TW" sz="1300" dirty="0"/>
+                  <a:t>採取預防措施管控風險</a:t>
+                </a:r>
+                <a:r>
+                  <a:rPr lang="zh-TW" altLang="en-US" sz="1300" dirty="0"/>
+                  <a:t>。</a:t>
+                </a:r>
+                <a:endParaRPr lang="zh-TW" altLang="zh-TW" sz="1300" dirty="0"/>
+              </a:p>
+              <a:p>
+                <a:r>
+                  <a:rPr lang="zh-TW" altLang="zh-TW" sz="1300" dirty="0"/>
+                  <a:t>提供檢舉機制</a:t>
+                </a:r>
+                <a:r>
+                  <a:rPr lang="zh-TW" altLang="en-US" sz="1300" dirty="0"/>
+                  <a:t>。</a:t>
+                </a:r>
+                <a:endParaRPr lang="zh-TW" altLang="zh-TW" sz="1300" dirty="0"/>
+              </a:p>
+              <a:p>
+                <a:r>
+                  <a:rPr lang="zh-TW" altLang="zh-TW" sz="1300" dirty="0"/>
+                  <a:t>不違反貿易制裁</a:t>
+                </a:r>
+                <a:r>
+                  <a:rPr lang="zh-TW" altLang="en-US" sz="1300" dirty="0"/>
+                  <a:t>。</a:t>
+                </a:r>
+              </a:p>
+            </p:txBody>
+          </p:sp>
+          <p:sp>
+            <p:nvSpPr>
+              <p:cNvPr id="19" name="矩形 18">
+                <a:extLst>
+                  <a:ext uri="{FF2B5EF4-FFF2-40B4-BE49-F238E27FC236}">
+                    <a16:creationId xmlns:a16="http://schemas.microsoft.com/office/drawing/2014/main" id="{33196755-7C25-404A-8131-FBDB597926DB}"/>
+                  </a:ext>
+                </a:extLst>
+              </p:cNvPr>
+              <p:cNvSpPr/>
+              <p:nvPr/>
+            </p:nvSpPr>
+            <p:spPr>
+              <a:xfrm>
+                <a:off x="5114365" y="923675"/>
+                <a:ext cx="1853561" cy="461665"/>
+              </a:xfrm>
+              <a:prstGeom prst="rect">
+                <a:avLst/>
+              </a:prstGeom>
+            </p:spPr>
+            <p:txBody>
+              <a:bodyPr wrap="square">
+                <a:spAutoFit/>
+              </a:bodyPr>
+              <a:lstStyle/>
+              <a:p>
+                <a:pPr algn="ctr">
+                  <a:spcAft>
+                    <a:spcPts val="0"/>
+                  </a:spcAft>
+                </a:pPr>
+                <a:r>
+                  <a:rPr lang="zh-TW" altLang="zh-TW" sz="1200" b="1" dirty="0">
+                    <a:solidFill>
+                      <a:srgbClr val="515151"/>
+                    </a:solidFill>
+                    <a:latin typeface="微軟正黑體 Light" panose="020B0304030504040204" pitchFamily="34" charset="-120"/>
+                    <a:ea typeface="微軟正黑體 Light" panose="020B0304030504040204" pitchFamily="34" charset="-120"/>
+                  </a:rPr>
+                  <a:t>減少對環境、人類健康</a:t>
+                </a:r>
+              </a:p>
+              <a:p>
+                <a:pPr algn="ctr">
+                  <a:spcAft>
+                    <a:spcPts val="0"/>
+                  </a:spcAft>
+                </a:pPr>
+                <a:r>
+                  <a:rPr lang="zh-TW" altLang="zh-TW" sz="1200" b="1" dirty="0">
+                    <a:solidFill>
+                      <a:srgbClr val="515151"/>
+                    </a:solidFill>
+                    <a:latin typeface="微軟正黑體 Light" panose="020B0304030504040204" pitchFamily="34" charset="-120"/>
+                    <a:ea typeface="微軟正黑體 Light" panose="020B0304030504040204" pitchFamily="34" charset="-120"/>
+                  </a:rPr>
+                  <a:t>和生活帶來之不利影響</a:t>
+                </a:r>
+              </a:p>
+            </p:txBody>
+          </p:sp>
+        </p:grpSp>
+        <p:grpSp>
+          <p:nvGrpSpPr>
+            <p:cNvPr id="14" name="群組 13">
+              <a:extLst>
+                <a:ext uri="{FF2B5EF4-FFF2-40B4-BE49-F238E27FC236}">
+                  <a16:creationId xmlns:a16="http://schemas.microsoft.com/office/drawing/2014/main" id="{2B1FD325-F647-4A6E-86BE-15582977AA14}"/>
+                </a:ext>
+              </a:extLst>
+            </p:cNvPr>
+            <p:cNvGrpSpPr/>
+            <p:nvPr/>
+          </p:nvGrpSpPr>
+          <p:grpSpPr>
+            <a:xfrm>
+              <a:off x="4913473" y="-455967"/>
+              <a:ext cx="2584651" cy="3492719"/>
+              <a:chOff x="4913473" y="-381786"/>
+              <a:chExt cx="2584651" cy="3492719"/>
+            </a:xfrm>
+          </p:grpSpPr>
           <p:pic>
             <p:nvPicPr>
-              <p:cNvPr id="5" name="圖片 4">
+              <p:cNvPr id="4" name="圖片 3">
                 <a:extLst>
                   <a:ext uri="{FF2B5EF4-FFF2-40B4-BE49-F238E27FC236}">
-                    <a16:creationId xmlns:a16="http://schemas.microsoft.com/office/drawing/2014/main" id="{EB6D7919-6B45-4209-AB89-8A8CD4FE35D0}"/>
+                    <a16:creationId xmlns:a16="http://schemas.microsoft.com/office/drawing/2014/main" id="{123D0510-D29D-49E4-860F-636EBBE71A67}"/>
                   </a:ext>
                 </a:extLst>
               </p:cNvPr>
@@ -10475,7 +11265,7 @@
               <p:nvPr/>
             </p:nvPicPr>
             <p:blipFill>
-              <a:blip r:embed="rId2">
+              <a:blip r:embed="rId3">
                 <a:extLst>
                   <a:ext uri="{28A0092B-C50C-407E-A947-70E740481C1C}">
                     <a14:useLocalDpi xmlns:a14="http://schemas.microsoft.com/office/drawing/2010/main" val="0"/>
@@ -10488,8 +11278,8 @@
             </p:blipFill>
             <p:spPr>
               <a:xfrm>
-                <a:off x="2286000" y="228600"/>
-                <a:ext cx="7620000" cy="6400800"/>
+                <a:off x="4913473" y="-381786"/>
+                <a:ext cx="2365052" cy="3492719"/>
               </a:xfrm>
               <a:prstGeom prst="rect">
                 <a:avLst/>
@@ -10498,10 +11288,10 @@
           </p:pic>
           <p:sp>
             <p:nvSpPr>
-              <p:cNvPr id="6" name="矩形 5">
+              <p:cNvPr id="11" name="矩形 10">
                 <a:extLst>
                   <a:ext uri="{FF2B5EF4-FFF2-40B4-BE49-F238E27FC236}">
-                    <a16:creationId xmlns:a16="http://schemas.microsoft.com/office/drawing/2014/main" id="{41290578-B83F-43D6-B633-9BC609FBC6F4}"/>
+                    <a16:creationId xmlns:a16="http://schemas.microsoft.com/office/drawing/2014/main" id="{5ADAE244-579C-4ADB-80DF-B36DEAD7FD97}"/>
                   </a:ext>
                 </a:extLst>
               </p:cNvPr>
@@ -10510,705 +11300,218 @@
             </p:nvSpPr>
             <p:spPr>
               <a:xfrm>
-                <a:off x="2430999" y="866957"/>
-                <a:ext cx="1963270" cy="2124635"/>
+                <a:off x="5811305" y="-277809"/>
+                <a:ext cx="569387" cy="323165"/>
               </a:xfrm>
               <a:prstGeom prst="rect">
                 <a:avLst/>
               </a:prstGeom>
-              <a:solidFill>
-                <a:schemeClr val="bg1"/>
-              </a:solidFill>
-              <a:ln>
-                <a:noFill/>
-              </a:ln>
             </p:spPr>
-            <p:style>
-              <a:lnRef idx="2">
-                <a:schemeClr val="accent1">
-                  <a:shade val="50000"/>
-                </a:schemeClr>
-              </a:lnRef>
-              <a:fillRef idx="1">
-                <a:schemeClr val="accent1"/>
-              </a:fillRef>
-              <a:effectRef idx="0">
-                <a:schemeClr val="accent1"/>
-              </a:effectRef>
-              <a:fontRef idx="minor">
-                <a:schemeClr val="lt1"/>
-              </a:fontRef>
-            </p:style>
             <p:txBody>
-              <a:bodyPr rtlCol="0" anchor="ctr"/>
+              <a:bodyPr wrap="none">
+                <a:spAutoFit/>
+              </a:bodyPr>
               <a:lstStyle/>
               <a:p>
-                <a:pPr algn="ctr"/>
-                <a:endParaRPr lang="zh-TW" altLang="en-US" dirty="0"/>
+                <a:pPr algn="ctr">
+                  <a:spcAft>
+                    <a:spcPts val="0"/>
+                  </a:spcAft>
+                </a:pPr>
+                <a:r>
+                  <a:rPr lang="zh-TW" altLang="zh-TW" sz="1500" b="1" kern="100" dirty="0">
+                    <a:solidFill>
+                      <a:srgbClr val="002453"/>
+                    </a:solidFill>
+                    <a:latin typeface="微軟正黑體" panose="020B0604030504040204" pitchFamily="34" charset="-120"/>
+                    <a:ea typeface="微軟正黑體" panose="020B0604030504040204" pitchFamily="34" charset="-120"/>
+                    <a:cs typeface="Times New Roman" panose="02020603050405020304" pitchFamily="18" charset="0"/>
+                  </a:rPr>
+                  <a:t>期望</a:t>
+                </a:r>
+                <a:endParaRPr lang="zh-TW" altLang="zh-TW" sz="1500" kern="100" dirty="0">
+                  <a:solidFill>
+                    <a:srgbClr val="002453"/>
+                  </a:solidFill>
+                  <a:latin typeface="微軟正黑體" panose="020B0604030504040204" pitchFamily="34" charset="-120"/>
+                  <a:ea typeface="微軟正黑體" panose="020B0604030504040204" pitchFamily="34" charset="-120"/>
+                  <a:cs typeface="Times New Roman" panose="02020603050405020304" pitchFamily="18" charset="0"/>
+                </a:endParaRPr>
               </a:p>
             </p:txBody>
           </p:sp>
           <p:sp>
             <p:nvSpPr>
-              <p:cNvPr id="7" name="矩形 6">
+              <p:cNvPr id="16" name="文字方塊 15">
                 <a:extLst>
                   <a:ext uri="{FF2B5EF4-FFF2-40B4-BE49-F238E27FC236}">
-                    <a16:creationId xmlns:a16="http://schemas.microsoft.com/office/drawing/2014/main" id="{5DBA2633-5121-44E7-95D4-10BA437F190E}"/>
+                    <a16:creationId xmlns:a16="http://schemas.microsoft.com/office/drawing/2014/main" id="{EECF6175-F768-4D78-9B5E-E8325B8896E5}"/>
                   </a:ext>
                 </a:extLst>
               </p:cNvPr>
-              <p:cNvSpPr/>
+              <p:cNvSpPr txBox="1"/>
               <p:nvPr/>
             </p:nvSpPr>
             <p:spPr>
               <a:xfrm>
-                <a:off x="5114365" y="968188"/>
-                <a:ext cx="1963270" cy="1102659"/>
+                <a:off x="5278346" y="149333"/>
+                <a:ext cx="2219778" cy="1092607"/>
               </a:xfrm>
               <a:prstGeom prst="rect">
                 <a:avLst/>
               </a:prstGeom>
-              <a:solidFill>
-                <a:schemeClr val="bg1"/>
-              </a:solidFill>
-              <a:ln>
-                <a:noFill/>
-              </a:ln>
+              <a:noFill/>
             </p:spPr>
-            <p:style>
-              <a:lnRef idx="2">
-                <a:schemeClr val="accent1">
-                  <a:shade val="50000"/>
-                </a:schemeClr>
-              </a:lnRef>
-              <a:fillRef idx="1">
-                <a:schemeClr val="accent1"/>
-              </a:fillRef>
-              <a:effectRef idx="0">
-                <a:schemeClr val="accent1"/>
-              </a:effectRef>
-              <a:fontRef idx="minor">
-                <a:schemeClr val="lt1"/>
-              </a:fontRef>
-            </p:style>
             <p:txBody>
-              <a:bodyPr rtlCol="0" anchor="ctr"/>
+              <a:bodyPr wrap="square" rtlCol="0">
+                <a:spAutoFit/>
+              </a:bodyPr>
               <a:lstStyle/>
               <a:p>
-                <a:pPr algn="ctr"/>
-                <a:endParaRPr lang="zh-TW" altLang="en-US"/>
-              </a:p>
-            </p:txBody>
-          </p:sp>
-          <p:sp>
-            <p:nvSpPr>
-              <p:cNvPr id="8" name="矩形 7">
-                <a:extLst>
-                  <a:ext uri="{FF2B5EF4-FFF2-40B4-BE49-F238E27FC236}">
-                    <a16:creationId xmlns:a16="http://schemas.microsoft.com/office/drawing/2014/main" id="{AB8F7624-718A-4508-B377-A170D9B5F603}"/>
-                  </a:ext>
-                </a:extLst>
-              </p:cNvPr>
-              <p:cNvSpPr/>
-              <p:nvPr/>
-            </p:nvSpPr>
-            <p:spPr>
-              <a:xfrm>
-                <a:off x="7669306" y="968188"/>
-                <a:ext cx="1963270" cy="1102659"/>
-              </a:xfrm>
-              <a:prstGeom prst="rect">
-                <a:avLst/>
-              </a:prstGeom>
-              <a:solidFill>
-                <a:schemeClr val="bg1"/>
-              </a:solidFill>
-              <a:ln>
-                <a:noFill/>
-              </a:ln>
-            </p:spPr>
-            <p:style>
-              <a:lnRef idx="2">
-                <a:schemeClr val="accent1">
-                  <a:shade val="50000"/>
-                </a:schemeClr>
-              </a:lnRef>
-              <a:fillRef idx="1">
-                <a:schemeClr val="accent1"/>
-              </a:fillRef>
-              <a:effectRef idx="0">
-                <a:schemeClr val="accent1"/>
-              </a:effectRef>
-              <a:fontRef idx="minor">
-                <a:schemeClr val="lt1"/>
-              </a:fontRef>
-            </p:style>
-            <p:txBody>
-              <a:bodyPr rtlCol="0" anchor="ctr"/>
-              <a:lstStyle/>
-              <a:p>
-                <a:pPr algn="ctr"/>
-                <a:endParaRPr lang="zh-TW" altLang="en-US"/>
-              </a:p>
-            </p:txBody>
-          </p:sp>
-        </p:grpSp>
-        <p:sp>
-          <p:nvSpPr>
-            <p:cNvPr id="10" name="文字方塊 9">
-              <a:extLst>
-                <a:ext uri="{FF2B5EF4-FFF2-40B4-BE49-F238E27FC236}">
-                  <a16:creationId xmlns:a16="http://schemas.microsoft.com/office/drawing/2014/main" id="{7995D3D4-B503-4A9C-922D-F768323A21B3}"/>
-                </a:ext>
-              </a:extLst>
-            </p:cNvPr>
-            <p:cNvSpPr txBox="1"/>
-            <p:nvPr/>
-          </p:nvSpPr>
-          <p:spPr>
-            <a:xfrm>
-              <a:off x="2370877" y="968188"/>
-              <a:ext cx="2219778" cy="1892826"/>
-            </a:xfrm>
-            <a:prstGeom prst="rect">
-              <a:avLst/>
-            </a:prstGeom>
-            <a:noFill/>
-          </p:spPr>
-          <p:txBody>
-            <a:bodyPr wrap="square" rtlCol="0">
-              <a:spAutoFit/>
-            </a:bodyPr>
-            <a:lstStyle/>
-            <a:p>
-              <a:pPr lvl="0"/>
-              <a:r>
-                <a:rPr lang="zh-TW" altLang="zh-TW" sz="1300" dirty="0">
+                <a:pPr lvl="0"/>
+                <a:r>
+                  <a:rPr lang="zh-TW" altLang="zh-TW" sz="1300" dirty="0">
+                    <a:solidFill>
+                      <a:srgbClr val="515151"/>
+                    </a:solidFill>
+                    <a:latin typeface="微軟正黑體 Light" panose="020B0304030504040204" pitchFamily="34" charset="-120"/>
+                    <a:ea typeface="微軟正黑體 Light" panose="020B0304030504040204" pitchFamily="34" charset="-120"/>
+                  </a:rPr>
+                  <a:t>遵守適用之法規</a:t>
+                </a:r>
+                <a:r>
+                  <a:rPr lang="zh-TW" altLang="en-US" sz="1300" dirty="0">
+                    <a:solidFill>
+                      <a:srgbClr val="515151"/>
+                    </a:solidFill>
+                    <a:latin typeface="微軟正黑體 Light" panose="020B0304030504040204" pitchFamily="34" charset="-120"/>
+                    <a:ea typeface="微軟正黑體 Light" panose="020B0304030504040204" pitchFamily="34" charset="-120"/>
+                  </a:rPr>
+                  <a:t>。</a:t>
+                </a:r>
+                <a:endParaRPr lang="zh-TW" altLang="zh-TW" sz="1300" dirty="0">
                   <a:solidFill>
                     <a:srgbClr val="515151"/>
                   </a:solidFill>
                   <a:latin typeface="微軟正黑體 Light" panose="020B0304030504040204" pitchFamily="34" charset="-120"/>
                   <a:ea typeface="微軟正黑體 Light" panose="020B0304030504040204" pitchFamily="34" charset="-120"/>
-                </a:rPr>
-                <a:t>童工</a:t>
-              </a:r>
-              <a:r>
-                <a:rPr lang="zh-TW" altLang="en-US" sz="1300" dirty="0">
+                </a:endParaRPr>
+              </a:p>
+              <a:p>
+                <a:pPr lvl="0"/>
+                <a:r>
+                  <a:rPr lang="zh-TW" altLang="zh-TW" sz="1300" dirty="0">
+                    <a:solidFill>
+                      <a:srgbClr val="515151"/>
+                    </a:solidFill>
+                    <a:latin typeface="微軟正黑體 Light" panose="020B0304030504040204" pitchFamily="34" charset="-120"/>
+                    <a:ea typeface="微軟正黑體 Light" panose="020B0304030504040204" pitchFamily="34" charset="-120"/>
+                  </a:rPr>
+                  <a:t>提供申訴機制</a:t>
+                </a:r>
+                <a:r>
+                  <a:rPr lang="zh-TW" altLang="en-US" sz="1300" dirty="0">
+                    <a:solidFill>
+                      <a:srgbClr val="515151"/>
+                    </a:solidFill>
+                    <a:latin typeface="微軟正黑體 Light" panose="020B0304030504040204" pitchFamily="34" charset="-120"/>
+                    <a:ea typeface="微軟正黑體 Light" panose="020B0304030504040204" pitchFamily="34" charset="-120"/>
+                  </a:rPr>
+                  <a:t>。</a:t>
+                </a:r>
+                <a:endParaRPr lang="zh-TW" altLang="zh-TW" sz="1300" dirty="0">
                   <a:solidFill>
                     <a:srgbClr val="515151"/>
                   </a:solidFill>
                   <a:latin typeface="微軟正黑體 Light" panose="020B0304030504040204" pitchFamily="34" charset="-120"/>
                   <a:ea typeface="微軟正黑體 Light" panose="020B0304030504040204" pitchFamily="34" charset="-120"/>
-                </a:rPr>
-                <a:t>。</a:t>
-              </a:r>
-              <a:endParaRPr lang="zh-TW" altLang="zh-TW" sz="1300" dirty="0">
-                <a:solidFill>
-                  <a:srgbClr val="515151"/>
-                </a:solidFill>
-                <a:latin typeface="微軟正黑體 Light" panose="020B0304030504040204" pitchFamily="34" charset="-120"/>
-                <a:ea typeface="微軟正黑體 Light" panose="020B0304030504040204" pitchFamily="34" charset="-120"/>
-              </a:endParaRPr>
-            </a:p>
-            <a:p>
-              <a:pPr lvl="0"/>
-              <a:r>
-                <a:rPr lang="zh-TW" altLang="zh-TW" sz="1300" dirty="0">
+                </a:endParaRPr>
+              </a:p>
+              <a:p>
+                <a:pPr lvl="0"/>
+                <a:r>
+                  <a:rPr lang="zh-TW" altLang="zh-TW" sz="1300" dirty="0">
+                    <a:solidFill>
+                      <a:srgbClr val="515151"/>
+                    </a:solidFill>
+                    <a:latin typeface="微軟正黑體 Light" panose="020B0304030504040204" pitchFamily="34" charset="-120"/>
+                    <a:ea typeface="微軟正黑體 Light" panose="020B0304030504040204" pitchFamily="34" charset="-120"/>
+                  </a:rPr>
+                  <a:t>遵守本準則</a:t>
+                </a:r>
+                <a:r>
+                  <a:rPr lang="zh-TW" altLang="en-US" sz="1300" dirty="0">
+                    <a:solidFill>
+                      <a:srgbClr val="515151"/>
+                    </a:solidFill>
+                    <a:latin typeface="微軟正黑體 Light" panose="020B0304030504040204" pitchFamily="34" charset="-120"/>
+                    <a:ea typeface="微軟正黑體 Light" panose="020B0304030504040204" pitchFamily="34" charset="-120"/>
+                  </a:rPr>
+                  <a:t>。</a:t>
+                </a:r>
+                <a:endParaRPr lang="zh-TW" altLang="zh-TW" sz="1300" dirty="0">
                   <a:solidFill>
                     <a:srgbClr val="515151"/>
                   </a:solidFill>
                   <a:latin typeface="微軟正黑體 Light" panose="020B0304030504040204" pitchFamily="34" charset="-120"/>
                   <a:ea typeface="微軟正黑體 Light" panose="020B0304030504040204" pitchFamily="34" charset="-120"/>
-                </a:rPr>
-                <a:t>社區關係</a:t>
-              </a:r>
-              <a:r>
-                <a:rPr lang="zh-TW" altLang="en-US" sz="1300" dirty="0">
+                </a:endParaRPr>
+              </a:p>
+              <a:p>
+                <a:pPr lvl="0"/>
+                <a:r>
+                  <a:rPr lang="zh-TW" altLang="zh-TW" sz="1300" dirty="0">
+                    <a:solidFill>
+                      <a:srgbClr val="515151"/>
+                    </a:solidFill>
+                    <a:latin typeface="微軟正黑體 Light" panose="020B0304030504040204" pitchFamily="34" charset="-120"/>
+                    <a:ea typeface="微軟正黑體 Light" panose="020B0304030504040204" pitchFamily="34" charset="-120"/>
+                  </a:rPr>
+                  <a:t>採取盡職調查</a:t>
+                </a:r>
+                <a:r>
+                  <a:rPr lang="zh-TW" altLang="en-US" sz="1300" dirty="0">
+                    <a:solidFill>
+                      <a:srgbClr val="515151"/>
+                    </a:solidFill>
+                    <a:latin typeface="微軟正黑體 Light" panose="020B0304030504040204" pitchFamily="34" charset="-120"/>
+                    <a:ea typeface="微軟正黑體 Light" panose="020B0304030504040204" pitchFamily="34" charset="-120"/>
+                  </a:rPr>
+                  <a:t>。</a:t>
+                </a:r>
+                <a:endParaRPr lang="zh-TW" altLang="zh-TW" sz="1300" dirty="0">
                   <a:solidFill>
                     <a:srgbClr val="515151"/>
                   </a:solidFill>
                   <a:latin typeface="微軟正黑體 Light" panose="020B0304030504040204" pitchFamily="34" charset="-120"/>
                   <a:ea typeface="微軟正黑體 Light" panose="020B0304030504040204" pitchFamily="34" charset="-120"/>
-                </a:rPr>
-                <a:t>。</a:t>
-              </a:r>
-              <a:endParaRPr lang="zh-TW" altLang="zh-TW" sz="1300" dirty="0">
-                <a:solidFill>
-                  <a:srgbClr val="515151"/>
-                </a:solidFill>
-                <a:latin typeface="微軟正黑體 Light" panose="020B0304030504040204" pitchFamily="34" charset="-120"/>
-                <a:ea typeface="微軟正黑體 Light" panose="020B0304030504040204" pitchFamily="34" charset="-120"/>
-              </a:endParaRPr>
-            </a:p>
-            <a:p>
-              <a:pPr lvl="0"/>
-              <a:r>
-                <a:rPr lang="zh-TW" altLang="zh-TW" sz="1300" dirty="0">
-                  <a:solidFill>
-                    <a:srgbClr val="515151"/>
-                  </a:solidFill>
-                  <a:latin typeface="微軟正黑體 Light" panose="020B0304030504040204" pitchFamily="34" charset="-120"/>
-                  <a:ea typeface="微軟正黑體 Light" panose="020B0304030504040204" pitchFamily="34" charset="-120"/>
-                </a:rPr>
-                <a:t>歧視</a:t>
-              </a:r>
-              <a:r>
-                <a:rPr lang="zh-TW" altLang="en-US" sz="1300" dirty="0">
-                  <a:solidFill>
-                    <a:srgbClr val="515151"/>
-                  </a:solidFill>
-                  <a:latin typeface="微軟正黑體 Light" panose="020B0304030504040204" pitchFamily="34" charset="-120"/>
-                  <a:ea typeface="微軟正黑體 Light" panose="020B0304030504040204" pitchFamily="34" charset="-120"/>
-                </a:rPr>
-                <a:t>。</a:t>
-              </a:r>
-              <a:endParaRPr lang="zh-TW" altLang="zh-TW" sz="1300" dirty="0">
-                <a:solidFill>
-                  <a:srgbClr val="515151"/>
-                </a:solidFill>
-                <a:latin typeface="微軟正黑體 Light" panose="020B0304030504040204" pitchFamily="34" charset="-120"/>
-                <a:ea typeface="微軟正黑體 Light" panose="020B0304030504040204" pitchFamily="34" charset="-120"/>
-              </a:endParaRPr>
-            </a:p>
-            <a:p>
-              <a:pPr lvl="0"/>
-              <a:r>
-                <a:rPr lang="zh-TW" altLang="zh-TW" sz="1300" dirty="0">
-                  <a:solidFill>
-                    <a:srgbClr val="515151"/>
-                  </a:solidFill>
-                  <a:latin typeface="微軟正黑體 Light" panose="020B0304030504040204" pitchFamily="34" charset="-120"/>
-                  <a:ea typeface="微軟正黑體 Light" panose="020B0304030504040204" pitchFamily="34" charset="-120"/>
-                </a:rPr>
-                <a:t>結社自由和集體談判權</a:t>
-              </a:r>
-              <a:r>
-                <a:rPr lang="zh-TW" altLang="en-US" sz="1300" dirty="0">
-                  <a:solidFill>
-                    <a:srgbClr val="515151"/>
-                  </a:solidFill>
-                  <a:latin typeface="微軟正黑體 Light" panose="020B0304030504040204" pitchFamily="34" charset="-120"/>
-                  <a:ea typeface="微軟正黑體 Light" panose="020B0304030504040204" pitchFamily="34" charset="-120"/>
-                </a:rPr>
-                <a:t>。</a:t>
-              </a:r>
-              <a:endParaRPr lang="zh-TW" altLang="zh-TW" sz="1300" dirty="0">
-                <a:solidFill>
-                  <a:srgbClr val="515151"/>
-                </a:solidFill>
-                <a:latin typeface="微軟正黑體 Light" panose="020B0304030504040204" pitchFamily="34" charset="-120"/>
-                <a:ea typeface="微軟正黑體 Light" panose="020B0304030504040204" pitchFamily="34" charset="-120"/>
-              </a:endParaRPr>
-            </a:p>
-            <a:p>
-              <a:pPr lvl="0"/>
-              <a:r>
-                <a:rPr lang="zh-TW" altLang="zh-TW" sz="1300" dirty="0">
-                  <a:solidFill>
-                    <a:srgbClr val="515151"/>
-                  </a:solidFill>
-                  <a:latin typeface="微軟正黑體 Light" panose="020B0304030504040204" pitchFamily="34" charset="-120"/>
-                  <a:ea typeface="微軟正黑體 Light" panose="020B0304030504040204" pitchFamily="34" charset="-120"/>
-                </a:rPr>
-                <a:t>騷擾、虐待和懲戒措施</a:t>
-              </a:r>
-              <a:r>
-                <a:rPr lang="zh-TW" altLang="en-US" sz="1300" dirty="0">
-                  <a:solidFill>
-                    <a:srgbClr val="515151"/>
-                  </a:solidFill>
-                  <a:latin typeface="微軟正黑體 Light" panose="020B0304030504040204" pitchFamily="34" charset="-120"/>
-                  <a:ea typeface="微軟正黑體 Light" panose="020B0304030504040204" pitchFamily="34" charset="-120"/>
-                </a:rPr>
-                <a:t>。</a:t>
-              </a:r>
-              <a:endParaRPr lang="zh-TW" altLang="zh-TW" sz="1300" dirty="0">
-                <a:solidFill>
-                  <a:srgbClr val="515151"/>
-                </a:solidFill>
-                <a:latin typeface="微軟正黑體 Light" panose="020B0304030504040204" pitchFamily="34" charset="-120"/>
-                <a:ea typeface="微軟正黑體 Light" panose="020B0304030504040204" pitchFamily="34" charset="-120"/>
-              </a:endParaRPr>
-            </a:p>
-            <a:p>
-              <a:pPr lvl="0"/>
-              <a:r>
-                <a:rPr lang="zh-TW" altLang="zh-TW" sz="1300" dirty="0">
-                  <a:solidFill>
-                    <a:srgbClr val="515151"/>
-                  </a:solidFill>
-                  <a:latin typeface="微軟正黑體 Light" panose="020B0304030504040204" pitchFamily="34" charset="-120"/>
-                  <a:ea typeface="微軟正黑體 Light" panose="020B0304030504040204" pitchFamily="34" charset="-120"/>
-                </a:rPr>
-                <a:t>健康和安全</a:t>
-              </a:r>
-              <a:r>
-                <a:rPr lang="zh-TW" altLang="en-US" sz="1300" dirty="0">
-                  <a:solidFill>
-                    <a:srgbClr val="515151"/>
-                  </a:solidFill>
-                  <a:latin typeface="微軟正黑體 Light" panose="020B0304030504040204" pitchFamily="34" charset="-120"/>
-                  <a:ea typeface="微軟正黑體 Light" panose="020B0304030504040204" pitchFamily="34" charset="-120"/>
-                </a:rPr>
-                <a:t>。</a:t>
-              </a:r>
-              <a:endParaRPr lang="zh-TW" altLang="zh-TW" sz="1300" dirty="0">
-                <a:solidFill>
-                  <a:srgbClr val="515151"/>
-                </a:solidFill>
-                <a:latin typeface="微軟正黑體 Light" panose="020B0304030504040204" pitchFamily="34" charset="-120"/>
-                <a:ea typeface="微軟正黑體 Light" panose="020B0304030504040204" pitchFamily="34" charset="-120"/>
-              </a:endParaRPr>
-            </a:p>
-            <a:p>
-              <a:pPr lvl="0"/>
-              <a:r>
-                <a:rPr lang="zh-TW" altLang="zh-TW" sz="1300" dirty="0">
-                  <a:solidFill>
-                    <a:srgbClr val="515151"/>
-                  </a:solidFill>
-                  <a:latin typeface="微軟正黑體 Light" panose="020B0304030504040204" pitchFamily="34" charset="-120"/>
-                  <a:ea typeface="微軟正黑體 Light" panose="020B0304030504040204" pitchFamily="34" charset="-120"/>
-                </a:rPr>
-                <a:t>聘僱措施和強迫勞動</a:t>
-              </a:r>
-              <a:r>
-                <a:rPr lang="zh-TW" altLang="en-US" sz="1300" dirty="0">
-                  <a:solidFill>
-                    <a:srgbClr val="515151"/>
-                  </a:solidFill>
-                  <a:latin typeface="微軟正黑體 Light" panose="020B0304030504040204" pitchFamily="34" charset="-120"/>
-                  <a:ea typeface="微軟正黑體 Light" panose="020B0304030504040204" pitchFamily="34" charset="-120"/>
-                </a:rPr>
-                <a:t>。</a:t>
-              </a:r>
-              <a:endParaRPr lang="zh-TW" altLang="zh-TW" sz="1300" dirty="0">
-                <a:solidFill>
-                  <a:srgbClr val="515151"/>
-                </a:solidFill>
-                <a:latin typeface="微軟正黑體 Light" panose="020B0304030504040204" pitchFamily="34" charset="-120"/>
-                <a:ea typeface="微軟正黑體 Light" panose="020B0304030504040204" pitchFamily="34" charset="-120"/>
-              </a:endParaRPr>
-            </a:p>
-            <a:p>
-              <a:pPr lvl="0"/>
-              <a:r>
-                <a:rPr lang="zh-TW" altLang="zh-TW" sz="1300" dirty="0">
-                  <a:solidFill>
-                    <a:srgbClr val="515151"/>
-                  </a:solidFill>
-                  <a:latin typeface="微軟正黑體 Light" panose="020B0304030504040204" pitchFamily="34" charset="-120"/>
-                  <a:ea typeface="微軟正黑體 Light" panose="020B0304030504040204" pitchFamily="34" charset="-120"/>
-                </a:rPr>
-                <a:t>薪酬</a:t>
-              </a:r>
-              <a:r>
-                <a:rPr lang="zh-TW" altLang="en-US" sz="1300" dirty="0">
-                  <a:solidFill>
-                    <a:srgbClr val="515151"/>
-                  </a:solidFill>
-                  <a:latin typeface="微軟正黑體 Light" panose="020B0304030504040204" pitchFamily="34" charset="-120"/>
-                  <a:ea typeface="微軟正黑體 Light" panose="020B0304030504040204" pitchFamily="34" charset="-120"/>
-                </a:rPr>
-                <a:t>。</a:t>
-              </a:r>
-              <a:endParaRPr lang="zh-TW" altLang="zh-TW" sz="1300" dirty="0">
-                <a:solidFill>
-                  <a:srgbClr val="515151"/>
-                </a:solidFill>
-                <a:latin typeface="微軟正黑體 Light" panose="020B0304030504040204" pitchFamily="34" charset="-120"/>
-                <a:ea typeface="微軟正黑體 Light" panose="020B0304030504040204" pitchFamily="34" charset="-120"/>
-              </a:endParaRPr>
-            </a:p>
-            <a:p>
-              <a:r>
-                <a:rPr lang="zh-TW" altLang="zh-TW" sz="1300" dirty="0">
-                  <a:solidFill>
-                    <a:srgbClr val="515151"/>
-                  </a:solidFill>
-                  <a:latin typeface="微軟正黑體 Light" panose="020B0304030504040204" pitchFamily="34" charset="-120"/>
-                  <a:ea typeface="微軟正黑體 Light" panose="020B0304030504040204" pitchFamily="34" charset="-120"/>
-                </a:rPr>
-                <a:t>安全措施</a:t>
-              </a:r>
-              <a:r>
-                <a:rPr lang="zh-TW" altLang="en-US" sz="1300" dirty="0">
-                  <a:solidFill>
-                    <a:srgbClr val="515151"/>
-                  </a:solidFill>
-                  <a:latin typeface="微軟正黑體 Light" panose="020B0304030504040204" pitchFamily="34" charset="-120"/>
-                  <a:ea typeface="微軟正黑體 Light" panose="020B0304030504040204" pitchFamily="34" charset="-120"/>
-                </a:rPr>
-                <a:t>。</a:t>
-              </a:r>
-            </a:p>
-          </p:txBody>
-        </p:sp>
-        <p:sp>
-          <p:nvSpPr>
-            <p:cNvPr id="17" name="文字方塊 16">
-              <a:extLst>
-                <a:ext uri="{FF2B5EF4-FFF2-40B4-BE49-F238E27FC236}">
-                  <a16:creationId xmlns:a16="http://schemas.microsoft.com/office/drawing/2014/main" id="{0586C28D-A9E9-45BA-8F7C-65B0149D9089}"/>
-                </a:ext>
-              </a:extLst>
-            </p:cNvPr>
-            <p:cNvSpPr txBox="1"/>
-            <p:nvPr/>
-          </p:nvSpPr>
-          <p:spPr>
-            <a:xfrm>
-              <a:off x="4943023" y="1402558"/>
-              <a:ext cx="2219778" cy="1692771"/>
-            </a:xfrm>
-            <a:prstGeom prst="rect">
-              <a:avLst/>
-            </a:prstGeom>
-            <a:noFill/>
-          </p:spPr>
-          <p:txBody>
-            <a:bodyPr wrap="square" rtlCol="0">
-              <a:spAutoFit/>
-            </a:bodyPr>
-            <a:lstStyle>
-              <a:defPPr>
-                <a:defRPr lang="zh-TW"/>
-              </a:defPPr>
-              <a:lvl1pPr lvl="0">
-                <a:defRPr sz="1500">
-                  <a:solidFill>
-                    <a:srgbClr val="515151"/>
-                  </a:solidFill>
-                  <a:latin typeface="微軟正黑體 Light" panose="020B0304030504040204" pitchFamily="34" charset="-120"/>
-                  <a:ea typeface="微軟正黑體 Light" panose="020B0304030504040204" pitchFamily="34" charset="-120"/>
-                </a:defRPr>
-              </a:lvl1pPr>
-            </a:lstStyle>
-            <a:p>
-              <a:r>
-                <a:rPr lang="zh-TW" altLang="zh-TW" sz="1300" dirty="0"/>
-                <a:t>遵守環境、安全、衛生相關法規</a:t>
-              </a:r>
-              <a:r>
-                <a:rPr lang="zh-TW" altLang="en-US" sz="1300" dirty="0"/>
-                <a:t>。</a:t>
-              </a:r>
-              <a:endParaRPr lang="zh-TW" altLang="zh-TW" sz="1300" dirty="0"/>
-            </a:p>
-            <a:p>
-              <a:r>
-                <a:rPr lang="zh-TW" altLang="zh-TW" sz="1300" dirty="0"/>
-                <a:t>取得相關許可認證</a:t>
-              </a:r>
-              <a:r>
-                <a:rPr lang="zh-TW" altLang="en-US" sz="1300" dirty="0"/>
-                <a:t>。</a:t>
-              </a:r>
-              <a:endParaRPr lang="zh-TW" altLang="zh-TW" sz="1300" dirty="0"/>
-            </a:p>
-            <a:p>
-              <a:r>
-                <a:rPr lang="zh-TW" altLang="zh-TW" sz="1300" dirty="0"/>
-                <a:t>預防有害物質及汙染</a:t>
-              </a:r>
-              <a:r>
-                <a:rPr lang="zh-TW" altLang="en-US" sz="1300" dirty="0"/>
-                <a:t>。</a:t>
-              </a:r>
-              <a:endParaRPr lang="zh-TW" altLang="zh-TW" sz="1300" dirty="0"/>
-            </a:p>
-            <a:p>
-              <a:r>
-                <a:rPr lang="zh-TW" altLang="zh-TW" sz="1300" dirty="0"/>
-                <a:t>尋找環境友善之替代品</a:t>
-              </a:r>
-              <a:r>
-                <a:rPr lang="zh-TW" altLang="en-US" sz="1300" dirty="0"/>
-                <a:t>。</a:t>
-              </a:r>
-              <a:endParaRPr lang="zh-TW" altLang="zh-TW" sz="1300" dirty="0"/>
-            </a:p>
-            <a:p>
-              <a:r>
-                <a:rPr lang="zh-TW" altLang="zh-TW" sz="1300" dirty="0"/>
-                <a:t>資源和能源之永續及有效利用</a:t>
-              </a:r>
-              <a:r>
-                <a:rPr lang="zh-TW" altLang="en-US" sz="1300" dirty="0"/>
-                <a:t>。</a:t>
-              </a:r>
-              <a:endParaRPr lang="zh-TW" altLang="zh-TW" sz="1300" dirty="0"/>
-            </a:p>
-            <a:p>
-              <a:r>
-                <a:rPr lang="zh-TW" altLang="zh-TW" sz="1300" dirty="0"/>
-                <a:t>保護健康和環境的立即措施</a:t>
-              </a:r>
-              <a:r>
-                <a:rPr lang="zh-TW" altLang="en-US" sz="1300" dirty="0"/>
-                <a:t>。</a:t>
-              </a:r>
-            </a:p>
-          </p:txBody>
-        </p:sp>
-        <p:sp>
-          <p:nvSpPr>
-            <p:cNvPr id="18" name="文字方塊 17">
-              <a:extLst>
-                <a:ext uri="{FF2B5EF4-FFF2-40B4-BE49-F238E27FC236}">
-                  <a16:creationId xmlns:a16="http://schemas.microsoft.com/office/drawing/2014/main" id="{82D63517-F88F-42E4-B61C-171CB34F4EEB}"/>
-                </a:ext>
-              </a:extLst>
-            </p:cNvPr>
-            <p:cNvSpPr txBox="1"/>
-            <p:nvPr/>
-          </p:nvSpPr>
-          <p:spPr>
-            <a:xfrm>
-              <a:off x="7560273" y="968188"/>
-              <a:ext cx="2219778" cy="1092607"/>
-            </a:xfrm>
-            <a:prstGeom prst="rect">
-              <a:avLst/>
-            </a:prstGeom>
-            <a:noFill/>
-          </p:spPr>
-          <p:txBody>
-            <a:bodyPr wrap="square" rtlCol="0">
-              <a:spAutoFit/>
-            </a:bodyPr>
-            <a:lstStyle>
-              <a:defPPr>
-                <a:defRPr lang="zh-TW"/>
-              </a:defPPr>
-              <a:lvl1pPr lvl="0">
-                <a:defRPr sz="1500">
-                  <a:solidFill>
-                    <a:srgbClr val="515151"/>
-                  </a:solidFill>
-                  <a:latin typeface="微軟正黑體 Light" panose="020B0304030504040204" pitchFamily="34" charset="-120"/>
-                  <a:ea typeface="微軟正黑體 Light" panose="020B0304030504040204" pitchFamily="34" charset="-120"/>
-                </a:defRPr>
-              </a:lvl1pPr>
-            </a:lstStyle>
-            <a:p>
-              <a:r>
-                <a:rPr lang="zh-TW" altLang="zh-TW" sz="1300" dirty="0"/>
-                <a:t>提倡誠信正直和道德</a:t>
-              </a:r>
-              <a:r>
-                <a:rPr lang="zh-TW" altLang="en-US" sz="1300" dirty="0"/>
-                <a:t>。</a:t>
-              </a:r>
-              <a:endParaRPr lang="zh-TW" altLang="zh-TW" sz="1300" dirty="0"/>
-            </a:p>
-            <a:p>
-              <a:r>
-                <a:rPr lang="zh-TW" altLang="zh-TW" sz="1300" dirty="0"/>
-                <a:t>對貪腐採零容忍政策</a:t>
-              </a:r>
-              <a:r>
-                <a:rPr lang="zh-TW" altLang="en-US" sz="1300" dirty="0"/>
-                <a:t>。</a:t>
-              </a:r>
-              <a:endParaRPr lang="zh-TW" altLang="zh-TW" sz="1300" dirty="0"/>
-            </a:p>
-            <a:p>
-              <a:r>
-                <a:rPr lang="zh-TW" altLang="zh-TW" sz="1300" dirty="0"/>
-                <a:t>採取預防措施管控風險</a:t>
-              </a:r>
-              <a:r>
-                <a:rPr lang="zh-TW" altLang="en-US" sz="1300" dirty="0"/>
-                <a:t>。</a:t>
-              </a:r>
-              <a:endParaRPr lang="zh-TW" altLang="zh-TW" sz="1300" dirty="0"/>
-            </a:p>
-            <a:p>
-              <a:r>
-                <a:rPr lang="zh-TW" altLang="zh-TW" sz="1300" dirty="0"/>
-                <a:t>提供檢舉機制</a:t>
-              </a:r>
-              <a:r>
-                <a:rPr lang="zh-TW" altLang="en-US" sz="1300" dirty="0"/>
-                <a:t>。</a:t>
-              </a:r>
-              <a:endParaRPr lang="zh-TW" altLang="zh-TW" sz="1300" dirty="0"/>
-            </a:p>
-            <a:p>
-              <a:r>
-                <a:rPr lang="zh-TW" altLang="zh-TW" sz="1300" dirty="0"/>
-                <a:t>不違反貿易制裁</a:t>
-              </a:r>
-              <a:r>
-                <a:rPr lang="zh-TW" altLang="en-US" sz="1300" dirty="0"/>
-                <a:t>。</a:t>
-              </a:r>
-            </a:p>
-          </p:txBody>
-        </p:sp>
-        <p:sp>
-          <p:nvSpPr>
-            <p:cNvPr id="19" name="矩形 18">
-              <a:extLst>
-                <a:ext uri="{FF2B5EF4-FFF2-40B4-BE49-F238E27FC236}">
-                  <a16:creationId xmlns:a16="http://schemas.microsoft.com/office/drawing/2014/main" id="{33196755-7C25-404A-8131-FBDB597926DB}"/>
-                </a:ext>
-              </a:extLst>
-            </p:cNvPr>
-            <p:cNvSpPr/>
-            <p:nvPr/>
-          </p:nvSpPr>
-          <p:spPr>
-            <a:xfrm>
-              <a:off x="5114365" y="923675"/>
-              <a:ext cx="1853561" cy="461665"/>
-            </a:xfrm>
-            <a:prstGeom prst="rect">
-              <a:avLst/>
-            </a:prstGeom>
-          </p:spPr>
-          <p:txBody>
-            <a:bodyPr wrap="square">
-              <a:spAutoFit/>
-            </a:bodyPr>
-            <a:lstStyle/>
-            <a:p>
-              <a:pPr algn="ctr">
-                <a:spcAft>
-                  <a:spcPts val="0"/>
-                </a:spcAft>
-              </a:pPr>
-              <a:r>
-                <a:rPr lang="zh-TW" altLang="zh-TW" sz="1200" b="1" dirty="0">
-                  <a:solidFill>
-                    <a:srgbClr val="515151"/>
-                  </a:solidFill>
-                  <a:latin typeface="微軟正黑體 Light" panose="020B0304030504040204" pitchFamily="34" charset="-120"/>
-                  <a:ea typeface="微軟正黑體 Light" panose="020B0304030504040204" pitchFamily="34" charset="-120"/>
-                </a:rPr>
-                <a:t>減少對環境、人類健康</a:t>
-              </a:r>
-            </a:p>
-            <a:p>
-              <a:pPr algn="ctr">
-                <a:spcAft>
-                  <a:spcPts val="0"/>
-                </a:spcAft>
-              </a:pPr>
-              <a:r>
-                <a:rPr lang="zh-TW" altLang="zh-TW" sz="1200" b="1" dirty="0">
-                  <a:solidFill>
-                    <a:srgbClr val="515151"/>
-                  </a:solidFill>
-                  <a:latin typeface="微軟正黑體 Light" panose="020B0304030504040204" pitchFamily="34" charset="-120"/>
-                  <a:ea typeface="微軟正黑體 Light" panose="020B0304030504040204" pitchFamily="34" charset="-120"/>
-                </a:rPr>
-                <a:t>和生活帶來之不利影響</a:t>
-              </a:r>
-            </a:p>
-          </p:txBody>
-        </p:sp>
+                </a:endParaRPr>
+              </a:p>
+              <a:p>
+                <a:r>
+                  <a:rPr lang="zh-TW" altLang="zh-TW" sz="1300" dirty="0">
+                    <a:solidFill>
+                      <a:srgbClr val="515151"/>
+                    </a:solidFill>
+                    <a:latin typeface="微軟正黑體 Light" panose="020B0304030504040204" pitchFamily="34" charset="-120"/>
+                    <a:ea typeface="微軟正黑體 Light" panose="020B0304030504040204" pitchFamily="34" charset="-120"/>
+                  </a:rPr>
+                  <a:t>評估與改進</a:t>
+                </a:r>
+                <a:r>
+                  <a:rPr lang="zh-TW" altLang="en-US" sz="1300" dirty="0">
+                    <a:solidFill>
+                      <a:srgbClr val="515151"/>
+                    </a:solidFill>
+                    <a:latin typeface="微軟正黑體 Light" panose="020B0304030504040204" pitchFamily="34" charset="-120"/>
+                    <a:ea typeface="微軟正黑體 Light" panose="020B0304030504040204" pitchFamily="34" charset="-120"/>
+                  </a:rPr>
+                  <a:t>。</a:t>
+                </a:r>
+              </a:p>
+            </p:txBody>
+          </p:sp>
+        </p:grpSp>
       </p:grpSp>
     </p:spTree>
     <p:extLst>

--- a/sdms/images/org_chart.pptx
+++ b/sdms/images/org_chart.pptx
@@ -261,7 +261,7 @@
           <a:p>
             <a:fld id="{F9348AF6-6B39-4FE1-9903-1DAEF177AE5D}" type="datetimeFigureOut">
               <a:rPr lang="zh-TW" altLang="en-US" smtClean="0"/>
-              <a:t>2023/2/2</a:t>
+              <a:t>2023/2/7</a:t>
             </a:fld>
             <a:endParaRPr lang="zh-TW" altLang="en-US"/>
           </a:p>
@@ -459,7 +459,7 @@
           <a:p>
             <a:fld id="{F9348AF6-6B39-4FE1-9903-1DAEF177AE5D}" type="datetimeFigureOut">
               <a:rPr lang="zh-TW" altLang="en-US" smtClean="0"/>
-              <a:t>2023/2/2</a:t>
+              <a:t>2023/2/7</a:t>
             </a:fld>
             <a:endParaRPr lang="zh-TW" altLang="en-US"/>
           </a:p>
@@ -667,7 +667,7 @@
           <a:p>
             <a:fld id="{F9348AF6-6B39-4FE1-9903-1DAEF177AE5D}" type="datetimeFigureOut">
               <a:rPr lang="zh-TW" altLang="en-US" smtClean="0"/>
-              <a:t>2023/2/2</a:t>
+              <a:t>2023/2/7</a:t>
             </a:fld>
             <a:endParaRPr lang="zh-TW" altLang="en-US"/>
           </a:p>
@@ -865,7 +865,7 @@
           <a:p>
             <a:fld id="{F9348AF6-6B39-4FE1-9903-1DAEF177AE5D}" type="datetimeFigureOut">
               <a:rPr lang="zh-TW" altLang="en-US" smtClean="0"/>
-              <a:t>2023/2/2</a:t>
+              <a:t>2023/2/7</a:t>
             </a:fld>
             <a:endParaRPr lang="zh-TW" altLang="en-US"/>
           </a:p>
@@ -1140,7 +1140,7 @@
           <a:p>
             <a:fld id="{F9348AF6-6B39-4FE1-9903-1DAEF177AE5D}" type="datetimeFigureOut">
               <a:rPr lang="zh-TW" altLang="en-US" smtClean="0"/>
-              <a:t>2023/2/2</a:t>
+              <a:t>2023/2/7</a:t>
             </a:fld>
             <a:endParaRPr lang="zh-TW" altLang="en-US"/>
           </a:p>
@@ -1405,7 +1405,7 @@
           <a:p>
             <a:fld id="{F9348AF6-6B39-4FE1-9903-1DAEF177AE5D}" type="datetimeFigureOut">
               <a:rPr lang="zh-TW" altLang="en-US" smtClean="0"/>
-              <a:t>2023/2/2</a:t>
+              <a:t>2023/2/7</a:t>
             </a:fld>
             <a:endParaRPr lang="zh-TW" altLang="en-US"/>
           </a:p>
@@ -1817,7 +1817,7 @@
           <a:p>
             <a:fld id="{F9348AF6-6B39-4FE1-9903-1DAEF177AE5D}" type="datetimeFigureOut">
               <a:rPr lang="zh-TW" altLang="en-US" smtClean="0"/>
-              <a:t>2023/2/2</a:t>
+              <a:t>2023/2/7</a:t>
             </a:fld>
             <a:endParaRPr lang="zh-TW" altLang="en-US"/>
           </a:p>
@@ -1958,7 +1958,7 @@
           <a:p>
             <a:fld id="{F9348AF6-6B39-4FE1-9903-1DAEF177AE5D}" type="datetimeFigureOut">
               <a:rPr lang="zh-TW" altLang="en-US" smtClean="0"/>
-              <a:t>2023/2/2</a:t>
+              <a:t>2023/2/7</a:t>
             </a:fld>
             <a:endParaRPr lang="zh-TW" altLang="en-US"/>
           </a:p>
@@ -2071,7 +2071,7 @@
           <a:p>
             <a:fld id="{F9348AF6-6B39-4FE1-9903-1DAEF177AE5D}" type="datetimeFigureOut">
               <a:rPr lang="zh-TW" altLang="en-US" smtClean="0"/>
-              <a:t>2023/2/2</a:t>
+              <a:t>2023/2/7</a:t>
             </a:fld>
             <a:endParaRPr lang="zh-TW" altLang="en-US"/>
           </a:p>
@@ -2382,7 +2382,7 @@
           <a:p>
             <a:fld id="{F9348AF6-6B39-4FE1-9903-1DAEF177AE5D}" type="datetimeFigureOut">
               <a:rPr lang="zh-TW" altLang="en-US" smtClean="0"/>
-              <a:t>2023/2/2</a:t>
+              <a:t>2023/2/7</a:t>
             </a:fld>
             <a:endParaRPr lang="zh-TW" altLang="en-US"/>
           </a:p>
@@ -2670,7 +2670,7 @@
           <a:p>
             <a:fld id="{F9348AF6-6B39-4FE1-9903-1DAEF177AE5D}" type="datetimeFigureOut">
               <a:rPr lang="zh-TW" altLang="en-US" smtClean="0"/>
-              <a:t>2023/2/2</a:t>
+              <a:t>2023/2/7</a:t>
             </a:fld>
             <a:endParaRPr lang="zh-TW" altLang="en-US"/>
           </a:p>
@@ -2911,7 +2911,7 @@
           <a:p>
             <a:fld id="{F9348AF6-6B39-4FE1-9903-1DAEF177AE5D}" type="datetimeFigureOut">
               <a:rPr lang="zh-TW" altLang="en-US" smtClean="0"/>
-              <a:t>2023/2/2</a:t>
+              <a:t>2023/2/7</a:t>
             </a:fld>
             <a:endParaRPr lang="zh-TW" altLang="en-US"/>
           </a:p>
@@ -10422,10 +10422,10 @@
       </p:grpSpPr>
       <p:grpSp>
         <p:nvGrpSpPr>
-          <p:cNvPr id="15" name="群組 14">
-            <a:extLst>
-              <a:ext uri="{FF2B5EF4-FFF2-40B4-BE49-F238E27FC236}">
-                <a16:creationId xmlns:a16="http://schemas.microsoft.com/office/drawing/2014/main" id="{0E8FDF46-D602-4D70-AA73-29ED712436A5}"/>
+          <p:cNvPr id="20" name="群組 19">
+            <a:extLst>
+              <a:ext uri="{FF2B5EF4-FFF2-40B4-BE49-F238E27FC236}">
+                <a16:creationId xmlns:a16="http://schemas.microsoft.com/office/drawing/2014/main" id="{B558A49A-8EE9-42FA-9EEE-D2D33D02D9E7}"/>
               </a:ext>
             </a:extLst>
           </p:cNvPr>
@@ -10434,7 +10434,7 @@
         </p:nvGrpSpPr>
         <p:grpSpPr>
           <a:xfrm>
-            <a:off x="2285999" y="-455967"/>
+            <a:off x="2654299" y="-887767"/>
             <a:ext cx="7620000" cy="9893519"/>
             <a:chOff x="2285999" y="-455967"/>
             <a:chExt cx="7620000" cy="9893519"/>
@@ -10442,10 +10442,10 @@
         </p:grpSpPr>
         <p:grpSp>
           <p:nvGrpSpPr>
-            <p:cNvPr id="2" name="群組 1">
+            <p:cNvPr id="12" name="群組 11">
               <a:extLst>
                 <a:ext uri="{FF2B5EF4-FFF2-40B4-BE49-F238E27FC236}">
-                  <a16:creationId xmlns:a16="http://schemas.microsoft.com/office/drawing/2014/main" id="{7E7B0847-47CC-4A0E-8BD4-B7C93743222F}"/>
+                  <a16:creationId xmlns:a16="http://schemas.microsoft.com/office/drawing/2014/main" id="{6F1A7C18-33F6-4B0A-A50C-6130F441C330}"/>
                 </a:ext>
               </a:extLst>
             </p:cNvPr>
@@ -10454,18 +10454,18 @@
           </p:nvGrpSpPr>
           <p:grpSpPr>
             <a:xfrm>
-              <a:off x="2285999" y="3036752"/>
-              <a:ext cx="7620000" cy="6400800"/>
-              <a:chOff x="2286000" y="228600"/>
-              <a:chExt cx="7620000" cy="6400800"/>
+              <a:off x="2285999" y="-455967"/>
+              <a:ext cx="7620000" cy="9893519"/>
+              <a:chOff x="2285999" y="-455967"/>
+              <a:chExt cx="7620000" cy="9893519"/>
             </a:xfrm>
           </p:grpSpPr>
           <p:grpSp>
             <p:nvGrpSpPr>
-              <p:cNvPr id="9" name="群組 8">
+              <p:cNvPr id="15" name="群組 14">
                 <a:extLst>
                   <a:ext uri="{FF2B5EF4-FFF2-40B4-BE49-F238E27FC236}">
-                    <a16:creationId xmlns:a16="http://schemas.microsoft.com/office/drawing/2014/main" id="{707877C9-E475-4EC8-B7F2-0B72D2FA59CF}"/>
+                    <a16:creationId xmlns:a16="http://schemas.microsoft.com/office/drawing/2014/main" id="{0E8FDF46-D602-4D70-AA73-29ED712436A5}"/>
                   </a:ext>
                 </a:extLst>
               </p:cNvPr>
@@ -10474,705 +10474,1091 @@
             </p:nvGrpSpPr>
             <p:grpSpPr>
               <a:xfrm>
-                <a:off x="2286000" y="228600"/>
-                <a:ext cx="7620000" cy="6400800"/>
-                <a:chOff x="2286000" y="228600"/>
-                <a:chExt cx="7620000" cy="6400800"/>
+                <a:off x="2285999" y="-455967"/>
+                <a:ext cx="7620000" cy="9893519"/>
+                <a:chOff x="2285999" y="-455967"/>
+                <a:chExt cx="7620000" cy="9893519"/>
               </a:xfrm>
             </p:grpSpPr>
-            <p:pic>
-              <p:nvPicPr>
-                <p:cNvPr id="5" name="圖片 4">
+            <p:grpSp>
+              <p:nvGrpSpPr>
+                <p:cNvPr id="2" name="群組 1">
                   <a:extLst>
                     <a:ext uri="{FF2B5EF4-FFF2-40B4-BE49-F238E27FC236}">
-                      <a16:creationId xmlns:a16="http://schemas.microsoft.com/office/drawing/2014/main" id="{EB6D7919-6B45-4209-AB89-8A8CD4FE35D0}"/>
+                      <a16:creationId xmlns:a16="http://schemas.microsoft.com/office/drawing/2014/main" id="{7E7B0847-47CC-4A0E-8BD4-B7C93743222F}"/>
                     </a:ext>
                   </a:extLst>
                 </p:cNvPr>
-                <p:cNvPicPr>
-                  <a:picLocks noChangeAspect="1"/>
-                </p:cNvPicPr>
+                <p:cNvGrpSpPr/>
                 <p:nvPr/>
-              </p:nvPicPr>
-              <p:blipFill>
-                <a:blip r:embed="rId2">
-                  <a:extLst>
-                    <a:ext uri="{28A0092B-C50C-407E-A947-70E740481C1C}">
-                      <a14:useLocalDpi xmlns:a14="http://schemas.microsoft.com/office/drawing/2010/main" val="0"/>
-                    </a:ext>
-                  </a:extLst>
-                </a:blip>
-                <a:stretch>
-                  <a:fillRect/>
-                </a:stretch>
-              </p:blipFill>
-              <p:spPr>
+              </p:nvGrpSpPr>
+              <p:grpSpPr>
                 <a:xfrm>
-                  <a:off x="2286000" y="228600"/>
+                  <a:off x="2285999" y="3036752"/>
                   <a:ext cx="7620000" cy="6400800"/>
+                  <a:chOff x="2286000" y="228600"/>
+                  <a:chExt cx="7620000" cy="6400800"/>
                 </a:xfrm>
-                <a:prstGeom prst="rect">
-                  <a:avLst/>
-                </a:prstGeom>
-              </p:spPr>
-            </p:pic>
-            <p:sp>
-              <p:nvSpPr>
-                <p:cNvPr id="6" name="矩形 5">
+              </p:grpSpPr>
+              <p:grpSp>
+                <p:nvGrpSpPr>
+                  <p:cNvPr id="9" name="群組 8">
+                    <a:extLst>
+                      <a:ext uri="{FF2B5EF4-FFF2-40B4-BE49-F238E27FC236}">
+                        <a16:creationId xmlns:a16="http://schemas.microsoft.com/office/drawing/2014/main" id="{707877C9-E475-4EC8-B7F2-0B72D2FA59CF}"/>
+                      </a:ext>
+                    </a:extLst>
+                  </p:cNvPr>
+                  <p:cNvGrpSpPr/>
+                  <p:nvPr/>
+                </p:nvGrpSpPr>
+                <p:grpSpPr>
+                  <a:xfrm>
+                    <a:off x="2286000" y="228600"/>
+                    <a:ext cx="7620000" cy="6400800"/>
+                    <a:chOff x="2286000" y="228600"/>
+                    <a:chExt cx="7620000" cy="6400800"/>
+                  </a:xfrm>
+                </p:grpSpPr>
+                <p:pic>
+                  <p:nvPicPr>
+                    <p:cNvPr id="5" name="圖片 4">
+                      <a:extLst>
+                        <a:ext uri="{FF2B5EF4-FFF2-40B4-BE49-F238E27FC236}">
+                          <a16:creationId xmlns:a16="http://schemas.microsoft.com/office/drawing/2014/main" id="{EB6D7919-6B45-4209-AB89-8A8CD4FE35D0}"/>
+                        </a:ext>
+                      </a:extLst>
+                    </p:cNvPr>
+                    <p:cNvPicPr>
+                      <a:picLocks noChangeAspect="1"/>
+                    </p:cNvPicPr>
+                    <p:nvPr/>
+                  </p:nvPicPr>
+                  <p:blipFill>
+                    <a:blip r:embed="rId2">
+                      <a:extLst>
+                        <a:ext uri="{28A0092B-C50C-407E-A947-70E740481C1C}">
+                          <a14:useLocalDpi xmlns:a14="http://schemas.microsoft.com/office/drawing/2010/main" val="0"/>
+                        </a:ext>
+                      </a:extLst>
+                    </a:blip>
+                    <a:stretch>
+                      <a:fillRect/>
+                    </a:stretch>
+                  </p:blipFill>
+                  <p:spPr>
+                    <a:xfrm>
+                      <a:off x="2286000" y="228600"/>
+                      <a:ext cx="7620000" cy="6400800"/>
+                    </a:xfrm>
+                    <a:prstGeom prst="rect">
+                      <a:avLst/>
+                    </a:prstGeom>
+                  </p:spPr>
+                </p:pic>
+                <p:sp>
+                  <p:nvSpPr>
+                    <p:cNvPr id="6" name="矩形 5">
+                      <a:extLst>
+                        <a:ext uri="{FF2B5EF4-FFF2-40B4-BE49-F238E27FC236}">
+                          <a16:creationId xmlns:a16="http://schemas.microsoft.com/office/drawing/2014/main" id="{41290578-B83F-43D6-B633-9BC609FBC6F4}"/>
+                        </a:ext>
+                      </a:extLst>
+                    </p:cNvPr>
+                    <p:cNvSpPr/>
+                    <p:nvPr/>
+                  </p:nvSpPr>
+                  <p:spPr>
+                    <a:xfrm>
+                      <a:off x="2430999" y="866957"/>
+                      <a:ext cx="1963270" cy="2124635"/>
+                    </a:xfrm>
+                    <a:prstGeom prst="rect">
+                      <a:avLst/>
+                    </a:prstGeom>
+                    <a:solidFill>
+                      <a:schemeClr val="bg1"/>
+                    </a:solidFill>
+                    <a:ln>
+                      <a:noFill/>
+                    </a:ln>
+                  </p:spPr>
+                  <p:style>
+                    <a:lnRef idx="2">
+                      <a:schemeClr val="accent1">
+                        <a:shade val="50000"/>
+                      </a:schemeClr>
+                    </a:lnRef>
+                    <a:fillRef idx="1">
+                      <a:schemeClr val="accent1"/>
+                    </a:fillRef>
+                    <a:effectRef idx="0">
+                      <a:schemeClr val="accent1"/>
+                    </a:effectRef>
+                    <a:fontRef idx="minor">
+                      <a:schemeClr val="lt1"/>
+                    </a:fontRef>
+                  </p:style>
+                  <p:txBody>
+                    <a:bodyPr rtlCol="0" anchor="ctr"/>
+                    <a:lstStyle/>
+                    <a:p>
+                      <a:pPr algn="ctr"/>
+                      <a:endParaRPr lang="zh-TW" altLang="en-US" dirty="0"/>
+                    </a:p>
+                  </p:txBody>
+                </p:sp>
+                <p:sp>
+                  <p:nvSpPr>
+                    <p:cNvPr id="7" name="矩形 6">
+                      <a:extLst>
+                        <a:ext uri="{FF2B5EF4-FFF2-40B4-BE49-F238E27FC236}">
+                          <a16:creationId xmlns:a16="http://schemas.microsoft.com/office/drawing/2014/main" id="{5DBA2633-5121-44E7-95D4-10BA437F190E}"/>
+                        </a:ext>
+                      </a:extLst>
+                    </p:cNvPr>
+                    <p:cNvSpPr/>
+                    <p:nvPr/>
+                  </p:nvSpPr>
+                  <p:spPr>
+                    <a:xfrm>
+                      <a:off x="5114365" y="968188"/>
+                      <a:ext cx="1963270" cy="1102659"/>
+                    </a:xfrm>
+                    <a:prstGeom prst="rect">
+                      <a:avLst/>
+                    </a:prstGeom>
+                    <a:solidFill>
+                      <a:schemeClr val="bg1"/>
+                    </a:solidFill>
+                    <a:ln>
+                      <a:noFill/>
+                    </a:ln>
+                  </p:spPr>
+                  <p:style>
+                    <a:lnRef idx="2">
+                      <a:schemeClr val="accent1">
+                        <a:shade val="50000"/>
+                      </a:schemeClr>
+                    </a:lnRef>
+                    <a:fillRef idx="1">
+                      <a:schemeClr val="accent1"/>
+                    </a:fillRef>
+                    <a:effectRef idx="0">
+                      <a:schemeClr val="accent1"/>
+                    </a:effectRef>
+                    <a:fontRef idx="minor">
+                      <a:schemeClr val="lt1"/>
+                    </a:fontRef>
+                  </p:style>
+                  <p:txBody>
+                    <a:bodyPr rtlCol="0" anchor="ctr"/>
+                    <a:lstStyle/>
+                    <a:p>
+                      <a:pPr algn="ctr"/>
+                      <a:endParaRPr lang="zh-TW" altLang="en-US"/>
+                    </a:p>
+                  </p:txBody>
+                </p:sp>
+                <p:sp>
+                  <p:nvSpPr>
+                    <p:cNvPr id="8" name="矩形 7">
+                      <a:extLst>
+                        <a:ext uri="{FF2B5EF4-FFF2-40B4-BE49-F238E27FC236}">
+                          <a16:creationId xmlns:a16="http://schemas.microsoft.com/office/drawing/2014/main" id="{AB8F7624-718A-4508-B377-A170D9B5F603}"/>
+                        </a:ext>
+                      </a:extLst>
+                    </p:cNvPr>
+                    <p:cNvSpPr/>
+                    <p:nvPr/>
+                  </p:nvSpPr>
+                  <p:spPr>
+                    <a:xfrm>
+                      <a:off x="7669306" y="968188"/>
+                      <a:ext cx="1963270" cy="1102659"/>
+                    </a:xfrm>
+                    <a:prstGeom prst="rect">
+                      <a:avLst/>
+                    </a:prstGeom>
+                    <a:solidFill>
+                      <a:schemeClr val="bg1"/>
+                    </a:solidFill>
+                    <a:ln>
+                      <a:noFill/>
+                    </a:ln>
+                  </p:spPr>
+                  <p:style>
+                    <a:lnRef idx="2">
+                      <a:schemeClr val="accent1">
+                        <a:shade val="50000"/>
+                      </a:schemeClr>
+                    </a:lnRef>
+                    <a:fillRef idx="1">
+                      <a:schemeClr val="accent1"/>
+                    </a:fillRef>
+                    <a:effectRef idx="0">
+                      <a:schemeClr val="accent1"/>
+                    </a:effectRef>
+                    <a:fontRef idx="minor">
+                      <a:schemeClr val="lt1"/>
+                    </a:fontRef>
+                  </p:style>
+                  <p:txBody>
+                    <a:bodyPr rtlCol="0" anchor="ctr"/>
+                    <a:lstStyle/>
+                    <a:p>
+                      <a:pPr algn="ctr"/>
+                      <a:endParaRPr lang="zh-TW" altLang="en-US"/>
+                    </a:p>
+                  </p:txBody>
+                </p:sp>
+              </p:grpSp>
+              <p:sp>
+                <p:nvSpPr>
+                  <p:cNvPr id="10" name="文字方塊 9">
+                    <a:extLst>
+                      <a:ext uri="{FF2B5EF4-FFF2-40B4-BE49-F238E27FC236}">
+                        <a16:creationId xmlns:a16="http://schemas.microsoft.com/office/drawing/2014/main" id="{7995D3D4-B503-4A9C-922D-F768323A21B3}"/>
+                      </a:ext>
+                    </a:extLst>
+                  </p:cNvPr>
+                  <p:cNvSpPr txBox="1"/>
+                  <p:nvPr/>
+                </p:nvSpPr>
+                <p:spPr>
+                  <a:xfrm>
+                    <a:off x="2469993" y="968188"/>
+                    <a:ext cx="2219778" cy="1892826"/>
+                  </a:xfrm>
+                  <a:prstGeom prst="rect">
+                    <a:avLst/>
+                  </a:prstGeom>
+                  <a:noFill/>
+                </p:spPr>
+                <p:txBody>
+                  <a:bodyPr wrap="square" rtlCol="0">
+                    <a:spAutoFit/>
+                  </a:bodyPr>
+                  <a:lstStyle/>
+                  <a:p>
+                    <a:pPr lvl="0"/>
+                    <a:r>
+                      <a:rPr lang="zh-TW" altLang="zh-TW" sz="1300" dirty="0">
+                        <a:solidFill>
+                          <a:srgbClr val="515151"/>
+                        </a:solidFill>
+                        <a:latin typeface="微軟正黑體 Light" panose="020B0304030504040204" pitchFamily="34" charset="-120"/>
+                        <a:ea typeface="微軟正黑體 Light" panose="020B0304030504040204" pitchFamily="34" charset="-120"/>
+                      </a:rPr>
+                      <a:t>童工</a:t>
+                    </a:r>
+                    <a:r>
+                      <a:rPr lang="zh-TW" altLang="en-US" sz="1300" dirty="0">
+                        <a:solidFill>
+                          <a:srgbClr val="515151"/>
+                        </a:solidFill>
+                        <a:latin typeface="微軟正黑體 Light" panose="020B0304030504040204" pitchFamily="34" charset="-120"/>
+                        <a:ea typeface="微軟正黑體 Light" panose="020B0304030504040204" pitchFamily="34" charset="-120"/>
+                      </a:rPr>
+                      <a:t>。</a:t>
+                    </a:r>
+                    <a:endParaRPr lang="zh-TW" altLang="zh-TW" sz="1300" dirty="0">
+                      <a:solidFill>
+                        <a:srgbClr val="515151"/>
+                      </a:solidFill>
+                      <a:latin typeface="微軟正黑體 Light" panose="020B0304030504040204" pitchFamily="34" charset="-120"/>
+                      <a:ea typeface="微軟正黑體 Light" panose="020B0304030504040204" pitchFamily="34" charset="-120"/>
+                    </a:endParaRPr>
+                  </a:p>
+                  <a:p>
+                    <a:pPr lvl="0"/>
+                    <a:r>
+                      <a:rPr lang="zh-TW" altLang="zh-TW" sz="1300" dirty="0">
+                        <a:solidFill>
+                          <a:srgbClr val="515151"/>
+                        </a:solidFill>
+                        <a:latin typeface="微軟正黑體 Light" panose="020B0304030504040204" pitchFamily="34" charset="-120"/>
+                        <a:ea typeface="微軟正黑體 Light" panose="020B0304030504040204" pitchFamily="34" charset="-120"/>
+                      </a:rPr>
+                      <a:t>社區關係</a:t>
+                    </a:r>
+                    <a:r>
+                      <a:rPr lang="zh-TW" altLang="en-US" sz="1300" dirty="0">
+                        <a:solidFill>
+                          <a:srgbClr val="515151"/>
+                        </a:solidFill>
+                        <a:latin typeface="微軟正黑體 Light" panose="020B0304030504040204" pitchFamily="34" charset="-120"/>
+                        <a:ea typeface="微軟正黑體 Light" panose="020B0304030504040204" pitchFamily="34" charset="-120"/>
+                      </a:rPr>
+                      <a:t>。</a:t>
+                    </a:r>
+                    <a:endParaRPr lang="zh-TW" altLang="zh-TW" sz="1300" dirty="0">
+                      <a:solidFill>
+                        <a:srgbClr val="515151"/>
+                      </a:solidFill>
+                      <a:latin typeface="微軟正黑體 Light" panose="020B0304030504040204" pitchFamily="34" charset="-120"/>
+                      <a:ea typeface="微軟正黑體 Light" panose="020B0304030504040204" pitchFamily="34" charset="-120"/>
+                    </a:endParaRPr>
+                  </a:p>
+                  <a:p>
+                    <a:pPr lvl="0"/>
+                    <a:r>
+                      <a:rPr lang="zh-TW" altLang="zh-TW" sz="1300" dirty="0">
+                        <a:solidFill>
+                          <a:srgbClr val="515151"/>
+                        </a:solidFill>
+                        <a:latin typeface="微軟正黑體 Light" panose="020B0304030504040204" pitchFamily="34" charset="-120"/>
+                        <a:ea typeface="微軟正黑體 Light" panose="020B0304030504040204" pitchFamily="34" charset="-120"/>
+                      </a:rPr>
+                      <a:t>歧視</a:t>
+                    </a:r>
+                    <a:r>
+                      <a:rPr lang="zh-TW" altLang="en-US" sz="1300" dirty="0">
+                        <a:solidFill>
+                          <a:srgbClr val="515151"/>
+                        </a:solidFill>
+                        <a:latin typeface="微軟正黑體 Light" panose="020B0304030504040204" pitchFamily="34" charset="-120"/>
+                        <a:ea typeface="微軟正黑體 Light" panose="020B0304030504040204" pitchFamily="34" charset="-120"/>
+                      </a:rPr>
+                      <a:t>。</a:t>
+                    </a:r>
+                    <a:endParaRPr lang="zh-TW" altLang="zh-TW" sz="1300" dirty="0">
+                      <a:solidFill>
+                        <a:srgbClr val="515151"/>
+                      </a:solidFill>
+                      <a:latin typeface="微軟正黑體 Light" panose="020B0304030504040204" pitchFamily="34" charset="-120"/>
+                      <a:ea typeface="微軟正黑體 Light" panose="020B0304030504040204" pitchFamily="34" charset="-120"/>
+                    </a:endParaRPr>
+                  </a:p>
+                  <a:p>
+                    <a:pPr lvl="0"/>
+                    <a:r>
+                      <a:rPr lang="zh-TW" altLang="zh-TW" sz="1300" dirty="0">
+                        <a:solidFill>
+                          <a:srgbClr val="515151"/>
+                        </a:solidFill>
+                        <a:latin typeface="微軟正黑體 Light" panose="020B0304030504040204" pitchFamily="34" charset="-120"/>
+                        <a:ea typeface="微軟正黑體 Light" panose="020B0304030504040204" pitchFamily="34" charset="-120"/>
+                      </a:rPr>
+                      <a:t>結社自由和集體談判權</a:t>
+                    </a:r>
+                    <a:r>
+                      <a:rPr lang="zh-TW" altLang="en-US" sz="1300" dirty="0">
+                        <a:solidFill>
+                          <a:srgbClr val="515151"/>
+                        </a:solidFill>
+                        <a:latin typeface="微軟正黑體 Light" panose="020B0304030504040204" pitchFamily="34" charset="-120"/>
+                        <a:ea typeface="微軟正黑體 Light" panose="020B0304030504040204" pitchFamily="34" charset="-120"/>
+                      </a:rPr>
+                      <a:t>。</a:t>
+                    </a:r>
+                    <a:endParaRPr lang="zh-TW" altLang="zh-TW" sz="1300" dirty="0">
+                      <a:solidFill>
+                        <a:srgbClr val="515151"/>
+                      </a:solidFill>
+                      <a:latin typeface="微軟正黑體 Light" panose="020B0304030504040204" pitchFamily="34" charset="-120"/>
+                      <a:ea typeface="微軟正黑體 Light" panose="020B0304030504040204" pitchFamily="34" charset="-120"/>
+                    </a:endParaRPr>
+                  </a:p>
+                  <a:p>
+                    <a:pPr lvl="0"/>
+                    <a:r>
+                      <a:rPr lang="zh-TW" altLang="zh-TW" sz="1300" dirty="0">
+                        <a:solidFill>
+                          <a:srgbClr val="515151"/>
+                        </a:solidFill>
+                        <a:latin typeface="微軟正黑體 Light" panose="020B0304030504040204" pitchFamily="34" charset="-120"/>
+                        <a:ea typeface="微軟正黑體 Light" panose="020B0304030504040204" pitchFamily="34" charset="-120"/>
+                      </a:rPr>
+                      <a:t>騷擾、虐待和懲戒措施</a:t>
+                    </a:r>
+                    <a:r>
+                      <a:rPr lang="zh-TW" altLang="en-US" sz="1300" dirty="0">
+                        <a:solidFill>
+                          <a:srgbClr val="515151"/>
+                        </a:solidFill>
+                        <a:latin typeface="微軟正黑體 Light" panose="020B0304030504040204" pitchFamily="34" charset="-120"/>
+                        <a:ea typeface="微軟正黑體 Light" panose="020B0304030504040204" pitchFamily="34" charset="-120"/>
+                      </a:rPr>
+                      <a:t>。</a:t>
+                    </a:r>
+                    <a:endParaRPr lang="zh-TW" altLang="zh-TW" sz="1300" dirty="0">
+                      <a:solidFill>
+                        <a:srgbClr val="515151"/>
+                      </a:solidFill>
+                      <a:latin typeface="微軟正黑體 Light" panose="020B0304030504040204" pitchFamily="34" charset="-120"/>
+                      <a:ea typeface="微軟正黑體 Light" panose="020B0304030504040204" pitchFamily="34" charset="-120"/>
+                    </a:endParaRPr>
+                  </a:p>
+                  <a:p>
+                    <a:pPr lvl="0"/>
+                    <a:r>
+                      <a:rPr lang="zh-TW" altLang="zh-TW" sz="1300" dirty="0">
+                        <a:solidFill>
+                          <a:srgbClr val="515151"/>
+                        </a:solidFill>
+                        <a:latin typeface="微軟正黑體 Light" panose="020B0304030504040204" pitchFamily="34" charset="-120"/>
+                        <a:ea typeface="微軟正黑體 Light" panose="020B0304030504040204" pitchFamily="34" charset="-120"/>
+                      </a:rPr>
+                      <a:t>健康和安全</a:t>
+                    </a:r>
+                    <a:r>
+                      <a:rPr lang="zh-TW" altLang="en-US" sz="1300" dirty="0">
+                        <a:solidFill>
+                          <a:srgbClr val="515151"/>
+                        </a:solidFill>
+                        <a:latin typeface="微軟正黑體 Light" panose="020B0304030504040204" pitchFamily="34" charset="-120"/>
+                        <a:ea typeface="微軟正黑體 Light" panose="020B0304030504040204" pitchFamily="34" charset="-120"/>
+                      </a:rPr>
+                      <a:t>。</a:t>
+                    </a:r>
+                    <a:endParaRPr lang="zh-TW" altLang="zh-TW" sz="1300" dirty="0">
+                      <a:solidFill>
+                        <a:srgbClr val="515151"/>
+                      </a:solidFill>
+                      <a:latin typeface="微軟正黑體 Light" panose="020B0304030504040204" pitchFamily="34" charset="-120"/>
+                      <a:ea typeface="微軟正黑體 Light" panose="020B0304030504040204" pitchFamily="34" charset="-120"/>
+                    </a:endParaRPr>
+                  </a:p>
+                  <a:p>
+                    <a:pPr lvl="0"/>
+                    <a:r>
+                      <a:rPr lang="zh-TW" altLang="zh-TW" sz="1300" dirty="0">
+                        <a:solidFill>
+                          <a:srgbClr val="515151"/>
+                        </a:solidFill>
+                        <a:latin typeface="微軟正黑體 Light" panose="020B0304030504040204" pitchFamily="34" charset="-120"/>
+                        <a:ea typeface="微軟正黑體 Light" panose="020B0304030504040204" pitchFamily="34" charset="-120"/>
+                      </a:rPr>
+                      <a:t>聘僱措施和強迫勞動</a:t>
+                    </a:r>
+                    <a:r>
+                      <a:rPr lang="zh-TW" altLang="en-US" sz="1300" dirty="0">
+                        <a:solidFill>
+                          <a:srgbClr val="515151"/>
+                        </a:solidFill>
+                        <a:latin typeface="微軟正黑體 Light" panose="020B0304030504040204" pitchFamily="34" charset="-120"/>
+                        <a:ea typeface="微軟正黑體 Light" panose="020B0304030504040204" pitchFamily="34" charset="-120"/>
+                      </a:rPr>
+                      <a:t>。</a:t>
+                    </a:r>
+                    <a:endParaRPr lang="zh-TW" altLang="zh-TW" sz="1300" dirty="0">
+                      <a:solidFill>
+                        <a:srgbClr val="515151"/>
+                      </a:solidFill>
+                      <a:latin typeface="微軟正黑體 Light" panose="020B0304030504040204" pitchFamily="34" charset="-120"/>
+                      <a:ea typeface="微軟正黑體 Light" panose="020B0304030504040204" pitchFamily="34" charset="-120"/>
+                    </a:endParaRPr>
+                  </a:p>
+                  <a:p>
+                    <a:pPr lvl="0"/>
+                    <a:r>
+                      <a:rPr lang="zh-TW" altLang="zh-TW" sz="1300" dirty="0">
+                        <a:solidFill>
+                          <a:srgbClr val="515151"/>
+                        </a:solidFill>
+                        <a:latin typeface="微軟正黑體 Light" panose="020B0304030504040204" pitchFamily="34" charset="-120"/>
+                        <a:ea typeface="微軟正黑體 Light" panose="020B0304030504040204" pitchFamily="34" charset="-120"/>
+                      </a:rPr>
+                      <a:t>薪酬</a:t>
+                    </a:r>
+                    <a:r>
+                      <a:rPr lang="zh-TW" altLang="en-US" sz="1300" dirty="0">
+                        <a:solidFill>
+                          <a:srgbClr val="515151"/>
+                        </a:solidFill>
+                        <a:latin typeface="微軟正黑體 Light" panose="020B0304030504040204" pitchFamily="34" charset="-120"/>
+                        <a:ea typeface="微軟正黑體 Light" panose="020B0304030504040204" pitchFamily="34" charset="-120"/>
+                      </a:rPr>
+                      <a:t>。</a:t>
+                    </a:r>
+                    <a:endParaRPr lang="zh-TW" altLang="zh-TW" sz="1300" dirty="0">
+                      <a:solidFill>
+                        <a:srgbClr val="515151"/>
+                      </a:solidFill>
+                      <a:latin typeface="微軟正黑體 Light" panose="020B0304030504040204" pitchFamily="34" charset="-120"/>
+                      <a:ea typeface="微軟正黑體 Light" panose="020B0304030504040204" pitchFamily="34" charset="-120"/>
+                    </a:endParaRPr>
+                  </a:p>
+                  <a:p>
+                    <a:r>
+                      <a:rPr lang="zh-TW" altLang="zh-TW" sz="1300" dirty="0">
+                        <a:solidFill>
+                          <a:srgbClr val="515151"/>
+                        </a:solidFill>
+                        <a:latin typeface="微軟正黑體 Light" panose="020B0304030504040204" pitchFamily="34" charset="-120"/>
+                        <a:ea typeface="微軟正黑體 Light" panose="020B0304030504040204" pitchFamily="34" charset="-120"/>
+                      </a:rPr>
+                      <a:t>安全措施</a:t>
+                    </a:r>
+                    <a:r>
+                      <a:rPr lang="zh-TW" altLang="en-US" sz="1300" dirty="0">
+                        <a:solidFill>
+                          <a:srgbClr val="515151"/>
+                        </a:solidFill>
+                        <a:latin typeface="微軟正黑體 Light" panose="020B0304030504040204" pitchFamily="34" charset="-120"/>
+                        <a:ea typeface="微軟正黑體 Light" panose="020B0304030504040204" pitchFamily="34" charset="-120"/>
+                      </a:rPr>
+                      <a:t>。</a:t>
+                    </a:r>
+                  </a:p>
+                </p:txBody>
+              </p:sp>
+              <p:sp>
+                <p:nvSpPr>
+                  <p:cNvPr id="17" name="文字方塊 16">
+                    <a:extLst>
+                      <a:ext uri="{FF2B5EF4-FFF2-40B4-BE49-F238E27FC236}">
+                        <a16:creationId xmlns:a16="http://schemas.microsoft.com/office/drawing/2014/main" id="{0586C28D-A9E9-45BA-8F7C-65B0149D9089}"/>
+                      </a:ext>
+                    </a:extLst>
+                  </p:cNvPr>
+                  <p:cNvSpPr txBox="1"/>
+                  <p:nvPr/>
+                </p:nvSpPr>
+                <p:spPr>
+                  <a:xfrm>
+                    <a:off x="4943023" y="1402558"/>
+                    <a:ext cx="2219778" cy="1692771"/>
+                  </a:xfrm>
+                  <a:prstGeom prst="rect">
+                    <a:avLst/>
+                  </a:prstGeom>
+                  <a:noFill/>
+                </p:spPr>
+                <p:txBody>
+                  <a:bodyPr wrap="square" rtlCol="0">
+                    <a:spAutoFit/>
+                  </a:bodyPr>
+                  <a:lstStyle>
+                    <a:defPPr>
+                      <a:defRPr lang="zh-TW"/>
+                    </a:defPPr>
+                    <a:lvl1pPr lvl="0">
+                      <a:defRPr sz="1500">
+                        <a:solidFill>
+                          <a:srgbClr val="515151"/>
+                        </a:solidFill>
+                        <a:latin typeface="微軟正黑體 Light" panose="020B0304030504040204" pitchFamily="34" charset="-120"/>
+                        <a:ea typeface="微軟正黑體 Light" panose="020B0304030504040204" pitchFamily="34" charset="-120"/>
+                      </a:defRPr>
+                    </a:lvl1pPr>
+                  </a:lstStyle>
+                  <a:p>
+                    <a:r>
+                      <a:rPr lang="zh-TW" altLang="zh-TW" sz="1300" dirty="0"/>
+                      <a:t>遵守環境、安全、衛生相關法規</a:t>
+                    </a:r>
+                    <a:r>
+                      <a:rPr lang="zh-TW" altLang="en-US" sz="1300" dirty="0"/>
+                      <a:t>。</a:t>
+                    </a:r>
+                    <a:endParaRPr lang="zh-TW" altLang="zh-TW" sz="1300" dirty="0"/>
+                  </a:p>
+                  <a:p>
+                    <a:r>
+                      <a:rPr lang="zh-TW" altLang="zh-TW" sz="1300" dirty="0"/>
+                      <a:t>取得相關許可認證</a:t>
+                    </a:r>
+                    <a:r>
+                      <a:rPr lang="zh-TW" altLang="en-US" sz="1300" dirty="0"/>
+                      <a:t>。</a:t>
+                    </a:r>
+                    <a:endParaRPr lang="zh-TW" altLang="zh-TW" sz="1300" dirty="0"/>
+                  </a:p>
+                  <a:p>
+                    <a:r>
+                      <a:rPr lang="zh-TW" altLang="zh-TW" sz="1300" dirty="0"/>
+                      <a:t>預防有害物質及汙染</a:t>
+                    </a:r>
+                    <a:r>
+                      <a:rPr lang="zh-TW" altLang="en-US" sz="1300" dirty="0"/>
+                      <a:t>。</a:t>
+                    </a:r>
+                    <a:endParaRPr lang="zh-TW" altLang="zh-TW" sz="1300" dirty="0"/>
+                  </a:p>
+                  <a:p>
+                    <a:r>
+                      <a:rPr lang="zh-TW" altLang="zh-TW" sz="1300" dirty="0"/>
+                      <a:t>尋找環境友善之替代品</a:t>
+                    </a:r>
+                    <a:r>
+                      <a:rPr lang="zh-TW" altLang="en-US" sz="1300" dirty="0"/>
+                      <a:t>。</a:t>
+                    </a:r>
+                    <a:endParaRPr lang="zh-TW" altLang="zh-TW" sz="1300" dirty="0"/>
+                  </a:p>
+                  <a:p>
+                    <a:r>
+                      <a:rPr lang="zh-TW" altLang="zh-TW" sz="1300" dirty="0"/>
+                      <a:t>資源和能源之永續及有效利用</a:t>
+                    </a:r>
+                    <a:r>
+                      <a:rPr lang="zh-TW" altLang="en-US" sz="1300" dirty="0"/>
+                      <a:t>。</a:t>
+                    </a:r>
+                    <a:endParaRPr lang="zh-TW" altLang="zh-TW" sz="1300" dirty="0"/>
+                  </a:p>
+                  <a:p>
+                    <a:r>
+                      <a:rPr lang="zh-TW" altLang="zh-TW" sz="1300" dirty="0"/>
+                      <a:t>保護健康和環境的立即措施</a:t>
+                    </a:r>
+                    <a:r>
+                      <a:rPr lang="zh-TW" altLang="en-US" sz="1300" dirty="0"/>
+                      <a:t>。</a:t>
+                    </a:r>
+                  </a:p>
+                </p:txBody>
+              </p:sp>
+              <p:sp>
+                <p:nvSpPr>
+                  <p:cNvPr id="18" name="文字方塊 17">
+                    <a:extLst>
+                      <a:ext uri="{FF2B5EF4-FFF2-40B4-BE49-F238E27FC236}">
+                        <a16:creationId xmlns:a16="http://schemas.microsoft.com/office/drawing/2014/main" id="{82D63517-F88F-42E4-B61C-171CB34F4EEB}"/>
+                      </a:ext>
+                    </a:extLst>
+                  </p:cNvPr>
+                  <p:cNvSpPr txBox="1"/>
+                  <p:nvPr/>
+                </p:nvSpPr>
+                <p:spPr>
+                  <a:xfrm>
+                    <a:off x="7669306" y="968188"/>
+                    <a:ext cx="2219778" cy="1092607"/>
+                  </a:xfrm>
+                  <a:prstGeom prst="rect">
+                    <a:avLst/>
+                  </a:prstGeom>
+                  <a:noFill/>
+                </p:spPr>
+                <p:txBody>
+                  <a:bodyPr wrap="square" rtlCol="0">
+                    <a:spAutoFit/>
+                  </a:bodyPr>
+                  <a:lstStyle>
+                    <a:defPPr>
+                      <a:defRPr lang="zh-TW"/>
+                    </a:defPPr>
+                    <a:lvl1pPr lvl="0">
+                      <a:defRPr sz="1500">
+                        <a:solidFill>
+                          <a:srgbClr val="515151"/>
+                        </a:solidFill>
+                        <a:latin typeface="微軟正黑體 Light" panose="020B0304030504040204" pitchFamily="34" charset="-120"/>
+                        <a:ea typeface="微軟正黑體 Light" panose="020B0304030504040204" pitchFamily="34" charset="-120"/>
+                      </a:defRPr>
+                    </a:lvl1pPr>
+                  </a:lstStyle>
+                  <a:p>
+                    <a:r>
+                      <a:rPr lang="zh-TW" altLang="zh-TW" sz="1300" dirty="0"/>
+                      <a:t>提倡誠信正直和道德</a:t>
+                    </a:r>
+                    <a:r>
+                      <a:rPr lang="zh-TW" altLang="en-US" sz="1300" dirty="0"/>
+                      <a:t>。</a:t>
+                    </a:r>
+                    <a:endParaRPr lang="zh-TW" altLang="zh-TW" sz="1300" dirty="0"/>
+                  </a:p>
+                  <a:p>
+                    <a:r>
+                      <a:rPr lang="zh-TW" altLang="zh-TW" sz="1300" dirty="0"/>
+                      <a:t>對貪腐採零容忍政策</a:t>
+                    </a:r>
+                    <a:r>
+                      <a:rPr lang="zh-TW" altLang="en-US" sz="1300" dirty="0"/>
+                      <a:t>。</a:t>
+                    </a:r>
+                    <a:endParaRPr lang="zh-TW" altLang="zh-TW" sz="1300" dirty="0"/>
+                  </a:p>
+                  <a:p>
+                    <a:r>
+                      <a:rPr lang="zh-TW" altLang="zh-TW" sz="1300" dirty="0"/>
+                      <a:t>採取預防措施管控風險</a:t>
+                    </a:r>
+                    <a:r>
+                      <a:rPr lang="zh-TW" altLang="en-US" sz="1300" dirty="0"/>
+                      <a:t>。</a:t>
+                    </a:r>
+                    <a:endParaRPr lang="zh-TW" altLang="zh-TW" sz="1300" dirty="0"/>
+                  </a:p>
+                  <a:p>
+                    <a:r>
+                      <a:rPr lang="zh-TW" altLang="zh-TW" sz="1300" dirty="0"/>
+                      <a:t>提供檢舉機制</a:t>
+                    </a:r>
+                    <a:r>
+                      <a:rPr lang="zh-TW" altLang="en-US" sz="1300" dirty="0"/>
+                      <a:t>。</a:t>
+                    </a:r>
+                    <a:endParaRPr lang="zh-TW" altLang="zh-TW" sz="1300" dirty="0"/>
+                  </a:p>
+                  <a:p>
+                    <a:r>
+                      <a:rPr lang="zh-TW" altLang="zh-TW" sz="1300" dirty="0"/>
+                      <a:t>不違反貿易制裁</a:t>
+                    </a:r>
+                    <a:r>
+                      <a:rPr lang="zh-TW" altLang="en-US" sz="1300" dirty="0"/>
+                      <a:t>。</a:t>
+                    </a:r>
+                  </a:p>
+                </p:txBody>
+              </p:sp>
+              <p:sp>
+                <p:nvSpPr>
+                  <p:cNvPr id="19" name="矩形 18">
+                    <a:extLst>
+                      <a:ext uri="{FF2B5EF4-FFF2-40B4-BE49-F238E27FC236}">
+                        <a16:creationId xmlns:a16="http://schemas.microsoft.com/office/drawing/2014/main" id="{33196755-7C25-404A-8131-FBDB597926DB}"/>
+                      </a:ext>
+                    </a:extLst>
+                  </p:cNvPr>
+                  <p:cNvSpPr/>
+                  <p:nvPr/>
+                </p:nvSpPr>
+                <p:spPr>
+                  <a:xfrm>
+                    <a:off x="5114365" y="923675"/>
+                    <a:ext cx="1853561" cy="461665"/>
+                  </a:xfrm>
+                  <a:prstGeom prst="rect">
+                    <a:avLst/>
+                  </a:prstGeom>
+                </p:spPr>
+                <p:txBody>
+                  <a:bodyPr wrap="square">
+                    <a:spAutoFit/>
+                  </a:bodyPr>
+                  <a:lstStyle/>
+                  <a:p>
+                    <a:pPr algn="ctr">
+                      <a:spcAft>
+                        <a:spcPts val="0"/>
+                      </a:spcAft>
+                    </a:pPr>
+                    <a:r>
+                      <a:rPr lang="zh-TW" altLang="zh-TW" sz="1200" b="1" dirty="0">
+                        <a:solidFill>
+                          <a:srgbClr val="515151"/>
+                        </a:solidFill>
+                        <a:latin typeface="微軟正黑體 Light" panose="020B0304030504040204" pitchFamily="34" charset="-120"/>
+                        <a:ea typeface="微軟正黑體 Light" panose="020B0304030504040204" pitchFamily="34" charset="-120"/>
+                      </a:rPr>
+                      <a:t>減少對環境、人類健康</a:t>
+                    </a:r>
+                  </a:p>
+                  <a:p>
+                    <a:pPr algn="ctr">
+                      <a:spcAft>
+                        <a:spcPts val="0"/>
+                      </a:spcAft>
+                    </a:pPr>
+                    <a:r>
+                      <a:rPr lang="zh-TW" altLang="zh-TW" sz="1200" b="1" dirty="0">
+                        <a:solidFill>
+                          <a:srgbClr val="515151"/>
+                        </a:solidFill>
+                        <a:latin typeface="微軟正黑體 Light" panose="020B0304030504040204" pitchFamily="34" charset="-120"/>
+                        <a:ea typeface="微軟正黑體 Light" panose="020B0304030504040204" pitchFamily="34" charset="-120"/>
+                      </a:rPr>
+                      <a:t>和生活帶來之不利影響</a:t>
+                    </a:r>
+                  </a:p>
+                </p:txBody>
+              </p:sp>
+            </p:grpSp>
+            <p:grpSp>
+              <p:nvGrpSpPr>
+                <p:cNvPr id="14" name="群組 13">
                   <a:extLst>
                     <a:ext uri="{FF2B5EF4-FFF2-40B4-BE49-F238E27FC236}">
-                      <a16:creationId xmlns:a16="http://schemas.microsoft.com/office/drawing/2014/main" id="{41290578-B83F-43D6-B633-9BC609FBC6F4}"/>
+                      <a16:creationId xmlns:a16="http://schemas.microsoft.com/office/drawing/2014/main" id="{2B1FD325-F647-4A6E-86BE-15582977AA14}"/>
                     </a:ext>
                   </a:extLst>
                 </p:cNvPr>
-                <p:cNvSpPr/>
+                <p:cNvGrpSpPr/>
                 <p:nvPr/>
-              </p:nvSpPr>
-              <p:spPr>
+              </p:nvGrpSpPr>
+              <p:grpSpPr>
                 <a:xfrm>
-                  <a:off x="2430999" y="866957"/>
-                  <a:ext cx="1963270" cy="2124635"/>
+                  <a:off x="4913473" y="-455967"/>
+                  <a:ext cx="2584651" cy="3492719"/>
+                  <a:chOff x="4913473" y="-381786"/>
+                  <a:chExt cx="2584651" cy="3492719"/>
                 </a:xfrm>
-                <a:prstGeom prst="rect">
-                  <a:avLst/>
-                </a:prstGeom>
-                <a:solidFill>
-                  <a:schemeClr val="bg1"/>
-                </a:solidFill>
-                <a:ln>
+              </p:grpSpPr>
+              <p:pic>
+                <p:nvPicPr>
+                  <p:cNvPr id="4" name="圖片 3">
+                    <a:extLst>
+                      <a:ext uri="{FF2B5EF4-FFF2-40B4-BE49-F238E27FC236}">
+                        <a16:creationId xmlns:a16="http://schemas.microsoft.com/office/drawing/2014/main" id="{123D0510-D29D-49E4-860F-636EBBE71A67}"/>
+                      </a:ext>
+                    </a:extLst>
+                  </p:cNvPr>
+                  <p:cNvPicPr>
+                    <a:picLocks noChangeAspect="1"/>
+                  </p:cNvPicPr>
+                  <p:nvPr/>
+                </p:nvPicPr>
+                <p:blipFill>
+                  <a:blip r:embed="rId3">
+                    <a:extLst>
+                      <a:ext uri="{28A0092B-C50C-407E-A947-70E740481C1C}">
+                        <a14:useLocalDpi xmlns:a14="http://schemas.microsoft.com/office/drawing/2010/main" val="0"/>
+                      </a:ext>
+                    </a:extLst>
+                  </a:blip>
+                  <a:stretch>
+                    <a:fillRect/>
+                  </a:stretch>
+                </p:blipFill>
+                <p:spPr>
+                  <a:xfrm>
+                    <a:off x="4913473" y="-381786"/>
+                    <a:ext cx="2365052" cy="3492719"/>
+                  </a:xfrm>
+                  <a:prstGeom prst="rect">
+                    <a:avLst/>
+                  </a:prstGeom>
+                </p:spPr>
+              </p:pic>
+              <p:sp>
+                <p:nvSpPr>
+                  <p:cNvPr id="11" name="矩形 10">
+                    <a:extLst>
+                      <a:ext uri="{FF2B5EF4-FFF2-40B4-BE49-F238E27FC236}">
+                        <a16:creationId xmlns:a16="http://schemas.microsoft.com/office/drawing/2014/main" id="{5ADAE244-579C-4ADB-80DF-B36DEAD7FD97}"/>
+                      </a:ext>
+                    </a:extLst>
+                  </p:cNvPr>
+                  <p:cNvSpPr/>
+                  <p:nvPr/>
+                </p:nvSpPr>
+                <p:spPr>
+                  <a:xfrm>
+                    <a:off x="5811305" y="-277809"/>
+                    <a:ext cx="569387" cy="323165"/>
+                  </a:xfrm>
+                  <a:prstGeom prst="rect">
+                    <a:avLst/>
+                  </a:prstGeom>
+                </p:spPr>
+                <p:txBody>
+                  <a:bodyPr wrap="none">
+                    <a:spAutoFit/>
+                  </a:bodyPr>
+                  <a:lstStyle/>
+                  <a:p>
+                    <a:pPr algn="ctr">
+                      <a:spcAft>
+                        <a:spcPts val="0"/>
+                      </a:spcAft>
+                    </a:pPr>
+                    <a:r>
+                      <a:rPr lang="zh-TW" altLang="zh-TW" sz="1500" b="1" kern="100" dirty="0">
+                        <a:solidFill>
+                          <a:srgbClr val="002453"/>
+                        </a:solidFill>
+                        <a:latin typeface="微軟正黑體" panose="020B0604030504040204" pitchFamily="34" charset="-120"/>
+                        <a:ea typeface="微軟正黑體" panose="020B0604030504040204" pitchFamily="34" charset="-120"/>
+                        <a:cs typeface="Times New Roman" panose="02020603050405020304" pitchFamily="18" charset="0"/>
+                      </a:rPr>
+                      <a:t>期望</a:t>
+                    </a:r>
+                    <a:endParaRPr lang="zh-TW" altLang="zh-TW" sz="1500" kern="100" dirty="0">
+                      <a:solidFill>
+                        <a:srgbClr val="002453"/>
+                      </a:solidFill>
+                      <a:latin typeface="微軟正黑體" panose="020B0604030504040204" pitchFamily="34" charset="-120"/>
+                      <a:ea typeface="微軟正黑體" panose="020B0604030504040204" pitchFamily="34" charset="-120"/>
+                      <a:cs typeface="Times New Roman" panose="02020603050405020304" pitchFamily="18" charset="0"/>
+                    </a:endParaRPr>
+                  </a:p>
+                </p:txBody>
+              </p:sp>
+              <p:sp>
+                <p:nvSpPr>
+                  <p:cNvPr id="16" name="文字方塊 15">
+                    <a:extLst>
+                      <a:ext uri="{FF2B5EF4-FFF2-40B4-BE49-F238E27FC236}">
+                        <a16:creationId xmlns:a16="http://schemas.microsoft.com/office/drawing/2014/main" id="{EECF6175-F768-4D78-9B5E-E8325B8896E5}"/>
+                      </a:ext>
+                    </a:extLst>
+                  </p:cNvPr>
+                  <p:cNvSpPr txBox="1"/>
+                  <p:nvPr/>
+                </p:nvSpPr>
+                <p:spPr>
+                  <a:xfrm>
+                    <a:off x="5278346" y="149333"/>
+                    <a:ext cx="2219778" cy="1092607"/>
+                  </a:xfrm>
+                  <a:prstGeom prst="rect">
+                    <a:avLst/>
+                  </a:prstGeom>
                   <a:noFill/>
-                </a:ln>
-              </p:spPr>
-              <p:style>
-                <a:lnRef idx="2">
-                  <a:schemeClr val="accent1">
-                    <a:shade val="50000"/>
-                  </a:schemeClr>
-                </a:lnRef>
-                <a:fillRef idx="1">
-                  <a:schemeClr val="accent1"/>
-                </a:fillRef>
-                <a:effectRef idx="0">
-                  <a:schemeClr val="accent1"/>
-                </a:effectRef>
-                <a:fontRef idx="minor">
-                  <a:schemeClr val="lt1"/>
-                </a:fontRef>
-              </p:style>
-              <p:txBody>
-                <a:bodyPr rtlCol="0" anchor="ctr"/>
-                <a:lstStyle/>
-                <a:p>
-                  <a:pPr algn="ctr"/>
-                  <a:endParaRPr lang="zh-TW" altLang="en-US" dirty="0"/>
-                </a:p>
-              </p:txBody>
-            </p:sp>
-            <p:sp>
-              <p:nvSpPr>
-                <p:cNvPr id="7" name="矩形 6">
-                  <a:extLst>
-                    <a:ext uri="{FF2B5EF4-FFF2-40B4-BE49-F238E27FC236}">
-                      <a16:creationId xmlns:a16="http://schemas.microsoft.com/office/drawing/2014/main" id="{5DBA2633-5121-44E7-95D4-10BA437F190E}"/>
-                    </a:ext>
-                  </a:extLst>
-                </p:cNvPr>
-                <p:cNvSpPr/>
-                <p:nvPr/>
-              </p:nvSpPr>
-              <p:spPr>
-                <a:xfrm>
-                  <a:off x="5114365" y="968188"/>
-                  <a:ext cx="1963270" cy="1102659"/>
-                </a:xfrm>
-                <a:prstGeom prst="rect">
-                  <a:avLst/>
-                </a:prstGeom>
-                <a:solidFill>
-                  <a:schemeClr val="bg1"/>
-                </a:solidFill>
-                <a:ln>
-                  <a:noFill/>
-                </a:ln>
-              </p:spPr>
-              <p:style>
-                <a:lnRef idx="2">
-                  <a:schemeClr val="accent1">
-                    <a:shade val="50000"/>
-                  </a:schemeClr>
-                </a:lnRef>
-                <a:fillRef idx="1">
-                  <a:schemeClr val="accent1"/>
-                </a:fillRef>
-                <a:effectRef idx="0">
-                  <a:schemeClr val="accent1"/>
-                </a:effectRef>
-                <a:fontRef idx="minor">
-                  <a:schemeClr val="lt1"/>
-                </a:fontRef>
-              </p:style>
-              <p:txBody>
-                <a:bodyPr rtlCol="0" anchor="ctr"/>
-                <a:lstStyle/>
-                <a:p>
-                  <a:pPr algn="ctr"/>
-                  <a:endParaRPr lang="zh-TW" altLang="en-US"/>
-                </a:p>
-              </p:txBody>
-            </p:sp>
-            <p:sp>
-              <p:nvSpPr>
-                <p:cNvPr id="8" name="矩形 7">
-                  <a:extLst>
-                    <a:ext uri="{FF2B5EF4-FFF2-40B4-BE49-F238E27FC236}">
-                      <a16:creationId xmlns:a16="http://schemas.microsoft.com/office/drawing/2014/main" id="{AB8F7624-718A-4508-B377-A170D9B5F603}"/>
-                    </a:ext>
-                  </a:extLst>
-                </p:cNvPr>
-                <p:cNvSpPr/>
-                <p:nvPr/>
-              </p:nvSpPr>
-              <p:spPr>
-                <a:xfrm>
-                  <a:off x="7669306" y="968188"/>
-                  <a:ext cx="1963270" cy="1102659"/>
-                </a:xfrm>
-                <a:prstGeom prst="rect">
-                  <a:avLst/>
-                </a:prstGeom>
-                <a:solidFill>
-                  <a:schemeClr val="bg1"/>
-                </a:solidFill>
-                <a:ln>
-                  <a:noFill/>
-                </a:ln>
-              </p:spPr>
-              <p:style>
-                <a:lnRef idx="2">
-                  <a:schemeClr val="accent1">
-                    <a:shade val="50000"/>
-                  </a:schemeClr>
-                </a:lnRef>
-                <a:fillRef idx="1">
-                  <a:schemeClr val="accent1"/>
-                </a:fillRef>
-                <a:effectRef idx="0">
-                  <a:schemeClr val="accent1"/>
-                </a:effectRef>
-                <a:fontRef idx="minor">
-                  <a:schemeClr val="lt1"/>
-                </a:fontRef>
-              </p:style>
-              <p:txBody>
-                <a:bodyPr rtlCol="0" anchor="ctr"/>
-                <a:lstStyle/>
-                <a:p>
-                  <a:pPr algn="ctr"/>
-                  <a:endParaRPr lang="zh-TW" altLang="en-US"/>
-                </a:p>
-              </p:txBody>
-            </p:sp>
+                </p:spPr>
+                <p:txBody>
+                  <a:bodyPr wrap="square" rtlCol="0">
+                    <a:spAutoFit/>
+                  </a:bodyPr>
+                  <a:lstStyle/>
+                  <a:p>
+                    <a:pPr lvl="0"/>
+                    <a:r>
+                      <a:rPr lang="zh-TW" altLang="zh-TW" sz="1300" dirty="0">
+                        <a:solidFill>
+                          <a:srgbClr val="515151"/>
+                        </a:solidFill>
+                        <a:latin typeface="微軟正黑體 Light" panose="020B0304030504040204" pitchFamily="34" charset="-120"/>
+                        <a:ea typeface="微軟正黑體 Light" panose="020B0304030504040204" pitchFamily="34" charset="-120"/>
+                      </a:rPr>
+                      <a:t>遵守適用之法規</a:t>
+                    </a:r>
+                    <a:r>
+                      <a:rPr lang="zh-TW" altLang="en-US" sz="1300" dirty="0">
+                        <a:solidFill>
+                          <a:srgbClr val="515151"/>
+                        </a:solidFill>
+                        <a:latin typeface="微軟正黑體 Light" panose="020B0304030504040204" pitchFamily="34" charset="-120"/>
+                        <a:ea typeface="微軟正黑體 Light" panose="020B0304030504040204" pitchFamily="34" charset="-120"/>
+                      </a:rPr>
+                      <a:t>。</a:t>
+                    </a:r>
+                    <a:endParaRPr lang="zh-TW" altLang="zh-TW" sz="1300" dirty="0">
+                      <a:solidFill>
+                        <a:srgbClr val="515151"/>
+                      </a:solidFill>
+                      <a:latin typeface="微軟正黑體 Light" panose="020B0304030504040204" pitchFamily="34" charset="-120"/>
+                      <a:ea typeface="微軟正黑體 Light" panose="020B0304030504040204" pitchFamily="34" charset="-120"/>
+                    </a:endParaRPr>
+                  </a:p>
+                  <a:p>
+                    <a:pPr lvl="0"/>
+                    <a:r>
+                      <a:rPr lang="zh-TW" altLang="zh-TW" sz="1300" dirty="0">
+                        <a:solidFill>
+                          <a:srgbClr val="515151"/>
+                        </a:solidFill>
+                        <a:latin typeface="微軟正黑體 Light" panose="020B0304030504040204" pitchFamily="34" charset="-120"/>
+                        <a:ea typeface="微軟正黑體 Light" panose="020B0304030504040204" pitchFamily="34" charset="-120"/>
+                      </a:rPr>
+                      <a:t>提供申訴機制</a:t>
+                    </a:r>
+                    <a:r>
+                      <a:rPr lang="zh-TW" altLang="en-US" sz="1300" dirty="0">
+                        <a:solidFill>
+                          <a:srgbClr val="515151"/>
+                        </a:solidFill>
+                        <a:latin typeface="微軟正黑體 Light" panose="020B0304030504040204" pitchFamily="34" charset="-120"/>
+                        <a:ea typeface="微軟正黑體 Light" panose="020B0304030504040204" pitchFamily="34" charset="-120"/>
+                      </a:rPr>
+                      <a:t>。</a:t>
+                    </a:r>
+                    <a:endParaRPr lang="zh-TW" altLang="zh-TW" sz="1300" dirty="0">
+                      <a:solidFill>
+                        <a:srgbClr val="515151"/>
+                      </a:solidFill>
+                      <a:latin typeface="微軟正黑體 Light" panose="020B0304030504040204" pitchFamily="34" charset="-120"/>
+                      <a:ea typeface="微軟正黑體 Light" panose="020B0304030504040204" pitchFamily="34" charset="-120"/>
+                    </a:endParaRPr>
+                  </a:p>
+                  <a:p>
+                    <a:pPr lvl="0"/>
+                    <a:r>
+                      <a:rPr lang="zh-TW" altLang="zh-TW" sz="1300" dirty="0">
+                        <a:solidFill>
+                          <a:srgbClr val="515151"/>
+                        </a:solidFill>
+                        <a:latin typeface="微軟正黑體 Light" panose="020B0304030504040204" pitchFamily="34" charset="-120"/>
+                        <a:ea typeface="微軟正黑體 Light" panose="020B0304030504040204" pitchFamily="34" charset="-120"/>
+                      </a:rPr>
+                      <a:t>遵守本準則</a:t>
+                    </a:r>
+                    <a:r>
+                      <a:rPr lang="zh-TW" altLang="en-US" sz="1300" dirty="0">
+                        <a:solidFill>
+                          <a:srgbClr val="515151"/>
+                        </a:solidFill>
+                        <a:latin typeface="微軟正黑體 Light" panose="020B0304030504040204" pitchFamily="34" charset="-120"/>
+                        <a:ea typeface="微軟正黑體 Light" panose="020B0304030504040204" pitchFamily="34" charset="-120"/>
+                      </a:rPr>
+                      <a:t>。</a:t>
+                    </a:r>
+                    <a:endParaRPr lang="zh-TW" altLang="zh-TW" sz="1300" dirty="0">
+                      <a:solidFill>
+                        <a:srgbClr val="515151"/>
+                      </a:solidFill>
+                      <a:latin typeface="微軟正黑體 Light" panose="020B0304030504040204" pitchFamily="34" charset="-120"/>
+                      <a:ea typeface="微軟正黑體 Light" panose="020B0304030504040204" pitchFamily="34" charset="-120"/>
+                    </a:endParaRPr>
+                  </a:p>
+                  <a:p>
+                    <a:pPr lvl="0"/>
+                    <a:r>
+                      <a:rPr lang="zh-TW" altLang="zh-TW" sz="1300" dirty="0">
+                        <a:solidFill>
+                          <a:srgbClr val="515151"/>
+                        </a:solidFill>
+                        <a:latin typeface="微軟正黑體 Light" panose="020B0304030504040204" pitchFamily="34" charset="-120"/>
+                        <a:ea typeface="微軟正黑體 Light" panose="020B0304030504040204" pitchFamily="34" charset="-120"/>
+                      </a:rPr>
+                      <a:t>採取盡職調查</a:t>
+                    </a:r>
+                    <a:r>
+                      <a:rPr lang="zh-TW" altLang="en-US" sz="1300" dirty="0">
+                        <a:solidFill>
+                          <a:srgbClr val="515151"/>
+                        </a:solidFill>
+                        <a:latin typeface="微軟正黑體 Light" panose="020B0304030504040204" pitchFamily="34" charset="-120"/>
+                        <a:ea typeface="微軟正黑體 Light" panose="020B0304030504040204" pitchFamily="34" charset="-120"/>
+                      </a:rPr>
+                      <a:t>。</a:t>
+                    </a:r>
+                    <a:endParaRPr lang="zh-TW" altLang="zh-TW" sz="1300" dirty="0">
+                      <a:solidFill>
+                        <a:srgbClr val="515151"/>
+                      </a:solidFill>
+                      <a:latin typeface="微軟正黑體 Light" panose="020B0304030504040204" pitchFamily="34" charset="-120"/>
+                      <a:ea typeface="微軟正黑體 Light" panose="020B0304030504040204" pitchFamily="34" charset="-120"/>
+                    </a:endParaRPr>
+                  </a:p>
+                  <a:p>
+                    <a:r>
+                      <a:rPr lang="zh-TW" altLang="zh-TW" sz="1300" dirty="0">
+                        <a:solidFill>
+                          <a:srgbClr val="515151"/>
+                        </a:solidFill>
+                        <a:latin typeface="微軟正黑體 Light" panose="020B0304030504040204" pitchFamily="34" charset="-120"/>
+                        <a:ea typeface="微軟正黑體 Light" panose="020B0304030504040204" pitchFamily="34" charset="-120"/>
+                      </a:rPr>
+                      <a:t>評估與改進</a:t>
+                    </a:r>
+                    <a:r>
+                      <a:rPr lang="zh-TW" altLang="en-US" sz="1300" dirty="0">
+                        <a:solidFill>
+                          <a:srgbClr val="515151"/>
+                        </a:solidFill>
+                        <a:latin typeface="微軟正黑體 Light" panose="020B0304030504040204" pitchFamily="34" charset="-120"/>
+                        <a:ea typeface="微軟正黑體 Light" panose="020B0304030504040204" pitchFamily="34" charset="-120"/>
+                      </a:rPr>
+                      <a:t>。</a:t>
+                    </a:r>
+                  </a:p>
+                </p:txBody>
+              </p:sp>
+            </p:grpSp>
           </p:grpSp>
           <p:sp>
             <p:nvSpPr>
-              <p:cNvPr id="10" name="文字方塊 9">
+              <p:cNvPr id="3" name="矩形 2">
                 <a:extLst>
                   <a:ext uri="{FF2B5EF4-FFF2-40B4-BE49-F238E27FC236}">
-                    <a16:creationId xmlns:a16="http://schemas.microsoft.com/office/drawing/2014/main" id="{7995D3D4-B503-4A9C-922D-F768323A21B3}"/>
-                  </a:ext>
-                </a:extLst>
-              </p:cNvPr>
-              <p:cNvSpPr txBox="1"/>
-              <p:nvPr/>
-            </p:nvSpPr>
-            <p:spPr>
-              <a:xfrm>
-                <a:off x="2469993" y="968188"/>
-                <a:ext cx="2219778" cy="1892826"/>
-              </a:xfrm>
-              <a:prstGeom prst="rect">
-                <a:avLst/>
-              </a:prstGeom>
-              <a:noFill/>
-            </p:spPr>
-            <p:txBody>
-              <a:bodyPr wrap="square" rtlCol="0">
-                <a:spAutoFit/>
-              </a:bodyPr>
-              <a:lstStyle/>
-              <a:p>
-                <a:pPr lvl="0"/>
-                <a:r>
-                  <a:rPr lang="zh-TW" altLang="zh-TW" sz="1300" dirty="0">
-                    <a:solidFill>
-                      <a:srgbClr val="515151"/>
-                    </a:solidFill>
-                    <a:latin typeface="微軟正黑體 Light" panose="020B0304030504040204" pitchFamily="34" charset="-120"/>
-                    <a:ea typeface="微軟正黑體 Light" panose="020B0304030504040204" pitchFamily="34" charset="-120"/>
-                  </a:rPr>
-                  <a:t>童工</a:t>
-                </a:r>
-                <a:r>
-                  <a:rPr lang="zh-TW" altLang="en-US" sz="1300" dirty="0">
-                    <a:solidFill>
-                      <a:srgbClr val="515151"/>
-                    </a:solidFill>
-                    <a:latin typeface="微軟正黑體 Light" panose="020B0304030504040204" pitchFamily="34" charset="-120"/>
-                    <a:ea typeface="微軟正黑體 Light" panose="020B0304030504040204" pitchFamily="34" charset="-120"/>
-                  </a:rPr>
-                  <a:t>。</a:t>
-                </a:r>
-                <a:endParaRPr lang="zh-TW" altLang="zh-TW" sz="1300" dirty="0">
-                  <a:solidFill>
-                    <a:srgbClr val="515151"/>
-                  </a:solidFill>
-                  <a:latin typeface="微軟正黑體 Light" panose="020B0304030504040204" pitchFamily="34" charset="-120"/>
-                  <a:ea typeface="微軟正黑體 Light" panose="020B0304030504040204" pitchFamily="34" charset="-120"/>
-                </a:endParaRPr>
-              </a:p>
-              <a:p>
-                <a:pPr lvl="0"/>
-                <a:r>
-                  <a:rPr lang="zh-TW" altLang="zh-TW" sz="1300" dirty="0">
-                    <a:solidFill>
-                      <a:srgbClr val="515151"/>
-                    </a:solidFill>
-                    <a:latin typeface="微軟正黑體 Light" panose="020B0304030504040204" pitchFamily="34" charset="-120"/>
-                    <a:ea typeface="微軟正黑體 Light" panose="020B0304030504040204" pitchFamily="34" charset="-120"/>
-                  </a:rPr>
-                  <a:t>社區關係</a:t>
-                </a:r>
-                <a:r>
-                  <a:rPr lang="zh-TW" altLang="en-US" sz="1300" dirty="0">
-                    <a:solidFill>
-                      <a:srgbClr val="515151"/>
-                    </a:solidFill>
-                    <a:latin typeface="微軟正黑體 Light" panose="020B0304030504040204" pitchFamily="34" charset="-120"/>
-                    <a:ea typeface="微軟正黑體 Light" panose="020B0304030504040204" pitchFamily="34" charset="-120"/>
-                  </a:rPr>
-                  <a:t>。</a:t>
-                </a:r>
-                <a:endParaRPr lang="zh-TW" altLang="zh-TW" sz="1300" dirty="0">
-                  <a:solidFill>
-                    <a:srgbClr val="515151"/>
-                  </a:solidFill>
-                  <a:latin typeface="微軟正黑體 Light" panose="020B0304030504040204" pitchFamily="34" charset="-120"/>
-                  <a:ea typeface="微軟正黑體 Light" panose="020B0304030504040204" pitchFamily="34" charset="-120"/>
-                </a:endParaRPr>
-              </a:p>
-              <a:p>
-                <a:pPr lvl="0"/>
-                <a:r>
-                  <a:rPr lang="zh-TW" altLang="zh-TW" sz="1300" dirty="0">
-                    <a:solidFill>
-                      <a:srgbClr val="515151"/>
-                    </a:solidFill>
-                    <a:latin typeface="微軟正黑體 Light" panose="020B0304030504040204" pitchFamily="34" charset="-120"/>
-                    <a:ea typeface="微軟正黑體 Light" panose="020B0304030504040204" pitchFamily="34" charset="-120"/>
-                  </a:rPr>
-                  <a:t>歧視</a:t>
-                </a:r>
-                <a:r>
-                  <a:rPr lang="zh-TW" altLang="en-US" sz="1300" dirty="0">
-                    <a:solidFill>
-                      <a:srgbClr val="515151"/>
-                    </a:solidFill>
-                    <a:latin typeface="微軟正黑體 Light" panose="020B0304030504040204" pitchFamily="34" charset="-120"/>
-                    <a:ea typeface="微軟正黑體 Light" panose="020B0304030504040204" pitchFamily="34" charset="-120"/>
-                  </a:rPr>
-                  <a:t>。</a:t>
-                </a:r>
-                <a:endParaRPr lang="zh-TW" altLang="zh-TW" sz="1300" dirty="0">
-                  <a:solidFill>
-                    <a:srgbClr val="515151"/>
-                  </a:solidFill>
-                  <a:latin typeface="微軟正黑體 Light" panose="020B0304030504040204" pitchFamily="34" charset="-120"/>
-                  <a:ea typeface="微軟正黑體 Light" panose="020B0304030504040204" pitchFamily="34" charset="-120"/>
-                </a:endParaRPr>
-              </a:p>
-              <a:p>
-                <a:pPr lvl="0"/>
-                <a:r>
-                  <a:rPr lang="zh-TW" altLang="zh-TW" sz="1300" dirty="0">
-                    <a:solidFill>
-                      <a:srgbClr val="515151"/>
-                    </a:solidFill>
-                    <a:latin typeface="微軟正黑體 Light" panose="020B0304030504040204" pitchFamily="34" charset="-120"/>
-                    <a:ea typeface="微軟正黑體 Light" panose="020B0304030504040204" pitchFamily="34" charset="-120"/>
-                  </a:rPr>
-                  <a:t>結社自由和集體談判權</a:t>
-                </a:r>
-                <a:r>
-                  <a:rPr lang="zh-TW" altLang="en-US" sz="1300" dirty="0">
-                    <a:solidFill>
-                      <a:srgbClr val="515151"/>
-                    </a:solidFill>
-                    <a:latin typeface="微軟正黑體 Light" panose="020B0304030504040204" pitchFamily="34" charset="-120"/>
-                    <a:ea typeface="微軟正黑體 Light" panose="020B0304030504040204" pitchFamily="34" charset="-120"/>
-                  </a:rPr>
-                  <a:t>。</a:t>
-                </a:r>
-                <a:endParaRPr lang="zh-TW" altLang="zh-TW" sz="1300" dirty="0">
-                  <a:solidFill>
-                    <a:srgbClr val="515151"/>
-                  </a:solidFill>
-                  <a:latin typeface="微軟正黑體 Light" panose="020B0304030504040204" pitchFamily="34" charset="-120"/>
-                  <a:ea typeface="微軟正黑體 Light" panose="020B0304030504040204" pitchFamily="34" charset="-120"/>
-                </a:endParaRPr>
-              </a:p>
-              <a:p>
-                <a:pPr lvl="0"/>
-                <a:r>
-                  <a:rPr lang="zh-TW" altLang="zh-TW" sz="1300" dirty="0">
-                    <a:solidFill>
-                      <a:srgbClr val="515151"/>
-                    </a:solidFill>
-                    <a:latin typeface="微軟正黑體 Light" panose="020B0304030504040204" pitchFamily="34" charset="-120"/>
-                    <a:ea typeface="微軟正黑體 Light" panose="020B0304030504040204" pitchFamily="34" charset="-120"/>
-                  </a:rPr>
-                  <a:t>騷擾、虐待和懲戒措施</a:t>
-                </a:r>
-                <a:r>
-                  <a:rPr lang="zh-TW" altLang="en-US" sz="1300" dirty="0">
-                    <a:solidFill>
-                      <a:srgbClr val="515151"/>
-                    </a:solidFill>
-                    <a:latin typeface="微軟正黑體 Light" panose="020B0304030504040204" pitchFamily="34" charset="-120"/>
-                    <a:ea typeface="微軟正黑體 Light" panose="020B0304030504040204" pitchFamily="34" charset="-120"/>
-                  </a:rPr>
-                  <a:t>。</a:t>
-                </a:r>
-                <a:endParaRPr lang="zh-TW" altLang="zh-TW" sz="1300" dirty="0">
-                  <a:solidFill>
-                    <a:srgbClr val="515151"/>
-                  </a:solidFill>
-                  <a:latin typeface="微軟正黑體 Light" panose="020B0304030504040204" pitchFamily="34" charset="-120"/>
-                  <a:ea typeface="微軟正黑體 Light" panose="020B0304030504040204" pitchFamily="34" charset="-120"/>
-                </a:endParaRPr>
-              </a:p>
-              <a:p>
-                <a:pPr lvl="0"/>
-                <a:r>
-                  <a:rPr lang="zh-TW" altLang="zh-TW" sz="1300" dirty="0">
-                    <a:solidFill>
-                      <a:srgbClr val="515151"/>
-                    </a:solidFill>
-                    <a:latin typeface="微軟正黑體 Light" panose="020B0304030504040204" pitchFamily="34" charset="-120"/>
-                    <a:ea typeface="微軟正黑體 Light" panose="020B0304030504040204" pitchFamily="34" charset="-120"/>
-                  </a:rPr>
-                  <a:t>健康和安全</a:t>
-                </a:r>
-                <a:r>
-                  <a:rPr lang="zh-TW" altLang="en-US" sz="1300" dirty="0">
-                    <a:solidFill>
-                      <a:srgbClr val="515151"/>
-                    </a:solidFill>
-                    <a:latin typeface="微軟正黑體 Light" panose="020B0304030504040204" pitchFamily="34" charset="-120"/>
-                    <a:ea typeface="微軟正黑體 Light" panose="020B0304030504040204" pitchFamily="34" charset="-120"/>
-                  </a:rPr>
-                  <a:t>。</a:t>
-                </a:r>
-                <a:endParaRPr lang="zh-TW" altLang="zh-TW" sz="1300" dirty="0">
-                  <a:solidFill>
-                    <a:srgbClr val="515151"/>
-                  </a:solidFill>
-                  <a:latin typeface="微軟正黑體 Light" panose="020B0304030504040204" pitchFamily="34" charset="-120"/>
-                  <a:ea typeface="微軟正黑體 Light" panose="020B0304030504040204" pitchFamily="34" charset="-120"/>
-                </a:endParaRPr>
-              </a:p>
-              <a:p>
-                <a:pPr lvl="0"/>
-                <a:r>
-                  <a:rPr lang="zh-TW" altLang="zh-TW" sz="1300" dirty="0">
-                    <a:solidFill>
-                      <a:srgbClr val="515151"/>
-                    </a:solidFill>
-                    <a:latin typeface="微軟正黑體 Light" panose="020B0304030504040204" pitchFamily="34" charset="-120"/>
-                    <a:ea typeface="微軟正黑體 Light" panose="020B0304030504040204" pitchFamily="34" charset="-120"/>
-                  </a:rPr>
-                  <a:t>聘僱措施和強迫勞動</a:t>
-                </a:r>
-                <a:r>
-                  <a:rPr lang="zh-TW" altLang="en-US" sz="1300" dirty="0">
-                    <a:solidFill>
-                      <a:srgbClr val="515151"/>
-                    </a:solidFill>
-                    <a:latin typeface="微軟正黑體 Light" panose="020B0304030504040204" pitchFamily="34" charset="-120"/>
-                    <a:ea typeface="微軟正黑體 Light" panose="020B0304030504040204" pitchFamily="34" charset="-120"/>
-                  </a:rPr>
-                  <a:t>。</a:t>
-                </a:r>
-                <a:endParaRPr lang="zh-TW" altLang="zh-TW" sz="1300" dirty="0">
-                  <a:solidFill>
-                    <a:srgbClr val="515151"/>
-                  </a:solidFill>
-                  <a:latin typeface="微軟正黑體 Light" panose="020B0304030504040204" pitchFamily="34" charset="-120"/>
-                  <a:ea typeface="微軟正黑體 Light" panose="020B0304030504040204" pitchFamily="34" charset="-120"/>
-                </a:endParaRPr>
-              </a:p>
-              <a:p>
-                <a:pPr lvl="0"/>
-                <a:r>
-                  <a:rPr lang="zh-TW" altLang="zh-TW" sz="1300" dirty="0">
-                    <a:solidFill>
-                      <a:srgbClr val="515151"/>
-                    </a:solidFill>
-                    <a:latin typeface="微軟正黑體 Light" panose="020B0304030504040204" pitchFamily="34" charset="-120"/>
-                    <a:ea typeface="微軟正黑體 Light" panose="020B0304030504040204" pitchFamily="34" charset="-120"/>
-                  </a:rPr>
-                  <a:t>薪酬</a:t>
-                </a:r>
-                <a:r>
-                  <a:rPr lang="zh-TW" altLang="en-US" sz="1300" dirty="0">
-                    <a:solidFill>
-                      <a:srgbClr val="515151"/>
-                    </a:solidFill>
-                    <a:latin typeface="微軟正黑體 Light" panose="020B0304030504040204" pitchFamily="34" charset="-120"/>
-                    <a:ea typeface="微軟正黑體 Light" panose="020B0304030504040204" pitchFamily="34" charset="-120"/>
-                  </a:rPr>
-                  <a:t>。</a:t>
-                </a:r>
-                <a:endParaRPr lang="zh-TW" altLang="zh-TW" sz="1300" dirty="0">
-                  <a:solidFill>
-                    <a:srgbClr val="515151"/>
-                  </a:solidFill>
-                  <a:latin typeface="微軟正黑體 Light" panose="020B0304030504040204" pitchFamily="34" charset="-120"/>
-                  <a:ea typeface="微軟正黑體 Light" panose="020B0304030504040204" pitchFamily="34" charset="-120"/>
-                </a:endParaRPr>
-              </a:p>
-              <a:p>
-                <a:r>
-                  <a:rPr lang="zh-TW" altLang="zh-TW" sz="1300" dirty="0">
-                    <a:solidFill>
-                      <a:srgbClr val="515151"/>
-                    </a:solidFill>
-                    <a:latin typeface="微軟正黑體 Light" panose="020B0304030504040204" pitchFamily="34" charset="-120"/>
-                    <a:ea typeface="微軟正黑體 Light" panose="020B0304030504040204" pitchFamily="34" charset="-120"/>
-                  </a:rPr>
-                  <a:t>安全措施</a:t>
-                </a:r>
-                <a:r>
-                  <a:rPr lang="zh-TW" altLang="en-US" sz="1300" dirty="0">
-                    <a:solidFill>
-                      <a:srgbClr val="515151"/>
-                    </a:solidFill>
-                    <a:latin typeface="微軟正黑體 Light" panose="020B0304030504040204" pitchFamily="34" charset="-120"/>
-                    <a:ea typeface="微軟正黑體 Light" panose="020B0304030504040204" pitchFamily="34" charset="-120"/>
-                  </a:rPr>
-                  <a:t>。</a:t>
-                </a:r>
-              </a:p>
-            </p:txBody>
-          </p:sp>
-          <p:sp>
-            <p:nvSpPr>
-              <p:cNvPr id="17" name="文字方塊 16">
-                <a:extLst>
-                  <a:ext uri="{FF2B5EF4-FFF2-40B4-BE49-F238E27FC236}">
-                    <a16:creationId xmlns:a16="http://schemas.microsoft.com/office/drawing/2014/main" id="{0586C28D-A9E9-45BA-8F7C-65B0149D9089}"/>
-                  </a:ext>
-                </a:extLst>
-              </p:cNvPr>
-              <p:cNvSpPr txBox="1"/>
-              <p:nvPr/>
-            </p:nvSpPr>
-            <p:spPr>
-              <a:xfrm>
-                <a:off x="4943023" y="1402558"/>
-                <a:ext cx="2219778" cy="1692771"/>
-              </a:xfrm>
-              <a:prstGeom prst="rect">
-                <a:avLst/>
-              </a:prstGeom>
-              <a:noFill/>
-            </p:spPr>
-            <p:txBody>
-              <a:bodyPr wrap="square" rtlCol="0">
-                <a:spAutoFit/>
-              </a:bodyPr>
-              <a:lstStyle>
-                <a:defPPr>
-                  <a:defRPr lang="zh-TW"/>
-                </a:defPPr>
-                <a:lvl1pPr lvl="0">
-                  <a:defRPr sz="1500">
-                    <a:solidFill>
-                      <a:srgbClr val="515151"/>
-                    </a:solidFill>
-                    <a:latin typeface="微軟正黑體 Light" panose="020B0304030504040204" pitchFamily="34" charset="-120"/>
-                    <a:ea typeface="微軟正黑體 Light" panose="020B0304030504040204" pitchFamily="34" charset="-120"/>
-                  </a:defRPr>
-                </a:lvl1pPr>
-              </a:lstStyle>
-              <a:p>
-                <a:r>
-                  <a:rPr lang="zh-TW" altLang="zh-TW" sz="1300" dirty="0"/>
-                  <a:t>遵守環境、安全、衛生相關法規</a:t>
-                </a:r>
-                <a:r>
-                  <a:rPr lang="zh-TW" altLang="en-US" sz="1300" dirty="0"/>
-                  <a:t>。</a:t>
-                </a:r>
-                <a:endParaRPr lang="zh-TW" altLang="zh-TW" sz="1300" dirty="0"/>
-              </a:p>
-              <a:p>
-                <a:r>
-                  <a:rPr lang="zh-TW" altLang="zh-TW" sz="1300" dirty="0"/>
-                  <a:t>取得相關許可認證</a:t>
-                </a:r>
-                <a:r>
-                  <a:rPr lang="zh-TW" altLang="en-US" sz="1300" dirty="0"/>
-                  <a:t>。</a:t>
-                </a:r>
-                <a:endParaRPr lang="zh-TW" altLang="zh-TW" sz="1300" dirty="0"/>
-              </a:p>
-              <a:p>
-                <a:r>
-                  <a:rPr lang="zh-TW" altLang="zh-TW" sz="1300" dirty="0"/>
-                  <a:t>預防有害物質及汙染</a:t>
-                </a:r>
-                <a:r>
-                  <a:rPr lang="zh-TW" altLang="en-US" sz="1300" dirty="0"/>
-                  <a:t>。</a:t>
-                </a:r>
-                <a:endParaRPr lang="zh-TW" altLang="zh-TW" sz="1300" dirty="0"/>
-              </a:p>
-              <a:p>
-                <a:r>
-                  <a:rPr lang="zh-TW" altLang="zh-TW" sz="1300" dirty="0"/>
-                  <a:t>尋找環境友善之替代品</a:t>
-                </a:r>
-                <a:r>
-                  <a:rPr lang="zh-TW" altLang="en-US" sz="1300" dirty="0"/>
-                  <a:t>。</a:t>
-                </a:r>
-                <a:endParaRPr lang="zh-TW" altLang="zh-TW" sz="1300" dirty="0"/>
-              </a:p>
-              <a:p>
-                <a:r>
-                  <a:rPr lang="zh-TW" altLang="zh-TW" sz="1300" dirty="0"/>
-                  <a:t>資源和能源之永續及有效利用</a:t>
-                </a:r>
-                <a:r>
-                  <a:rPr lang="zh-TW" altLang="en-US" sz="1300" dirty="0"/>
-                  <a:t>。</a:t>
-                </a:r>
-                <a:endParaRPr lang="zh-TW" altLang="zh-TW" sz="1300" dirty="0"/>
-              </a:p>
-              <a:p>
-                <a:r>
-                  <a:rPr lang="zh-TW" altLang="zh-TW" sz="1300" dirty="0"/>
-                  <a:t>保護健康和環境的立即措施</a:t>
-                </a:r>
-                <a:r>
-                  <a:rPr lang="zh-TW" altLang="en-US" sz="1300" dirty="0"/>
-                  <a:t>。</a:t>
-                </a:r>
-              </a:p>
-            </p:txBody>
-          </p:sp>
-          <p:sp>
-            <p:nvSpPr>
-              <p:cNvPr id="18" name="文字方塊 17">
-                <a:extLst>
-                  <a:ext uri="{FF2B5EF4-FFF2-40B4-BE49-F238E27FC236}">
-                    <a16:creationId xmlns:a16="http://schemas.microsoft.com/office/drawing/2014/main" id="{82D63517-F88F-42E4-B61C-171CB34F4EEB}"/>
-                  </a:ext>
-                </a:extLst>
-              </p:cNvPr>
-              <p:cNvSpPr txBox="1"/>
-              <p:nvPr/>
-            </p:nvSpPr>
-            <p:spPr>
-              <a:xfrm>
-                <a:off x="7669306" y="968188"/>
-                <a:ext cx="2219778" cy="1092607"/>
-              </a:xfrm>
-              <a:prstGeom prst="rect">
-                <a:avLst/>
-              </a:prstGeom>
-              <a:noFill/>
-            </p:spPr>
-            <p:txBody>
-              <a:bodyPr wrap="square" rtlCol="0">
-                <a:spAutoFit/>
-              </a:bodyPr>
-              <a:lstStyle>
-                <a:defPPr>
-                  <a:defRPr lang="zh-TW"/>
-                </a:defPPr>
-                <a:lvl1pPr lvl="0">
-                  <a:defRPr sz="1500">
-                    <a:solidFill>
-                      <a:srgbClr val="515151"/>
-                    </a:solidFill>
-                    <a:latin typeface="微軟正黑體 Light" panose="020B0304030504040204" pitchFamily="34" charset="-120"/>
-                    <a:ea typeface="微軟正黑體 Light" panose="020B0304030504040204" pitchFamily="34" charset="-120"/>
-                  </a:defRPr>
-                </a:lvl1pPr>
-              </a:lstStyle>
-              <a:p>
-                <a:r>
-                  <a:rPr lang="zh-TW" altLang="zh-TW" sz="1300" dirty="0"/>
-                  <a:t>提倡誠信正直和道德</a:t>
-                </a:r>
-                <a:r>
-                  <a:rPr lang="zh-TW" altLang="en-US" sz="1300" dirty="0"/>
-                  <a:t>。</a:t>
-                </a:r>
-                <a:endParaRPr lang="zh-TW" altLang="zh-TW" sz="1300" dirty="0"/>
-              </a:p>
-              <a:p>
-                <a:r>
-                  <a:rPr lang="zh-TW" altLang="zh-TW" sz="1300" dirty="0"/>
-                  <a:t>對貪腐採零容忍政策</a:t>
-                </a:r>
-                <a:r>
-                  <a:rPr lang="zh-TW" altLang="en-US" sz="1300" dirty="0"/>
-                  <a:t>。</a:t>
-                </a:r>
-                <a:endParaRPr lang="zh-TW" altLang="zh-TW" sz="1300" dirty="0"/>
-              </a:p>
-              <a:p>
-                <a:r>
-                  <a:rPr lang="zh-TW" altLang="zh-TW" sz="1300" dirty="0"/>
-                  <a:t>採取預防措施管控風險</a:t>
-                </a:r>
-                <a:r>
-                  <a:rPr lang="zh-TW" altLang="en-US" sz="1300" dirty="0"/>
-                  <a:t>。</a:t>
-                </a:r>
-                <a:endParaRPr lang="zh-TW" altLang="zh-TW" sz="1300" dirty="0"/>
-              </a:p>
-              <a:p>
-                <a:r>
-                  <a:rPr lang="zh-TW" altLang="zh-TW" sz="1300" dirty="0"/>
-                  <a:t>提供檢舉機制</a:t>
-                </a:r>
-                <a:r>
-                  <a:rPr lang="zh-TW" altLang="en-US" sz="1300" dirty="0"/>
-                  <a:t>。</a:t>
-                </a:r>
-                <a:endParaRPr lang="zh-TW" altLang="zh-TW" sz="1300" dirty="0"/>
-              </a:p>
-              <a:p>
-                <a:r>
-                  <a:rPr lang="zh-TW" altLang="zh-TW" sz="1300" dirty="0"/>
-                  <a:t>不違反貿易制裁</a:t>
-                </a:r>
-                <a:r>
-                  <a:rPr lang="zh-TW" altLang="en-US" sz="1300" dirty="0"/>
-                  <a:t>。</a:t>
-                </a:r>
-              </a:p>
-            </p:txBody>
-          </p:sp>
-          <p:sp>
-            <p:nvSpPr>
-              <p:cNvPr id="19" name="矩形 18">
-                <a:extLst>
-                  <a:ext uri="{FF2B5EF4-FFF2-40B4-BE49-F238E27FC236}">
-                    <a16:creationId xmlns:a16="http://schemas.microsoft.com/office/drawing/2014/main" id="{33196755-7C25-404A-8131-FBDB597926DB}"/>
+                    <a16:creationId xmlns:a16="http://schemas.microsoft.com/office/drawing/2014/main" id="{E086A6D7-75C4-446B-BCD0-9F40115BDB6A}"/>
                   </a:ext>
                 </a:extLst>
               </p:cNvPr>
@@ -11181,337 +11567,117 @@
             </p:nvSpPr>
             <p:spPr>
               <a:xfrm>
-                <a:off x="5114365" y="923675"/>
-                <a:ext cx="1853561" cy="461665"/>
+                <a:off x="3412633" y="6737940"/>
+                <a:ext cx="5086350" cy="790575"/>
               </a:xfrm>
               <a:prstGeom prst="rect">
                 <a:avLst/>
               </a:prstGeom>
+              <a:solidFill>
+                <a:srgbClr val="072D5A"/>
+              </a:solidFill>
+              <a:ln>
+                <a:noFill/>
+              </a:ln>
             </p:spPr>
+            <p:style>
+              <a:lnRef idx="2">
+                <a:schemeClr val="accent1">
+                  <a:shade val="50000"/>
+                </a:schemeClr>
+              </a:lnRef>
+              <a:fillRef idx="1">
+                <a:schemeClr val="accent1"/>
+              </a:fillRef>
+              <a:effectRef idx="0">
+                <a:schemeClr val="accent1"/>
+              </a:effectRef>
+              <a:fontRef idx="minor">
+                <a:schemeClr val="lt1"/>
+              </a:fontRef>
+            </p:style>
             <p:txBody>
-              <a:bodyPr wrap="square">
-                <a:spAutoFit/>
-              </a:bodyPr>
+              <a:bodyPr rtlCol="0" anchor="ctr"/>
               <a:lstStyle/>
               <a:p>
                 <a:pPr algn="ctr">
-                  <a:spcAft>
-                    <a:spcPts val="0"/>
-                  </a:spcAft>
+                  <a:lnSpc>
+                    <a:spcPct val="250000"/>
+                  </a:lnSpc>
                 </a:pPr>
-                <a:r>
-                  <a:rPr lang="zh-TW" altLang="zh-TW" sz="1200" b="1" dirty="0">
-                    <a:solidFill>
-                      <a:srgbClr val="515151"/>
-                    </a:solidFill>
-                    <a:latin typeface="微軟正黑體 Light" panose="020B0304030504040204" pitchFamily="34" charset="-120"/>
-                    <a:ea typeface="微軟正黑體 Light" panose="020B0304030504040204" pitchFamily="34" charset="-120"/>
-                  </a:rPr>
-                  <a:t>減少對環境、人類健康</a:t>
-                </a:r>
-              </a:p>
-              <a:p>
-                <a:pPr algn="ctr">
-                  <a:spcAft>
-                    <a:spcPts val="0"/>
-                  </a:spcAft>
-                </a:pPr>
-                <a:r>
-                  <a:rPr lang="zh-TW" altLang="zh-TW" sz="1200" b="1" dirty="0">
-                    <a:solidFill>
-                      <a:srgbClr val="515151"/>
-                    </a:solidFill>
-                    <a:latin typeface="微軟正黑體 Light" panose="020B0304030504040204" pitchFamily="34" charset="-120"/>
-                    <a:ea typeface="微軟正黑體 Light" panose="020B0304030504040204" pitchFamily="34" charset="-120"/>
-                  </a:rPr>
-                  <a:t>和生活帶來之不利影響</a:t>
-                </a:r>
+                <a:endParaRPr lang="zh-TW" altLang="en-US" sz="1600" dirty="0">
+                  <a:latin typeface="微軟正黑體" panose="020B0604030504040204" pitchFamily="34" charset="-120"/>
+                  <a:ea typeface="微軟正黑體" panose="020B0604030504040204" pitchFamily="34" charset="-120"/>
+                </a:endParaRPr>
               </a:p>
             </p:txBody>
           </p:sp>
         </p:grpSp>
-        <p:grpSp>
-          <p:nvGrpSpPr>
-            <p:cNvPr id="14" name="群組 13">
+        <p:sp>
+          <p:nvSpPr>
+            <p:cNvPr id="13" name="矩形 12">
               <a:extLst>
                 <a:ext uri="{FF2B5EF4-FFF2-40B4-BE49-F238E27FC236}">
-                  <a16:creationId xmlns:a16="http://schemas.microsoft.com/office/drawing/2014/main" id="{2B1FD325-F647-4A6E-86BE-15582977AA14}"/>
+                  <a16:creationId xmlns:a16="http://schemas.microsoft.com/office/drawing/2014/main" id="{E4515B71-0F93-43F6-96D9-B11370E5E80A}"/>
                 </a:ext>
               </a:extLst>
             </p:cNvPr>
-            <p:cNvGrpSpPr/>
+            <p:cNvSpPr/>
             <p:nvPr/>
-          </p:nvGrpSpPr>
-          <p:grpSpPr>
+          </p:nvSpPr>
+          <p:spPr>
             <a:xfrm>
-              <a:off x="4913473" y="-455967"/>
-              <a:ext cx="2584651" cy="3492719"/>
-              <a:chOff x="4913473" y="-381786"/>
-              <a:chExt cx="2584651" cy="3492719"/>
+              <a:off x="3047998" y="6546524"/>
+              <a:ext cx="6096000" cy="1061829"/>
             </a:xfrm>
-          </p:grpSpPr>
-          <p:pic>
-            <p:nvPicPr>
-              <p:cNvPr id="4" name="圖片 3">
-                <a:extLst>
-                  <a:ext uri="{FF2B5EF4-FFF2-40B4-BE49-F238E27FC236}">
-                    <a16:creationId xmlns:a16="http://schemas.microsoft.com/office/drawing/2014/main" id="{123D0510-D29D-49E4-860F-636EBBE71A67}"/>
-                  </a:ext>
-                </a:extLst>
-              </p:cNvPr>
-              <p:cNvPicPr>
-                <a:picLocks noChangeAspect="1"/>
-              </p:cNvPicPr>
-              <p:nvPr/>
-            </p:nvPicPr>
-            <p:blipFill>
-              <a:blip r:embed="rId3">
-                <a:extLst>
-                  <a:ext uri="{28A0092B-C50C-407E-A947-70E740481C1C}">
-                    <a14:useLocalDpi xmlns:a14="http://schemas.microsoft.com/office/drawing/2010/main" val="0"/>
-                  </a:ext>
-                </a:extLst>
-              </a:blip>
-              <a:stretch>
-                <a:fillRect/>
-              </a:stretch>
-            </p:blipFill>
-            <p:spPr>
-              <a:xfrm>
-                <a:off x="4913473" y="-381786"/>
-                <a:ext cx="2365052" cy="3492719"/>
-              </a:xfrm>
-              <a:prstGeom prst="rect">
-                <a:avLst/>
-              </a:prstGeom>
-            </p:spPr>
-          </p:pic>
-          <p:sp>
-            <p:nvSpPr>
-              <p:cNvPr id="11" name="矩形 10">
-                <a:extLst>
-                  <a:ext uri="{FF2B5EF4-FFF2-40B4-BE49-F238E27FC236}">
-                    <a16:creationId xmlns:a16="http://schemas.microsoft.com/office/drawing/2014/main" id="{5ADAE244-579C-4ADB-80DF-B36DEAD7FD97}"/>
-                  </a:ext>
-                </a:extLst>
-              </p:cNvPr>
-              <p:cNvSpPr/>
-              <p:nvPr/>
-            </p:nvSpPr>
-            <p:spPr>
-              <a:xfrm>
-                <a:off x="5811305" y="-277809"/>
-                <a:ext cx="569387" cy="323165"/>
-              </a:xfrm>
-              <a:prstGeom prst="rect">
-                <a:avLst/>
-              </a:prstGeom>
-            </p:spPr>
-            <p:txBody>
-              <a:bodyPr wrap="none">
-                <a:spAutoFit/>
-              </a:bodyPr>
-              <a:lstStyle/>
-              <a:p>
-                <a:pPr algn="ctr">
-                  <a:spcAft>
-                    <a:spcPts val="0"/>
-                  </a:spcAft>
-                </a:pPr>
-                <a:r>
-                  <a:rPr lang="zh-TW" altLang="zh-TW" sz="1500" b="1" kern="100" dirty="0">
-                    <a:solidFill>
-                      <a:srgbClr val="002453"/>
-                    </a:solidFill>
-                    <a:latin typeface="微軟正黑體" panose="020B0604030504040204" pitchFamily="34" charset="-120"/>
-                    <a:ea typeface="微軟正黑體" panose="020B0604030504040204" pitchFamily="34" charset="-120"/>
-                    <a:cs typeface="Times New Roman" panose="02020603050405020304" pitchFamily="18" charset="0"/>
-                  </a:rPr>
-                  <a:t>期望</a:t>
-                </a:r>
-                <a:endParaRPr lang="zh-TW" altLang="zh-TW" sz="1500" kern="100" dirty="0">
+            <a:prstGeom prst="rect">
+              <a:avLst/>
+            </a:prstGeom>
+          </p:spPr>
+          <p:txBody>
+            <a:bodyPr>
+              <a:spAutoFit/>
+            </a:bodyPr>
+            <a:lstStyle/>
+            <a:p>
+              <a:pPr algn="ctr">
+                <a:lnSpc>
+                  <a:spcPct val="250000"/>
+                </a:lnSpc>
+              </a:pPr>
+              <a:r>
+                <a:rPr lang="zh-TW" altLang="en-US" b="1" dirty="0">
                   <a:solidFill>
-                    <a:srgbClr val="002453"/>
+                    <a:schemeClr val="bg1"/>
                   </a:solidFill>
                   <a:latin typeface="微軟正黑體" panose="020B0604030504040204" pitchFamily="34" charset="-120"/>
                   <a:ea typeface="微軟正黑體" panose="020B0604030504040204" pitchFamily="34" charset="-120"/>
-                  <a:cs typeface="Times New Roman" panose="02020603050405020304" pitchFamily="18" charset="0"/>
-                </a:endParaRPr>
-              </a:p>
-            </p:txBody>
-          </p:sp>
-          <p:sp>
-            <p:nvSpPr>
-              <p:cNvPr id="16" name="文字方塊 15">
-                <a:extLst>
-                  <a:ext uri="{FF2B5EF4-FFF2-40B4-BE49-F238E27FC236}">
-                    <a16:creationId xmlns:a16="http://schemas.microsoft.com/office/drawing/2014/main" id="{EECF6175-F768-4D78-9B5E-E8325B8896E5}"/>
-                  </a:ext>
-                </a:extLst>
-              </p:cNvPr>
-              <p:cNvSpPr txBox="1"/>
-              <p:nvPr/>
-            </p:nvSpPr>
-            <p:spPr>
-              <a:xfrm>
-                <a:off x="5278346" y="149333"/>
-                <a:ext cx="2219778" cy="1092607"/>
-              </a:xfrm>
-              <a:prstGeom prst="rect">
-                <a:avLst/>
-              </a:prstGeom>
-              <a:noFill/>
-            </p:spPr>
-            <p:txBody>
-              <a:bodyPr wrap="square" rtlCol="0">
-                <a:spAutoFit/>
-              </a:bodyPr>
-              <a:lstStyle/>
-              <a:p>
-                <a:pPr lvl="0"/>
-                <a:r>
-                  <a:rPr lang="zh-TW" altLang="zh-TW" sz="1300" dirty="0">
-                    <a:solidFill>
-                      <a:srgbClr val="515151"/>
-                    </a:solidFill>
-                    <a:latin typeface="微軟正黑體 Light" panose="020B0304030504040204" pitchFamily="34" charset="-120"/>
-                    <a:ea typeface="微軟正黑體 Light" panose="020B0304030504040204" pitchFamily="34" charset="-120"/>
-                  </a:rPr>
-                  <a:t>遵守適用之法規</a:t>
-                </a:r>
-                <a:r>
-                  <a:rPr lang="zh-TW" altLang="en-US" sz="1300" dirty="0">
-                    <a:solidFill>
-                      <a:srgbClr val="515151"/>
-                    </a:solidFill>
-                    <a:latin typeface="微軟正黑體 Light" panose="020B0304030504040204" pitchFamily="34" charset="-120"/>
-                    <a:ea typeface="微軟正黑體 Light" panose="020B0304030504040204" pitchFamily="34" charset="-120"/>
-                  </a:rPr>
-                  <a:t>。</a:t>
-                </a:r>
-                <a:endParaRPr lang="zh-TW" altLang="zh-TW" sz="1300" dirty="0">
+                </a:rPr>
+                <a:t>供應商善盡共同責任</a:t>
+              </a:r>
+              <a:endParaRPr lang="en-US" altLang="zh-TW" dirty="0">
+                <a:solidFill>
+                  <a:schemeClr val="bg1"/>
+                </a:solidFill>
+                <a:latin typeface="微軟正黑體" panose="020B0604030504040204" pitchFamily="34" charset="-120"/>
+                <a:ea typeface="微軟正黑體" panose="020B0604030504040204" pitchFamily="34" charset="-120"/>
+              </a:endParaRPr>
+            </a:p>
+            <a:p>
+              <a:pPr algn="ctr"/>
+              <a:r>
+                <a:rPr lang="zh-TW" altLang="en-US" dirty="0">
                   <a:solidFill>
-                    <a:srgbClr val="515151"/>
+                    <a:schemeClr val="bg1"/>
                   </a:solidFill>
-                  <a:latin typeface="微軟正黑體 Light" panose="020B0304030504040204" pitchFamily="34" charset="-120"/>
-                  <a:ea typeface="微軟正黑體 Light" panose="020B0304030504040204" pitchFamily="34" charset="-120"/>
-                </a:endParaRPr>
-              </a:p>
-              <a:p>
-                <a:pPr lvl="0"/>
-                <a:r>
-                  <a:rPr lang="zh-TW" altLang="zh-TW" sz="1300" dirty="0">
-                    <a:solidFill>
-                      <a:srgbClr val="515151"/>
-                    </a:solidFill>
-                    <a:latin typeface="微軟正黑體 Light" panose="020B0304030504040204" pitchFamily="34" charset="-120"/>
-                    <a:ea typeface="微軟正黑體 Light" panose="020B0304030504040204" pitchFamily="34" charset="-120"/>
-                  </a:rPr>
-                  <a:t>提供申訴機制</a:t>
-                </a:r>
-                <a:r>
-                  <a:rPr lang="zh-TW" altLang="en-US" sz="1300" dirty="0">
-                    <a:solidFill>
-                      <a:srgbClr val="515151"/>
-                    </a:solidFill>
-                    <a:latin typeface="微軟正黑體 Light" panose="020B0304030504040204" pitchFamily="34" charset="-120"/>
-                    <a:ea typeface="微軟正黑體 Light" panose="020B0304030504040204" pitchFamily="34" charset="-120"/>
-                  </a:rPr>
-                  <a:t>。</a:t>
-                </a:r>
-                <a:endParaRPr lang="zh-TW" altLang="zh-TW" sz="1300" dirty="0">
-                  <a:solidFill>
-                    <a:srgbClr val="515151"/>
-                  </a:solidFill>
-                  <a:latin typeface="微軟正黑體 Light" panose="020B0304030504040204" pitchFamily="34" charset="-120"/>
-                  <a:ea typeface="微軟正黑體 Light" panose="020B0304030504040204" pitchFamily="34" charset="-120"/>
-                </a:endParaRPr>
-              </a:p>
-              <a:p>
-                <a:pPr lvl="0"/>
-                <a:r>
-                  <a:rPr lang="zh-TW" altLang="zh-TW" sz="1300" dirty="0">
-                    <a:solidFill>
-                      <a:srgbClr val="515151"/>
-                    </a:solidFill>
-                    <a:latin typeface="微軟正黑體 Light" panose="020B0304030504040204" pitchFamily="34" charset="-120"/>
-                    <a:ea typeface="微軟正黑體 Light" panose="020B0304030504040204" pitchFamily="34" charset="-120"/>
-                  </a:rPr>
-                  <a:t>遵守本準則</a:t>
-                </a:r>
-                <a:r>
-                  <a:rPr lang="zh-TW" altLang="en-US" sz="1300" dirty="0">
-                    <a:solidFill>
-                      <a:srgbClr val="515151"/>
-                    </a:solidFill>
-                    <a:latin typeface="微軟正黑體 Light" panose="020B0304030504040204" pitchFamily="34" charset="-120"/>
-                    <a:ea typeface="微軟正黑體 Light" panose="020B0304030504040204" pitchFamily="34" charset="-120"/>
-                  </a:rPr>
-                  <a:t>。</a:t>
-                </a:r>
-                <a:endParaRPr lang="zh-TW" altLang="zh-TW" sz="1300" dirty="0">
-                  <a:solidFill>
-                    <a:srgbClr val="515151"/>
-                  </a:solidFill>
-                  <a:latin typeface="微軟正黑體 Light" panose="020B0304030504040204" pitchFamily="34" charset="-120"/>
-                  <a:ea typeface="微軟正黑體 Light" panose="020B0304030504040204" pitchFamily="34" charset="-120"/>
-                </a:endParaRPr>
-              </a:p>
-              <a:p>
-                <a:pPr lvl="0"/>
-                <a:r>
-                  <a:rPr lang="zh-TW" altLang="zh-TW" sz="1300" dirty="0">
-                    <a:solidFill>
-                      <a:srgbClr val="515151"/>
-                    </a:solidFill>
-                    <a:latin typeface="微軟正黑體 Light" panose="020B0304030504040204" pitchFamily="34" charset="-120"/>
-                    <a:ea typeface="微軟正黑體 Light" panose="020B0304030504040204" pitchFamily="34" charset="-120"/>
-                  </a:rPr>
-                  <a:t>採取盡職調查</a:t>
-                </a:r>
-                <a:r>
-                  <a:rPr lang="zh-TW" altLang="en-US" sz="1300" dirty="0">
-                    <a:solidFill>
-                      <a:srgbClr val="515151"/>
-                    </a:solidFill>
-                    <a:latin typeface="微軟正黑體 Light" panose="020B0304030504040204" pitchFamily="34" charset="-120"/>
-                    <a:ea typeface="微軟正黑體 Light" panose="020B0304030504040204" pitchFamily="34" charset="-120"/>
-                  </a:rPr>
-                  <a:t>。</a:t>
-                </a:r>
-                <a:endParaRPr lang="zh-TW" altLang="zh-TW" sz="1300" dirty="0">
-                  <a:solidFill>
-                    <a:srgbClr val="515151"/>
-                  </a:solidFill>
-                  <a:latin typeface="微軟正黑體 Light" panose="020B0304030504040204" pitchFamily="34" charset="-120"/>
-                  <a:ea typeface="微軟正黑體 Light" panose="020B0304030504040204" pitchFamily="34" charset="-120"/>
-                </a:endParaRPr>
-              </a:p>
-              <a:p>
-                <a:r>
-                  <a:rPr lang="zh-TW" altLang="zh-TW" sz="1300" dirty="0">
-                    <a:solidFill>
-                      <a:srgbClr val="515151"/>
-                    </a:solidFill>
-                    <a:latin typeface="微軟正黑體 Light" panose="020B0304030504040204" pitchFamily="34" charset="-120"/>
-                    <a:ea typeface="微軟正黑體 Light" panose="020B0304030504040204" pitchFamily="34" charset="-120"/>
-                  </a:rPr>
-                  <a:t>評估與改進</a:t>
-                </a:r>
-                <a:r>
-                  <a:rPr lang="zh-TW" altLang="en-US" sz="1300" dirty="0">
-                    <a:solidFill>
-                      <a:srgbClr val="515151"/>
-                    </a:solidFill>
-                    <a:latin typeface="微軟正黑體 Light" panose="020B0304030504040204" pitchFamily="34" charset="-120"/>
-                    <a:ea typeface="微軟正黑體 Light" panose="020B0304030504040204" pitchFamily="34" charset="-120"/>
-                  </a:rPr>
-                  <a:t>。</a:t>
-                </a:r>
-              </a:p>
-            </p:txBody>
-          </p:sp>
-        </p:grpSp>
+                  <a:latin typeface="微軟正黑體" panose="020B0604030504040204" pitchFamily="34" charset="-120"/>
+                  <a:ea typeface="微軟正黑體" panose="020B0604030504040204" pitchFamily="34" charset="-120"/>
+                </a:rPr>
+                <a:t>供應商行為準則．結構化協議．評估與改進．申訴程序</a:t>
+              </a:r>
+            </a:p>
+          </p:txBody>
+        </p:sp>
       </p:grpSp>
     </p:spTree>
     <p:extLst>

--- a/sdms/images/org_chart.pptx
+++ b/sdms/images/org_chart.pptx
@@ -261,7 +261,7 @@
           <a:p>
             <a:fld id="{F9348AF6-6B39-4FE1-9903-1DAEF177AE5D}" type="datetimeFigureOut">
               <a:rPr lang="zh-TW" altLang="en-US" smtClean="0"/>
-              <a:t>2023/2/7</a:t>
+              <a:t>2023/3/7</a:t>
             </a:fld>
             <a:endParaRPr lang="zh-TW" altLang="en-US"/>
           </a:p>
@@ -459,7 +459,7 @@
           <a:p>
             <a:fld id="{F9348AF6-6B39-4FE1-9903-1DAEF177AE5D}" type="datetimeFigureOut">
               <a:rPr lang="zh-TW" altLang="en-US" smtClean="0"/>
-              <a:t>2023/2/7</a:t>
+              <a:t>2023/3/7</a:t>
             </a:fld>
             <a:endParaRPr lang="zh-TW" altLang="en-US"/>
           </a:p>
@@ -667,7 +667,7 @@
           <a:p>
             <a:fld id="{F9348AF6-6B39-4FE1-9903-1DAEF177AE5D}" type="datetimeFigureOut">
               <a:rPr lang="zh-TW" altLang="en-US" smtClean="0"/>
-              <a:t>2023/2/7</a:t>
+              <a:t>2023/3/7</a:t>
             </a:fld>
             <a:endParaRPr lang="zh-TW" altLang="en-US"/>
           </a:p>
@@ -865,7 +865,7 @@
           <a:p>
             <a:fld id="{F9348AF6-6B39-4FE1-9903-1DAEF177AE5D}" type="datetimeFigureOut">
               <a:rPr lang="zh-TW" altLang="en-US" smtClean="0"/>
-              <a:t>2023/2/7</a:t>
+              <a:t>2023/3/7</a:t>
             </a:fld>
             <a:endParaRPr lang="zh-TW" altLang="en-US"/>
           </a:p>
@@ -1140,7 +1140,7 @@
           <a:p>
             <a:fld id="{F9348AF6-6B39-4FE1-9903-1DAEF177AE5D}" type="datetimeFigureOut">
               <a:rPr lang="zh-TW" altLang="en-US" smtClean="0"/>
-              <a:t>2023/2/7</a:t>
+              <a:t>2023/3/7</a:t>
             </a:fld>
             <a:endParaRPr lang="zh-TW" altLang="en-US"/>
           </a:p>
@@ -1405,7 +1405,7 @@
           <a:p>
             <a:fld id="{F9348AF6-6B39-4FE1-9903-1DAEF177AE5D}" type="datetimeFigureOut">
               <a:rPr lang="zh-TW" altLang="en-US" smtClean="0"/>
-              <a:t>2023/2/7</a:t>
+              <a:t>2023/3/7</a:t>
             </a:fld>
             <a:endParaRPr lang="zh-TW" altLang="en-US"/>
           </a:p>
@@ -1817,7 +1817,7 @@
           <a:p>
             <a:fld id="{F9348AF6-6B39-4FE1-9903-1DAEF177AE5D}" type="datetimeFigureOut">
               <a:rPr lang="zh-TW" altLang="en-US" smtClean="0"/>
-              <a:t>2023/2/7</a:t>
+              <a:t>2023/3/7</a:t>
             </a:fld>
             <a:endParaRPr lang="zh-TW" altLang="en-US"/>
           </a:p>
@@ -1958,7 +1958,7 @@
           <a:p>
             <a:fld id="{F9348AF6-6B39-4FE1-9903-1DAEF177AE5D}" type="datetimeFigureOut">
               <a:rPr lang="zh-TW" altLang="en-US" smtClean="0"/>
-              <a:t>2023/2/7</a:t>
+              <a:t>2023/3/7</a:t>
             </a:fld>
             <a:endParaRPr lang="zh-TW" altLang="en-US"/>
           </a:p>
@@ -2071,7 +2071,7 @@
           <a:p>
             <a:fld id="{F9348AF6-6B39-4FE1-9903-1DAEF177AE5D}" type="datetimeFigureOut">
               <a:rPr lang="zh-TW" altLang="en-US" smtClean="0"/>
-              <a:t>2023/2/7</a:t>
+              <a:t>2023/3/7</a:t>
             </a:fld>
             <a:endParaRPr lang="zh-TW" altLang="en-US"/>
           </a:p>
@@ -2382,7 +2382,7 @@
           <a:p>
             <a:fld id="{F9348AF6-6B39-4FE1-9903-1DAEF177AE5D}" type="datetimeFigureOut">
               <a:rPr lang="zh-TW" altLang="en-US" smtClean="0"/>
-              <a:t>2023/2/7</a:t>
+              <a:t>2023/3/7</a:t>
             </a:fld>
             <a:endParaRPr lang="zh-TW" altLang="en-US"/>
           </a:p>
@@ -2670,7 +2670,7 @@
           <a:p>
             <a:fld id="{F9348AF6-6B39-4FE1-9903-1DAEF177AE5D}" type="datetimeFigureOut">
               <a:rPr lang="zh-TW" altLang="en-US" smtClean="0"/>
-              <a:t>2023/2/7</a:t>
+              <a:t>2023/3/7</a:t>
             </a:fld>
             <a:endParaRPr lang="zh-TW" altLang="en-US"/>
           </a:p>
@@ -2911,7 +2911,7 @@
           <a:p>
             <a:fld id="{F9348AF6-6B39-4FE1-9903-1DAEF177AE5D}" type="datetimeFigureOut">
               <a:rPr lang="zh-TW" altLang="en-US" smtClean="0"/>
-              <a:t>2023/2/7</a:t>
+              <a:t>2023/3/7</a:t>
             </a:fld>
             <a:endParaRPr lang="zh-TW" altLang="en-US"/>
           </a:p>
@@ -10422,10 +10422,10 @@
       </p:grpSpPr>
       <p:grpSp>
         <p:nvGrpSpPr>
-          <p:cNvPr id="20" name="群組 19">
+          <p:cNvPr id="36" name="群組 35">
             <a:extLst>
               <a:ext uri="{FF2B5EF4-FFF2-40B4-BE49-F238E27FC236}">
-                <a16:creationId xmlns:a16="http://schemas.microsoft.com/office/drawing/2014/main" id="{B558A49A-8EE9-42FA-9EEE-D2D33D02D9E7}"/>
+                <a16:creationId xmlns:a16="http://schemas.microsoft.com/office/drawing/2014/main" id="{F2D877A8-3FB9-4A38-91DB-865445F9B33C}"/>
               </a:ext>
             </a:extLst>
           </p:cNvPr>
@@ -10434,18 +10434,18 @@
         </p:nvGrpSpPr>
         <p:grpSpPr>
           <a:xfrm>
-            <a:off x="2654299" y="-887767"/>
-            <a:ext cx="7620000" cy="9893519"/>
-            <a:chOff x="2285999" y="-455967"/>
-            <a:chExt cx="7620000" cy="9893519"/>
+            <a:off x="1951347" y="-887767"/>
+            <a:ext cx="9071929" cy="10097755"/>
+            <a:chOff x="1951347" y="-887767"/>
+            <a:chExt cx="9071929" cy="10097755"/>
           </a:xfrm>
         </p:grpSpPr>
         <p:grpSp>
           <p:nvGrpSpPr>
-            <p:cNvPr id="12" name="群組 11">
+            <p:cNvPr id="29" name="群組 28">
               <a:extLst>
                 <a:ext uri="{FF2B5EF4-FFF2-40B4-BE49-F238E27FC236}">
-                  <a16:creationId xmlns:a16="http://schemas.microsoft.com/office/drawing/2014/main" id="{6F1A7C18-33F6-4B0A-A50C-6130F441C330}"/>
+                  <a16:creationId xmlns:a16="http://schemas.microsoft.com/office/drawing/2014/main" id="{C4E3D7F7-1D7B-4720-9DD7-121FB5C1181D}"/>
                 </a:ext>
               </a:extLst>
             </p:cNvPr>
@@ -10454,18 +10454,18 @@
           </p:nvGrpSpPr>
           <p:grpSpPr>
             <a:xfrm>
-              <a:off x="2285999" y="-455967"/>
-              <a:ext cx="7620000" cy="9893519"/>
-              <a:chOff x="2285999" y="-455967"/>
-              <a:chExt cx="7620000" cy="9893519"/>
+              <a:off x="1951347" y="-887767"/>
+              <a:ext cx="9071929" cy="10097755"/>
+              <a:chOff x="1951347" y="-887767"/>
+              <a:chExt cx="9071929" cy="10097755"/>
             </a:xfrm>
           </p:grpSpPr>
           <p:grpSp>
             <p:nvGrpSpPr>
-              <p:cNvPr id="15" name="群組 14">
+              <p:cNvPr id="20" name="群組 19">
                 <a:extLst>
                   <a:ext uri="{FF2B5EF4-FFF2-40B4-BE49-F238E27FC236}">
-                    <a16:creationId xmlns:a16="http://schemas.microsoft.com/office/drawing/2014/main" id="{0E8FDF46-D602-4D70-AA73-29ED712436A5}"/>
+                    <a16:creationId xmlns:a16="http://schemas.microsoft.com/office/drawing/2014/main" id="{B558A49A-8EE9-42FA-9EEE-D2D33D02D9E7}"/>
                   </a:ext>
                 </a:extLst>
               </p:cNvPr>
@@ -10474,18 +10474,18 @@
             </p:nvGrpSpPr>
             <p:grpSpPr>
               <a:xfrm>
-                <a:off x="2285999" y="-455967"/>
-                <a:ext cx="7620000" cy="9893519"/>
-                <a:chOff x="2285999" y="-455967"/>
-                <a:chExt cx="7620000" cy="9893519"/>
+                <a:off x="1951347" y="-887767"/>
+                <a:ext cx="9071929" cy="10097755"/>
+                <a:chOff x="2174490" y="-455967"/>
+                <a:chExt cx="8083174" cy="10097755"/>
               </a:xfrm>
             </p:grpSpPr>
             <p:grpSp>
               <p:nvGrpSpPr>
-                <p:cNvPr id="2" name="群組 1">
+                <p:cNvPr id="12" name="群組 11">
                   <a:extLst>
                     <a:ext uri="{FF2B5EF4-FFF2-40B4-BE49-F238E27FC236}">
-                      <a16:creationId xmlns:a16="http://schemas.microsoft.com/office/drawing/2014/main" id="{7E7B0847-47CC-4A0E-8BD4-B7C93743222F}"/>
+                      <a16:creationId xmlns:a16="http://schemas.microsoft.com/office/drawing/2014/main" id="{6F1A7C18-33F6-4B0A-A50C-6130F441C330}"/>
                     </a:ext>
                   </a:extLst>
                 </p:cNvPr>
@@ -10494,18 +10494,18 @@
               </p:nvGrpSpPr>
               <p:grpSpPr>
                 <a:xfrm>
-                  <a:off x="2285999" y="3036752"/>
-                  <a:ext cx="7620000" cy="6400800"/>
-                  <a:chOff x="2286000" y="228600"/>
-                  <a:chExt cx="7620000" cy="6400800"/>
+                  <a:off x="2174490" y="-455967"/>
+                  <a:ext cx="8083174" cy="10097755"/>
+                  <a:chOff x="2174490" y="-455967"/>
+                  <a:chExt cx="8083174" cy="10097755"/>
                 </a:xfrm>
               </p:grpSpPr>
               <p:grpSp>
                 <p:nvGrpSpPr>
-                  <p:cNvPr id="9" name="群組 8">
+                  <p:cNvPr id="15" name="群組 14">
                     <a:extLst>
                       <a:ext uri="{FF2B5EF4-FFF2-40B4-BE49-F238E27FC236}">
-                        <a16:creationId xmlns:a16="http://schemas.microsoft.com/office/drawing/2014/main" id="{707877C9-E475-4EC8-B7F2-0B72D2FA59CF}"/>
+                        <a16:creationId xmlns:a16="http://schemas.microsoft.com/office/drawing/2014/main" id="{0E8FDF46-D602-4D70-AA73-29ED712436A5}"/>
                       </a:ext>
                     </a:extLst>
                   </p:cNvPr>
@@ -10514,705 +10514,1557 @@
                 </p:nvGrpSpPr>
                 <p:grpSpPr>
                   <a:xfrm>
-                    <a:off x="2286000" y="228600"/>
-                    <a:ext cx="7620000" cy="6400800"/>
-                    <a:chOff x="2286000" y="228600"/>
-                    <a:chExt cx="7620000" cy="6400800"/>
+                    <a:off x="2174490" y="-455967"/>
+                    <a:ext cx="8083174" cy="10097755"/>
+                    <a:chOff x="2174490" y="-455967"/>
+                    <a:chExt cx="8083174" cy="10097755"/>
                   </a:xfrm>
                 </p:grpSpPr>
-                <p:pic>
-                  <p:nvPicPr>
-                    <p:cNvPr id="5" name="圖片 4">
+                <p:grpSp>
+                  <p:nvGrpSpPr>
+                    <p:cNvPr id="2" name="群組 1">
                       <a:extLst>
                         <a:ext uri="{FF2B5EF4-FFF2-40B4-BE49-F238E27FC236}">
-                          <a16:creationId xmlns:a16="http://schemas.microsoft.com/office/drawing/2014/main" id="{EB6D7919-6B45-4209-AB89-8A8CD4FE35D0}"/>
+                          <a16:creationId xmlns:a16="http://schemas.microsoft.com/office/drawing/2014/main" id="{7E7B0847-47CC-4A0E-8BD4-B7C93743222F}"/>
                         </a:ext>
                       </a:extLst>
                     </p:cNvPr>
-                    <p:cNvPicPr>
-                      <a:picLocks noChangeAspect="1"/>
-                    </p:cNvPicPr>
+                    <p:cNvGrpSpPr/>
                     <p:nvPr/>
-                  </p:nvPicPr>
-                  <p:blipFill>
-                    <a:blip r:embed="rId2">
-                      <a:extLst>
-                        <a:ext uri="{28A0092B-C50C-407E-A947-70E740481C1C}">
-                          <a14:useLocalDpi xmlns:a14="http://schemas.microsoft.com/office/drawing/2010/main" val="0"/>
-                        </a:ext>
-                      </a:extLst>
-                    </a:blip>
-                    <a:stretch>
-                      <a:fillRect/>
-                    </a:stretch>
-                  </p:blipFill>
-                  <p:spPr>
+                  </p:nvGrpSpPr>
+                  <p:grpSpPr>
                     <a:xfrm>
-                      <a:off x="2286000" y="228600"/>
-                      <a:ext cx="7620000" cy="6400800"/>
+                      <a:off x="2174490" y="3036752"/>
+                      <a:ext cx="8083174" cy="6605036"/>
+                      <a:chOff x="2174491" y="228600"/>
+                      <a:chExt cx="8083174" cy="6605036"/>
                     </a:xfrm>
-                    <a:prstGeom prst="rect">
-                      <a:avLst/>
-                    </a:prstGeom>
-                  </p:spPr>
-                </p:pic>
-                <p:sp>
-                  <p:nvSpPr>
-                    <p:cNvPr id="6" name="矩形 5">
+                  </p:grpSpPr>
+                  <p:grpSp>
+                    <p:nvGrpSpPr>
+                      <p:cNvPr id="9" name="群組 8">
+                        <a:extLst>
+                          <a:ext uri="{FF2B5EF4-FFF2-40B4-BE49-F238E27FC236}">
+                            <a16:creationId xmlns:a16="http://schemas.microsoft.com/office/drawing/2014/main" id="{707877C9-E475-4EC8-B7F2-0B72D2FA59CF}"/>
+                          </a:ext>
+                        </a:extLst>
+                      </p:cNvPr>
+                      <p:cNvGrpSpPr/>
+                      <p:nvPr/>
+                    </p:nvGrpSpPr>
+                    <p:grpSpPr>
+                      <a:xfrm>
+                        <a:off x="2174491" y="228600"/>
+                        <a:ext cx="8083174" cy="6605036"/>
+                        <a:chOff x="2174491" y="228600"/>
+                        <a:chExt cx="8083174" cy="6605036"/>
+                      </a:xfrm>
+                    </p:grpSpPr>
+                    <p:pic>
+                      <p:nvPicPr>
+                        <p:cNvPr id="5" name="圖片 4">
+                          <a:extLst>
+                            <a:ext uri="{FF2B5EF4-FFF2-40B4-BE49-F238E27FC236}">
+                              <a16:creationId xmlns:a16="http://schemas.microsoft.com/office/drawing/2014/main" id="{EB6D7919-6B45-4209-AB89-8A8CD4FE35D0}"/>
+                            </a:ext>
+                          </a:extLst>
+                        </p:cNvPr>
+                        <p:cNvPicPr>
+                          <a:picLocks noChangeAspect="1"/>
+                        </p:cNvPicPr>
+                        <p:nvPr/>
+                      </p:nvPicPr>
+                      <p:blipFill>
+                        <a:blip r:embed="rId2">
+                          <a:extLst>
+                            <a:ext uri="{28A0092B-C50C-407E-A947-70E740481C1C}">
+                              <a14:useLocalDpi xmlns:a14="http://schemas.microsoft.com/office/drawing/2010/main" val="0"/>
+                            </a:ext>
+                          </a:extLst>
+                        </a:blip>
+                        <a:stretch>
+                          <a:fillRect/>
+                        </a:stretch>
+                      </p:blipFill>
+                      <p:spPr>
+                        <a:xfrm>
+                          <a:off x="2174491" y="228600"/>
+                          <a:ext cx="8083174" cy="6605036"/>
+                        </a:xfrm>
+                        <a:prstGeom prst="rect">
+                          <a:avLst/>
+                        </a:prstGeom>
+                      </p:spPr>
+                    </p:pic>
+                    <p:sp>
+                      <p:nvSpPr>
+                        <p:cNvPr id="6" name="矩形 5">
+                          <a:extLst>
+                            <a:ext uri="{FF2B5EF4-FFF2-40B4-BE49-F238E27FC236}">
+                              <a16:creationId xmlns:a16="http://schemas.microsoft.com/office/drawing/2014/main" id="{41290578-B83F-43D6-B633-9BC609FBC6F4}"/>
+                            </a:ext>
+                          </a:extLst>
+                        </p:cNvPr>
+                        <p:cNvSpPr/>
+                        <p:nvPr/>
+                      </p:nvSpPr>
+                      <p:spPr>
+                        <a:xfrm>
+                          <a:off x="2365005" y="921169"/>
+                          <a:ext cx="2170114" cy="2263205"/>
+                        </a:xfrm>
+                        <a:prstGeom prst="rect">
+                          <a:avLst/>
+                        </a:prstGeom>
+                        <a:solidFill>
+                          <a:schemeClr val="bg1"/>
+                        </a:solidFill>
+                        <a:ln>
+                          <a:noFill/>
+                        </a:ln>
+                      </p:spPr>
+                      <p:style>
+                        <a:lnRef idx="2">
+                          <a:schemeClr val="accent1">
+                            <a:shade val="50000"/>
+                          </a:schemeClr>
+                        </a:lnRef>
+                        <a:fillRef idx="1">
+                          <a:schemeClr val="accent1"/>
+                        </a:fillRef>
+                        <a:effectRef idx="0">
+                          <a:schemeClr val="accent1"/>
+                        </a:effectRef>
+                        <a:fontRef idx="minor">
+                          <a:schemeClr val="lt1"/>
+                        </a:fontRef>
+                      </p:style>
+                      <p:txBody>
+                        <a:bodyPr rtlCol="0" anchor="ctr"/>
+                        <a:lstStyle/>
+                        <a:p>
+                          <a:pPr algn="ctr"/>
+                          <a:endParaRPr lang="zh-TW" altLang="en-US" dirty="0"/>
+                        </a:p>
+                      </p:txBody>
+                    </p:sp>
+                    <p:sp>
+                      <p:nvSpPr>
+                        <p:cNvPr id="7" name="矩形 6">
+                          <a:extLst>
+                            <a:ext uri="{FF2B5EF4-FFF2-40B4-BE49-F238E27FC236}">
+                              <a16:creationId xmlns:a16="http://schemas.microsoft.com/office/drawing/2014/main" id="{5DBA2633-5121-44E7-95D4-10BA437F190E}"/>
+                            </a:ext>
+                          </a:extLst>
+                        </p:cNvPr>
+                        <p:cNvSpPr/>
+                        <p:nvPr/>
+                      </p:nvSpPr>
+                      <p:spPr>
+                        <a:xfrm>
+                          <a:off x="5114364" y="968188"/>
+                          <a:ext cx="2110068" cy="1102659"/>
+                        </a:xfrm>
+                        <a:prstGeom prst="rect">
+                          <a:avLst/>
+                        </a:prstGeom>
+                        <a:solidFill>
+                          <a:schemeClr val="bg1"/>
+                        </a:solidFill>
+                        <a:ln>
+                          <a:noFill/>
+                        </a:ln>
+                      </p:spPr>
+                      <p:style>
+                        <a:lnRef idx="2">
+                          <a:schemeClr val="accent1">
+                            <a:shade val="50000"/>
+                          </a:schemeClr>
+                        </a:lnRef>
+                        <a:fillRef idx="1">
+                          <a:schemeClr val="accent1"/>
+                        </a:fillRef>
+                        <a:effectRef idx="0">
+                          <a:schemeClr val="accent1"/>
+                        </a:effectRef>
+                        <a:fontRef idx="minor">
+                          <a:schemeClr val="lt1"/>
+                        </a:fontRef>
+                      </p:style>
+                      <p:txBody>
+                        <a:bodyPr rtlCol="0" anchor="ctr"/>
+                        <a:lstStyle/>
+                        <a:p>
+                          <a:pPr algn="ctr"/>
+                          <a:endParaRPr lang="zh-TW" altLang="en-US"/>
+                        </a:p>
+                      </p:txBody>
+                    </p:sp>
+                    <p:sp>
+                      <p:nvSpPr>
+                        <p:cNvPr id="8" name="矩形 7">
+                          <a:extLst>
+                            <a:ext uri="{FF2B5EF4-FFF2-40B4-BE49-F238E27FC236}">
+                              <a16:creationId xmlns:a16="http://schemas.microsoft.com/office/drawing/2014/main" id="{AB8F7624-718A-4508-B377-A170D9B5F603}"/>
+                            </a:ext>
+                          </a:extLst>
+                        </p:cNvPr>
+                        <p:cNvSpPr/>
+                        <p:nvPr/>
+                      </p:nvSpPr>
+                      <p:spPr>
+                        <a:xfrm>
+                          <a:off x="7942793" y="968188"/>
+                          <a:ext cx="1963270" cy="1102659"/>
+                        </a:xfrm>
+                        <a:prstGeom prst="rect">
+                          <a:avLst/>
+                        </a:prstGeom>
+                        <a:solidFill>
+                          <a:schemeClr val="bg1"/>
+                        </a:solidFill>
+                        <a:ln>
+                          <a:noFill/>
+                        </a:ln>
+                      </p:spPr>
+                      <p:style>
+                        <a:lnRef idx="2">
+                          <a:schemeClr val="accent1">
+                            <a:shade val="50000"/>
+                          </a:schemeClr>
+                        </a:lnRef>
+                        <a:fillRef idx="1">
+                          <a:schemeClr val="accent1"/>
+                        </a:fillRef>
+                        <a:effectRef idx="0">
+                          <a:schemeClr val="accent1"/>
+                        </a:effectRef>
+                        <a:fontRef idx="minor">
+                          <a:schemeClr val="lt1"/>
+                        </a:fontRef>
+                      </p:style>
+                      <p:txBody>
+                        <a:bodyPr rtlCol="0" anchor="ctr"/>
+                        <a:lstStyle/>
+                        <a:p>
+                          <a:pPr algn="ctr"/>
+                          <a:endParaRPr lang="zh-TW" altLang="en-US"/>
+                        </a:p>
+                      </p:txBody>
+                    </p:sp>
+                    <p:sp>
+                      <p:nvSpPr>
+                        <p:cNvPr id="24" name="矩形 23">
+                          <a:extLst>
+                            <a:ext uri="{FF2B5EF4-FFF2-40B4-BE49-F238E27FC236}">
+                              <a16:creationId xmlns:a16="http://schemas.microsoft.com/office/drawing/2014/main" id="{8BEFAB9F-41B3-4DBD-8C80-4F91A17989E0}"/>
+                            </a:ext>
+                          </a:extLst>
+                        </p:cNvPr>
+                        <p:cNvSpPr/>
+                        <p:nvPr/>
+                      </p:nvSpPr>
+                      <p:spPr>
+                        <a:xfrm>
+                          <a:off x="2683143" y="534488"/>
+                          <a:ext cx="1622689" cy="316611"/>
+                        </a:xfrm>
+                        <a:prstGeom prst="rect">
+                          <a:avLst/>
+                        </a:prstGeom>
+                        <a:solidFill>
+                          <a:schemeClr val="bg1"/>
+                        </a:solidFill>
+                        <a:ln>
+                          <a:noFill/>
+                        </a:ln>
+                      </p:spPr>
+                      <p:style>
+                        <a:lnRef idx="2">
+                          <a:schemeClr val="accent1">
+                            <a:shade val="50000"/>
+                          </a:schemeClr>
+                        </a:lnRef>
+                        <a:fillRef idx="1">
+                          <a:schemeClr val="accent1"/>
+                        </a:fillRef>
+                        <a:effectRef idx="0">
+                          <a:schemeClr val="accent1"/>
+                        </a:effectRef>
+                        <a:fontRef idx="minor">
+                          <a:schemeClr val="lt1"/>
+                        </a:fontRef>
+                      </p:style>
+                      <p:txBody>
+                        <a:bodyPr rtlCol="0" anchor="ctr"/>
+                        <a:lstStyle/>
+                        <a:p>
+                          <a:pPr algn="ctr"/>
+                          <a:endParaRPr lang="zh-TW" altLang="en-US" dirty="0"/>
+                        </a:p>
+                      </p:txBody>
+                    </p:sp>
+                    <p:sp>
+                      <p:nvSpPr>
+                        <p:cNvPr id="27" name="矩形 26">
+                          <a:extLst>
+                            <a:ext uri="{FF2B5EF4-FFF2-40B4-BE49-F238E27FC236}">
+                              <a16:creationId xmlns:a16="http://schemas.microsoft.com/office/drawing/2014/main" id="{B536DB4F-120C-489D-BFA7-5EDAE4678C94}"/>
+                            </a:ext>
+                          </a:extLst>
+                        </p:cNvPr>
+                        <p:cNvSpPr/>
+                        <p:nvPr/>
+                      </p:nvSpPr>
+                      <p:spPr>
+                        <a:xfrm>
+                          <a:off x="5404732" y="534488"/>
+                          <a:ext cx="1622689" cy="316611"/>
+                        </a:xfrm>
+                        <a:prstGeom prst="rect">
+                          <a:avLst/>
+                        </a:prstGeom>
+                        <a:solidFill>
+                          <a:schemeClr val="bg1"/>
+                        </a:solidFill>
+                        <a:ln>
+                          <a:noFill/>
+                        </a:ln>
+                      </p:spPr>
+                      <p:style>
+                        <a:lnRef idx="2">
+                          <a:schemeClr val="accent1">
+                            <a:shade val="50000"/>
+                          </a:schemeClr>
+                        </a:lnRef>
+                        <a:fillRef idx="1">
+                          <a:schemeClr val="accent1"/>
+                        </a:fillRef>
+                        <a:effectRef idx="0">
+                          <a:schemeClr val="accent1"/>
+                        </a:effectRef>
+                        <a:fontRef idx="minor">
+                          <a:schemeClr val="lt1"/>
+                        </a:fontRef>
+                      </p:style>
+                      <p:txBody>
+                        <a:bodyPr rtlCol="0" anchor="ctr"/>
+                        <a:lstStyle/>
+                        <a:p>
+                          <a:pPr algn="ctr"/>
+                          <a:endParaRPr lang="zh-TW" altLang="en-US" dirty="0"/>
+                        </a:p>
+                      </p:txBody>
+                    </p:sp>
+                    <p:sp>
+                      <p:nvSpPr>
+                        <p:cNvPr id="28" name="矩形 27">
+                          <a:extLst>
+                            <a:ext uri="{FF2B5EF4-FFF2-40B4-BE49-F238E27FC236}">
+                              <a16:creationId xmlns:a16="http://schemas.microsoft.com/office/drawing/2014/main" id="{C18C1A82-D3C6-4C61-B0A8-037AB77D0EB0}"/>
+                            </a:ext>
+                          </a:extLst>
+                        </p:cNvPr>
+                        <p:cNvSpPr/>
+                        <p:nvPr/>
+                      </p:nvSpPr>
+                      <p:spPr>
+                        <a:xfrm>
+                          <a:off x="8113083" y="534488"/>
+                          <a:ext cx="1622689" cy="316611"/>
+                        </a:xfrm>
+                        <a:prstGeom prst="rect">
+                          <a:avLst/>
+                        </a:prstGeom>
+                        <a:solidFill>
+                          <a:schemeClr val="bg1"/>
+                        </a:solidFill>
+                        <a:ln>
+                          <a:noFill/>
+                        </a:ln>
+                      </p:spPr>
+                      <p:style>
+                        <a:lnRef idx="2">
+                          <a:schemeClr val="accent1">
+                            <a:shade val="50000"/>
+                          </a:schemeClr>
+                        </a:lnRef>
+                        <a:fillRef idx="1">
+                          <a:schemeClr val="accent1"/>
+                        </a:fillRef>
+                        <a:effectRef idx="0">
+                          <a:schemeClr val="accent1"/>
+                        </a:effectRef>
+                        <a:fontRef idx="minor">
+                          <a:schemeClr val="lt1"/>
+                        </a:fontRef>
+                      </p:style>
+                      <p:txBody>
+                        <a:bodyPr rtlCol="0" anchor="ctr"/>
+                        <a:lstStyle/>
+                        <a:p>
+                          <a:pPr algn="ctr"/>
+                          <a:endParaRPr lang="zh-TW" altLang="en-US" dirty="0"/>
+                        </a:p>
+                      </p:txBody>
+                    </p:sp>
+                  </p:grpSp>
+                  <p:sp>
+                    <p:nvSpPr>
+                      <p:cNvPr id="10" name="文字方塊 9">
+                        <a:extLst>
+                          <a:ext uri="{FF2B5EF4-FFF2-40B4-BE49-F238E27FC236}">
+                            <a16:creationId xmlns:a16="http://schemas.microsoft.com/office/drawing/2014/main" id="{7995D3D4-B503-4A9C-922D-F768323A21B3}"/>
+                          </a:ext>
+                        </a:extLst>
+                      </p:cNvPr>
+                      <p:cNvSpPr txBox="1"/>
+                      <p:nvPr/>
+                    </p:nvSpPr>
+                    <p:spPr>
+                      <a:xfrm>
+                        <a:off x="2292161" y="851098"/>
+                        <a:ext cx="2355200" cy="2492990"/>
+                      </a:xfrm>
+                      <a:prstGeom prst="rect">
+                        <a:avLst/>
+                      </a:prstGeom>
+                      <a:noFill/>
+                    </p:spPr>
+                    <p:txBody>
+                      <a:bodyPr wrap="square" rtlCol="0">
+                        <a:spAutoFit/>
+                      </a:bodyPr>
+                      <a:lstStyle/>
+                      <a:p>
+                        <a:pPr lvl="0"/>
+                        <a:r>
+                          <a:rPr lang="zh-TW" altLang="en-US" sz="1300" dirty="0">
+                            <a:solidFill>
+                              <a:srgbClr val="515151"/>
+                            </a:solidFill>
+                            <a:latin typeface="微軟正黑體 Light" panose="020B0304030504040204" pitchFamily="34" charset="-120"/>
+                            <a:ea typeface="微軟正黑體 Light" panose="020B0304030504040204" pitchFamily="34" charset="-120"/>
+                          </a:rPr>
+                          <a:t>．</a:t>
+                        </a:r>
+                        <a:r>
+                          <a:rPr lang="zh-TW" altLang="zh-TW" sz="1300" dirty="0">
+                            <a:solidFill>
+                              <a:srgbClr val="515151"/>
+                            </a:solidFill>
+                            <a:latin typeface="微軟正黑體 Light" panose="020B0304030504040204" pitchFamily="34" charset="-120"/>
+                            <a:ea typeface="微軟正黑體 Light" panose="020B0304030504040204" pitchFamily="34" charset="-120"/>
+                          </a:rPr>
+                          <a:t>禁止使用童工和不強迫勞動</a:t>
+                        </a:r>
+                        <a:r>
+                          <a:rPr lang="zh-TW" altLang="en-US" sz="1300" dirty="0">
+                            <a:solidFill>
+                              <a:srgbClr val="515151"/>
+                            </a:solidFill>
+                            <a:latin typeface="微軟正黑體 Light" panose="020B0304030504040204" pitchFamily="34" charset="-120"/>
+                            <a:ea typeface="微軟正黑體 Light" panose="020B0304030504040204" pitchFamily="34" charset="-120"/>
+                          </a:rPr>
+                          <a:t>。</a:t>
+                        </a:r>
+                        <a:endParaRPr lang="zh-TW" altLang="zh-TW" sz="1300" dirty="0">
+                          <a:solidFill>
+                            <a:srgbClr val="515151"/>
+                          </a:solidFill>
+                          <a:latin typeface="微軟正黑體 Light" panose="020B0304030504040204" pitchFamily="34" charset="-120"/>
+                          <a:ea typeface="微軟正黑體 Light" panose="020B0304030504040204" pitchFamily="34" charset="-120"/>
+                        </a:endParaRPr>
+                      </a:p>
+                      <a:p>
+                        <a:pPr lvl="0"/>
+                        <a:r>
+                          <a:rPr lang="zh-TW" altLang="en-US" sz="1300" dirty="0">
+                            <a:solidFill>
+                              <a:srgbClr val="515151"/>
+                            </a:solidFill>
+                            <a:latin typeface="微軟正黑體 Light" panose="020B0304030504040204" pitchFamily="34" charset="-120"/>
+                            <a:ea typeface="微軟正黑體 Light" panose="020B0304030504040204" pitchFamily="34" charset="-120"/>
+                          </a:rPr>
+                          <a:t>．</a:t>
+                        </a:r>
+                        <a:r>
+                          <a:rPr lang="zh-TW" altLang="zh-TW" sz="1300" dirty="0">
+                            <a:solidFill>
+                              <a:srgbClr val="515151"/>
+                            </a:solidFill>
+                            <a:latin typeface="微軟正黑體 Light" panose="020B0304030504040204" pitchFamily="34" charset="-120"/>
+                            <a:ea typeface="微軟正黑體 Light" panose="020B0304030504040204" pitchFamily="34" charset="-120"/>
+                          </a:rPr>
+                          <a:t>維護社區關係與減少負面影響</a:t>
+                        </a:r>
+                        <a:r>
+                          <a:rPr lang="zh-TW" altLang="en-US" sz="1300" dirty="0">
+                            <a:solidFill>
+                              <a:srgbClr val="515151"/>
+                            </a:solidFill>
+                            <a:latin typeface="微軟正黑體 Light" panose="020B0304030504040204" pitchFamily="34" charset="-120"/>
+                            <a:ea typeface="微軟正黑體 Light" panose="020B0304030504040204" pitchFamily="34" charset="-120"/>
+                          </a:rPr>
+                          <a:t>。</a:t>
+                        </a:r>
+                        <a:endParaRPr lang="zh-TW" altLang="zh-TW" sz="1300" dirty="0">
+                          <a:solidFill>
+                            <a:srgbClr val="515151"/>
+                          </a:solidFill>
+                          <a:latin typeface="微軟正黑體 Light" panose="020B0304030504040204" pitchFamily="34" charset="-120"/>
+                          <a:ea typeface="微軟正黑體 Light" panose="020B0304030504040204" pitchFamily="34" charset="-120"/>
+                        </a:endParaRPr>
+                      </a:p>
+                      <a:p>
+                        <a:pPr lvl="0"/>
+                        <a:r>
+                          <a:rPr lang="zh-TW" altLang="en-US" sz="1300" dirty="0">
+                            <a:solidFill>
+                              <a:srgbClr val="515151"/>
+                            </a:solidFill>
+                            <a:latin typeface="微軟正黑體 Light" panose="020B0304030504040204" pitchFamily="34" charset="-120"/>
+                            <a:ea typeface="微軟正黑體 Light" panose="020B0304030504040204" pitchFamily="34" charset="-120"/>
+                          </a:rPr>
+                          <a:t>．</a:t>
+                        </a:r>
+                        <a:r>
+                          <a:rPr lang="zh-TW" altLang="zh-TW" sz="1300" dirty="0">
+                            <a:solidFill>
+                              <a:srgbClr val="515151"/>
+                            </a:solidFill>
+                            <a:latin typeface="微軟正黑體 Light" panose="020B0304030504040204" pitchFamily="34" charset="-120"/>
+                            <a:ea typeface="微軟正黑體 Light" panose="020B0304030504040204" pitchFamily="34" charset="-120"/>
+                          </a:rPr>
+                          <a:t>不與受衝突影響地區有所關連</a:t>
+                        </a:r>
+                        <a:r>
+                          <a:rPr lang="zh-TW" altLang="en-US" sz="1300" dirty="0">
+                            <a:solidFill>
+                              <a:srgbClr val="515151"/>
+                            </a:solidFill>
+                            <a:latin typeface="微軟正黑體 Light" panose="020B0304030504040204" pitchFamily="34" charset="-120"/>
+                            <a:ea typeface="微軟正黑體 Light" panose="020B0304030504040204" pitchFamily="34" charset="-120"/>
+                          </a:rPr>
+                          <a:t>。</a:t>
+                        </a:r>
+                        <a:endParaRPr lang="zh-TW" altLang="zh-TW" sz="1300" dirty="0">
+                          <a:solidFill>
+                            <a:srgbClr val="515151"/>
+                          </a:solidFill>
+                          <a:latin typeface="微軟正黑體 Light" panose="020B0304030504040204" pitchFamily="34" charset="-120"/>
+                          <a:ea typeface="微軟正黑體 Light" panose="020B0304030504040204" pitchFamily="34" charset="-120"/>
+                        </a:endParaRPr>
+                      </a:p>
+                      <a:p>
+                        <a:pPr lvl="0"/>
+                        <a:r>
+                          <a:rPr lang="zh-TW" altLang="en-US" sz="1300" dirty="0">
+                            <a:solidFill>
+                              <a:srgbClr val="515151"/>
+                            </a:solidFill>
+                            <a:latin typeface="微軟正黑體 Light" panose="020B0304030504040204" pitchFamily="34" charset="-120"/>
+                            <a:ea typeface="微軟正黑體 Light" panose="020B0304030504040204" pitchFamily="34" charset="-120"/>
+                          </a:rPr>
+                          <a:t>．</a:t>
+                        </a:r>
+                        <a:r>
+                          <a:rPr lang="zh-TW" altLang="zh-TW" sz="1300" dirty="0">
+                            <a:solidFill>
+                              <a:srgbClr val="515151"/>
+                            </a:solidFill>
+                            <a:latin typeface="微軟正黑體 Light" panose="020B0304030504040204" pitchFamily="34" charset="-120"/>
+                            <a:ea typeface="微軟正黑體 Light" panose="020B0304030504040204" pitchFamily="34" charset="-120"/>
+                          </a:rPr>
+                          <a:t>不使用衝突礦產</a:t>
+                        </a:r>
+                        <a:r>
+                          <a:rPr lang="zh-TW" altLang="en-US" sz="1300" dirty="0">
+                            <a:solidFill>
+                              <a:srgbClr val="515151"/>
+                            </a:solidFill>
+                            <a:latin typeface="微軟正黑體 Light" panose="020B0304030504040204" pitchFamily="34" charset="-120"/>
+                            <a:ea typeface="微軟正黑體 Light" panose="020B0304030504040204" pitchFamily="34" charset="-120"/>
+                          </a:rPr>
+                          <a:t>。</a:t>
+                        </a:r>
+                        <a:endParaRPr lang="zh-TW" altLang="zh-TW" sz="1300" dirty="0">
+                          <a:solidFill>
+                            <a:srgbClr val="515151"/>
+                          </a:solidFill>
+                          <a:latin typeface="微軟正黑體 Light" panose="020B0304030504040204" pitchFamily="34" charset="-120"/>
+                          <a:ea typeface="微軟正黑體 Light" panose="020B0304030504040204" pitchFamily="34" charset="-120"/>
+                        </a:endParaRPr>
+                      </a:p>
+                      <a:p>
+                        <a:pPr lvl="0"/>
+                        <a:r>
+                          <a:rPr lang="zh-TW" altLang="en-US" sz="1300" dirty="0">
+                            <a:solidFill>
+                              <a:srgbClr val="515151"/>
+                            </a:solidFill>
+                            <a:latin typeface="微軟正黑體 Light" panose="020B0304030504040204" pitchFamily="34" charset="-120"/>
+                            <a:ea typeface="微軟正黑體 Light" panose="020B0304030504040204" pitchFamily="34" charset="-120"/>
+                          </a:rPr>
+                          <a:t>．</a:t>
+                        </a:r>
+                        <a:r>
+                          <a:rPr lang="zh-TW" altLang="zh-TW" sz="1300" dirty="0">
+                            <a:solidFill>
+                              <a:srgbClr val="515151"/>
+                            </a:solidFill>
+                            <a:latin typeface="微軟正黑體 Light" panose="020B0304030504040204" pitchFamily="34" charset="-120"/>
+                            <a:ea typeface="微軟正黑體 Light" panose="020B0304030504040204" pitchFamily="34" charset="-120"/>
+                          </a:rPr>
+                          <a:t>禁止歧視、騷擾、虐待</a:t>
+                        </a:r>
+                        <a:r>
+                          <a:rPr lang="zh-TW" altLang="en-US" sz="1300" dirty="0">
+                            <a:solidFill>
+                              <a:srgbClr val="515151"/>
+                            </a:solidFill>
+                            <a:latin typeface="微軟正黑體 Light" panose="020B0304030504040204" pitchFamily="34" charset="-120"/>
+                            <a:ea typeface="微軟正黑體 Light" panose="020B0304030504040204" pitchFamily="34" charset="-120"/>
+                          </a:rPr>
+                          <a:t>。</a:t>
+                        </a:r>
+                        <a:endParaRPr lang="zh-TW" altLang="zh-TW" sz="1300" dirty="0">
+                          <a:solidFill>
+                            <a:srgbClr val="515151"/>
+                          </a:solidFill>
+                          <a:latin typeface="微軟正黑體 Light" panose="020B0304030504040204" pitchFamily="34" charset="-120"/>
+                          <a:ea typeface="微軟正黑體 Light" panose="020B0304030504040204" pitchFamily="34" charset="-120"/>
+                        </a:endParaRPr>
+                      </a:p>
+                      <a:p>
+                        <a:pPr lvl="0"/>
+                        <a:r>
+                          <a:rPr lang="zh-TW" altLang="en-US" sz="1300" dirty="0">
+                            <a:solidFill>
+                              <a:srgbClr val="515151"/>
+                            </a:solidFill>
+                            <a:latin typeface="微軟正黑體 Light" panose="020B0304030504040204" pitchFamily="34" charset="-120"/>
+                            <a:ea typeface="微軟正黑體 Light" panose="020B0304030504040204" pitchFamily="34" charset="-120"/>
+                          </a:rPr>
+                          <a:t>．</a:t>
+                        </a:r>
+                        <a:r>
+                          <a:rPr lang="zh-TW" altLang="zh-TW" sz="1300" dirty="0">
+                            <a:solidFill>
+                              <a:srgbClr val="515151"/>
+                            </a:solidFill>
+                            <a:latin typeface="微軟正黑體 Light" panose="020B0304030504040204" pitchFamily="34" charset="-120"/>
+                            <a:ea typeface="微軟正黑體 Light" panose="020B0304030504040204" pitchFamily="34" charset="-120"/>
+                          </a:rPr>
+                          <a:t>適當之懲戒措施及紀錄</a:t>
+                        </a:r>
+                        <a:r>
+                          <a:rPr lang="zh-TW" altLang="en-US" sz="1300" dirty="0">
+                            <a:solidFill>
+                              <a:srgbClr val="515151"/>
+                            </a:solidFill>
+                            <a:latin typeface="微軟正黑體 Light" panose="020B0304030504040204" pitchFamily="34" charset="-120"/>
+                            <a:ea typeface="微軟正黑體 Light" panose="020B0304030504040204" pitchFamily="34" charset="-120"/>
+                          </a:rPr>
+                          <a:t>。</a:t>
+                        </a:r>
+                        <a:endParaRPr lang="zh-TW" altLang="zh-TW" sz="1300" dirty="0">
+                          <a:solidFill>
+                            <a:srgbClr val="515151"/>
+                          </a:solidFill>
+                          <a:latin typeface="微軟正黑體 Light" panose="020B0304030504040204" pitchFamily="34" charset="-120"/>
+                          <a:ea typeface="微軟正黑體 Light" panose="020B0304030504040204" pitchFamily="34" charset="-120"/>
+                        </a:endParaRPr>
+                      </a:p>
+                      <a:p>
+                        <a:pPr lvl="0"/>
+                        <a:r>
+                          <a:rPr lang="zh-TW" altLang="en-US" sz="1300" dirty="0">
+                            <a:solidFill>
+                              <a:srgbClr val="515151"/>
+                            </a:solidFill>
+                            <a:latin typeface="微軟正黑體 Light" panose="020B0304030504040204" pitchFamily="34" charset="-120"/>
+                            <a:ea typeface="微軟正黑體 Light" panose="020B0304030504040204" pitchFamily="34" charset="-120"/>
+                          </a:rPr>
+                          <a:t>．</a:t>
+                        </a:r>
+                        <a:r>
+                          <a:rPr lang="zh-TW" altLang="zh-TW" sz="1300" dirty="0">
+                            <a:solidFill>
+                              <a:srgbClr val="515151"/>
+                            </a:solidFill>
+                            <a:latin typeface="微軟正黑體 Light" panose="020B0304030504040204" pitchFamily="34" charset="-120"/>
+                            <a:ea typeface="微軟正黑體 Light" panose="020B0304030504040204" pitchFamily="34" charset="-120"/>
+                          </a:rPr>
+                          <a:t>擁有結社自由和集體談判權</a:t>
+                        </a:r>
+                        <a:r>
+                          <a:rPr lang="zh-TW" altLang="en-US" sz="1300" dirty="0">
+                            <a:solidFill>
+                              <a:srgbClr val="515151"/>
+                            </a:solidFill>
+                            <a:latin typeface="微軟正黑體 Light" panose="020B0304030504040204" pitchFamily="34" charset="-120"/>
+                            <a:ea typeface="微軟正黑體 Light" panose="020B0304030504040204" pitchFamily="34" charset="-120"/>
+                          </a:rPr>
+                          <a:t>。</a:t>
+                        </a:r>
+                        <a:endParaRPr lang="zh-TW" altLang="zh-TW" sz="1300" dirty="0">
+                          <a:solidFill>
+                            <a:srgbClr val="515151"/>
+                          </a:solidFill>
+                          <a:latin typeface="微軟正黑體 Light" panose="020B0304030504040204" pitchFamily="34" charset="-120"/>
+                          <a:ea typeface="微軟正黑體 Light" panose="020B0304030504040204" pitchFamily="34" charset="-120"/>
+                        </a:endParaRPr>
+                      </a:p>
+                      <a:p>
+                        <a:pPr lvl="0"/>
+                        <a:r>
+                          <a:rPr lang="zh-TW" altLang="en-US" sz="1300" dirty="0">
+                            <a:solidFill>
+                              <a:srgbClr val="515151"/>
+                            </a:solidFill>
+                            <a:latin typeface="微軟正黑體 Light" panose="020B0304030504040204" pitchFamily="34" charset="-120"/>
+                            <a:ea typeface="微軟正黑體 Light" panose="020B0304030504040204" pitchFamily="34" charset="-120"/>
+                          </a:rPr>
+                          <a:t>．</a:t>
+                        </a:r>
+                        <a:r>
+                          <a:rPr lang="zh-TW" altLang="zh-TW" sz="1300" dirty="0">
+                            <a:solidFill>
+                              <a:srgbClr val="515151"/>
+                            </a:solidFill>
+                            <a:latin typeface="微軟正黑體 Light" panose="020B0304030504040204" pitchFamily="34" charset="-120"/>
+                            <a:ea typeface="微軟正黑體 Light" panose="020B0304030504040204" pitchFamily="34" charset="-120"/>
+                          </a:rPr>
+                          <a:t>提供健康和安全之工作環境</a:t>
+                        </a:r>
+                        <a:r>
+                          <a:rPr lang="zh-TW" altLang="en-US" sz="1300" dirty="0">
+                            <a:solidFill>
+                              <a:srgbClr val="515151"/>
+                            </a:solidFill>
+                            <a:latin typeface="微軟正黑體 Light" panose="020B0304030504040204" pitchFamily="34" charset="-120"/>
+                            <a:ea typeface="微軟正黑體 Light" panose="020B0304030504040204" pitchFamily="34" charset="-120"/>
+                          </a:rPr>
+                          <a:t>。</a:t>
+                        </a:r>
+                        <a:endParaRPr lang="zh-TW" altLang="zh-TW" sz="1300" dirty="0">
+                          <a:solidFill>
+                            <a:srgbClr val="515151"/>
+                          </a:solidFill>
+                          <a:latin typeface="微軟正黑體 Light" panose="020B0304030504040204" pitchFamily="34" charset="-120"/>
+                          <a:ea typeface="微軟正黑體 Light" panose="020B0304030504040204" pitchFamily="34" charset="-120"/>
+                        </a:endParaRPr>
+                      </a:p>
+                      <a:p>
+                        <a:pPr lvl="0"/>
+                        <a:r>
+                          <a:rPr lang="zh-TW" altLang="en-US" sz="1300" dirty="0">
+                            <a:solidFill>
+                              <a:srgbClr val="515151"/>
+                            </a:solidFill>
+                            <a:latin typeface="微軟正黑體 Light" panose="020B0304030504040204" pitchFamily="34" charset="-120"/>
+                            <a:ea typeface="微軟正黑體 Light" panose="020B0304030504040204" pitchFamily="34" charset="-120"/>
+                          </a:rPr>
+                          <a:t>．</a:t>
+                        </a:r>
+                        <a:r>
+                          <a:rPr lang="zh-TW" altLang="zh-TW" sz="1300" dirty="0">
+                            <a:solidFill>
+                              <a:srgbClr val="515151"/>
+                            </a:solidFill>
+                            <a:latin typeface="微軟正黑體 Light" panose="020B0304030504040204" pitchFamily="34" charset="-120"/>
+                            <a:ea typeface="微軟正黑體 Light" panose="020B0304030504040204" pitchFamily="34" charset="-120"/>
+                          </a:rPr>
+                          <a:t>注重聘僱措施</a:t>
+                        </a:r>
+                        <a:r>
+                          <a:rPr lang="zh-TW" altLang="en-US" sz="1300" dirty="0">
+                            <a:solidFill>
+                              <a:srgbClr val="515151"/>
+                            </a:solidFill>
+                            <a:latin typeface="微軟正黑體 Light" panose="020B0304030504040204" pitchFamily="34" charset="-120"/>
+                            <a:ea typeface="微軟正黑體 Light" panose="020B0304030504040204" pitchFamily="34" charset="-120"/>
+                          </a:rPr>
+                          <a:t>。</a:t>
+                        </a:r>
+                        <a:endParaRPr lang="zh-TW" altLang="zh-TW" sz="1300" dirty="0">
+                          <a:solidFill>
+                            <a:srgbClr val="515151"/>
+                          </a:solidFill>
+                          <a:latin typeface="微軟正黑體 Light" panose="020B0304030504040204" pitchFamily="34" charset="-120"/>
+                          <a:ea typeface="微軟正黑體 Light" panose="020B0304030504040204" pitchFamily="34" charset="-120"/>
+                        </a:endParaRPr>
+                      </a:p>
+                      <a:p>
+                        <a:pPr lvl="0"/>
+                        <a:r>
+                          <a:rPr lang="zh-TW" altLang="en-US" sz="1300" dirty="0">
+                            <a:solidFill>
+                              <a:srgbClr val="515151"/>
+                            </a:solidFill>
+                            <a:latin typeface="微軟正黑體 Light" panose="020B0304030504040204" pitchFamily="34" charset="-120"/>
+                            <a:ea typeface="微軟正黑體 Light" panose="020B0304030504040204" pitchFamily="34" charset="-120"/>
+                          </a:rPr>
+                          <a:t>．</a:t>
+                        </a:r>
+                        <a:r>
+                          <a:rPr lang="zh-TW" altLang="zh-TW" sz="1300" dirty="0">
+                            <a:solidFill>
+                              <a:srgbClr val="515151"/>
+                            </a:solidFill>
+                            <a:latin typeface="微軟正黑體 Light" panose="020B0304030504040204" pitchFamily="34" charset="-120"/>
+                            <a:ea typeface="微軟正黑體 Light" panose="020B0304030504040204" pitchFamily="34" charset="-120"/>
+                          </a:rPr>
+                          <a:t>合法及合理之薪酬、工時</a:t>
+                        </a:r>
+                        <a:r>
+                          <a:rPr lang="zh-TW" altLang="en-US" sz="1300" dirty="0">
+                            <a:solidFill>
+                              <a:srgbClr val="515151"/>
+                            </a:solidFill>
+                            <a:latin typeface="微軟正黑體 Light" panose="020B0304030504040204" pitchFamily="34" charset="-120"/>
+                            <a:ea typeface="微軟正黑體 Light" panose="020B0304030504040204" pitchFamily="34" charset="-120"/>
+                          </a:rPr>
+                          <a:t>。</a:t>
+                        </a:r>
+                        <a:endParaRPr lang="zh-TW" altLang="zh-TW" sz="1300" dirty="0">
+                          <a:solidFill>
+                            <a:srgbClr val="515151"/>
+                          </a:solidFill>
+                          <a:latin typeface="微軟正黑體 Light" panose="020B0304030504040204" pitchFamily="34" charset="-120"/>
+                          <a:ea typeface="微軟正黑體 Light" panose="020B0304030504040204" pitchFamily="34" charset="-120"/>
+                        </a:endParaRPr>
+                      </a:p>
+                      <a:p>
+                        <a:pPr lvl="0"/>
+                        <a:r>
+                          <a:rPr lang="zh-TW" altLang="en-US" sz="1300" dirty="0">
+                            <a:solidFill>
+                              <a:srgbClr val="515151"/>
+                            </a:solidFill>
+                            <a:latin typeface="微軟正黑體 Light" panose="020B0304030504040204" pitchFamily="34" charset="-120"/>
+                            <a:ea typeface="微軟正黑體 Light" panose="020B0304030504040204" pitchFamily="34" charset="-120"/>
+                          </a:rPr>
+                          <a:t>．</a:t>
+                        </a:r>
+                        <a:r>
+                          <a:rPr lang="zh-TW" altLang="zh-TW" sz="1300" dirty="0">
+                            <a:solidFill>
+                              <a:srgbClr val="515151"/>
+                            </a:solidFill>
+                            <a:latin typeface="微軟正黑體 Light" panose="020B0304030504040204" pitchFamily="34" charset="-120"/>
+                            <a:ea typeface="微軟正黑體 Light" panose="020B0304030504040204" pitchFamily="34" charset="-120"/>
+                          </a:rPr>
+                          <a:t>安全措施以規避風險</a:t>
+                        </a:r>
+                        <a:r>
+                          <a:rPr lang="zh-TW" altLang="en-US" sz="1300" dirty="0">
+                            <a:solidFill>
+                              <a:srgbClr val="515151"/>
+                            </a:solidFill>
+                            <a:latin typeface="微軟正黑體 Light" panose="020B0304030504040204" pitchFamily="34" charset="-120"/>
+                            <a:ea typeface="微軟正黑體 Light" panose="020B0304030504040204" pitchFamily="34" charset="-120"/>
+                          </a:rPr>
+                          <a:t>。</a:t>
+                        </a:r>
+                        <a:endParaRPr lang="zh-TW" altLang="zh-TW" sz="1300" dirty="0">
+                          <a:solidFill>
+                            <a:srgbClr val="515151"/>
+                          </a:solidFill>
+                          <a:latin typeface="微軟正黑體 Light" panose="020B0304030504040204" pitchFamily="34" charset="-120"/>
+                          <a:ea typeface="微軟正黑體 Light" panose="020B0304030504040204" pitchFamily="34" charset="-120"/>
+                        </a:endParaRPr>
+                      </a:p>
+                      <a:p>
+                        <a:endParaRPr lang="zh-TW" altLang="en-US" sz="1300" dirty="0">
+                          <a:solidFill>
+                            <a:srgbClr val="515151"/>
+                          </a:solidFill>
+                          <a:latin typeface="微軟正黑體 Light" panose="020B0304030504040204" pitchFamily="34" charset="-120"/>
+                          <a:ea typeface="微軟正黑體 Light" panose="020B0304030504040204" pitchFamily="34" charset="-120"/>
+                        </a:endParaRPr>
+                      </a:p>
+                    </p:txBody>
+                  </p:sp>
+                  <p:sp>
+                    <p:nvSpPr>
+                      <p:cNvPr id="17" name="文字方塊 16">
+                        <a:extLst>
+                          <a:ext uri="{FF2B5EF4-FFF2-40B4-BE49-F238E27FC236}">
+                            <a16:creationId xmlns:a16="http://schemas.microsoft.com/office/drawing/2014/main" id="{0586C28D-A9E9-45BA-8F7C-65B0149D9089}"/>
+                          </a:ext>
+                        </a:extLst>
+                      </p:cNvPr>
+                      <p:cNvSpPr txBox="1"/>
+                      <p:nvPr/>
+                    </p:nvSpPr>
+                    <p:spPr>
+                      <a:xfrm>
+                        <a:off x="5028512" y="1429853"/>
+                        <a:ext cx="2555101" cy="1492716"/>
+                      </a:xfrm>
+                      <a:prstGeom prst="rect">
+                        <a:avLst/>
+                      </a:prstGeom>
+                      <a:noFill/>
+                    </p:spPr>
+                    <p:txBody>
+                      <a:bodyPr wrap="square" rtlCol="0">
+                        <a:spAutoFit/>
+                      </a:bodyPr>
+                      <a:lstStyle>
+                        <a:defPPr>
+                          <a:defRPr lang="zh-TW"/>
+                        </a:defPPr>
+                        <a:lvl1pPr lvl="0">
+                          <a:defRPr sz="1500">
+                            <a:solidFill>
+                              <a:srgbClr val="515151"/>
+                            </a:solidFill>
+                            <a:latin typeface="微軟正黑體 Light" panose="020B0304030504040204" pitchFamily="34" charset="-120"/>
+                            <a:ea typeface="微軟正黑體 Light" panose="020B0304030504040204" pitchFamily="34" charset="-120"/>
+                          </a:defRPr>
+                        </a:lvl1pPr>
+                      </a:lstStyle>
+                      <a:p>
+                        <a:pPr lvl="0"/>
+                        <a:r>
+                          <a:rPr lang="zh-TW" altLang="en-US" sz="1300" dirty="0"/>
+                          <a:t>．</a:t>
+                        </a:r>
+                        <a:r>
+                          <a:rPr lang="zh-TW" altLang="zh-TW" sz="1300" dirty="0"/>
+                          <a:t>遵守環境、安全、衛生相關</a:t>
+                        </a:r>
+                        <a:endParaRPr lang="en-US" altLang="zh-TW" sz="1300" dirty="0"/>
+                      </a:p>
+                      <a:p>
+                        <a:pPr lvl="0"/>
+                        <a:r>
+                          <a:rPr lang="en-US" altLang="zh-TW" sz="1300" dirty="0"/>
+                          <a:t>   </a:t>
+                        </a:r>
+                        <a:r>
+                          <a:rPr lang="zh-TW" altLang="zh-TW" sz="1300" dirty="0"/>
+                          <a:t>法規</a:t>
+                        </a:r>
+                        <a:r>
+                          <a:rPr lang="zh-TW" altLang="en-US" sz="1300" dirty="0"/>
+                          <a:t>。</a:t>
+                        </a:r>
+                        <a:endParaRPr lang="zh-TW" altLang="zh-TW" sz="1300" dirty="0"/>
+                      </a:p>
+                      <a:p>
+                        <a:pPr lvl="0"/>
+                        <a:r>
+                          <a:rPr lang="zh-TW" altLang="en-US" sz="1300" dirty="0"/>
+                          <a:t>．</a:t>
+                        </a:r>
+                        <a:r>
+                          <a:rPr lang="zh-TW" altLang="zh-TW" sz="1300" dirty="0"/>
+                          <a:t>取得相關許可認證</a:t>
+                        </a:r>
+                        <a:r>
+                          <a:rPr lang="zh-TW" altLang="en-US" sz="1300" dirty="0"/>
+                          <a:t>。</a:t>
+                        </a:r>
+                        <a:endParaRPr lang="zh-TW" altLang="zh-TW" sz="1300" dirty="0"/>
+                      </a:p>
+                      <a:p>
+                        <a:pPr lvl="0"/>
+                        <a:r>
+                          <a:rPr lang="zh-TW" altLang="en-US" sz="1300" dirty="0"/>
+                          <a:t>．</a:t>
+                        </a:r>
+                        <a:r>
+                          <a:rPr lang="zh-TW" altLang="zh-TW" sz="1300" dirty="0"/>
+                          <a:t>預防有害物質及汙染</a:t>
+                        </a:r>
+                        <a:r>
+                          <a:rPr lang="zh-TW" altLang="en-US" sz="1300" dirty="0"/>
+                          <a:t>。</a:t>
+                        </a:r>
+                        <a:endParaRPr lang="zh-TW" altLang="zh-TW" sz="1300" dirty="0"/>
+                      </a:p>
+                      <a:p>
+                        <a:pPr lvl="0"/>
+                        <a:r>
+                          <a:rPr lang="zh-TW" altLang="en-US" sz="1300" dirty="0"/>
+                          <a:t>．</a:t>
+                        </a:r>
+                        <a:r>
+                          <a:rPr lang="zh-TW" altLang="zh-TW" sz="1300" dirty="0"/>
+                          <a:t>尋找環境友善之替代品</a:t>
+                        </a:r>
+                        <a:r>
+                          <a:rPr lang="zh-TW" altLang="en-US" sz="1300" dirty="0"/>
+                          <a:t>。</a:t>
+                        </a:r>
+                        <a:endParaRPr lang="zh-TW" altLang="zh-TW" sz="1300" dirty="0"/>
+                      </a:p>
+                      <a:p>
+                        <a:pPr lvl="0"/>
+                        <a:r>
+                          <a:rPr lang="zh-TW" altLang="en-US" sz="1300" dirty="0"/>
+                          <a:t>．</a:t>
+                        </a:r>
+                        <a:r>
+                          <a:rPr lang="zh-TW" altLang="zh-TW" sz="1300" dirty="0"/>
+                          <a:t>資源和能源之永續及有效利用</a:t>
+                        </a:r>
+                        <a:r>
+                          <a:rPr lang="zh-TW" altLang="en-US" sz="1300" dirty="0"/>
+                          <a:t>。</a:t>
+                        </a:r>
+                        <a:endParaRPr lang="zh-TW" altLang="zh-TW" sz="1300" dirty="0"/>
+                      </a:p>
+                      <a:p>
+                        <a:r>
+                          <a:rPr lang="zh-TW" altLang="en-US" sz="1300" dirty="0"/>
+                          <a:t>．</a:t>
+                        </a:r>
+                        <a:r>
+                          <a:rPr lang="zh-TW" altLang="zh-TW" sz="1300" dirty="0"/>
+                          <a:t>保護健康和環境的立即措施</a:t>
+                        </a:r>
+                        <a:r>
+                          <a:rPr lang="zh-TW" altLang="en-US" sz="1300" dirty="0"/>
+                          <a:t>。</a:t>
+                        </a:r>
+                      </a:p>
+                    </p:txBody>
+                  </p:sp>
+                  <p:sp>
+                    <p:nvSpPr>
+                      <p:cNvPr id="18" name="文字方塊 17">
+                        <a:extLst>
+                          <a:ext uri="{FF2B5EF4-FFF2-40B4-BE49-F238E27FC236}">
+                            <a16:creationId xmlns:a16="http://schemas.microsoft.com/office/drawing/2014/main" id="{82D63517-F88F-42E4-B61C-171CB34F4EEB}"/>
+                          </a:ext>
+                        </a:extLst>
+                      </p:cNvPr>
+                      <p:cNvSpPr txBox="1"/>
+                      <p:nvPr/>
+                    </p:nvSpPr>
+                    <p:spPr>
+                      <a:xfrm>
+                        <a:off x="8027343" y="968188"/>
+                        <a:ext cx="2219778" cy="1092607"/>
+                      </a:xfrm>
+                      <a:prstGeom prst="rect">
+                        <a:avLst/>
+                      </a:prstGeom>
+                      <a:noFill/>
+                    </p:spPr>
+                    <p:txBody>
+                      <a:bodyPr wrap="square" rtlCol="0">
+                        <a:spAutoFit/>
+                      </a:bodyPr>
+                      <a:lstStyle>
+                        <a:defPPr>
+                          <a:defRPr lang="zh-TW"/>
+                        </a:defPPr>
+                        <a:lvl1pPr lvl="0">
+                          <a:defRPr sz="1500">
+                            <a:solidFill>
+                              <a:srgbClr val="515151"/>
+                            </a:solidFill>
+                            <a:latin typeface="微軟正黑體 Light" panose="020B0304030504040204" pitchFamily="34" charset="-120"/>
+                            <a:ea typeface="微軟正黑體 Light" panose="020B0304030504040204" pitchFamily="34" charset="-120"/>
+                          </a:defRPr>
+                        </a:lvl1pPr>
+                      </a:lstStyle>
+                      <a:p>
+                        <a:pPr lvl="0"/>
+                        <a:r>
+                          <a:rPr lang="zh-TW" altLang="en-US" sz="1300" dirty="0"/>
+                          <a:t>．</a:t>
+                        </a:r>
+                        <a:r>
+                          <a:rPr lang="zh-TW" altLang="zh-TW" sz="1300" dirty="0"/>
+                          <a:t>提倡誠信正直和道德</a:t>
+                        </a:r>
+                        <a:r>
+                          <a:rPr lang="zh-TW" altLang="en-US" sz="1300" dirty="0"/>
+                          <a:t>。</a:t>
+                        </a:r>
+                        <a:endParaRPr lang="zh-TW" altLang="zh-TW" sz="1300" dirty="0"/>
+                      </a:p>
+                      <a:p>
+                        <a:pPr lvl="0"/>
+                        <a:r>
+                          <a:rPr lang="zh-TW" altLang="en-US" sz="1300" dirty="0"/>
+                          <a:t>．</a:t>
+                        </a:r>
+                        <a:r>
+                          <a:rPr lang="zh-TW" altLang="zh-TW" sz="1300" dirty="0"/>
+                          <a:t>對貪腐採零容忍政策</a:t>
+                        </a:r>
+                        <a:r>
+                          <a:rPr lang="zh-TW" altLang="en-US" sz="1300" dirty="0"/>
+                          <a:t>。</a:t>
+                        </a:r>
+                        <a:endParaRPr lang="zh-TW" altLang="zh-TW" sz="1300" dirty="0"/>
+                      </a:p>
+                      <a:p>
+                        <a:pPr lvl="0"/>
+                        <a:r>
+                          <a:rPr lang="zh-TW" altLang="en-US" sz="1300" dirty="0"/>
+                          <a:t>．</a:t>
+                        </a:r>
+                        <a:r>
+                          <a:rPr lang="zh-TW" altLang="zh-TW" sz="1300" dirty="0"/>
+                          <a:t>採取預防措施管控風險</a:t>
+                        </a:r>
+                        <a:r>
+                          <a:rPr lang="zh-TW" altLang="en-US" sz="1300" dirty="0"/>
+                          <a:t>。</a:t>
+                        </a:r>
+                        <a:endParaRPr lang="zh-TW" altLang="zh-TW" sz="1300" dirty="0"/>
+                      </a:p>
+                      <a:p>
+                        <a:pPr lvl="0"/>
+                        <a:r>
+                          <a:rPr lang="zh-TW" altLang="en-US" sz="1300" dirty="0"/>
+                          <a:t>．</a:t>
+                        </a:r>
+                        <a:r>
+                          <a:rPr lang="zh-TW" altLang="zh-TW" sz="1300" dirty="0"/>
+                          <a:t>提供檢舉機制</a:t>
+                        </a:r>
+                        <a:r>
+                          <a:rPr lang="zh-TW" altLang="en-US" sz="1300" dirty="0"/>
+                          <a:t>。</a:t>
+                        </a:r>
+                        <a:endParaRPr lang="zh-TW" altLang="zh-TW" sz="1300" dirty="0"/>
+                      </a:p>
+                      <a:p>
+                        <a:r>
+                          <a:rPr lang="zh-TW" altLang="en-US" sz="1300" dirty="0"/>
+                          <a:t>．</a:t>
+                        </a:r>
+                        <a:r>
+                          <a:rPr lang="zh-TW" altLang="zh-TW" sz="1300" dirty="0"/>
+                          <a:t>不違反貿易制裁</a:t>
+                        </a:r>
+                        <a:r>
+                          <a:rPr lang="zh-TW" altLang="en-US" sz="1300" dirty="0"/>
+                          <a:t>。</a:t>
+                        </a:r>
+                      </a:p>
+                    </p:txBody>
+                  </p:sp>
+                  <p:sp>
+                    <p:nvSpPr>
+                      <p:cNvPr id="19" name="矩形 18">
+                        <a:extLst>
+                          <a:ext uri="{FF2B5EF4-FFF2-40B4-BE49-F238E27FC236}">
+                            <a16:creationId xmlns:a16="http://schemas.microsoft.com/office/drawing/2014/main" id="{33196755-7C25-404A-8131-FBDB597926DB}"/>
+                          </a:ext>
+                        </a:extLst>
+                      </p:cNvPr>
+                      <p:cNvSpPr/>
+                      <p:nvPr/>
+                    </p:nvSpPr>
+                    <p:spPr>
+                      <a:xfrm>
+                        <a:off x="5114365" y="923675"/>
+                        <a:ext cx="1853561" cy="461665"/>
+                      </a:xfrm>
+                      <a:prstGeom prst="rect">
+                        <a:avLst/>
+                      </a:prstGeom>
+                    </p:spPr>
+                    <p:txBody>
+                      <a:bodyPr wrap="square">
+                        <a:spAutoFit/>
+                      </a:bodyPr>
+                      <a:lstStyle/>
+                      <a:p>
+                        <a:pPr algn="ctr">
+                          <a:spcAft>
+                            <a:spcPts val="0"/>
+                          </a:spcAft>
+                        </a:pPr>
+                        <a:r>
+                          <a:rPr lang="zh-TW" altLang="zh-TW" sz="1200" b="1" dirty="0">
+                            <a:solidFill>
+                              <a:srgbClr val="515151"/>
+                            </a:solidFill>
+                            <a:latin typeface="微軟正黑體 Light" panose="020B0304030504040204" pitchFamily="34" charset="-120"/>
+                            <a:ea typeface="微軟正黑體 Light" panose="020B0304030504040204" pitchFamily="34" charset="-120"/>
+                          </a:rPr>
+                          <a:t>減少對環境、人類健康</a:t>
+                        </a:r>
+                      </a:p>
+                      <a:p>
+                        <a:pPr algn="ctr">
+                          <a:spcAft>
+                            <a:spcPts val="0"/>
+                          </a:spcAft>
+                        </a:pPr>
+                        <a:r>
+                          <a:rPr lang="zh-TW" altLang="zh-TW" sz="1200" b="1" dirty="0">
+                            <a:solidFill>
+                              <a:srgbClr val="515151"/>
+                            </a:solidFill>
+                            <a:latin typeface="微軟正黑體 Light" panose="020B0304030504040204" pitchFamily="34" charset="-120"/>
+                            <a:ea typeface="微軟正黑體 Light" panose="020B0304030504040204" pitchFamily="34" charset="-120"/>
+                          </a:rPr>
+                          <a:t>和生活帶來之不利影響</a:t>
+                        </a:r>
+                      </a:p>
+                    </p:txBody>
+                  </p:sp>
+                </p:grpSp>
+                <p:grpSp>
+                  <p:nvGrpSpPr>
+                    <p:cNvPr id="14" name="群組 13">
                       <a:extLst>
                         <a:ext uri="{FF2B5EF4-FFF2-40B4-BE49-F238E27FC236}">
-                          <a16:creationId xmlns:a16="http://schemas.microsoft.com/office/drawing/2014/main" id="{41290578-B83F-43D6-B633-9BC609FBC6F4}"/>
+                          <a16:creationId xmlns:a16="http://schemas.microsoft.com/office/drawing/2014/main" id="{2B1FD325-F647-4A6E-86BE-15582977AA14}"/>
                         </a:ext>
                       </a:extLst>
                     </p:cNvPr>
-                    <p:cNvSpPr/>
+                    <p:cNvGrpSpPr/>
                     <p:nvPr/>
-                  </p:nvSpPr>
-                  <p:spPr>
+                  </p:nvGrpSpPr>
+                  <p:grpSpPr>
                     <a:xfrm>
-                      <a:off x="2430999" y="866957"/>
-                      <a:ext cx="1963270" cy="2124635"/>
+                      <a:off x="4913473" y="-455967"/>
+                      <a:ext cx="2584651" cy="3492719"/>
+                      <a:chOff x="4913473" y="-381786"/>
+                      <a:chExt cx="2584651" cy="3492719"/>
                     </a:xfrm>
-                    <a:prstGeom prst="rect">
-                      <a:avLst/>
-                    </a:prstGeom>
-                    <a:solidFill>
-                      <a:schemeClr val="bg1"/>
-                    </a:solidFill>
-                    <a:ln>
+                  </p:grpSpPr>
+                  <p:pic>
+                    <p:nvPicPr>
+                      <p:cNvPr id="4" name="圖片 3">
+                        <a:extLst>
+                          <a:ext uri="{FF2B5EF4-FFF2-40B4-BE49-F238E27FC236}">
+                            <a16:creationId xmlns:a16="http://schemas.microsoft.com/office/drawing/2014/main" id="{123D0510-D29D-49E4-860F-636EBBE71A67}"/>
+                          </a:ext>
+                        </a:extLst>
+                      </p:cNvPr>
+                      <p:cNvPicPr>
+                        <a:picLocks noChangeAspect="1"/>
+                      </p:cNvPicPr>
+                      <p:nvPr/>
+                    </p:nvPicPr>
+                    <p:blipFill>
+                      <a:blip r:embed="rId3">
+                        <a:extLst>
+                          <a:ext uri="{28A0092B-C50C-407E-A947-70E740481C1C}">
+                            <a14:useLocalDpi xmlns:a14="http://schemas.microsoft.com/office/drawing/2010/main" val="0"/>
+                          </a:ext>
+                        </a:extLst>
+                      </a:blip>
+                      <a:stretch>
+                        <a:fillRect/>
+                      </a:stretch>
+                    </p:blipFill>
+                    <p:spPr>
+                      <a:xfrm>
+                        <a:off x="4913473" y="-381786"/>
+                        <a:ext cx="2365052" cy="3492719"/>
+                      </a:xfrm>
+                      <a:prstGeom prst="rect">
+                        <a:avLst/>
+                      </a:prstGeom>
+                    </p:spPr>
+                  </p:pic>
+                  <p:sp>
+                    <p:nvSpPr>
+                      <p:cNvPr id="11" name="矩形 10">
+                        <a:extLst>
+                          <a:ext uri="{FF2B5EF4-FFF2-40B4-BE49-F238E27FC236}">
+                            <a16:creationId xmlns:a16="http://schemas.microsoft.com/office/drawing/2014/main" id="{5ADAE244-579C-4ADB-80DF-B36DEAD7FD97}"/>
+                          </a:ext>
+                        </a:extLst>
+                      </p:cNvPr>
+                      <p:cNvSpPr/>
+                      <p:nvPr/>
+                    </p:nvSpPr>
+                    <p:spPr>
+                      <a:xfrm>
+                        <a:off x="5811305" y="-277809"/>
+                        <a:ext cx="569387" cy="323165"/>
+                      </a:xfrm>
+                      <a:prstGeom prst="rect">
+                        <a:avLst/>
+                      </a:prstGeom>
+                    </p:spPr>
+                    <p:txBody>
+                      <a:bodyPr wrap="none">
+                        <a:spAutoFit/>
+                      </a:bodyPr>
+                      <a:lstStyle/>
+                      <a:p>
+                        <a:pPr algn="ctr">
+                          <a:spcAft>
+                            <a:spcPts val="0"/>
+                          </a:spcAft>
+                        </a:pPr>
+                        <a:r>
+                          <a:rPr lang="zh-TW" altLang="zh-TW" sz="1500" b="1" kern="100" dirty="0">
+                            <a:solidFill>
+                              <a:srgbClr val="002453"/>
+                            </a:solidFill>
+                            <a:latin typeface="微軟正黑體" panose="020B0604030504040204" pitchFamily="34" charset="-120"/>
+                            <a:ea typeface="微軟正黑體" panose="020B0604030504040204" pitchFamily="34" charset="-120"/>
+                            <a:cs typeface="Times New Roman" panose="02020603050405020304" pitchFamily="18" charset="0"/>
+                          </a:rPr>
+                          <a:t>期望</a:t>
+                        </a:r>
+                        <a:endParaRPr lang="zh-TW" altLang="zh-TW" sz="1500" kern="100" dirty="0">
+                          <a:solidFill>
+                            <a:srgbClr val="002453"/>
+                          </a:solidFill>
+                          <a:latin typeface="微軟正黑體" panose="020B0604030504040204" pitchFamily="34" charset="-120"/>
+                          <a:ea typeface="微軟正黑體" panose="020B0604030504040204" pitchFamily="34" charset="-120"/>
+                          <a:cs typeface="Times New Roman" panose="02020603050405020304" pitchFamily="18" charset="0"/>
+                        </a:endParaRPr>
+                      </a:p>
+                    </p:txBody>
+                  </p:sp>
+                  <p:sp>
+                    <p:nvSpPr>
+                      <p:cNvPr id="16" name="文字方塊 15">
+                        <a:extLst>
+                          <a:ext uri="{FF2B5EF4-FFF2-40B4-BE49-F238E27FC236}">
+                            <a16:creationId xmlns:a16="http://schemas.microsoft.com/office/drawing/2014/main" id="{EECF6175-F768-4D78-9B5E-E8325B8896E5}"/>
+                          </a:ext>
+                        </a:extLst>
+                      </p:cNvPr>
+                      <p:cNvSpPr txBox="1"/>
+                      <p:nvPr/>
+                    </p:nvSpPr>
+                    <p:spPr>
+                      <a:xfrm>
+                        <a:off x="5278346" y="149333"/>
+                        <a:ext cx="2219778" cy="1092607"/>
+                      </a:xfrm>
+                      <a:prstGeom prst="rect">
+                        <a:avLst/>
+                      </a:prstGeom>
                       <a:noFill/>
-                    </a:ln>
-                  </p:spPr>
-                  <p:style>
-                    <a:lnRef idx="2">
-                      <a:schemeClr val="accent1">
-                        <a:shade val="50000"/>
-                      </a:schemeClr>
-                    </a:lnRef>
-                    <a:fillRef idx="1">
-                      <a:schemeClr val="accent1"/>
-                    </a:fillRef>
-                    <a:effectRef idx="0">
-                      <a:schemeClr val="accent1"/>
-                    </a:effectRef>
-                    <a:fontRef idx="minor">
-                      <a:schemeClr val="lt1"/>
-                    </a:fontRef>
-                  </p:style>
-                  <p:txBody>
-                    <a:bodyPr rtlCol="0" anchor="ctr"/>
-                    <a:lstStyle/>
-                    <a:p>
-                      <a:pPr algn="ctr"/>
-                      <a:endParaRPr lang="zh-TW" altLang="en-US" dirty="0"/>
-                    </a:p>
-                  </p:txBody>
-                </p:sp>
-                <p:sp>
-                  <p:nvSpPr>
-                    <p:cNvPr id="7" name="矩形 6">
-                      <a:extLst>
-                        <a:ext uri="{FF2B5EF4-FFF2-40B4-BE49-F238E27FC236}">
-                          <a16:creationId xmlns:a16="http://schemas.microsoft.com/office/drawing/2014/main" id="{5DBA2633-5121-44E7-95D4-10BA437F190E}"/>
-                        </a:ext>
-                      </a:extLst>
-                    </p:cNvPr>
-                    <p:cNvSpPr/>
-                    <p:nvPr/>
-                  </p:nvSpPr>
-                  <p:spPr>
-                    <a:xfrm>
-                      <a:off x="5114365" y="968188"/>
-                      <a:ext cx="1963270" cy="1102659"/>
-                    </a:xfrm>
-                    <a:prstGeom prst="rect">
-                      <a:avLst/>
-                    </a:prstGeom>
-                    <a:solidFill>
-                      <a:schemeClr val="bg1"/>
-                    </a:solidFill>
-                    <a:ln>
-                      <a:noFill/>
-                    </a:ln>
-                  </p:spPr>
-                  <p:style>
-                    <a:lnRef idx="2">
-                      <a:schemeClr val="accent1">
-                        <a:shade val="50000"/>
-                      </a:schemeClr>
-                    </a:lnRef>
-                    <a:fillRef idx="1">
-                      <a:schemeClr val="accent1"/>
-                    </a:fillRef>
-                    <a:effectRef idx="0">
-                      <a:schemeClr val="accent1"/>
-                    </a:effectRef>
-                    <a:fontRef idx="minor">
-                      <a:schemeClr val="lt1"/>
-                    </a:fontRef>
-                  </p:style>
-                  <p:txBody>
-                    <a:bodyPr rtlCol="0" anchor="ctr"/>
-                    <a:lstStyle/>
-                    <a:p>
-                      <a:pPr algn="ctr"/>
-                      <a:endParaRPr lang="zh-TW" altLang="en-US"/>
-                    </a:p>
-                  </p:txBody>
-                </p:sp>
-                <p:sp>
-                  <p:nvSpPr>
-                    <p:cNvPr id="8" name="矩形 7">
-                      <a:extLst>
-                        <a:ext uri="{FF2B5EF4-FFF2-40B4-BE49-F238E27FC236}">
-                          <a16:creationId xmlns:a16="http://schemas.microsoft.com/office/drawing/2014/main" id="{AB8F7624-718A-4508-B377-A170D9B5F603}"/>
-                        </a:ext>
-                      </a:extLst>
-                    </p:cNvPr>
-                    <p:cNvSpPr/>
-                    <p:nvPr/>
-                  </p:nvSpPr>
-                  <p:spPr>
-                    <a:xfrm>
-                      <a:off x="7669306" y="968188"/>
-                      <a:ext cx="1963270" cy="1102659"/>
-                    </a:xfrm>
-                    <a:prstGeom prst="rect">
-                      <a:avLst/>
-                    </a:prstGeom>
-                    <a:solidFill>
-                      <a:schemeClr val="bg1"/>
-                    </a:solidFill>
-                    <a:ln>
-                      <a:noFill/>
-                    </a:ln>
-                  </p:spPr>
-                  <p:style>
-                    <a:lnRef idx="2">
-                      <a:schemeClr val="accent1">
-                        <a:shade val="50000"/>
-                      </a:schemeClr>
-                    </a:lnRef>
-                    <a:fillRef idx="1">
-                      <a:schemeClr val="accent1"/>
-                    </a:fillRef>
-                    <a:effectRef idx="0">
-                      <a:schemeClr val="accent1"/>
-                    </a:effectRef>
-                    <a:fontRef idx="minor">
-                      <a:schemeClr val="lt1"/>
-                    </a:fontRef>
-                  </p:style>
-                  <p:txBody>
-                    <a:bodyPr rtlCol="0" anchor="ctr"/>
-                    <a:lstStyle/>
-                    <a:p>
-                      <a:pPr algn="ctr"/>
-                      <a:endParaRPr lang="zh-TW" altLang="en-US"/>
-                    </a:p>
-                  </p:txBody>
-                </p:sp>
+                    </p:spPr>
+                    <p:txBody>
+                      <a:bodyPr wrap="square" rtlCol="0">
+                        <a:spAutoFit/>
+                      </a:bodyPr>
+                      <a:lstStyle/>
+                      <a:p>
+                        <a:pPr lvl="0"/>
+                        <a:r>
+                          <a:rPr lang="zh-TW" altLang="en-US" sz="1300" dirty="0">
+                            <a:solidFill>
+                              <a:srgbClr val="515151"/>
+                            </a:solidFill>
+                            <a:latin typeface="微軟正黑體 Light" panose="020B0304030504040204" pitchFamily="34" charset="-120"/>
+                            <a:ea typeface="微軟正黑體 Light" panose="020B0304030504040204" pitchFamily="34" charset="-120"/>
+                          </a:rPr>
+                          <a:t>．</a:t>
+                        </a:r>
+                        <a:r>
+                          <a:rPr lang="zh-TW" altLang="zh-TW" sz="1300" dirty="0">
+                            <a:solidFill>
+                              <a:srgbClr val="515151"/>
+                            </a:solidFill>
+                            <a:latin typeface="微軟正黑體 Light" panose="020B0304030504040204" pitchFamily="34" charset="-120"/>
+                            <a:ea typeface="微軟正黑體 Light" panose="020B0304030504040204" pitchFamily="34" charset="-120"/>
+                          </a:rPr>
+                          <a:t>遵守適用之法規</a:t>
+                        </a:r>
+                        <a:r>
+                          <a:rPr lang="zh-TW" altLang="en-US" sz="1300" dirty="0">
+                            <a:solidFill>
+                              <a:srgbClr val="515151"/>
+                            </a:solidFill>
+                            <a:latin typeface="微軟正黑體 Light" panose="020B0304030504040204" pitchFamily="34" charset="-120"/>
+                            <a:ea typeface="微軟正黑體 Light" panose="020B0304030504040204" pitchFamily="34" charset="-120"/>
+                          </a:rPr>
+                          <a:t>。</a:t>
+                        </a:r>
+                        <a:endParaRPr lang="zh-TW" altLang="zh-TW" sz="1300" dirty="0">
+                          <a:solidFill>
+                            <a:srgbClr val="515151"/>
+                          </a:solidFill>
+                          <a:latin typeface="微軟正黑體 Light" panose="020B0304030504040204" pitchFamily="34" charset="-120"/>
+                          <a:ea typeface="微軟正黑體 Light" panose="020B0304030504040204" pitchFamily="34" charset="-120"/>
+                        </a:endParaRPr>
+                      </a:p>
+                      <a:p>
+                        <a:pPr lvl="0"/>
+                        <a:r>
+                          <a:rPr lang="zh-TW" altLang="en-US" sz="1300" dirty="0">
+                            <a:solidFill>
+                              <a:srgbClr val="515151"/>
+                            </a:solidFill>
+                            <a:latin typeface="微軟正黑體 Light" panose="020B0304030504040204" pitchFamily="34" charset="-120"/>
+                            <a:ea typeface="微軟正黑體 Light" panose="020B0304030504040204" pitchFamily="34" charset="-120"/>
+                          </a:rPr>
+                          <a:t>．</a:t>
+                        </a:r>
+                        <a:r>
+                          <a:rPr lang="zh-TW" altLang="zh-TW" sz="1300" dirty="0">
+                            <a:solidFill>
+                              <a:srgbClr val="515151"/>
+                            </a:solidFill>
+                            <a:latin typeface="微軟正黑體 Light" panose="020B0304030504040204" pitchFamily="34" charset="-120"/>
+                            <a:ea typeface="微軟正黑體 Light" panose="020B0304030504040204" pitchFamily="34" charset="-120"/>
+                          </a:rPr>
+                          <a:t>提供申訴機制</a:t>
+                        </a:r>
+                        <a:r>
+                          <a:rPr lang="zh-TW" altLang="en-US" sz="1300" dirty="0">
+                            <a:solidFill>
+                              <a:srgbClr val="515151"/>
+                            </a:solidFill>
+                            <a:latin typeface="微軟正黑體 Light" panose="020B0304030504040204" pitchFamily="34" charset="-120"/>
+                            <a:ea typeface="微軟正黑體 Light" panose="020B0304030504040204" pitchFamily="34" charset="-120"/>
+                          </a:rPr>
+                          <a:t>。</a:t>
+                        </a:r>
+                        <a:endParaRPr lang="zh-TW" altLang="zh-TW" sz="1300" dirty="0">
+                          <a:solidFill>
+                            <a:srgbClr val="515151"/>
+                          </a:solidFill>
+                          <a:latin typeface="微軟正黑體 Light" panose="020B0304030504040204" pitchFamily="34" charset="-120"/>
+                          <a:ea typeface="微軟正黑體 Light" panose="020B0304030504040204" pitchFamily="34" charset="-120"/>
+                        </a:endParaRPr>
+                      </a:p>
+                      <a:p>
+                        <a:pPr lvl="0"/>
+                        <a:r>
+                          <a:rPr lang="zh-TW" altLang="en-US" sz="1300" dirty="0">
+                            <a:solidFill>
+                              <a:srgbClr val="515151"/>
+                            </a:solidFill>
+                            <a:latin typeface="微軟正黑體 Light" panose="020B0304030504040204" pitchFamily="34" charset="-120"/>
+                            <a:ea typeface="微軟正黑體 Light" panose="020B0304030504040204" pitchFamily="34" charset="-120"/>
+                          </a:rPr>
+                          <a:t>．</a:t>
+                        </a:r>
+                        <a:r>
+                          <a:rPr lang="zh-TW" altLang="zh-TW" sz="1300" dirty="0">
+                            <a:solidFill>
+                              <a:srgbClr val="515151"/>
+                            </a:solidFill>
+                            <a:latin typeface="微軟正黑體 Light" panose="020B0304030504040204" pitchFamily="34" charset="-120"/>
+                            <a:ea typeface="微軟正黑體 Light" panose="020B0304030504040204" pitchFamily="34" charset="-120"/>
+                          </a:rPr>
+                          <a:t>遵守本準則</a:t>
+                        </a:r>
+                        <a:r>
+                          <a:rPr lang="zh-TW" altLang="en-US" sz="1300" dirty="0">
+                            <a:solidFill>
+                              <a:srgbClr val="515151"/>
+                            </a:solidFill>
+                            <a:latin typeface="微軟正黑體 Light" panose="020B0304030504040204" pitchFamily="34" charset="-120"/>
+                            <a:ea typeface="微軟正黑體 Light" panose="020B0304030504040204" pitchFamily="34" charset="-120"/>
+                          </a:rPr>
+                          <a:t>。</a:t>
+                        </a:r>
+                        <a:endParaRPr lang="zh-TW" altLang="zh-TW" sz="1300" dirty="0">
+                          <a:solidFill>
+                            <a:srgbClr val="515151"/>
+                          </a:solidFill>
+                          <a:latin typeface="微軟正黑體 Light" panose="020B0304030504040204" pitchFamily="34" charset="-120"/>
+                          <a:ea typeface="微軟正黑體 Light" panose="020B0304030504040204" pitchFamily="34" charset="-120"/>
+                        </a:endParaRPr>
+                      </a:p>
+                      <a:p>
+                        <a:pPr lvl="0"/>
+                        <a:r>
+                          <a:rPr lang="zh-TW" altLang="en-US" sz="1300" dirty="0">
+                            <a:solidFill>
+                              <a:srgbClr val="515151"/>
+                            </a:solidFill>
+                            <a:latin typeface="微軟正黑體 Light" panose="020B0304030504040204" pitchFamily="34" charset="-120"/>
+                            <a:ea typeface="微軟正黑體 Light" panose="020B0304030504040204" pitchFamily="34" charset="-120"/>
+                          </a:rPr>
+                          <a:t>．</a:t>
+                        </a:r>
+                        <a:r>
+                          <a:rPr lang="zh-TW" altLang="zh-TW" sz="1300" dirty="0">
+                            <a:solidFill>
+                              <a:srgbClr val="515151"/>
+                            </a:solidFill>
+                            <a:latin typeface="微軟正黑體 Light" panose="020B0304030504040204" pitchFamily="34" charset="-120"/>
+                            <a:ea typeface="微軟正黑體 Light" panose="020B0304030504040204" pitchFamily="34" charset="-120"/>
+                          </a:rPr>
+                          <a:t>採取盡職調查</a:t>
+                        </a:r>
+                        <a:r>
+                          <a:rPr lang="zh-TW" altLang="en-US" sz="1300" dirty="0">
+                            <a:solidFill>
+                              <a:srgbClr val="515151"/>
+                            </a:solidFill>
+                            <a:latin typeface="微軟正黑體 Light" panose="020B0304030504040204" pitchFamily="34" charset="-120"/>
+                            <a:ea typeface="微軟正黑體 Light" panose="020B0304030504040204" pitchFamily="34" charset="-120"/>
+                          </a:rPr>
+                          <a:t>。</a:t>
+                        </a:r>
+                        <a:endParaRPr lang="zh-TW" altLang="zh-TW" sz="1300" dirty="0">
+                          <a:solidFill>
+                            <a:srgbClr val="515151"/>
+                          </a:solidFill>
+                          <a:latin typeface="微軟正黑體 Light" panose="020B0304030504040204" pitchFamily="34" charset="-120"/>
+                          <a:ea typeface="微軟正黑體 Light" panose="020B0304030504040204" pitchFamily="34" charset="-120"/>
+                        </a:endParaRPr>
+                      </a:p>
+                      <a:p>
+                        <a:pPr lvl="0"/>
+                        <a:r>
+                          <a:rPr lang="zh-TW" altLang="en-US" sz="1300" dirty="0">
+                            <a:solidFill>
+                              <a:srgbClr val="515151"/>
+                            </a:solidFill>
+                            <a:latin typeface="微軟正黑體 Light" panose="020B0304030504040204" pitchFamily="34" charset="-120"/>
+                            <a:ea typeface="微軟正黑體 Light" panose="020B0304030504040204" pitchFamily="34" charset="-120"/>
+                          </a:rPr>
+                          <a:t>．</a:t>
+                        </a:r>
+                        <a:r>
+                          <a:rPr lang="zh-TW" altLang="zh-TW" sz="1300" dirty="0">
+                            <a:solidFill>
+                              <a:srgbClr val="515151"/>
+                            </a:solidFill>
+                            <a:latin typeface="微軟正黑體 Light" panose="020B0304030504040204" pitchFamily="34" charset="-120"/>
+                            <a:ea typeface="微軟正黑體 Light" panose="020B0304030504040204" pitchFamily="34" charset="-120"/>
+                          </a:rPr>
+                          <a:t>評估與改進</a:t>
+                        </a:r>
+                        <a:r>
+                          <a:rPr lang="zh-TW" altLang="en-US" sz="1300" dirty="0">
+                            <a:solidFill>
+                              <a:srgbClr val="515151"/>
+                            </a:solidFill>
+                            <a:latin typeface="微軟正黑體 Light" panose="020B0304030504040204" pitchFamily="34" charset="-120"/>
+                            <a:ea typeface="微軟正黑體 Light" panose="020B0304030504040204" pitchFamily="34" charset="-120"/>
+                          </a:rPr>
+                          <a:t>。</a:t>
+                        </a:r>
+                        <a:endParaRPr lang="zh-TW" altLang="zh-TW" sz="1300" dirty="0">
+                          <a:solidFill>
+                            <a:srgbClr val="515151"/>
+                          </a:solidFill>
+                          <a:latin typeface="微軟正黑體 Light" panose="020B0304030504040204" pitchFamily="34" charset="-120"/>
+                          <a:ea typeface="微軟正黑體 Light" panose="020B0304030504040204" pitchFamily="34" charset="-120"/>
+                        </a:endParaRPr>
+                      </a:p>
+                    </p:txBody>
+                  </p:sp>
+                </p:grpSp>
               </p:grpSp>
               <p:sp>
                 <p:nvSpPr>
-                  <p:cNvPr id="10" name="文字方塊 9">
+                  <p:cNvPr id="3" name="矩形 2">
                     <a:extLst>
                       <a:ext uri="{FF2B5EF4-FFF2-40B4-BE49-F238E27FC236}">
-                        <a16:creationId xmlns:a16="http://schemas.microsoft.com/office/drawing/2014/main" id="{7995D3D4-B503-4A9C-922D-F768323A21B3}"/>
-                      </a:ext>
-                    </a:extLst>
-                  </p:cNvPr>
-                  <p:cNvSpPr txBox="1"/>
-                  <p:nvPr/>
-                </p:nvSpPr>
-                <p:spPr>
-                  <a:xfrm>
-                    <a:off x="2469993" y="968188"/>
-                    <a:ext cx="2219778" cy="1892826"/>
-                  </a:xfrm>
-                  <a:prstGeom prst="rect">
-                    <a:avLst/>
-                  </a:prstGeom>
-                  <a:noFill/>
-                </p:spPr>
-                <p:txBody>
-                  <a:bodyPr wrap="square" rtlCol="0">
-                    <a:spAutoFit/>
-                  </a:bodyPr>
-                  <a:lstStyle/>
-                  <a:p>
-                    <a:pPr lvl="0"/>
-                    <a:r>
-                      <a:rPr lang="zh-TW" altLang="zh-TW" sz="1300" dirty="0">
-                        <a:solidFill>
-                          <a:srgbClr val="515151"/>
-                        </a:solidFill>
-                        <a:latin typeface="微軟正黑體 Light" panose="020B0304030504040204" pitchFamily="34" charset="-120"/>
-                        <a:ea typeface="微軟正黑體 Light" panose="020B0304030504040204" pitchFamily="34" charset="-120"/>
-                      </a:rPr>
-                      <a:t>童工</a:t>
-                    </a:r>
-                    <a:r>
-                      <a:rPr lang="zh-TW" altLang="en-US" sz="1300" dirty="0">
-                        <a:solidFill>
-                          <a:srgbClr val="515151"/>
-                        </a:solidFill>
-                        <a:latin typeface="微軟正黑體 Light" panose="020B0304030504040204" pitchFamily="34" charset="-120"/>
-                        <a:ea typeface="微軟正黑體 Light" panose="020B0304030504040204" pitchFamily="34" charset="-120"/>
-                      </a:rPr>
-                      <a:t>。</a:t>
-                    </a:r>
-                    <a:endParaRPr lang="zh-TW" altLang="zh-TW" sz="1300" dirty="0">
-                      <a:solidFill>
-                        <a:srgbClr val="515151"/>
-                      </a:solidFill>
-                      <a:latin typeface="微軟正黑體 Light" panose="020B0304030504040204" pitchFamily="34" charset="-120"/>
-                      <a:ea typeface="微軟正黑體 Light" panose="020B0304030504040204" pitchFamily="34" charset="-120"/>
-                    </a:endParaRPr>
-                  </a:p>
-                  <a:p>
-                    <a:pPr lvl="0"/>
-                    <a:r>
-                      <a:rPr lang="zh-TW" altLang="zh-TW" sz="1300" dirty="0">
-                        <a:solidFill>
-                          <a:srgbClr val="515151"/>
-                        </a:solidFill>
-                        <a:latin typeface="微軟正黑體 Light" panose="020B0304030504040204" pitchFamily="34" charset="-120"/>
-                        <a:ea typeface="微軟正黑體 Light" panose="020B0304030504040204" pitchFamily="34" charset="-120"/>
-                      </a:rPr>
-                      <a:t>社區關係</a:t>
-                    </a:r>
-                    <a:r>
-                      <a:rPr lang="zh-TW" altLang="en-US" sz="1300" dirty="0">
-                        <a:solidFill>
-                          <a:srgbClr val="515151"/>
-                        </a:solidFill>
-                        <a:latin typeface="微軟正黑體 Light" panose="020B0304030504040204" pitchFamily="34" charset="-120"/>
-                        <a:ea typeface="微軟正黑體 Light" panose="020B0304030504040204" pitchFamily="34" charset="-120"/>
-                      </a:rPr>
-                      <a:t>。</a:t>
-                    </a:r>
-                    <a:endParaRPr lang="zh-TW" altLang="zh-TW" sz="1300" dirty="0">
-                      <a:solidFill>
-                        <a:srgbClr val="515151"/>
-                      </a:solidFill>
-                      <a:latin typeface="微軟正黑體 Light" panose="020B0304030504040204" pitchFamily="34" charset="-120"/>
-                      <a:ea typeface="微軟正黑體 Light" panose="020B0304030504040204" pitchFamily="34" charset="-120"/>
-                    </a:endParaRPr>
-                  </a:p>
-                  <a:p>
-                    <a:pPr lvl="0"/>
-                    <a:r>
-                      <a:rPr lang="zh-TW" altLang="zh-TW" sz="1300" dirty="0">
-                        <a:solidFill>
-                          <a:srgbClr val="515151"/>
-                        </a:solidFill>
-                        <a:latin typeface="微軟正黑體 Light" panose="020B0304030504040204" pitchFamily="34" charset="-120"/>
-                        <a:ea typeface="微軟正黑體 Light" panose="020B0304030504040204" pitchFamily="34" charset="-120"/>
-                      </a:rPr>
-                      <a:t>歧視</a:t>
-                    </a:r>
-                    <a:r>
-                      <a:rPr lang="zh-TW" altLang="en-US" sz="1300" dirty="0">
-                        <a:solidFill>
-                          <a:srgbClr val="515151"/>
-                        </a:solidFill>
-                        <a:latin typeface="微軟正黑體 Light" panose="020B0304030504040204" pitchFamily="34" charset="-120"/>
-                        <a:ea typeface="微軟正黑體 Light" panose="020B0304030504040204" pitchFamily="34" charset="-120"/>
-                      </a:rPr>
-                      <a:t>。</a:t>
-                    </a:r>
-                    <a:endParaRPr lang="zh-TW" altLang="zh-TW" sz="1300" dirty="0">
-                      <a:solidFill>
-                        <a:srgbClr val="515151"/>
-                      </a:solidFill>
-                      <a:latin typeface="微軟正黑體 Light" panose="020B0304030504040204" pitchFamily="34" charset="-120"/>
-                      <a:ea typeface="微軟正黑體 Light" panose="020B0304030504040204" pitchFamily="34" charset="-120"/>
-                    </a:endParaRPr>
-                  </a:p>
-                  <a:p>
-                    <a:pPr lvl="0"/>
-                    <a:r>
-                      <a:rPr lang="zh-TW" altLang="zh-TW" sz="1300" dirty="0">
-                        <a:solidFill>
-                          <a:srgbClr val="515151"/>
-                        </a:solidFill>
-                        <a:latin typeface="微軟正黑體 Light" panose="020B0304030504040204" pitchFamily="34" charset="-120"/>
-                        <a:ea typeface="微軟正黑體 Light" panose="020B0304030504040204" pitchFamily="34" charset="-120"/>
-                      </a:rPr>
-                      <a:t>結社自由和集體談判權</a:t>
-                    </a:r>
-                    <a:r>
-                      <a:rPr lang="zh-TW" altLang="en-US" sz="1300" dirty="0">
-                        <a:solidFill>
-                          <a:srgbClr val="515151"/>
-                        </a:solidFill>
-                        <a:latin typeface="微軟正黑體 Light" panose="020B0304030504040204" pitchFamily="34" charset="-120"/>
-                        <a:ea typeface="微軟正黑體 Light" panose="020B0304030504040204" pitchFamily="34" charset="-120"/>
-                      </a:rPr>
-                      <a:t>。</a:t>
-                    </a:r>
-                    <a:endParaRPr lang="zh-TW" altLang="zh-TW" sz="1300" dirty="0">
-                      <a:solidFill>
-                        <a:srgbClr val="515151"/>
-                      </a:solidFill>
-                      <a:latin typeface="微軟正黑體 Light" panose="020B0304030504040204" pitchFamily="34" charset="-120"/>
-                      <a:ea typeface="微軟正黑體 Light" panose="020B0304030504040204" pitchFamily="34" charset="-120"/>
-                    </a:endParaRPr>
-                  </a:p>
-                  <a:p>
-                    <a:pPr lvl="0"/>
-                    <a:r>
-                      <a:rPr lang="zh-TW" altLang="zh-TW" sz="1300" dirty="0">
-                        <a:solidFill>
-                          <a:srgbClr val="515151"/>
-                        </a:solidFill>
-                        <a:latin typeface="微軟正黑體 Light" panose="020B0304030504040204" pitchFamily="34" charset="-120"/>
-                        <a:ea typeface="微軟正黑體 Light" panose="020B0304030504040204" pitchFamily="34" charset="-120"/>
-                      </a:rPr>
-                      <a:t>騷擾、虐待和懲戒措施</a:t>
-                    </a:r>
-                    <a:r>
-                      <a:rPr lang="zh-TW" altLang="en-US" sz="1300" dirty="0">
-                        <a:solidFill>
-                          <a:srgbClr val="515151"/>
-                        </a:solidFill>
-                        <a:latin typeface="微軟正黑體 Light" panose="020B0304030504040204" pitchFamily="34" charset="-120"/>
-                        <a:ea typeface="微軟正黑體 Light" panose="020B0304030504040204" pitchFamily="34" charset="-120"/>
-                      </a:rPr>
-                      <a:t>。</a:t>
-                    </a:r>
-                    <a:endParaRPr lang="zh-TW" altLang="zh-TW" sz="1300" dirty="0">
-                      <a:solidFill>
-                        <a:srgbClr val="515151"/>
-                      </a:solidFill>
-                      <a:latin typeface="微軟正黑體 Light" panose="020B0304030504040204" pitchFamily="34" charset="-120"/>
-                      <a:ea typeface="微軟正黑體 Light" panose="020B0304030504040204" pitchFamily="34" charset="-120"/>
-                    </a:endParaRPr>
-                  </a:p>
-                  <a:p>
-                    <a:pPr lvl="0"/>
-                    <a:r>
-                      <a:rPr lang="zh-TW" altLang="zh-TW" sz="1300" dirty="0">
-                        <a:solidFill>
-                          <a:srgbClr val="515151"/>
-                        </a:solidFill>
-                        <a:latin typeface="微軟正黑體 Light" panose="020B0304030504040204" pitchFamily="34" charset="-120"/>
-                        <a:ea typeface="微軟正黑體 Light" panose="020B0304030504040204" pitchFamily="34" charset="-120"/>
-                      </a:rPr>
-                      <a:t>健康和安全</a:t>
-                    </a:r>
-                    <a:r>
-                      <a:rPr lang="zh-TW" altLang="en-US" sz="1300" dirty="0">
-                        <a:solidFill>
-                          <a:srgbClr val="515151"/>
-                        </a:solidFill>
-                        <a:latin typeface="微軟正黑體 Light" panose="020B0304030504040204" pitchFamily="34" charset="-120"/>
-                        <a:ea typeface="微軟正黑體 Light" panose="020B0304030504040204" pitchFamily="34" charset="-120"/>
-                      </a:rPr>
-                      <a:t>。</a:t>
-                    </a:r>
-                    <a:endParaRPr lang="zh-TW" altLang="zh-TW" sz="1300" dirty="0">
-                      <a:solidFill>
-                        <a:srgbClr val="515151"/>
-                      </a:solidFill>
-                      <a:latin typeface="微軟正黑體 Light" panose="020B0304030504040204" pitchFamily="34" charset="-120"/>
-                      <a:ea typeface="微軟正黑體 Light" panose="020B0304030504040204" pitchFamily="34" charset="-120"/>
-                    </a:endParaRPr>
-                  </a:p>
-                  <a:p>
-                    <a:pPr lvl="0"/>
-                    <a:r>
-                      <a:rPr lang="zh-TW" altLang="zh-TW" sz="1300" dirty="0">
-                        <a:solidFill>
-                          <a:srgbClr val="515151"/>
-                        </a:solidFill>
-                        <a:latin typeface="微軟正黑體 Light" panose="020B0304030504040204" pitchFamily="34" charset="-120"/>
-                        <a:ea typeface="微軟正黑體 Light" panose="020B0304030504040204" pitchFamily="34" charset="-120"/>
-                      </a:rPr>
-                      <a:t>聘僱措施和強迫勞動</a:t>
-                    </a:r>
-                    <a:r>
-                      <a:rPr lang="zh-TW" altLang="en-US" sz="1300" dirty="0">
-                        <a:solidFill>
-                          <a:srgbClr val="515151"/>
-                        </a:solidFill>
-                        <a:latin typeface="微軟正黑體 Light" panose="020B0304030504040204" pitchFamily="34" charset="-120"/>
-                        <a:ea typeface="微軟正黑體 Light" panose="020B0304030504040204" pitchFamily="34" charset="-120"/>
-                      </a:rPr>
-                      <a:t>。</a:t>
-                    </a:r>
-                    <a:endParaRPr lang="zh-TW" altLang="zh-TW" sz="1300" dirty="0">
-                      <a:solidFill>
-                        <a:srgbClr val="515151"/>
-                      </a:solidFill>
-                      <a:latin typeface="微軟正黑體 Light" panose="020B0304030504040204" pitchFamily="34" charset="-120"/>
-                      <a:ea typeface="微軟正黑體 Light" panose="020B0304030504040204" pitchFamily="34" charset="-120"/>
-                    </a:endParaRPr>
-                  </a:p>
-                  <a:p>
-                    <a:pPr lvl="0"/>
-                    <a:r>
-                      <a:rPr lang="zh-TW" altLang="zh-TW" sz="1300" dirty="0">
-                        <a:solidFill>
-                          <a:srgbClr val="515151"/>
-                        </a:solidFill>
-                        <a:latin typeface="微軟正黑體 Light" panose="020B0304030504040204" pitchFamily="34" charset="-120"/>
-                        <a:ea typeface="微軟正黑體 Light" panose="020B0304030504040204" pitchFamily="34" charset="-120"/>
-                      </a:rPr>
-                      <a:t>薪酬</a:t>
-                    </a:r>
-                    <a:r>
-                      <a:rPr lang="zh-TW" altLang="en-US" sz="1300" dirty="0">
-                        <a:solidFill>
-                          <a:srgbClr val="515151"/>
-                        </a:solidFill>
-                        <a:latin typeface="微軟正黑體 Light" panose="020B0304030504040204" pitchFamily="34" charset="-120"/>
-                        <a:ea typeface="微軟正黑體 Light" panose="020B0304030504040204" pitchFamily="34" charset="-120"/>
-                      </a:rPr>
-                      <a:t>。</a:t>
-                    </a:r>
-                    <a:endParaRPr lang="zh-TW" altLang="zh-TW" sz="1300" dirty="0">
-                      <a:solidFill>
-                        <a:srgbClr val="515151"/>
-                      </a:solidFill>
-                      <a:latin typeface="微軟正黑體 Light" panose="020B0304030504040204" pitchFamily="34" charset="-120"/>
-                      <a:ea typeface="微軟正黑體 Light" panose="020B0304030504040204" pitchFamily="34" charset="-120"/>
-                    </a:endParaRPr>
-                  </a:p>
-                  <a:p>
-                    <a:r>
-                      <a:rPr lang="zh-TW" altLang="zh-TW" sz="1300" dirty="0">
-                        <a:solidFill>
-                          <a:srgbClr val="515151"/>
-                        </a:solidFill>
-                        <a:latin typeface="微軟正黑體 Light" panose="020B0304030504040204" pitchFamily="34" charset="-120"/>
-                        <a:ea typeface="微軟正黑體 Light" panose="020B0304030504040204" pitchFamily="34" charset="-120"/>
-                      </a:rPr>
-                      <a:t>安全措施</a:t>
-                    </a:r>
-                    <a:r>
-                      <a:rPr lang="zh-TW" altLang="en-US" sz="1300" dirty="0">
-                        <a:solidFill>
-                          <a:srgbClr val="515151"/>
-                        </a:solidFill>
-                        <a:latin typeface="微軟正黑體 Light" panose="020B0304030504040204" pitchFamily="34" charset="-120"/>
-                        <a:ea typeface="微軟正黑體 Light" panose="020B0304030504040204" pitchFamily="34" charset="-120"/>
-                      </a:rPr>
-                      <a:t>。</a:t>
-                    </a:r>
-                  </a:p>
-                </p:txBody>
-              </p:sp>
-              <p:sp>
-                <p:nvSpPr>
-                  <p:cNvPr id="17" name="文字方塊 16">
-                    <a:extLst>
-                      <a:ext uri="{FF2B5EF4-FFF2-40B4-BE49-F238E27FC236}">
-                        <a16:creationId xmlns:a16="http://schemas.microsoft.com/office/drawing/2014/main" id="{0586C28D-A9E9-45BA-8F7C-65B0149D9089}"/>
-                      </a:ext>
-                    </a:extLst>
-                  </p:cNvPr>
-                  <p:cNvSpPr txBox="1"/>
-                  <p:nvPr/>
-                </p:nvSpPr>
-                <p:spPr>
-                  <a:xfrm>
-                    <a:off x="4943023" y="1402558"/>
-                    <a:ext cx="2219778" cy="1692771"/>
-                  </a:xfrm>
-                  <a:prstGeom prst="rect">
-                    <a:avLst/>
-                  </a:prstGeom>
-                  <a:noFill/>
-                </p:spPr>
-                <p:txBody>
-                  <a:bodyPr wrap="square" rtlCol="0">
-                    <a:spAutoFit/>
-                  </a:bodyPr>
-                  <a:lstStyle>
-                    <a:defPPr>
-                      <a:defRPr lang="zh-TW"/>
-                    </a:defPPr>
-                    <a:lvl1pPr lvl="0">
-                      <a:defRPr sz="1500">
-                        <a:solidFill>
-                          <a:srgbClr val="515151"/>
-                        </a:solidFill>
-                        <a:latin typeface="微軟正黑體 Light" panose="020B0304030504040204" pitchFamily="34" charset="-120"/>
-                        <a:ea typeface="微軟正黑體 Light" panose="020B0304030504040204" pitchFamily="34" charset="-120"/>
-                      </a:defRPr>
-                    </a:lvl1pPr>
-                  </a:lstStyle>
-                  <a:p>
-                    <a:r>
-                      <a:rPr lang="zh-TW" altLang="zh-TW" sz="1300" dirty="0"/>
-                      <a:t>遵守環境、安全、衛生相關法規</a:t>
-                    </a:r>
-                    <a:r>
-                      <a:rPr lang="zh-TW" altLang="en-US" sz="1300" dirty="0"/>
-                      <a:t>。</a:t>
-                    </a:r>
-                    <a:endParaRPr lang="zh-TW" altLang="zh-TW" sz="1300" dirty="0"/>
-                  </a:p>
-                  <a:p>
-                    <a:r>
-                      <a:rPr lang="zh-TW" altLang="zh-TW" sz="1300" dirty="0"/>
-                      <a:t>取得相關許可認證</a:t>
-                    </a:r>
-                    <a:r>
-                      <a:rPr lang="zh-TW" altLang="en-US" sz="1300" dirty="0"/>
-                      <a:t>。</a:t>
-                    </a:r>
-                    <a:endParaRPr lang="zh-TW" altLang="zh-TW" sz="1300" dirty="0"/>
-                  </a:p>
-                  <a:p>
-                    <a:r>
-                      <a:rPr lang="zh-TW" altLang="zh-TW" sz="1300" dirty="0"/>
-                      <a:t>預防有害物質及汙染</a:t>
-                    </a:r>
-                    <a:r>
-                      <a:rPr lang="zh-TW" altLang="en-US" sz="1300" dirty="0"/>
-                      <a:t>。</a:t>
-                    </a:r>
-                    <a:endParaRPr lang="zh-TW" altLang="zh-TW" sz="1300" dirty="0"/>
-                  </a:p>
-                  <a:p>
-                    <a:r>
-                      <a:rPr lang="zh-TW" altLang="zh-TW" sz="1300" dirty="0"/>
-                      <a:t>尋找環境友善之替代品</a:t>
-                    </a:r>
-                    <a:r>
-                      <a:rPr lang="zh-TW" altLang="en-US" sz="1300" dirty="0"/>
-                      <a:t>。</a:t>
-                    </a:r>
-                    <a:endParaRPr lang="zh-TW" altLang="zh-TW" sz="1300" dirty="0"/>
-                  </a:p>
-                  <a:p>
-                    <a:r>
-                      <a:rPr lang="zh-TW" altLang="zh-TW" sz="1300" dirty="0"/>
-                      <a:t>資源和能源之永續及有效利用</a:t>
-                    </a:r>
-                    <a:r>
-                      <a:rPr lang="zh-TW" altLang="en-US" sz="1300" dirty="0"/>
-                      <a:t>。</a:t>
-                    </a:r>
-                    <a:endParaRPr lang="zh-TW" altLang="zh-TW" sz="1300" dirty="0"/>
-                  </a:p>
-                  <a:p>
-                    <a:r>
-                      <a:rPr lang="zh-TW" altLang="zh-TW" sz="1300" dirty="0"/>
-                      <a:t>保護健康和環境的立即措施</a:t>
-                    </a:r>
-                    <a:r>
-                      <a:rPr lang="zh-TW" altLang="en-US" sz="1300" dirty="0"/>
-                      <a:t>。</a:t>
-                    </a:r>
-                  </a:p>
-                </p:txBody>
-              </p:sp>
-              <p:sp>
-                <p:nvSpPr>
-                  <p:cNvPr id="18" name="文字方塊 17">
-                    <a:extLst>
-                      <a:ext uri="{FF2B5EF4-FFF2-40B4-BE49-F238E27FC236}">
-                        <a16:creationId xmlns:a16="http://schemas.microsoft.com/office/drawing/2014/main" id="{82D63517-F88F-42E4-B61C-171CB34F4EEB}"/>
-                      </a:ext>
-                    </a:extLst>
-                  </p:cNvPr>
-                  <p:cNvSpPr txBox="1"/>
-                  <p:nvPr/>
-                </p:nvSpPr>
-                <p:spPr>
-                  <a:xfrm>
-                    <a:off x="7669306" y="968188"/>
-                    <a:ext cx="2219778" cy="1092607"/>
-                  </a:xfrm>
-                  <a:prstGeom prst="rect">
-                    <a:avLst/>
-                  </a:prstGeom>
-                  <a:noFill/>
-                </p:spPr>
-                <p:txBody>
-                  <a:bodyPr wrap="square" rtlCol="0">
-                    <a:spAutoFit/>
-                  </a:bodyPr>
-                  <a:lstStyle>
-                    <a:defPPr>
-                      <a:defRPr lang="zh-TW"/>
-                    </a:defPPr>
-                    <a:lvl1pPr lvl="0">
-                      <a:defRPr sz="1500">
-                        <a:solidFill>
-                          <a:srgbClr val="515151"/>
-                        </a:solidFill>
-                        <a:latin typeface="微軟正黑體 Light" panose="020B0304030504040204" pitchFamily="34" charset="-120"/>
-                        <a:ea typeface="微軟正黑體 Light" panose="020B0304030504040204" pitchFamily="34" charset="-120"/>
-                      </a:defRPr>
-                    </a:lvl1pPr>
-                  </a:lstStyle>
-                  <a:p>
-                    <a:r>
-                      <a:rPr lang="zh-TW" altLang="zh-TW" sz="1300" dirty="0"/>
-                      <a:t>提倡誠信正直和道德</a:t>
-                    </a:r>
-                    <a:r>
-                      <a:rPr lang="zh-TW" altLang="en-US" sz="1300" dirty="0"/>
-                      <a:t>。</a:t>
-                    </a:r>
-                    <a:endParaRPr lang="zh-TW" altLang="zh-TW" sz="1300" dirty="0"/>
-                  </a:p>
-                  <a:p>
-                    <a:r>
-                      <a:rPr lang="zh-TW" altLang="zh-TW" sz="1300" dirty="0"/>
-                      <a:t>對貪腐採零容忍政策</a:t>
-                    </a:r>
-                    <a:r>
-                      <a:rPr lang="zh-TW" altLang="en-US" sz="1300" dirty="0"/>
-                      <a:t>。</a:t>
-                    </a:r>
-                    <a:endParaRPr lang="zh-TW" altLang="zh-TW" sz="1300" dirty="0"/>
-                  </a:p>
-                  <a:p>
-                    <a:r>
-                      <a:rPr lang="zh-TW" altLang="zh-TW" sz="1300" dirty="0"/>
-                      <a:t>採取預防措施管控風險</a:t>
-                    </a:r>
-                    <a:r>
-                      <a:rPr lang="zh-TW" altLang="en-US" sz="1300" dirty="0"/>
-                      <a:t>。</a:t>
-                    </a:r>
-                    <a:endParaRPr lang="zh-TW" altLang="zh-TW" sz="1300" dirty="0"/>
-                  </a:p>
-                  <a:p>
-                    <a:r>
-                      <a:rPr lang="zh-TW" altLang="zh-TW" sz="1300" dirty="0"/>
-                      <a:t>提供檢舉機制</a:t>
-                    </a:r>
-                    <a:r>
-                      <a:rPr lang="zh-TW" altLang="en-US" sz="1300" dirty="0"/>
-                      <a:t>。</a:t>
-                    </a:r>
-                    <a:endParaRPr lang="zh-TW" altLang="zh-TW" sz="1300" dirty="0"/>
-                  </a:p>
-                  <a:p>
-                    <a:r>
-                      <a:rPr lang="zh-TW" altLang="zh-TW" sz="1300" dirty="0"/>
-                      <a:t>不違反貿易制裁</a:t>
-                    </a:r>
-                    <a:r>
-                      <a:rPr lang="zh-TW" altLang="en-US" sz="1300" dirty="0"/>
-                      <a:t>。</a:t>
-                    </a:r>
-                  </a:p>
-                </p:txBody>
-              </p:sp>
-              <p:sp>
-                <p:nvSpPr>
-                  <p:cNvPr id="19" name="矩形 18">
-                    <a:extLst>
-                      <a:ext uri="{FF2B5EF4-FFF2-40B4-BE49-F238E27FC236}">
-                        <a16:creationId xmlns:a16="http://schemas.microsoft.com/office/drawing/2014/main" id="{33196755-7C25-404A-8131-FBDB597926DB}"/>
+                        <a16:creationId xmlns:a16="http://schemas.microsoft.com/office/drawing/2014/main" id="{E086A6D7-75C4-446B-BCD0-9F40115BDB6A}"/>
                       </a:ext>
                     </a:extLst>
                   </p:cNvPr>
@@ -11221,404 +12073,248 @@
                 </p:nvSpPr>
                 <p:spPr>
                   <a:xfrm>
-                    <a:off x="5114365" y="923675"/>
-                    <a:ext cx="1853561" cy="461665"/>
+                    <a:off x="3412633" y="6958206"/>
+                    <a:ext cx="5086350" cy="764744"/>
                   </a:xfrm>
                   <a:prstGeom prst="rect">
                     <a:avLst/>
                   </a:prstGeom>
+                  <a:solidFill>
+                    <a:srgbClr val="072D5A"/>
+                  </a:solidFill>
+                  <a:ln>
+                    <a:noFill/>
+                  </a:ln>
                 </p:spPr>
+                <p:style>
+                  <a:lnRef idx="2">
+                    <a:schemeClr val="accent1">
+                      <a:shade val="50000"/>
+                    </a:schemeClr>
+                  </a:lnRef>
+                  <a:fillRef idx="1">
+                    <a:schemeClr val="accent1"/>
+                  </a:fillRef>
+                  <a:effectRef idx="0">
+                    <a:schemeClr val="accent1"/>
+                  </a:effectRef>
+                  <a:fontRef idx="minor">
+                    <a:schemeClr val="lt1"/>
+                  </a:fontRef>
+                </p:style>
                 <p:txBody>
-                  <a:bodyPr wrap="square">
-                    <a:spAutoFit/>
-                  </a:bodyPr>
+                  <a:bodyPr rtlCol="0" anchor="ctr"/>
                   <a:lstStyle/>
                   <a:p>
                     <a:pPr algn="ctr">
-                      <a:spcAft>
-                        <a:spcPts val="0"/>
-                      </a:spcAft>
+                      <a:lnSpc>
+                        <a:spcPct val="250000"/>
+                      </a:lnSpc>
                     </a:pPr>
-                    <a:r>
-                      <a:rPr lang="zh-TW" altLang="zh-TW" sz="1200" b="1" dirty="0">
-                        <a:solidFill>
-                          <a:srgbClr val="515151"/>
-                        </a:solidFill>
-                        <a:latin typeface="微軟正黑體 Light" panose="020B0304030504040204" pitchFamily="34" charset="-120"/>
-                        <a:ea typeface="微軟正黑體 Light" panose="020B0304030504040204" pitchFamily="34" charset="-120"/>
-                      </a:rPr>
-                      <a:t>減少對環境、人類健康</a:t>
-                    </a:r>
-                  </a:p>
-                  <a:p>
-                    <a:pPr algn="ctr">
-                      <a:spcAft>
-                        <a:spcPts val="0"/>
-                      </a:spcAft>
-                    </a:pPr>
-                    <a:r>
-                      <a:rPr lang="zh-TW" altLang="zh-TW" sz="1200" b="1" dirty="0">
-                        <a:solidFill>
-                          <a:srgbClr val="515151"/>
-                        </a:solidFill>
-                        <a:latin typeface="微軟正黑體 Light" panose="020B0304030504040204" pitchFamily="34" charset="-120"/>
-                        <a:ea typeface="微軟正黑體 Light" panose="020B0304030504040204" pitchFamily="34" charset="-120"/>
-                      </a:rPr>
-                      <a:t>和生活帶來之不利影響</a:t>
-                    </a:r>
+                    <a:endParaRPr lang="zh-TW" altLang="en-US" sz="1600" dirty="0">
+                      <a:latin typeface="微軟正黑體" panose="020B0604030504040204" pitchFamily="34" charset="-120"/>
+                      <a:ea typeface="微軟正黑體" panose="020B0604030504040204" pitchFamily="34" charset="-120"/>
+                    </a:endParaRPr>
                   </a:p>
                 </p:txBody>
               </p:sp>
             </p:grpSp>
-            <p:grpSp>
-              <p:nvGrpSpPr>
-                <p:cNvPr id="14" name="群組 13">
+            <p:sp>
+              <p:nvSpPr>
+                <p:cNvPr id="13" name="矩形 12">
                   <a:extLst>
                     <a:ext uri="{FF2B5EF4-FFF2-40B4-BE49-F238E27FC236}">
-                      <a16:creationId xmlns:a16="http://schemas.microsoft.com/office/drawing/2014/main" id="{2B1FD325-F647-4A6E-86BE-15582977AA14}"/>
+                      <a16:creationId xmlns:a16="http://schemas.microsoft.com/office/drawing/2014/main" id="{E4515B71-0F93-43F6-96D9-B11370E5E80A}"/>
                     </a:ext>
                   </a:extLst>
                 </p:cNvPr>
-                <p:cNvGrpSpPr/>
+                <p:cNvSpPr/>
                 <p:nvPr/>
-              </p:nvGrpSpPr>
-              <p:grpSpPr>
+              </p:nvSpPr>
+              <p:spPr>
                 <a:xfrm>
-                  <a:off x="4913473" y="-455967"/>
-                  <a:ext cx="2584651" cy="3492719"/>
-                  <a:chOff x="4913473" y="-381786"/>
-                  <a:chExt cx="2584651" cy="3492719"/>
+                  <a:off x="3047998" y="6662864"/>
+                  <a:ext cx="6096000" cy="1061829"/>
                 </a:xfrm>
-              </p:grpSpPr>
-              <p:pic>
-                <p:nvPicPr>
-                  <p:cNvPr id="4" name="圖片 3">
-                    <a:extLst>
-                      <a:ext uri="{FF2B5EF4-FFF2-40B4-BE49-F238E27FC236}">
-                        <a16:creationId xmlns:a16="http://schemas.microsoft.com/office/drawing/2014/main" id="{123D0510-D29D-49E4-860F-636EBBE71A67}"/>
-                      </a:ext>
-                    </a:extLst>
-                  </p:cNvPr>
-                  <p:cNvPicPr>
-                    <a:picLocks noChangeAspect="1"/>
-                  </p:cNvPicPr>
-                  <p:nvPr/>
-                </p:nvPicPr>
-                <p:blipFill>
-                  <a:blip r:embed="rId3">
-                    <a:extLst>
-                      <a:ext uri="{28A0092B-C50C-407E-A947-70E740481C1C}">
-                        <a14:useLocalDpi xmlns:a14="http://schemas.microsoft.com/office/drawing/2010/main" val="0"/>
-                      </a:ext>
-                    </a:extLst>
-                  </a:blip>
-                  <a:stretch>
-                    <a:fillRect/>
-                  </a:stretch>
-                </p:blipFill>
-                <p:spPr>
-                  <a:xfrm>
-                    <a:off x="4913473" y="-381786"/>
-                    <a:ext cx="2365052" cy="3492719"/>
-                  </a:xfrm>
-                  <a:prstGeom prst="rect">
-                    <a:avLst/>
-                  </a:prstGeom>
-                </p:spPr>
-              </p:pic>
-              <p:sp>
-                <p:nvSpPr>
-                  <p:cNvPr id="11" name="矩形 10">
-                    <a:extLst>
-                      <a:ext uri="{FF2B5EF4-FFF2-40B4-BE49-F238E27FC236}">
-                        <a16:creationId xmlns:a16="http://schemas.microsoft.com/office/drawing/2014/main" id="{5ADAE244-579C-4ADB-80DF-B36DEAD7FD97}"/>
-                      </a:ext>
-                    </a:extLst>
-                  </p:cNvPr>
-                  <p:cNvSpPr/>
-                  <p:nvPr/>
-                </p:nvSpPr>
-                <p:spPr>
-                  <a:xfrm>
-                    <a:off x="5811305" y="-277809"/>
-                    <a:ext cx="569387" cy="323165"/>
-                  </a:xfrm>
-                  <a:prstGeom prst="rect">
-                    <a:avLst/>
-                  </a:prstGeom>
-                </p:spPr>
-                <p:txBody>
-                  <a:bodyPr wrap="none">
-                    <a:spAutoFit/>
-                  </a:bodyPr>
-                  <a:lstStyle/>
-                  <a:p>
-                    <a:pPr algn="ctr">
-                      <a:spcAft>
-                        <a:spcPts val="0"/>
-                      </a:spcAft>
-                    </a:pPr>
-                    <a:r>
-                      <a:rPr lang="zh-TW" altLang="zh-TW" sz="1500" b="1" kern="100" dirty="0">
-                        <a:solidFill>
-                          <a:srgbClr val="002453"/>
-                        </a:solidFill>
-                        <a:latin typeface="微軟正黑體" panose="020B0604030504040204" pitchFamily="34" charset="-120"/>
-                        <a:ea typeface="微軟正黑體" panose="020B0604030504040204" pitchFamily="34" charset="-120"/>
-                        <a:cs typeface="Times New Roman" panose="02020603050405020304" pitchFamily="18" charset="0"/>
-                      </a:rPr>
-                      <a:t>期望</a:t>
-                    </a:r>
-                    <a:endParaRPr lang="zh-TW" altLang="zh-TW" sz="1500" kern="100" dirty="0">
+                <a:prstGeom prst="rect">
+                  <a:avLst/>
+                </a:prstGeom>
+              </p:spPr>
+              <p:txBody>
+                <a:bodyPr>
+                  <a:spAutoFit/>
+                </a:bodyPr>
+                <a:lstStyle/>
+                <a:p>
+                  <a:pPr algn="ctr">
+                    <a:lnSpc>
+                      <a:spcPct val="250000"/>
+                    </a:lnSpc>
+                  </a:pPr>
+                  <a:r>
+                    <a:rPr lang="zh-TW" altLang="en-US" b="1" dirty="0">
                       <a:solidFill>
-                        <a:srgbClr val="002453"/>
+                        <a:schemeClr val="bg1"/>
                       </a:solidFill>
                       <a:latin typeface="微軟正黑體" panose="020B0604030504040204" pitchFamily="34" charset="-120"/>
                       <a:ea typeface="微軟正黑體" panose="020B0604030504040204" pitchFamily="34" charset="-120"/>
-                      <a:cs typeface="Times New Roman" panose="02020603050405020304" pitchFamily="18" charset="0"/>
-                    </a:endParaRPr>
-                  </a:p>
-                </p:txBody>
-              </p:sp>
-              <p:sp>
-                <p:nvSpPr>
-                  <p:cNvPr id="16" name="文字方塊 15">
-                    <a:extLst>
-                      <a:ext uri="{FF2B5EF4-FFF2-40B4-BE49-F238E27FC236}">
-                        <a16:creationId xmlns:a16="http://schemas.microsoft.com/office/drawing/2014/main" id="{EECF6175-F768-4D78-9B5E-E8325B8896E5}"/>
-                      </a:ext>
-                    </a:extLst>
-                  </p:cNvPr>
-                  <p:cNvSpPr txBox="1"/>
-                  <p:nvPr/>
-                </p:nvSpPr>
-                <p:spPr>
-                  <a:xfrm>
-                    <a:off x="5278346" y="149333"/>
-                    <a:ext cx="2219778" cy="1092607"/>
-                  </a:xfrm>
-                  <a:prstGeom prst="rect">
-                    <a:avLst/>
-                  </a:prstGeom>
-                  <a:noFill/>
-                </p:spPr>
-                <p:txBody>
-                  <a:bodyPr wrap="square" rtlCol="0">
-                    <a:spAutoFit/>
-                  </a:bodyPr>
-                  <a:lstStyle/>
-                  <a:p>
-                    <a:pPr lvl="0"/>
-                    <a:r>
-                      <a:rPr lang="zh-TW" altLang="zh-TW" sz="1300" dirty="0">
-                        <a:solidFill>
-                          <a:srgbClr val="515151"/>
-                        </a:solidFill>
-                        <a:latin typeface="微軟正黑體 Light" panose="020B0304030504040204" pitchFamily="34" charset="-120"/>
-                        <a:ea typeface="微軟正黑體 Light" panose="020B0304030504040204" pitchFamily="34" charset="-120"/>
-                      </a:rPr>
-                      <a:t>遵守適用之法規</a:t>
-                    </a:r>
-                    <a:r>
-                      <a:rPr lang="zh-TW" altLang="en-US" sz="1300" dirty="0">
-                        <a:solidFill>
-                          <a:srgbClr val="515151"/>
-                        </a:solidFill>
-                        <a:latin typeface="微軟正黑體 Light" panose="020B0304030504040204" pitchFamily="34" charset="-120"/>
-                        <a:ea typeface="微軟正黑體 Light" panose="020B0304030504040204" pitchFamily="34" charset="-120"/>
-                      </a:rPr>
-                      <a:t>。</a:t>
-                    </a:r>
-                    <a:endParaRPr lang="zh-TW" altLang="zh-TW" sz="1300" dirty="0">
+                    </a:rPr>
+                    <a:t>供應商善盡共同責任</a:t>
+                  </a:r>
+                  <a:endParaRPr lang="en-US" altLang="zh-TW" dirty="0">
+                    <a:solidFill>
+                      <a:schemeClr val="bg1"/>
+                    </a:solidFill>
+                    <a:latin typeface="微軟正黑體" panose="020B0604030504040204" pitchFamily="34" charset="-120"/>
+                    <a:ea typeface="微軟正黑體" panose="020B0604030504040204" pitchFamily="34" charset="-120"/>
+                  </a:endParaRPr>
+                </a:p>
+                <a:p>
+                  <a:pPr algn="ctr"/>
+                  <a:r>
+                    <a:rPr lang="zh-TW" altLang="en-US" dirty="0">
                       <a:solidFill>
-                        <a:srgbClr val="515151"/>
+                        <a:schemeClr val="bg1"/>
                       </a:solidFill>
-                      <a:latin typeface="微軟正黑體 Light" panose="020B0304030504040204" pitchFamily="34" charset="-120"/>
-                      <a:ea typeface="微軟正黑體 Light" panose="020B0304030504040204" pitchFamily="34" charset="-120"/>
-                    </a:endParaRPr>
-                  </a:p>
-                  <a:p>
-                    <a:pPr lvl="0"/>
-                    <a:r>
-                      <a:rPr lang="zh-TW" altLang="zh-TW" sz="1300" dirty="0">
-                        <a:solidFill>
-                          <a:srgbClr val="515151"/>
-                        </a:solidFill>
-                        <a:latin typeface="微軟正黑體 Light" panose="020B0304030504040204" pitchFamily="34" charset="-120"/>
-                        <a:ea typeface="微軟正黑體 Light" panose="020B0304030504040204" pitchFamily="34" charset="-120"/>
-                      </a:rPr>
-                      <a:t>提供申訴機制</a:t>
-                    </a:r>
-                    <a:r>
-                      <a:rPr lang="zh-TW" altLang="en-US" sz="1300" dirty="0">
-                        <a:solidFill>
-                          <a:srgbClr val="515151"/>
-                        </a:solidFill>
-                        <a:latin typeface="微軟正黑體 Light" panose="020B0304030504040204" pitchFamily="34" charset="-120"/>
-                        <a:ea typeface="微軟正黑體 Light" panose="020B0304030504040204" pitchFamily="34" charset="-120"/>
-                      </a:rPr>
-                      <a:t>。</a:t>
-                    </a:r>
-                    <a:endParaRPr lang="zh-TW" altLang="zh-TW" sz="1300" dirty="0">
-                      <a:solidFill>
-                        <a:srgbClr val="515151"/>
-                      </a:solidFill>
-                      <a:latin typeface="微軟正黑體 Light" panose="020B0304030504040204" pitchFamily="34" charset="-120"/>
-                      <a:ea typeface="微軟正黑體 Light" panose="020B0304030504040204" pitchFamily="34" charset="-120"/>
-                    </a:endParaRPr>
-                  </a:p>
-                  <a:p>
-                    <a:pPr lvl="0"/>
-                    <a:r>
-                      <a:rPr lang="zh-TW" altLang="zh-TW" sz="1300" dirty="0">
-                        <a:solidFill>
-                          <a:srgbClr val="515151"/>
-                        </a:solidFill>
-                        <a:latin typeface="微軟正黑體 Light" panose="020B0304030504040204" pitchFamily="34" charset="-120"/>
-                        <a:ea typeface="微軟正黑體 Light" panose="020B0304030504040204" pitchFamily="34" charset="-120"/>
-                      </a:rPr>
-                      <a:t>遵守本準則</a:t>
-                    </a:r>
-                    <a:r>
-                      <a:rPr lang="zh-TW" altLang="en-US" sz="1300" dirty="0">
-                        <a:solidFill>
-                          <a:srgbClr val="515151"/>
-                        </a:solidFill>
-                        <a:latin typeface="微軟正黑體 Light" panose="020B0304030504040204" pitchFamily="34" charset="-120"/>
-                        <a:ea typeface="微軟正黑體 Light" panose="020B0304030504040204" pitchFamily="34" charset="-120"/>
-                      </a:rPr>
-                      <a:t>。</a:t>
-                    </a:r>
-                    <a:endParaRPr lang="zh-TW" altLang="zh-TW" sz="1300" dirty="0">
-                      <a:solidFill>
-                        <a:srgbClr val="515151"/>
-                      </a:solidFill>
-                      <a:latin typeface="微軟正黑體 Light" panose="020B0304030504040204" pitchFamily="34" charset="-120"/>
-                      <a:ea typeface="微軟正黑體 Light" panose="020B0304030504040204" pitchFamily="34" charset="-120"/>
-                    </a:endParaRPr>
-                  </a:p>
-                  <a:p>
-                    <a:pPr lvl="0"/>
-                    <a:r>
-                      <a:rPr lang="zh-TW" altLang="zh-TW" sz="1300" dirty="0">
-                        <a:solidFill>
-                          <a:srgbClr val="515151"/>
-                        </a:solidFill>
-                        <a:latin typeface="微軟正黑體 Light" panose="020B0304030504040204" pitchFamily="34" charset="-120"/>
-                        <a:ea typeface="微軟正黑體 Light" panose="020B0304030504040204" pitchFamily="34" charset="-120"/>
-                      </a:rPr>
-                      <a:t>採取盡職調查</a:t>
-                    </a:r>
-                    <a:r>
-                      <a:rPr lang="zh-TW" altLang="en-US" sz="1300" dirty="0">
-                        <a:solidFill>
-                          <a:srgbClr val="515151"/>
-                        </a:solidFill>
-                        <a:latin typeface="微軟正黑體 Light" panose="020B0304030504040204" pitchFamily="34" charset="-120"/>
-                        <a:ea typeface="微軟正黑體 Light" panose="020B0304030504040204" pitchFamily="34" charset="-120"/>
-                      </a:rPr>
-                      <a:t>。</a:t>
-                    </a:r>
-                    <a:endParaRPr lang="zh-TW" altLang="zh-TW" sz="1300" dirty="0">
-                      <a:solidFill>
-                        <a:srgbClr val="515151"/>
-                      </a:solidFill>
-                      <a:latin typeface="微軟正黑體 Light" panose="020B0304030504040204" pitchFamily="34" charset="-120"/>
-                      <a:ea typeface="微軟正黑體 Light" panose="020B0304030504040204" pitchFamily="34" charset="-120"/>
-                    </a:endParaRPr>
-                  </a:p>
-                  <a:p>
-                    <a:r>
-                      <a:rPr lang="zh-TW" altLang="zh-TW" sz="1300" dirty="0">
-                        <a:solidFill>
-                          <a:srgbClr val="515151"/>
-                        </a:solidFill>
-                        <a:latin typeface="微軟正黑體 Light" panose="020B0304030504040204" pitchFamily="34" charset="-120"/>
-                        <a:ea typeface="微軟正黑體 Light" panose="020B0304030504040204" pitchFamily="34" charset="-120"/>
-                      </a:rPr>
-                      <a:t>評估與改進</a:t>
-                    </a:r>
-                    <a:r>
-                      <a:rPr lang="zh-TW" altLang="en-US" sz="1300" dirty="0">
-                        <a:solidFill>
-                          <a:srgbClr val="515151"/>
-                        </a:solidFill>
-                        <a:latin typeface="微軟正黑體 Light" panose="020B0304030504040204" pitchFamily="34" charset="-120"/>
-                        <a:ea typeface="微軟正黑體 Light" panose="020B0304030504040204" pitchFamily="34" charset="-120"/>
-                      </a:rPr>
-                      <a:t>。</a:t>
-                    </a:r>
-                  </a:p>
-                </p:txBody>
-              </p:sp>
-            </p:grpSp>
+                      <a:latin typeface="微軟正黑體" panose="020B0604030504040204" pitchFamily="34" charset="-120"/>
+                      <a:ea typeface="微軟正黑體" panose="020B0604030504040204" pitchFamily="34" charset="-120"/>
+                    </a:rPr>
+                    <a:t>供應商行為準則．結構化協議．評估與改進．申訴程序</a:t>
+                  </a:r>
+                </a:p>
+              </p:txBody>
+            </p:sp>
           </p:grpSp>
           <p:sp>
             <p:nvSpPr>
-              <p:cNvPr id="3" name="矩形 2">
+              <p:cNvPr id="21" name="文字方塊 20">
                 <a:extLst>
                   <a:ext uri="{FF2B5EF4-FFF2-40B4-BE49-F238E27FC236}">
-                    <a16:creationId xmlns:a16="http://schemas.microsoft.com/office/drawing/2014/main" id="{E086A6D7-75C4-446B-BCD0-9F40115BDB6A}"/>
+                    <a16:creationId xmlns:a16="http://schemas.microsoft.com/office/drawing/2014/main" id="{6527EACF-2224-4C34-B631-EA32339C6C86}"/>
                   </a:ext>
                 </a:extLst>
               </p:cNvPr>
-              <p:cNvSpPr/>
+              <p:cNvSpPr txBox="1"/>
               <p:nvPr/>
             </p:nvSpPr>
             <p:spPr>
               <a:xfrm>
-                <a:off x="3412633" y="6737940"/>
-                <a:ext cx="5086350" cy="790575"/>
+                <a:off x="2510570" y="2858117"/>
+                <a:ext cx="1800493" cy="369332"/>
               </a:xfrm>
               <a:prstGeom prst="rect">
                 <a:avLst/>
               </a:prstGeom>
-              <a:solidFill>
-                <a:srgbClr val="072D5A"/>
-              </a:solidFill>
-              <a:ln>
-                <a:noFill/>
-              </a:ln>
+              <a:noFill/>
             </p:spPr>
-            <p:style>
-              <a:lnRef idx="2">
-                <a:schemeClr val="accent1">
-                  <a:shade val="50000"/>
-                </a:schemeClr>
-              </a:lnRef>
-              <a:fillRef idx="1">
-                <a:schemeClr val="accent1"/>
-              </a:fillRef>
-              <a:effectRef idx="0">
-                <a:schemeClr val="accent1"/>
-              </a:effectRef>
-              <a:fontRef idx="minor">
-                <a:schemeClr val="lt1"/>
-              </a:fontRef>
-            </p:style>
             <p:txBody>
-              <a:bodyPr rtlCol="0" anchor="ctr"/>
+              <a:bodyPr wrap="none" rtlCol="0">
+                <a:spAutoFit/>
+              </a:bodyPr>
               <a:lstStyle/>
               <a:p>
-                <a:pPr algn="ctr">
-                  <a:lnSpc>
-                    <a:spcPct val="250000"/>
-                  </a:lnSpc>
-                </a:pPr>
-                <a:endParaRPr lang="zh-TW" altLang="en-US" sz="1600" dirty="0">
-                  <a:latin typeface="微軟正黑體" panose="020B0604030504040204" pitchFamily="34" charset="-120"/>
-                  <a:ea typeface="微軟正黑體" panose="020B0604030504040204" pitchFamily="34" charset="-120"/>
-                </a:endParaRPr>
+                <a:r>
+                  <a:rPr lang="zh-TW" altLang="en-US" b="1" dirty="0">
+                    <a:solidFill>
+                      <a:srgbClr val="072D5A"/>
+                    </a:solidFill>
+                    <a:latin typeface="微軟正黑體" panose="020B0604030504040204" pitchFamily="34" charset="-120"/>
+                    <a:ea typeface="微軟正黑體" panose="020B0604030504040204" pitchFamily="34" charset="-120"/>
+                  </a:rPr>
+                  <a:t>人權與勞動權益</a:t>
+                </a:r>
+              </a:p>
+            </p:txBody>
+          </p:sp>
+          <p:sp>
+            <p:nvSpPr>
+              <p:cNvPr id="22" name="文字方塊 21">
+                <a:extLst>
+                  <a:ext uri="{FF2B5EF4-FFF2-40B4-BE49-F238E27FC236}">
+                    <a16:creationId xmlns:a16="http://schemas.microsoft.com/office/drawing/2014/main" id="{701FC784-C5B5-4339-9F3A-4C55B1EA1BBA}"/>
+                  </a:ext>
+                </a:extLst>
+              </p:cNvPr>
+              <p:cNvSpPr txBox="1"/>
+              <p:nvPr/>
+            </p:nvSpPr>
+            <p:spPr>
+              <a:xfrm>
+                <a:off x="5862131" y="2866327"/>
+                <a:ext cx="1107996" cy="369332"/>
+              </a:xfrm>
+              <a:prstGeom prst="rect">
+                <a:avLst/>
+              </a:prstGeom>
+              <a:noFill/>
+            </p:spPr>
+            <p:txBody>
+              <a:bodyPr wrap="none" rtlCol="0">
+                <a:spAutoFit/>
+              </a:bodyPr>
+              <a:lstStyle/>
+              <a:p>
+                <a:r>
+                  <a:rPr lang="zh-TW" altLang="en-US" b="1" dirty="0">
+                    <a:solidFill>
+                      <a:srgbClr val="072D5A"/>
+                    </a:solidFill>
+                    <a:latin typeface="微軟正黑體" panose="020B0604030504040204" pitchFamily="34" charset="-120"/>
+                    <a:ea typeface="微軟正黑體" panose="020B0604030504040204" pitchFamily="34" charset="-120"/>
+                  </a:rPr>
+                  <a:t>環境保護</a:t>
+                </a:r>
+              </a:p>
+            </p:txBody>
+          </p:sp>
+          <p:sp>
+            <p:nvSpPr>
+              <p:cNvPr id="23" name="文字方塊 22">
+                <a:extLst>
+                  <a:ext uri="{FF2B5EF4-FFF2-40B4-BE49-F238E27FC236}">
+                    <a16:creationId xmlns:a16="http://schemas.microsoft.com/office/drawing/2014/main" id="{5F960371-5460-484D-9768-11C673DCFFD7}"/>
+                  </a:ext>
+                </a:extLst>
+              </p:cNvPr>
+              <p:cNvSpPr txBox="1"/>
+              <p:nvPr/>
+            </p:nvSpPr>
+            <p:spPr>
+              <a:xfrm>
+                <a:off x="9088371" y="2864453"/>
+                <a:ext cx="877163" cy="369332"/>
+              </a:xfrm>
+              <a:prstGeom prst="rect">
+                <a:avLst/>
+              </a:prstGeom>
+              <a:noFill/>
+            </p:spPr>
+            <p:txBody>
+              <a:bodyPr wrap="none" rtlCol="0">
+                <a:spAutoFit/>
+              </a:bodyPr>
+              <a:lstStyle/>
+              <a:p>
+                <a:r>
+                  <a:rPr lang="zh-TW" altLang="en-US" b="1" dirty="0">
+                    <a:solidFill>
+                      <a:srgbClr val="072D5A"/>
+                    </a:solidFill>
+                    <a:latin typeface="微軟正黑體" panose="020B0604030504040204" pitchFamily="34" charset="-120"/>
+                    <a:ea typeface="微軟正黑體" panose="020B0604030504040204" pitchFamily="34" charset="-120"/>
+                  </a:rPr>
+                  <a:t>反貪腐</a:t>
+                </a:r>
               </a:p>
             </p:txBody>
           </p:sp>
         </p:grpSp>
         <p:sp>
           <p:nvSpPr>
-            <p:cNvPr id="13" name="矩形 12">
+            <p:cNvPr id="31" name="矩形 30">
               <a:extLst>
                 <a:ext uri="{FF2B5EF4-FFF2-40B4-BE49-F238E27FC236}">
-                  <a16:creationId xmlns:a16="http://schemas.microsoft.com/office/drawing/2014/main" id="{E4515B71-0F93-43F6-96D9-B11370E5E80A}"/>
+                  <a16:creationId xmlns:a16="http://schemas.microsoft.com/office/drawing/2014/main" id="{1B3F8F79-692E-46B0-8EB7-169D0CB001AB}"/>
                 </a:ext>
               </a:extLst>
             </p:cNvPr>
@@ -11627,54 +12323,310 @@
           </p:nvSpPr>
           <p:spPr>
             <a:xfrm>
-              <a:off x="3047998" y="6546524"/>
-              <a:ext cx="6096000" cy="1061829"/>
+              <a:off x="3103880" y="8194935"/>
+              <a:ext cx="553720" cy="711200"/>
             </a:xfrm>
             <a:prstGeom prst="rect">
               <a:avLst/>
             </a:prstGeom>
+            <a:solidFill>
+              <a:schemeClr val="bg1"/>
+            </a:solidFill>
+            <a:ln>
+              <a:noFill/>
+            </a:ln>
+          </p:spPr>
+          <p:style>
+            <a:lnRef idx="2">
+              <a:schemeClr val="accent1">
+                <a:shade val="50000"/>
+              </a:schemeClr>
+            </a:lnRef>
+            <a:fillRef idx="1">
+              <a:schemeClr val="accent1"/>
+            </a:fillRef>
+            <a:effectRef idx="0">
+              <a:schemeClr val="accent1"/>
+            </a:effectRef>
+            <a:fontRef idx="minor">
+              <a:schemeClr val="lt1"/>
+            </a:fontRef>
+          </p:style>
+          <p:txBody>
+            <a:bodyPr rtlCol="0" anchor="ctr"/>
+            <a:lstStyle/>
+            <a:p>
+              <a:pPr algn="ctr"/>
+              <a:endParaRPr lang="zh-TW" altLang="en-US"/>
+            </a:p>
+          </p:txBody>
+        </p:sp>
+        <p:sp>
+          <p:nvSpPr>
+            <p:cNvPr id="30" name="文字方塊 29">
+              <a:extLst>
+                <a:ext uri="{FF2B5EF4-FFF2-40B4-BE49-F238E27FC236}">
+                  <a16:creationId xmlns:a16="http://schemas.microsoft.com/office/drawing/2014/main" id="{ED9B6162-D694-4147-8C28-5592D1467E47}"/>
+                </a:ext>
+              </a:extLst>
+            </p:cNvPr>
+            <p:cNvSpPr txBox="1"/>
+            <p:nvPr/>
+          </p:nvSpPr>
+          <p:spPr>
+            <a:xfrm>
+              <a:off x="3108069" y="8193192"/>
+              <a:ext cx="545342" cy="646331"/>
+            </a:xfrm>
+            <a:prstGeom prst="rect">
+              <a:avLst/>
+            </a:prstGeom>
+            <a:noFill/>
           </p:spPr>
           <p:txBody>
-            <a:bodyPr>
+            <a:bodyPr wrap="none" rtlCol="0">
               <a:spAutoFit/>
             </a:bodyPr>
             <a:lstStyle/>
             <a:p>
-              <a:pPr algn="ctr">
-                <a:lnSpc>
-                  <a:spcPct val="250000"/>
-                </a:lnSpc>
-              </a:pPr>
               <a:r>
-                <a:rPr lang="zh-TW" altLang="en-US" b="1" dirty="0">
+                <a:rPr lang="en-US" altLang="zh-TW" dirty="0">
                   <a:solidFill>
-                    <a:schemeClr val="bg1"/>
+                    <a:srgbClr val="383838"/>
                   </a:solidFill>
-                  <a:latin typeface="微軟正黑體" panose="020B0604030504040204" pitchFamily="34" charset="-120"/>
-                  <a:ea typeface="微軟正黑體" panose="020B0604030504040204" pitchFamily="34" charset="-120"/>
                 </a:rPr>
-                <a:t>供應商善盡共同責任</a:t>
+                <a:t>Tier</a:t>
               </a:r>
-              <a:endParaRPr lang="en-US" altLang="zh-TW" dirty="0">
-                <a:solidFill>
-                  <a:schemeClr val="bg1"/>
-                </a:solidFill>
-                <a:latin typeface="微軟正黑體" panose="020B0604030504040204" pitchFamily="34" charset="-120"/>
-                <a:ea typeface="微軟正黑體" panose="020B0604030504040204" pitchFamily="34" charset="-120"/>
-              </a:endParaRPr>
             </a:p>
             <a:p>
               <a:pPr algn="ctr"/>
               <a:r>
-                <a:rPr lang="zh-TW" altLang="en-US" dirty="0">
+                <a:rPr lang="en-US" altLang="zh-TW" dirty="0">
                   <a:solidFill>
-                    <a:schemeClr val="bg1"/>
+                    <a:srgbClr val="383838"/>
                   </a:solidFill>
-                  <a:latin typeface="微軟正黑體" panose="020B0604030504040204" pitchFamily="34" charset="-120"/>
-                  <a:ea typeface="微軟正黑體" panose="020B0604030504040204" pitchFamily="34" charset="-120"/>
                 </a:rPr>
-                <a:t>供應商行為準則．結構化協議．評估與改進．申訴程序</a:t>
+                <a:t>1</a:t>
               </a:r>
+              <a:endParaRPr lang="zh-TW" altLang="en-US" dirty="0">
+                <a:solidFill>
+                  <a:srgbClr val="383838"/>
+                </a:solidFill>
+              </a:endParaRPr>
+            </a:p>
+          </p:txBody>
+        </p:sp>
+        <p:sp>
+          <p:nvSpPr>
+            <p:cNvPr id="32" name="矩形 31">
+              <a:extLst>
+                <a:ext uri="{FF2B5EF4-FFF2-40B4-BE49-F238E27FC236}">
+                  <a16:creationId xmlns:a16="http://schemas.microsoft.com/office/drawing/2014/main" id="{28193F71-EFED-4EE9-8613-4A555DC45613}"/>
+                </a:ext>
+              </a:extLst>
+            </p:cNvPr>
+            <p:cNvSpPr/>
+            <p:nvPr/>
+          </p:nvSpPr>
+          <p:spPr>
+            <a:xfrm>
+              <a:off x="6122532" y="8194935"/>
+              <a:ext cx="553720" cy="711200"/>
+            </a:xfrm>
+            <a:prstGeom prst="rect">
+              <a:avLst/>
+            </a:prstGeom>
+            <a:solidFill>
+              <a:schemeClr val="bg1"/>
+            </a:solidFill>
+            <a:ln>
+              <a:noFill/>
+            </a:ln>
+          </p:spPr>
+          <p:style>
+            <a:lnRef idx="2">
+              <a:schemeClr val="accent1">
+                <a:shade val="50000"/>
+              </a:schemeClr>
+            </a:lnRef>
+            <a:fillRef idx="1">
+              <a:schemeClr val="accent1"/>
+            </a:fillRef>
+            <a:effectRef idx="0">
+              <a:schemeClr val="accent1"/>
+            </a:effectRef>
+            <a:fontRef idx="minor">
+              <a:schemeClr val="lt1"/>
+            </a:fontRef>
+          </p:style>
+          <p:txBody>
+            <a:bodyPr rtlCol="0" anchor="ctr"/>
+            <a:lstStyle/>
+            <a:p>
+              <a:pPr algn="ctr"/>
+              <a:endParaRPr lang="zh-TW" altLang="en-US"/>
+            </a:p>
+          </p:txBody>
+        </p:sp>
+        <p:sp>
+          <p:nvSpPr>
+            <p:cNvPr id="33" name="文字方塊 32">
+              <a:extLst>
+                <a:ext uri="{FF2B5EF4-FFF2-40B4-BE49-F238E27FC236}">
+                  <a16:creationId xmlns:a16="http://schemas.microsoft.com/office/drawing/2014/main" id="{F1F3BABF-F9E3-42E0-89F8-F130A2C53C4B}"/>
+                </a:ext>
+              </a:extLst>
+            </p:cNvPr>
+            <p:cNvSpPr txBox="1"/>
+            <p:nvPr/>
+          </p:nvSpPr>
+          <p:spPr>
+            <a:xfrm>
+              <a:off x="6126721" y="8193192"/>
+              <a:ext cx="545342" cy="646331"/>
+            </a:xfrm>
+            <a:prstGeom prst="rect">
+              <a:avLst/>
+            </a:prstGeom>
+            <a:noFill/>
+          </p:spPr>
+          <p:txBody>
+            <a:bodyPr wrap="none" rtlCol="0">
+              <a:spAutoFit/>
+            </a:bodyPr>
+            <a:lstStyle/>
+            <a:p>
+              <a:r>
+                <a:rPr lang="en-US" altLang="zh-TW" dirty="0">
+                  <a:solidFill>
+                    <a:srgbClr val="383838"/>
+                  </a:solidFill>
+                </a:rPr>
+                <a:t>Tier</a:t>
+              </a:r>
+            </a:p>
+            <a:p>
+              <a:pPr algn="ctr"/>
+              <a:r>
+                <a:rPr lang="en-US" altLang="zh-TW" dirty="0">
+                  <a:solidFill>
+                    <a:srgbClr val="383838"/>
+                  </a:solidFill>
+                </a:rPr>
+                <a:t>2</a:t>
+              </a:r>
+              <a:endParaRPr lang="zh-TW" altLang="en-US" dirty="0">
+                <a:solidFill>
+                  <a:srgbClr val="383838"/>
+                </a:solidFill>
+              </a:endParaRPr>
+            </a:p>
+          </p:txBody>
+        </p:sp>
+        <p:sp>
+          <p:nvSpPr>
+            <p:cNvPr id="34" name="矩形 33">
+              <a:extLst>
+                <a:ext uri="{FF2B5EF4-FFF2-40B4-BE49-F238E27FC236}">
+                  <a16:creationId xmlns:a16="http://schemas.microsoft.com/office/drawing/2014/main" id="{542755BF-845F-4BFC-A68C-9057BBF1E2C7}"/>
+                </a:ext>
+              </a:extLst>
+            </p:cNvPr>
+            <p:cNvSpPr/>
+            <p:nvPr/>
+          </p:nvSpPr>
+          <p:spPr>
+            <a:xfrm>
+              <a:off x="9267052" y="8194935"/>
+              <a:ext cx="553720" cy="711200"/>
+            </a:xfrm>
+            <a:prstGeom prst="rect">
+              <a:avLst/>
+            </a:prstGeom>
+            <a:solidFill>
+              <a:schemeClr val="bg1"/>
+            </a:solidFill>
+            <a:ln>
+              <a:noFill/>
+            </a:ln>
+          </p:spPr>
+          <p:style>
+            <a:lnRef idx="2">
+              <a:schemeClr val="accent1">
+                <a:shade val="50000"/>
+              </a:schemeClr>
+            </a:lnRef>
+            <a:fillRef idx="1">
+              <a:schemeClr val="accent1"/>
+            </a:fillRef>
+            <a:effectRef idx="0">
+              <a:schemeClr val="accent1"/>
+            </a:effectRef>
+            <a:fontRef idx="minor">
+              <a:schemeClr val="lt1"/>
+            </a:fontRef>
+          </p:style>
+          <p:txBody>
+            <a:bodyPr rtlCol="0" anchor="ctr"/>
+            <a:lstStyle/>
+            <a:p>
+              <a:pPr algn="ctr"/>
+              <a:endParaRPr lang="zh-TW" altLang="en-US"/>
+            </a:p>
+          </p:txBody>
+        </p:sp>
+        <p:sp>
+          <p:nvSpPr>
+            <p:cNvPr id="35" name="文字方塊 34">
+              <a:extLst>
+                <a:ext uri="{FF2B5EF4-FFF2-40B4-BE49-F238E27FC236}">
+                  <a16:creationId xmlns:a16="http://schemas.microsoft.com/office/drawing/2014/main" id="{33773CF7-99F5-4F82-A513-C9506D006602}"/>
+                </a:ext>
+              </a:extLst>
+            </p:cNvPr>
+            <p:cNvSpPr txBox="1"/>
+            <p:nvPr/>
+          </p:nvSpPr>
+          <p:spPr>
+            <a:xfrm>
+              <a:off x="9271241" y="8193192"/>
+              <a:ext cx="545342" cy="646331"/>
+            </a:xfrm>
+            <a:prstGeom prst="rect">
+              <a:avLst/>
+            </a:prstGeom>
+            <a:noFill/>
+          </p:spPr>
+          <p:txBody>
+            <a:bodyPr wrap="none" rtlCol="0">
+              <a:spAutoFit/>
+            </a:bodyPr>
+            <a:lstStyle/>
+            <a:p>
+              <a:r>
+                <a:rPr lang="en-US" altLang="zh-TW" dirty="0">
+                  <a:solidFill>
+                    <a:srgbClr val="383838"/>
+                  </a:solidFill>
+                </a:rPr>
+                <a:t>Tier</a:t>
+              </a:r>
+            </a:p>
+            <a:p>
+              <a:pPr algn="ctr"/>
+              <a:r>
+                <a:rPr lang="en-US" altLang="zh-TW" dirty="0">
+                  <a:solidFill>
+                    <a:srgbClr val="383838"/>
+                  </a:solidFill>
+                </a:rPr>
+                <a:t>3</a:t>
+              </a:r>
+              <a:endParaRPr lang="zh-TW" altLang="en-US" dirty="0">
+                <a:solidFill>
+                  <a:srgbClr val="383838"/>
+                </a:solidFill>
+              </a:endParaRPr>
             </a:p>
           </p:txBody>
         </p:sp>

--- a/sdms/images/org_chart.pptx
+++ b/sdms/images/org_chart.pptx
@@ -261,7 +261,7 @@
           <a:p>
             <a:fld id="{F9348AF6-6B39-4FE1-9903-1DAEF177AE5D}" type="datetimeFigureOut">
               <a:rPr lang="zh-TW" altLang="en-US" smtClean="0"/>
-              <a:t>2023/3/7</a:t>
+              <a:t>2023/4/27</a:t>
             </a:fld>
             <a:endParaRPr lang="zh-TW" altLang="en-US"/>
           </a:p>
@@ -459,7 +459,7 @@
           <a:p>
             <a:fld id="{F9348AF6-6B39-4FE1-9903-1DAEF177AE5D}" type="datetimeFigureOut">
               <a:rPr lang="zh-TW" altLang="en-US" smtClean="0"/>
-              <a:t>2023/3/7</a:t>
+              <a:t>2023/4/27</a:t>
             </a:fld>
             <a:endParaRPr lang="zh-TW" altLang="en-US"/>
           </a:p>
@@ -667,7 +667,7 @@
           <a:p>
             <a:fld id="{F9348AF6-6B39-4FE1-9903-1DAEF177AE5D}" type="datetimeFigureOut">
               <a:rPr lang="zh-TW" altLang="en-US" smtClean="0"/>
-              <a:t>2023/3/7</a:t>
+              <a:t>2023/4/27</a:t>
             </a:fld>
             <a:endParaRPr lang="zh-TW" altLang="en-US"/>
           </a:p>
@@ -865,7 +865,7 @@
           <a:p>
             <a:fld id="{F9348AF6-6B39-4FE1-9903-1DAEF177AE5D}" type="datetimeFigureOut">
               <a:rPr lang="zh-TW" altLang="en-US" smtClean="0"/>
-              <a:t>2023/3/7</a:t>
+              <a:t>2023/4/27</a:t>
             </a:fld>
             <a:endParaRPr lang="zh-TW" altLang="en-US"/>
           </a:p>
@@ -1140,7 +1140,7 @@
           <a:p>
             <a:fld id="{F9348AF6-6B39-4FE1-9903-1DAEF177AE5D}" type="datetimeFigureOut">
               <a:rPr lang="zh-TW" altLang="en-US" smtClean="0"/>
-              <a:t>2023/3/7</a:t>
+              <a:t>2023/4/27</a:t>
             </a:fld>
             <a:endParaRPr lang="zh-TW" altLang="en-US"/>
           </a:p>
@@ -1405,7 +1405,7 @@
           <a:p>
             <a:fld id="{F9348AF6-6B39-4FE1-9903-1DAEF177AE5D}" type="datetimeFigureOut">
               <a:rPr lang="zh-TW" altLang="en-US" smtClean="0"/>
-              <a:t>2023/3/7</a:t>
+              <a:t>2023/4/27</a:t>
             </a:fld>
             <a:endParaRPr lang="zh-TW" altLang="en-US"/>
           </a:p>
@@ -1817,7 +1817,7 @@
           <a:p>
             <a:fld id="{F9348AF6-6B39-4FE1-9903-1DAEF177AE5D}" type="datetimeFigureOut">
               <a:rPr lang="zh-TW" altLang="en-US" smtClean="0"/>
-              <a:t>2023/3/7</a:t>
+              <a:t>2023/4/27</a:t>
             </a:fld>
             <a:endParaRPr lang="zh-TW" altLang="en-US"/>
           </a:p>
@@ -1958,7 +1958,7 @@
           <a:p>
             <a:fld id="{F9348AF6-6B39-4FE1-9903-1DAEF177AE5D}" type="datetimeFigureOut">
               <a:rPr lang="zh-TW" altLang="en-US" smtClean="0"/>
-              <a:t>2023/3/7</a:t>
+              <a:t>2023/4/27</a:t>
             </a:fld>
             <a:endParaRPr lang="zh-TW" altLang="en-US"/>
           </a:p>
@@ -2071,7 +2071,7 @@
           <a:p>
             <a:fld id="{F9348AF6-6B39-4FE1-9903-1DAEF177AE5D}" type="datetimeFigureOut">
               <a:rPr lang="zh-TW" altLang="en-US" smtClean="0"/>
-              <a:t>2023/3/7</a:t>
+              <a:t>2023/4/27</a:t>
             </a:fld>
             <a:endParaRPr lang="zh-TW" altLang="en-US"/>
           </a:p>
@@ -2382,7 +2382,7 @@
           <a:p>
             <a:fld id="{F9348AF6-6B39-4FE1-9903-1DAEF177AE5D}" type="datetimeFigureOut">
               <a:rPr lang="zh-TW" altLang="en-US" smtClean="0"/>
-              <a:t>2023/3/7</a:t>
+              <a:t>2023/4/27</a:t>
             </a:fld>
             <a:endParaRPr lang="zh-TW" altLang="en-US"/>
           </a:p>
@@ -2670,7 +2670,7 @@
           <a:p>
             <a:fld id="{F9348AF6-6B39-4FE1-9903-1DAEF177AE5D}" type="datetimeFigureOut">
               <a:rPr lang="zh-TW" altLang="en-US" smtClean="0"/>
-              <a:t>2023/3/7</a:t>
+              <a:t>2023/4/27</a:t>
             </a:fld>
             <a:endParaRPr lang="zh-TW" altLang="en-US"/>
           </a:p>
@@ -2911,7 +2911,7 @@
           <a:p>
             <a:fld id="{F9348AF6-6B39-4FE1-9903-1DAEF177AE5D}" type="datetimeFigureOut">
               <a:rPr lang="zh-TW" altLang="en-US" smtClean="0"/>
-              <a:t>2023/3/7</a:t>
+              <a:t>2023/4/27</a:t>
             </a:fld>
             <a:endParaRPr lang="zh-TW" altLang="en-US"/>
           </a:p>
@@ -10923,8 +10923,8 @@
                     </p:nvSpPr>
                     <p:spPr>
                       <a:xfrm>
-                        <a:off x="2292161" y="851098"/>
-                        <a:ext cx="2355200" cy="2492990"/>
+                        <a:off x="2216488" y="801335"/>
+                        <a:ext cx="2433456" cy="2640723"/>
                       </a:xfrm>
                       <a:prstGeom prst="rect">
                         <a:avLst/>
@@ -10939,7 +10939,7 @@
                       <a:p>
                         <a:pPr lvl="0"/>
                         <a:r>
-                          <a:rPr lang="zh-TW" altLang="en-US" sz="1300" dirty="0">
+                          <a:rPr lang="zh-TW" altLang="en-US" sz="1380" dirty="0">
                             <a:solidFill>
                               <a:srgbClr val="515151"/>
                             </a:solidFill>
@@ -10949,7 +10949,7 @@
                           <a:t>．</a:t>
                         </a:r>
                         <a:r>
-                          <a:rPr lang="zh-TW" altLang="zh-TW" sz="1300" dirty="0">
+                          <a:rPr lang="zh-TW" altLang="zh-TW" sz="1380" dirty="0">
                             <a:solidFill>
                               <a:srgbClr val="515151"/>
                             </a:solidFill>
@@ -10959,7 +10959,7 @@
                           <a:t>禁止使用童工和不強迫勞動</a:t>
                         </a:r>
                         <a:r>
-                          <a:rPr lang="zh-TW" altLang="en-US" sz="1300" dirty="0">
+                          <a:rPr lang="zh-TW" altLang="en-US" sz="1380" dirty="0">
                             <a:solidFill>
                               <a:srgbClr val="515151"/>
                             </a:solidFill>
@@ -10968,7 +10968,7 @@
                           </a:rPr>
                           <a:t>。</a:t>
                         </a:r>
-                        <a:endParaRPr lang="zh-TW" altLang="zh-TW" sz="1300" dirty="0">
+                        <a:endParaRPr lang="zh-TW" altLang="zh-TW" sz="1380" dirty="0">
                           <a:solidFill>
                             <a:srgbClr val="515151"/>
                           </a:solidFill>
@@ -10979,7 +10979,7 @@
                       <a:p>
                         <a:pPr lvl="0"/>
                         <a:r>
-                          <a:rPr lang="zh-TW" altLang="en-US" sz="1300" dirty="0">
+                          <a:rPr lang="zh-TW" altLang="en-US" sz="1380" dirty="0">
                             <a:solidFill>
                               <a:srgbClr val="515151"/>
                             </a:solidFill>
@@ -10989,7 +10989,7 @@
                           <a:t>．</a:t>
                         </a:r>
                         <a:r>
-                          <a:rPr lang="zh-TW" altLang="zh-TW" sz="1300" dirty="0">
+                          <a:rPr lang="zh-TW" altLang="zh-TW" sz="1380" dirty="0">
                             <a:solidFill>
                               <a:srgbClr val="515151"/>
                             </a:solidFill>
@@ -10999,7 +10999,7 @@
                           <a:t>維護社區關係與減少負面影響</a:t>
                         </a:r>
                         <a:r>
-                          <a:rPr lang="zh-TW" altLang="en-US" sz="1300" dirty="0">
+                          <a:rPr lang="zh-TW" altLang="en-US" sz="1380" dirty="0">
                             <a:solidFill>
                               <a:srgbClr val="515151"/>
                             </a:solidFill>
@@ -11008,7 +11008,7 @@
                           </a:rPr>
                           <a:t>。</a:t>
                         </a:r>
-                        <a:endParaRPr lang="zh-TW" altLang="zh-TW" sz="1300" dirty="0">
+                        <a:endParaRPr lang="zh-TW" altLang="zh-TW" sz="1380" dirty="0">
                           <a:solidFill>
                             <a:srgbClr val="515151"/>
                           </a:solidFill>
@@ -11019,7 +11019,7 @@
                       <a:p>
                         <a:pPr lvl="0"/>
                         <a:r>
-                          <a:rPr lang="zh-TW" altLang="en-US" sz="1300" dirty="0">
+                          <a:rPr lang="zh-TW" altLang="en-US" sz="1380" dirty="0">
                             <a:solidFill>
                               <a:srgbClr val="515151"/>
                             </a:solidFill>
@@ -11029,7 +11029,7 @@
                           <a:t>．</a:t>
                         </a:r>
                         <a:r>
-                          <a:rPr lang="zh-TW" altLang="zh-TW" sz="1300" dirty="0">
+                          <a:rPr lang="zh-TW" altLang="zh-TW" sz="1380" dirty="0">
                             <a:solidFill>
                               <a:srgbClr val="515151"/>
                             </a:solidFill>
@@ -11039,7 +11039,7 @@
                           <a:t>不與受衝突影響地區有所關連</a:t>
                         </a:r>
                         <a:r>
-                          <a:rPr lang="zh-TW" altLang="en-US" sz="1300" dirty="0">
+                          <a:rPr lang="zh-TW" altLang="en-US" sz="1380" dirty="0">
                             <a:solidFill>
                               <a:srgbClr val="515151"/>
                             </a:solidFill>
@@ -11048,7 +11048,7 @@
                           </a:rPr>
                           <a:t>。</a:t>
                         </a:r>
-                        <a:endParaRPr lang="zh-TW" altLang="zh-TW" sz="1300" dirty="0">
+                        <a:endParaRPr lang="zh-TW" altLang="zh-TW" sz="1380" dirty="0">
                           <a:solidFill>
                             <a:srgbClr val="515151"/>
                           </a:solidFill>
@@ -11059,7 +11059,7 @@
                       <a:p>
                         <a:pPr lvl="0"/>
                         <a:r>
-                          <a:rPr lang="zh-TW" altLang="en-US" sz="1300" dirty="0">
+                          <a:rPr lang="zh-TW" altLang="en-US" sz="1380" dirty="0">
                             <a:solidFill>
                               <a:srgbClr val="515151"/>
                             </a:solidFill>
@@ -11069,7 +11069,7 @@
                           <a:t>．</a:t>
                         </a:r>
                         <a:r>
-                          <a:rPr lang="zh-TW" altLang="zh-TW" sz="1300" dirty="0">
+                          <a:rPr lang="zh-TW" altLang="zh-TW" sz="1380" dirty="0">
                             <a:solidFill>
                               <a:srgbClr val="515151"/>
                             </a:solidFill>
@@ -11079,7 +11079,7 @@
                           <a:t>不使用衝突礦產</a:t>
                         </a:r>
                         <a:r>
-                          <a:rPr lang="zh-TW" altLang="en-US" sz="1300" dirty="0">
+                          <a:rPr lang="zh-TW" altLang="en-US" sz="1380" dirty="0">
                             <a:solidFill>
                               <a:srgbClr val="515151"/>
                             </a:solidFill>
@@ -11088,7 +11088,7 @@
                           </a:rPr>
                           <a:t>。</a:t>
                         </a:r>
-                        <a:endParaRPr lang="zh-TW" altLang="zh-TW" sz="1300" dirty="0">
+                        <a:endParaRPr lang="zh-TW" altLang="zh-TW" sz="1380" dirty="0">
                           <a:solidFill>
                             <a:srgbClr val="515151"/>
                           </a:solidFill>
@@ -11099,7 +11099,7 @@
                       <a:p>
                         <a:pPr lvl="0"/>
                         <a:r>
-                          <a:rPr lang="zh-TW" altLang="en-US" sz="1300" dirty="0">
+                          <a:rPr lang="zh-TW" altLang="en-US" sz="1380" dirty="0">
                             <a:solidFill>
                               <a:srgbClr val="515151"/>
                             </a:solidFill>
@@ -11109,7 +11109,7 @@
                           <a:t>．</a:t>
                         </a:r>
                         <a:r>
-                          <a:rPr lang="zh-TW" altLang="zh-TW" sz="1300" dirty="0">
+                          <a:rPr lang="zh-TW" altLang="zh-TW" sz="1380" dirty="0">
                             <a:solidFill>
                               <a:srgbClr val="515151"/>
                             </a:solidFill>
@@ -11119,7 +11119,7 @@
                           <a:t>禁止歧視、騷擾、虐待</a:t>
                         </a:r>
                         <a:r>
-                          <a:rPr lang="zh-TW" altLang="en-US" sz="1300" dirty="0">
+                          <a:rPr lang="zh-TW" altLang="en-US" sz="1380" dirty="0">
                             <a:solidFill>
                               <a:srgbClr val="515151"/>
                             </a:solidFill>
@@ -11128,7 +11128,7 @@
                           </a:rPr>
                           <a:t>。</a:t>
                         </a:r>
-                        <a:endParaRPr lang="zh-TW" altLang="zh-TW" sz="1300" dirty="0">
+                        <a:endParaRPr lang="zh-TW" altLang="zh-TW" sz="1380" dirty="0">
                           <a:solidFill>
                             <a:srgbClr val="515151"/>
                           </a:solidFill>
@@ -11139,7 +11139,7 @@
                       <a:p>
                         <a:pPr lvl="0"/>
                         <a:r>
-                          <a:rPr lang="zh-TW" altLang="en-US" sz="1300" dirty="0">
+                          <a:rPr lang="zh-TW" altLang="en-US" sz="1380" dirty="0">
                             <a:solidFill>
                               <a:srgbClr val="515151"/>
                             </a:solidFill>
@@ -11149,7 +11149,7 @@
                           <a:t>．</a:t>
                         </a:r>
                         <a:r>
-                          <a:rPr lang="zh-TW" altLang="zh-TW" sz="1300" dirty="0">
+                          <a:rPr lang="zh-TW" altLang="zh-TW" sz="1380" dirty="0">
                             <a:solidFill>
                               <a:srgbClr val="515151"/>
                             </a:solidFill>
@@ -11159,7 +11159,7 @@
                           <a:t>適當之懲戒措施及紀錄</a:t>
                         </a:r>
                         <a:r>
-                          <a:rPr lang="zh-TW" altLang="en-US" sz="1300" dirty="0">
+                          <a:rPr lang="zh-TW" altLang="en-US" sz="1380" dirty="0">
                             <a:solidFill>
                               <a:srgbClr val="515151"/>
                             </a:solidFill>
@@ -11168,7 +11168,7 @@
                           </a:rPr>
                           <a:t>。</a:t>
                         </a:r>
-                        <a:endParaRPr lang="zh-TW" altLang="zh-TW" sz="1300" dirty="0">
+                        <a:endParaRPr lang="zh-TW" altLang="zh-TW" sz="1380" dirty="0">
                           <a:solidFill>
                             <a:srgbClr val="515151"/>
                           </a:solidFill>
@@ -11179,7 +11179,7 @@
                       <a:p>
                         <a:pPr lvl="0"/>
                         <a:r>
-                          <a:rPr lang="zh-TW" altLang="en-US" sz="1300" dirty="0">
+                          <a:rPr lang="zh-TW" altLang="en-US" sz="1380" dirty="0">
                             <a:solidFill>
                               <a:srgbClr val="515151"/>
                             </a:solidFill>
@@ -11189,7 +11189,7 @@
                           <a:t>．</a:t>
                         </a:r>
                         <a:r>
-                          <a:rPr lang="zh-TW" altLang="zh-TW" sz="1300" dirty="0">
+                          <a:rPr lang="zh-TW" altLang="zh-TW" sz="1380" dirty="0">
                             <a:solidFill>
                               <a:srgbClr val="515151"/>
                             </a:solidFill>
@@ -11199,7 +11199,7 @@
                           <a:t>擁有結社自由和集體談判權</a:t>
                         </a:r>
                         <a:r>
-                          <a:rPr lang="zh-TW" altLang="en-US" sz="1300" dirty="0">
+                          <a:rPr lang="zh-TW" altLang="en-US" sz="1380" dirty="0">
                             <a:solidFill>
                               <a:srgbClr val="515151"/>
                             </a:solidFill>
@@ -11208,7 +11208,7 @@
                           </a:rPr>
                           <a:t>。</a:t>
                         </a:r>
-                        <a:endParaRPr lang="zh-TW" altLang="zh-TW" sz="1300" dirty="0">
+                        <a:endParaRPr lang="zh-TW" altLang="zh-TW" sz="1380" dirty="0">
                           <a:solidFill>
                             <a:srgbClr val="515151"/>
                           </a:solidFill>
@@ -11219,7 +11219,7 @@
                       <a:p>
                         <a:pPr lvl="0"/>
                         <a:r>
-                          <a:rPr lang="zh-TW" altLang="en-US" sz="1300" dirty="0">
+                          <a:rPr lang="zh-TW" altLang="en-US" sz="1380" dirty="0">
                             <a:solidFill>
                               <a:srgbClr val="515151"/>
                             </a:solidFill>
@@ -11229,7 +11229,7 @@
                           <a:t>．</a:t>
                         </a:r>
                         <a:r>
-                          <a:rPr lang="zh-TW" altLang="zh-TW" sz="1300" dirty="0">
+                          <a:rPr lang="zh-TW" altLang="zh-TW" sz="1380" dirty="0">
                             <a:solidFill>
                               <a:srgbClr val="515151"/>
                             </a:solidFill>
@@ -11239,7 +11239,7 @@
                           <a:t>提供健康和安全之工作環境</a:t>
                         </a:r>
                         <a:r>
-                          <a:rPr lang="zh-TW" altLang="en-US" sz="1300" dirty="0">
+                          <a:rPr lang="zh-TW" altLang="en-US" sz="1380" dirty="0">
                             <a:solidFill>
                               <a:srgbClr val="515151"/>
                             </a:solidFill>
@@ -11248,7 +11248,7 @@
                           </a:rPr>
                           <a:t>。</a:t>
                         </a:r>
-                        <a:endParaRPr lang="zh-TW" altLang="zh-TW" sz="1300" dirty="0">
+                        <a:endParaRPr lang="zh-TW" altLang="zh-TW" sz="1380" dirty="0">
                           <a:solidFill>
                             <a:srgbClr val="515151"/>
                           </a:solidFill>
@@ -11259,7 +11259,7 @@
                       <a:p>
                         <a:pPr lvl="0"/>
                         <a:r>
-                          <a:rPr lang="zh-TW" altLang="en-US" sz="1300" dirty="0">
+                          <a:rPr lang="zh-TW" altLang="en-US" sz="1380" dirty="0">
                             <a:solidFill>
                               <a:srgbClr val="515151"/>
                             </a:solidFill>
@@ -11269,7 +11269,7 @@
                           <a:t>．</a:t>
                         </a:r>
                         <a:r>
-                          <a:rPr lang="zh-TW" altLang="zh-TW" sz="1300" dirty="0">
+                          <a:rPr lang="zh-TW" altLang="zh-TW" sz="1380" dirty="0">
                             <a:solidFill>
                               <a:srgbClr val="515151"/>
                             </a:solidFill>
@@ -11279,7 +11279,7 @@
                           <a:t>注重聘僱措施</a:t>
                         </a:r>
                         <a:r>
-                          <a:rPr lang="zh-TW" altLang="en-US" sz="1300" dirty="0">
+                          <a:rPr lang="zh-TW" altLang="en-US" sz="1380" dirty="0">
                             <a:solidFill>
                               <a:srgbClr val="515151"/>
                             </a:solidFill>
@@ -11288,7 +11288,7 @@
                           </a:rPr>
                           <a:t>。</a:t>
                         </a:r>
-                        <a:endParaRPr lang="zh-TW" altLang="zh-TW" sz="1300" dirty="0">
+                        <a:endParaRPr lang="zh-TW" altLang="zh-TW" sz="1380" dirty="0">
                           <a:solidFill>
                             <a:srgbClr val="515151"/>
                           </a:solidFill>
@@ -11299,7 +11299,7 @@
                       <a:p>
                         <a:pPr lvl="0"/>
                         <a:r>
-                          <a:rPr lang="zh-TW" altLang="en-US" sz="1300" dirty="0">
+                          <a:rPr lang="zh-TW" altLang="en-US" sz="1380" dirty="0">
                             <a:solidFill>
                               <a:srgbClr val="515151"/>
                             </a:solidFill>
@@ -11309,7 +11309,7 @@
                           <a:t>．</a:t>
                         </a:r>
                         <a:r>
-                          <a:rPr lang="zh-TW" altLang="zh-TW" sz="1300" dirty="0">
+                          <a:rPr lang="zh-TW" altLang="zh-TW" sz="1380" dirty="0">
                             <a:solidFill>
                               <a:srgbClr val="515151"/>
                             </a:solidFill>
@@ -11319,7 +11319,7 @@
                           <a:t>合法及合理之薪酬、工時</a:t>
                         </a:r>
                         <a:r>
-                          <a:rPr lang="zh-TW" altLang="en-US" sz="1300" dirty="0">
+                          <a:rPr lang="zh-TW" altLang="en-US" sz="1380" dirty="0">
                             <a:solidFill>
                               <a:srgbClr val="515151"/>
                             </a:solidFill>
@@ -11328,7 +11328,7 @@
                           </a:rPr>
                           <a:t>。</a:t>
                         </a:r>
-                        <a:endParaRPr lang="zh-TW" altLang="zh-TW" sz="1300" dirty="0">
+                        <a:endParaRPr lang="zh-TW" altLang="zh-TW" sz="1380" dirty="0">
                           <a:solidFill>
                             <a:srgbClr val="515151"/>
                           </a:solidFill>
@@ -11339,7 +11339,7 @@
                       <a:p>
                         <a:pPr lvl="0"/>
                         <a:r>
-                          <a:rPr lang="zh-TW" altLang="en-US" sz="1300" dirty="0">
+                          <a:rPr lang="zh-TW" altLang="en-US" sz="1380" dirty="0">
                             <a:solidFill>
                               <a:srgbClr val="515151"/>
                             </a:solidFill>
@@ -11349,7 +11349,7 @@
                           <a:t>．</a:t>
                         </a:r>
                         <a:r>
-                          <a:rPr lang="zh-TW" altLang="zh-TW" sz="1300" dirty="0">
+                          <a:rPr lang="zh-TW" altLang="zh-TW" sz="1380" dirty="0">
                             <a:solidFill>
                               <a:srgbClr val="515151"/>
                             </a:solidFill>
@@ -11359,7 +11359,7 @@
                           <a:t>安全措施以規避風險</a:t>
                         </a:r>
                         <a:r>
-                          <a:rPr lang="zh-TW" altLang="en-US" sz="1300" dirty="0">
+                          <a:rPr lang="zh-TW" altLang="en-US" sz="1380" dirty="0">
                             <a:solidFill>
                               <a:srgbClr val="515151"/>
                             </a:solidFill>
@@ -11368,7 +11368,7 @@
                           </a:rPr>
                           <a:t>。</a:t>
                         </a:r>
-                        <a:endParaRPr lang="zh-TW" altLang="zh-TW" sz="1300" dirty="0">
+                        <a:endParaRPr lang="zh-TW" altLang="zh-TW" sz="1380" dirty="0">
                           <a:solidFill>
                             <a:srgbClr val="515151"/>
                           </a:solidFill>
@@ -11377,7 +11377,7 @@
                         </a:endParaRPr>
                       </a:p>
                       <a:p>
-                        <a:endParaRPr lang="zh-TW" altLang="en-US" sz="1300" dirty="0">
+                        <a:endParaRPr lang="zh-TW" altLang="en-US" sz="1380" dirty="0">
                           <a:solidFill>
                             <a:srgbClr val="515151"/>
                           </a:solidFill>
@@ -11401,8 +11401,8 @@
                     </p:nvSpPr>
                     <p:spPr>
                       <a:xfrm>
-                        <a:off x="5028512" y="1429853"/>
-                        <a:ext cx="2555101" cy="1492716"/>
+                        <a:off x="4922397" y="1429853"/>
+                        <a:ext cx="2555101" cy="1578894"/>
                       </a:xfrm>
                       <a:prstGeom prst="rect">
                         <a:avLst/>
@@ -11430,106 +11430,106 @@
                       <a:p>
                         <a:pPr lvl="0"/>
                         <a:r>
-                          <a:rPr lang="zh-TW" altLang="en-US" sz="1300" dirty="0"/>
+                          <a:rPr lang="zh-TW" altLang="en-US" sz="1380" dirty="0"/>
                           <a:t>．</a:t>
                         </a:r>
                         <a:r>
-                          <a:rPr lang="zh-TW" altLang="zh-TW" sz="1300" dirty="0"/>
+                          <a:rPr lang="zh-TW" altLang="zh-TW" sz="1380" dirty="0"/>
                           <a:t>遵守環境、安全、衛生相關</a:t>
                         </a:r>
-                        <a:endParaRPr lang="en-US" altLang="zh-TW" sz="1300" dirty="0"/>
+                        <a:endParaRPr lang="en-US" altLang="zh-TW" sz="1380" dirty="0"/>
                       </a:p>
                       <a:p>
                         <a:pPr lvl="0"/>
                         <a:r>
-                          <a:rPr lang="en-US" altLang="zh-TW" sz="1300" dirty="0"/>
+                          <a:rPr lang="en-US" altLang="zh-TW" sz="1380" dirty="0"/>
                           <a:t>   </a:t>
                         </a:r>
                         <a:r>
-                          <a:rPr lang="zh-TW" altLang="zh-TW" sz="1300" dirty="0"/>
+                          <a:rPr lang="zh-TW" altLang="zh-TW" sz="1380" dirty="0"/>
                           <a:t>法規</a:t>
                         </a:r>
                         <a:r>
-                          <a:rPr lang="zh-TW" altLang="en-US" sz="1300" dirty="0"/>
+                          <a:rPr lang="zh-TW" altLang="en-US" sz="1380" dirty="0"/>
                           <a:t>。</a:t>
                         </a:r>
-                        <a:endParaRPr lang="zh-TW" altLang="zh-TW" sz="1300" dirty="0"/>
+                        <a:endParaRPr lang="zh-TW" altLang="zh-TW" sz="1380" dirty="0"/>
                       </a:p>
                       <a:p>
                         <a:pPr lvl="0"/>
                         <a:r>
-                          <a:rPr lang="zh-TW" altLang="en-US" sz="1300" dirty="0"/>
+                          <a:rPr lang="zh-TW" altLang="en-US" sz="1380" dirty="0"/>
                           <a:t>．</a:t>
                         </a:r>
                         <a:r>
-                          <a:rPr lang="zh-TW" altLang="zh-TW" sz="1300" dirty="0"/>
+                          <a:rPr lang="zh-TW" altLang="zh-TW" sz="1380" dirty="0"/>
                           <a:t>取得相關許可認證</a:t>
                         </a:r>
                         <a:r>
-                          <a:rPr lang="zh-TW" altLang="en-US" sz="1300" dirty="0"/>
+                          <a:rPr lang="zh-TW" altLang="en-US" sz="1380" dirty="0"/>
                           <a:t>。</a:t>
                         </a:r>
-                        <a:endParaRPr lang="zh-TW" altLang="zh-TW" sz="1300" dirty="0"/>
+                        <a:endParaRPr lang="zh-TW" altLang="zh-TW" sz="1380" dirty="0"/>
                       </a:p>
                       <a:p>
                         <a:pPr lvl="0"/>
                         <a:r>
-                          <a:rPr lang="zh-TW" altLang="en-US" sz="1300" dirty="0"/>
+                          <a:rPr lang="zh-TW" altLang="en-US" sz="1380" dirty="0"/>
                           <a:t>．</a:t>
                         </a:r>
                         <a:r>
-                          <a:rPr lang="zh-TW" altLang="zh-TW" sz="1300" dirty="0"/>
+                          <a:rPr lang="zh-TW" altLang="zh-TW" sz="1380" dirty="0"/>
                           <a:t>預防有害物質及汙染</a:t>
                         </a:r>
                         <a:r>
-                          <a:rPr lang="zh-TW" altLang="en-US" sz="1300" dirty="0"/>
+                          <a:rPr lang="zh-TW" altLang="en-US" sz="1380" dirty="0"/>
                           <a:t>。</a:t>
                         </a:r>
-                        <a:endParaRPr lang="zh-TW" altLang="zh-TW" sz="1300" dirty="0"/>
+                        <a:endParaRPr lang="zh-TW" altLang="zh-TW" sz="1380" dirty="0"/>
                       </a:p>
                       <a:p>
                         <a:pPr lvl="0"/>
                         <a:r>
-                          <a:rPr lang="zh-TW" altLang="en-US" sz="1300" dirty="0"/>
+                          <a:rPr lang="zh-TW" altLang="en-US" sz="1380" dirty="0"/>
                           <a:t>．</a:t>
                         </a:r>
                         <a:r>
-                          <a:rPr lang="zh-TW" altLang="zh-TW" sz="1300" dirty="0"/>
+                          <a:rPr lang="zh-TW" altLang="zh-TW" sz="1380" dirty="0"/>
                           <a:t>尋找環境友善之替代品</a:t>
                         </a:r>
                         <a:r>
-                          <a:rPr lang="zh-TW" altLang="en-US" sz="1300" dirty="0"/>
+                          <a:rPr lang="zh-TW" altLang="en-US" sz="1380" dirty="0"/>
                           <a:t>。</a:t>
                         </a:r>
-                        <a:endParaRPr lang="zh-TW" altLang="zh-TW" sz="1300" dirty="0"/>
+                        <a:endParaRPr lang="zh-TW" altLang="zh-TW" sz="1380" dirty="0"/>
                       </a:p>
                       <a:p>
                         <a:pPr lvl="0"/>
                         <a:r>
-                          <a:rPr lang="zh-TW" altLang="en-US" sz="1300" dirty="0"/>
+                          <a:rPr lang="zh-TW" altLang="en-US" sz="1380" dirty="0"/>
                           <a:t>．</a:t>
                         </a:r>
                         <a:r>
-                          <a:rPr lang="zh-TW" altLang="zh-TW" sz="1300" dirty="0"/>
+                          <a:rPr lang="zh-TW" altLang="zh-TW" sz="1380" dirty="0"/>
                           <a:t>資源和能源之永續及有效利用</a:t>
                         </a:r>
                         <a:r>
-                          <a:rPr lang="zh-TW" altLang="en-US" sz="1300" dirty="0"/>
+                          <a:rPr lang="zh-TW" altLang="en-US" sz="1380" dirty="0"/>
                           <a:t>。</a:t>
                         </a:r>
-                        <a:endParaRPr lang="zh-TW" altLang="zh-TW" sz="1300" dirty="0"/>
+                        <a:endParaRPr lang="zh-TW" altLang="zh-TW" sz="1380" dirty="0"/>
                       </a:p>
                       <a:p>
                         <a:r>
-                          <a:rPr lang="zh-TW" altLang="en-US" sz="1300" dirty="0"/>
+                          <a:rPr lang="zh-TW" altLang="en-US" sz="1380" dirty="0"/>
                           <a:t>．</a:t>
                         </a:r>
                         <a:r>
-                          <a:rPr lang="zh-TW" altLang="zh-TW" sz="1300" dirty="0"/>
+                          <a:rPr lang="zh-TW" altLang="zh-TW" sz="1380" dirty="0"/>
                           <a:t>保護健康和環境的立即措施</a:t>
                         </a:r>
                         <a:r>
-                          <a:rPr lang="zh-TW" altLang="en-US" sz="1300" dirty="0"/>
+                          <a:rPr lang="zh-TW" altLang="en-US" sz="1380" dirty="0"/>
                           <a:t>。</a:t>
                         </a:r>
                       </a:p>
@@ -11549,8 +11549,8 @@
                     </p:nvSpPr>
                     <p:spPr>
                       <a:xfrm>
-                        <a:off x="8027343" y="968188"/>
-                        <a:ext cx="2219778" cy="1092607"/>
+                        <a:off x="7914620" y="968188"/>
+                        <a:ext cx="2219778" cy="1154162"/>
                       </a:xfrm>
                       <a:prstGeom prst="rect">
                         <a:avLst/>
@@ -11578,78 +11578,78 @@
                       <a:p>
                         <a:pPr lvl="0"/>
                         <a:r>
-                          <a:rPr lang="zh-TW" altLang="en-US" sz="1300" dirty="0"/>
+                          <a:rPr lang="zh-TW" altLang="en-US" sz="1380" dirty="0"/>
                           <a:t>．</a:t>
                         </a:r>
                         <a:r>
-                          <a:rPr lang="zh-TW" altLang="zh-TW" sz="1300" dirty="0"/>
+                          <a:rPr lang="zh-TW" altLang="zh-TW" sz="1380" dirty="0"/>
                           <a:t>提倡誠信正直和道德</a:t>
                         </a:r>
                         <a:r>
-                          <a:rPr lang="zh-TW" altLang="en-US" sz="1300" dirty="0"/>
+                          <a:rPr lang="zh-TW" altLang="en-US" sz="1380" dirty="0"/>
                           <a:t>。</a:t>
                         </a:r>
-                        <a:endParaRPr lang="zh-TW" altLang="zh-TW" sz="1300" dirty="0"/>
+                        <a:endParaRPr lang="zh-TW" altLang="zh-TW" sz="1380" dirty="0"/>
                       </a:p>
                       <a:p>
                         <a:pPr lvl="0"/>
                         <a:r>
-                          <a:rPr lang="zh-TW" altLang="en-US" sz="1300" dirty="0"/>
+                          <a:rPr lang="zh-TW" altLang="en-US" sz="1380" dirty="0"/>
                           <a:t>．</a:t>
                         </a:r>
                         <a:r>
-                          <a:rPr lang="zh-TW" altLang="zh-TW" sz="1300" dirty="0"/>
+                          <a:rPr lang="zh-TW" altLang="zh-TW" sz="1380" dirty="0"/>
                           <a:t>對貪腐採零容忍政策</a:t>
                         </a:r>
                         <a:r>
-                          <a:rPr lang="zh-TW" altLang="en-US" sz="1300" dirty="0"/>
+                          <a:rPr lang="zh-TW" altLang="en-US" sz="1380" dirty="0"/>
                           <a:t>。</a:t>
                         </a:r>
-                        <a:endParaRPr lang="zh-TW" altLang="zh-TW" sz="1300" dirty="0"/>
+                        <a:endParaRPr lang="zh-TW" altLang="zh-TW" sz="1380" dirty="0"/>
                       </a:p>
                       <a:p>
                         <a:pPr lvl="0"/>
                         <a:r>
-                          <a:rPr lang="zh-TW" altLang="en-US" sz="1300" dirty="0"/>
+                          <a:rPr lang="zh-TW" altLang="en-US" sz="1380" dirty="0"/>
                           <a:t>．</a:t>
                         </a:r>
                         <a:r>
-                          <a:rPr lang="zh-TW" altLang="zh-TW" sz="1300" dirty="0"/>
+                          <a:rPr lang="zh-TW" altLang="zh-TW" sz="1380" dirty="0"/>
                           <a:t>採取預防措施管控風險</a:t>
                         </a:r>
                         <a:r>
-                          <a:rPr lang="zh-TW" altLang="en-US" sz="1300" dirty="0"/>
+                          <a:rPr lang="zh-TW" altLang="en-US" sz="1380" dirty="0"/>
                           <a:t>。</a:t>
                         </a:r>
-                        <a:endParaRPr lang="zh-TW" altLang="zh-TW" sz="1300" dirty="0"/>
+                        <a:endParaRPr lang="zh-TW" altLang="zh-TW" sz="1380" dirty="0"/>
                       </a:p>
                       <a:p>
                         <a:pPr lvl="0"/>
                         <a:r>
-                          <a:rPr lang="zh-TW" altLang="en-US" sz="1300" dirty="0"/>
+                          <a:rPr lang="zh-TW" altLang="en-US" sz="1380" dirty="0"/>
                           <a:t>．</a:t>
                         </a:r>
                         <a:r>
-                          <a:rPr lang="zh-TW" altLang="zh-TW" sz="1300" dirty="0"/>
+                          <a:rPr lang="zh-TW" altLang="zh-TW" sz="1380" dirty="0"/>
                           <a:t>提供檢舉機制</a:t>
                         </a:r>
                         <a:r>
-                          <a:rPr lang="zh-TW" altLang="en-US" sz="1300" dirty="0"/>
+                          <a:rPr lang="zh-TW" altLang="en-US" sz="1380" dirty="0"/>
                           <a:t>。</a:t>
                         </a:r>
-                        <a:endParaRPr lang="zh-TW" altLang="zh-TW" sz="1300" dirty="0"/>
+                        <a:endParaRPr lang="zh-TW" altLang="zh-TW" sz="1380" dirty="0"/>
                       </a:p>
                       <a:p>
                         <a:r>
-                          <a:rPr lang="zh-TW" altLang="en-US" sz="1300" dirty="0"/>
+                          <a:rPr lang="zh-TW" altLang="en-US" sz="1380" dirty="0"/>
                           <a:t>．</a:t>
                         </a:r>
                         <a:r>
-                          <a:rPr lang="zh-TW" altLang="zh-TW" sz="1300" dirty="0"/>
+                          <a:rPr lang="zh-TW" altLang="zh-TW" sz="1380" dirty="0"/>
                           <a:t>不違反貿易制裁</a:t>
                         </a:r>
                         <a:r>
-                          <a:rPr lang="zh-TW" altLang="en-US" sz="1300" dirty="0"/>
+                          <a:rPr lang="zh-TW" altLang="en-US" sz="1380" dirty="0"/>
                           <a:t>。</a:t>
                         </a:r>
                       </a:p>
@@ -11669,8 +11669,8 @@
                     </p:nvSpPr>
                     <p:spPr>
                       <a:xfrm>
-                        <a:off x="5114365" y="923675"/>
-                        <a:ext cx="1853561" cy="461665"/>
+                        <a:off x="5173861" y="923675"/>
+                        <a:ext cx="1853561" cy="517065"/>
                       </a:xfrm>
                       <a:prstGeom prst="rect">
                         <a:avLst/>
@@ -11688,7 +11688,7 @@
                           </a:spcAft>
                         </a:pPr>
                         <a:r>
-                          <a:rPr lang="zh-TW" altLang="zh-TW" sz="1200" b="1" dirty="0">
+                          <a:rPr lang="zh-TW" altLang="zh-TW" sz="1380" b="1" dirty="0">
                             <a:solidFill>
                               <a:srgbClr val="515151"/>
                             </a:solidFill>
@@ -11705,7 +11705,7 @@
                           </a:spcAft>
                         </a:pPr>
                         <a:r>
-                          <a:rPr lang="zh-TW" altLang="zh-TW" sz="1200" b="1" dirty="0">
+                          <a:rPr lang="zh-TW" altLang="zh-TW" sz="1380" b="1" dirty="0">
                             <a:solidFill>
                               <a:srgbClr val="515151"/>
                             </a:solidFill>
@@ -11788,8 +11788,8 @@
                     </p:nvSpPr>
                     <p:spPr>
                       <a:xfrm>
-                        <a:off x="5811305" y="-277809"/>
-                        <a:ext cx="569387" cy="323165"/>
+                        <a:off x="5730347" y="-277809"/>
+                        <a:ext cx="621592" cy="400110"/>
                       </a:xfrm>
                       <a:prstGeom prst="rect">
                         <a:avLst/>
@@ -11807,7 +11807,7 @@
                           </a:spcAft>
                         </a:pPr>
                         <a:r>
-                          <a:rPr lang="zh-TW" altLang="zh-TW" sz="1500" b="1" kern="100" dirty="0">
+                          <a:rPr lang="zh-TW" altLang="zh-TW" sz="2000" b="1" kern="100" dirty="0">
                             <a:solidFill>
                               <a:srgbClr val="002453"/>
                             </a:solidFill>
@@ -11817,7 +11817,7 @@
                           </a:rPr>
                           <a:t>期望</a:t>
                         </a:r>
-                        <a:endParaRPr lang="zh-TW" altLang="zh-TW" sz="1500" kern="100" dirty="0">
+                        <a:endParaRPr lang="zh-TW" altLang="zh-TW" sz="2000" kern="100" dirty="0">
                           <a:solidFill>
                             <a:srgbClr val="002453"/>
                           </a:solidFill>
@@ -11843,7 +11843,7 @@
                     <p:spPr>
                       <a:xfrm>
                         <a:off x="5278346" y="149333"/>
-                        <a:ext cx="2219778" cy="1092607"/>
+                        <a:ext cx="2219778" cy="1154162"/>
                       </a:xfrm>
                       <a:prstGeom prst="rect">
                         <a:avLst/>
@@ -11858,7 +11858,7 @@
                       <a:p>
                         <a:pPr lvl="0"/>
                         <a:r>
-                          <a:rPr lang="zh-TW" altLang="en-US" sz="1300" dirty="0">
+                          <a:rPr lang="zh-TW" altLang="en-US" sz="1380" dirty="0">
                             <a:solidFill>
                               <a:srgbClr val="515151"/>
                             </a:solidFill>
@@ -11868,7 +11868,7 @@
                           <a:t>．</a:t>
                         </a:r>
                         <a:r>
-                          <a:rPr lang="zh-TW" altLang="zh-TW" sz="1300" dirty="0">
+                          <a:rPr lang="zh-TW" altLang="zh-TW" sz="1380" dirty="0">
                             <a:solidFill>
                               <a:srgbClr val="515151"/>
                             </a:solidFill>
@@ -11878,7 +11878,7 @@
                           <a:t>遵守適用之法規</a:t>
                         </a:r>
                         <a:r>
-                          <a:rPr lang="zh-TW" altLang="en-US" sz="1300" dirty="0">
+                          <a:rPr lang="zh-TW" altLang="en-US" sz="1380" dirty="0">
                             <a:solidFill>
                               <a:srgbClr val="515151"/>
                             </a:solidFill>
@@ -11887,7 +11887,7 @@
                           </a:rPr>
                           <a:t>。</a:t>
                         </a:r>
-                        <a:endParaRPr lang="zh-TW" altLang="zh-TW" sz="1300" dirty="0">
+                        <a:endParaRPr lang="zh-TW" altLang="zh-TW" sz="1380" dirty="0">
                           <a:solidFill>
                             <a:srgbClr val="515151"/>
                           </a:solidFill>
@@ -11898,7 +11898,7 @@
                       <a:p>
                         <a:pPr lvl="0"/>
                         <a:r>
-                          <a:rPr lang="zh-TW" altLang="en-US" sz="1300" dirty="0">
+                          <a:rPr lang="zh-TW" altLang="en-US" sz="1380" dirty="0">
                             <a:solidFill>
                               <a:srgbClr val="515151"/>
                             </a:solidFill>
@@ -11908,7 +11908,7 @@
                           <a:t>．</a:t>
                         </a:r>
                         <a:r>
-                          <a:rPr lang="zh-TW" altLang="zh-TW" sz="1300" dirty="0">
+                          <a:rPr lang="zh-TW" altLang="zh-TW" sz="1380" dirty="0">
                             <a:solidFill>
                               <a:srgbClr val="515151"/>
                             </a:solidFill>
@@ -11918,7 +11918,7 @@
                           <a:t>提供申訴機制</a:t>
                         </a:r>
                         <a:r>
-                          <a:rPr lang="zh-TW" altLang="en-US" sz="1300" dirty="0">
+                          <a:rPr lang="zh-TW" altLang="en-US" sz="1380" dirty="0">
                             <a:solidFill>
                               <a:srgbClr val="515151"/>
                             </a:solidFill>
@@ -11927,7 +11927,7 @@
                           </a:rPr>
                           <a:t>。</a:t>
                         </a:r>
-                        <a:endParaRPr lang="zh-TW" altLang="zh-TW" sz="1300" dirty="0">
+                        <a:endParaRPr lang="zh-TW" altLang="zh-TW" sz="1380" dirty="0">
                           <a:solidFill>
                             <a:srgbClr val="515151"/>
                           </a:solidFill>
@@ -11938,7 +11938,7 @@
                       <a:p>
                         <a:pPr lvl="0"/>
                         <a:r>
-                          <a:rPr lang="zh-TW" altLang="en-US" sz="1300" dirty="0">
+                          <a:rPr lang="zh-TW" altLang="en-US" sz="1380" dirty="0">
                             <a:solidFill>
                               <a:srgbClr val="515151"/>
                             </a:solidFill>
@@ -11948,7 +11948,7 @@
                           <a:t>．</a:t>
                         </a:r>
                         <a:r>
-                          <a:rPr lang="zh-TW" altLang="zh-TW" sz="1300" dirty="0">
+                          <a:rPr lang="zh-TW" altLang="zh-TW" sz="1380" dirty="0">
                             <a:solidFill>
                               <a:srgbClr val="515151"/>
                             </a:solidFill>
@@ -11958,7 +11958,7 @@
                           <a:t>遵守本準則</a:t>
                         </a:r>
                         <a:r>
-                          <a:rPr lang="zh-TW" altLang="en-US" sz="1300" dirty="0">
+                          <a:rPr lang="zh-TW" altLang="en-US" sz="1380" dirty="0">
                             <a:solidFill>
                               <a:srgbClr val="515151"/>
                             </a:solidFill>
@@ -11967,7 +11967,7 @@
                           </a:rPr>
                           <a:t>。</a:t>
                         </a:r>
-                        <a:endParaRPr lang="zh-TW" altLang="zh-TW" sz="1300" dirty="0">
+                        <a:endParaRPr lang="zh-TW" altLang="zh-TW" sz="1380" dirty="0">
                           <a:solidFill>
                             <a:srgbClr val="515151"/>
                           </a:solidFill>
@@ -11978,7 +11978,7 @@
                       <a:p>
                         <a:pPr lvl="0"/>
                         <a:r>
-                          <a:rPr lang="zh-TW" altLang="en-US" sz="1300" dirty="0">
+                          <a:rPr lang="zh-TW" altLang="en-US" sz="1380" dirty="0">
                             <a:solidFill>
                               <a:srgbClr val="515151"/>
                             </a:solidFill>
@@ -11988,7 +11988,7 @@
                           <a:t>．</a:t>
                         </a:r>
                         <a:r>
-                          <a:rPr lang="zh-TW" altLang="zh-TW" sz="1300" dirty="0">
+                          <a:rPr lang="zh-TW" altLang="zh-TW" sz="1380" dirty="0">
                             <a:solidFill>
                               <a:srgbClr val="515151"/>
                             </a:solidFill>
@@ -11998,7 +11998,7 @@
                           <a:t>採取盡職調查</a:t>
                         </a:r>
                         <a:r>
-                          <a:rPr lang="zh-TW" altLang="en-US" sz="1300" dirty="0">
+                          <a:rPr lang="zh-TW" altLang="en-US" sz="1380" dirty="0">
                             <a:solidFill>
                               <a:srgbClr val="515151"/>
                             </a:solidFill>
@@ -12007,7 +12007,7 @@
                           </a:rPr>
                           <a:t>。</a:t>
                         </a:r>
-                        <a:endParaRPr lang="zh-TW" altLang="zh-TW" sz="1300" dirty="0">
+                        <a:endParaRPr lang="zh-TW" altLang="zh-TW" sz="1380" dirty="0">
                           <a:solidFill>
                             <a:srgbClr val="515151"/>
                           </a:solidFill>
@@ -12018,7 +12018,7 @@
                       <a:p>
                         <a:pPr lvl="0"/>
                         <a:r>
-                          <a:rPr lang="zh-TW" altLang="en-US" sz="1300" dirty="0">
+                          <a:rPr lang="zh-TW" altLang="en-US" sz="1380" dirty="0">
                             <a:solidFill>
                               <a:srgbClr val="515151"/>
                             </a:solidFill>
@@ -12028,7 +12028,7 @@
                           <a:t>．</a:t>
                         </a:r>
                         <a:r>
-                          <a:rPr lang="zh-TW" altLang="zh-TW" sz="1300" dirty="0">
+                          <a:rPr lang="zh-TW" altLang="zh-TW" sz="1380" dirty="0">
                             <a:solidFill>
                               <a:srgbClr val="515151"/>
                             </a:solidFill>
@@ -12038,7 +12038,7 @@
                           <a:t>評估與改進</a:t>
                         </a:r>
                         <a:r>
-                          <a:rPr lang="zh-TW" altLang="en-US" sz="1300" dirty="0">
+                          <a:rPr lang="zh-TW" altLang="en-US" sz="1380" dirty="0">
                             <a:solidFill>
                               <a:srgbClr val="515151"/>
                             </a:solidFill>
@@ -12047,7 +12047,7 @@
                           </a:rPr>
                           <a:t>。</a:t>
                         </a:r>
-                        <a:endParaRPr lang="zh-TW" altLang="zh-TW" sz="1300" dirty="0">
+                        <a:endParaRPr lang="zh-TW" altLang="zh-TW" sz="1380" dirty="0">
                           <a:solidFill>
                             <a:srgbClr val="515151"/>
                           </a:solidFill>
